--- a/Slides/PH223_Lecture_11.pptx
+++ b/Slides/PH223_Lecture_11.pptx
@@ -5,42 +5,49 @@
     <p:sldMasterId id="2147483648" r:id="rId1"/>
   </p:sldMasterIdLst>
   <p:sldIdLst>
-    <p:sldId id="258" r:id="rId2"/>
-    <p:sldId id="256" r:id="rId3"/>
-    <p:sldId id="259" r:id="rId4"/>
-    <p:sldId id="257" r:id="rId5"/>
-    <p:sldId id="261" r:id="rId6"/>
-    <p:sldId id="262" r:id="rId7"/>
-    <p:sldId id="260" r:id="rId8"/>
-    <p:sldId id="264" r:id="rId9"/>
-    <p:sldId id="265" r:id="rId10"/>
-    <p:sldId id="292" r:id="rId11"/>
-    <p:sldId id="266" r:id="rId12"/>
-    <p:sldId id="267" r:id="rId13"/>
-    <p:sldId id="268" r:id="rId14"/>
-    <p:sldId id="305" r:id="rId15"/>
-    <p:sldId id="269" r:id="rId16"/>
-    <p:sldId id="270" r:id="rId17"/>
-    <p:sldId id="271" r:id="rId18"/>
-    <p:sldId id="272" r:id="rId19"/>
-    <p:sldId id="274" r:id="rId20"/>
-    <p:sldId id="299" r:id="rId21"/>
-    <p:sldId id="300" r:id="rId22"/>
-    <p:sldId id="276" r:id="rId23"/>
-    <p:sldId id="277" r:id="rId24"/>
-    <p:sldId id="278" r:id="rId25"/>
-    <p:sldId id="279" r:id="rId26"/>
-    <p:sldId id="280" r:id="rId27"/>
-    <p:sldId id="290" r:id="rId28"/>
-    <p:sldId id="302" r:id="rId29"/>
-    <p:sldId id="303" r:id="rId30"/>
-    <p:sldId id="304" r:id="rId31"/>
-    <p:sldId id="291" r:id="rId32"/>
-    <p:sldId id="293" r:id="rId33"/>
-    <p:sldId id="294" r:id="rId34"/>
-    <p:sldId id="297" r:id="rId35"/>
-    <p:sldId id="301" r:id="rId36"/>
-    <p:sldId id="298" r:id="rId37"/>
+    <p:sldId id="1388" r:id="rId2"/>
+    <p:sldId id="1390" r:id="rId3"/>
+    <p:sldId id="258" r:id="rId4"/>
+    <p:sldId id="256" r:id="rId5"/>
+    <p:sldId id="259" r:id="rId6"/>
+    <p:sldId id="1391" r:id="rId7"/>
+    <p:sldId id="257" r:id="rId8"/>
+    <p:sldId id="261" r:id="rId9"/>
+    <p:sldId id="262" r:id="rId10"/>
+    <p:sldId id="260" r:id="rId11"/>
+    <p:sldId id="264" r:id="rId12"/>
+    <p:sldId id="265" r:id="rId13"/>
+    <p:sldId id="1392" r:id="rId14"/>
+    <p:sldId id="292" r:id="rId15"/>
+    <p:sldId id="266" r:id="rId16"/>
+    <p:sldId id="267" r:id="rId17"/>
+    <p:sldId id="1393" r:id="rId18"/>
+    <p:sldId id="268" r:id="rId19"/>
+    <p:sldId id="1387" r:id="rId20"/>
+    <p:sldId id="305" r:id="rId21"/>
+    <p:sldId id="269" r:id="rId22"/>
+    <p:sldId id="270" r:id="rId23"/>
+    <p:sldId id="271" r:id="rId24"/>
+    <p:sldId id="272" r:id="rId25"/>
+    <p:sldId id="274" r:id="rId26"/>
+    <p:sldId id="299" r:id="rId27"/>
+    <p:sldId id="300" r:id="rId28"/>
+    <p:sldId id="276" r:id="rId29"/>
+    <p:sldId id="277" r:id="rId30"/>
+    <p:sldId id="1238" r:id="rId31"/>
+    <p:sldId id="278" r:id="rId32"/>
+    <p:sldId id="279" r:id="rId33"/>
+    <p:sldId id="280" r:id="rId34"/>
+    <p:sldId id="290" r:id="rId35"/>
+    <p:sldId id="302" r:id="rId36"/>
+    <p:sldId id="303" r:id="rId37"/>
+    <p:sldId id="304" r:id="rId38"/>
+    <p:sldId id="291" r:id="rId39"/>
+    <p:sldId id="293" r:id="rId40"/>
+    <p:sldId id="294" r:id="rId41"/>
+    <p:sldId id="297" r:id="rId42"/>
+    <p:sldId id="301" r:id="rId43"/>
+    <p:sldId id="298" r:id="rId44"/>
   </p:sldIdLst>
   <p:sldSz cx="9144000" cy="6858000" type="screen4x3"/>
   <p:notesSz cx="6858000" cy="9144000"/>
@@ -139,7 +146,323 @@
       </a:defRPr>
     </a:lvl9pPr>
   </p:defaultTextStyle>
+  <p:extLst>
+    <p:ext uri="{EFAFB233-063F-42B5-8137-9DF3F51BA10A}">
+      <p15:sldGuideLst xmlns:p15="http://schemas.microsoft.com/office/powerpoint/2012/main">
+        <p15:guide id="1" orient="horz" pos="2160">
+          <p15:clr>
+            <a:srgbClr val="A4A3A4"/>
+          </p15:clr>
+        </p15:guide>
+        <p15:guide id="2" pos="2880">
+          <p15:clr>
+            <a:srgbClr val="A4A3A4"/>
+          </p15:clr>
+        </p15:guide>
+      </p15:sldGuideLst>
+    </p:ext>
+  </p:extLst>
 </p:presentation>
+</file>
+
+<file path=ppt/revisionInfo.xml><?xml version="1.0" encoding="utf-8"?>
+<p1510:revInfo xmlns:a="http://schemas.openxmlformats.org/drawingml/2006/main" xmlns:r="http://schemas.openxmlformats.org/officeDocument/2006/relationships" xmlns:p1510="http://schemas.microsoft.com/office/powerpoint/2015/10/main">
+  <p1510:revLst>
+    <p1510:client id="{63800CE7-8C60-43B0-9F00-B562DD0F0099}" v="14" dt="2023-09-26T16:44:27.855"/>
+  </p1510:revLst>
+</p1510:revInfo>
+</file>
+
+<file path=ppt/changesInfos/changesInfo1.xml><?xml version="1.0" encoding="utf-8"?>
+<pc:chgInfo xmlns:a="http://schemas.openxmlformats.org/drawingml/2006/main" xmlns:r="http://schemas.openxmlformats.org/officeDocument/2006/relationships" xmlns:ac="http://schemas.microsoft.com/office/drawing/2013/main/command" xmlns:pc="http://schemas.microsoft.com/office/powerpoint/2013/main/command">
+  <pc:docChgLst>
+    <pc:chgData name="Lines, Todd" userId="afaf7c3a-e8aa-4568-882a-02ad8f9e19b0" providerId="ADAL" clId="{63800CE7-8C60-43B0-9F00-B562DD0F0099}"/>
+    <pc:docChg chg="undo custSel addSld delSld modSld sldOrd">
+      <pc:chgData name="Lines, Todd" userId="afaf7c3a-e8aa-4568-882a-02ad8f9e19b0" providerId="ADAL" clId="{63800CE7-8C60-43B0-9F00-B562DD0F0099}" dt="2023-09-26T23:51:48.121" v="772" actId="478"/>
+      <pc:docMkLst>
+        <pc:docMk/>
+      </pc:docMkLst>
+      <pc:sldChg chg="delSp mod">
+        <pc:chgData name="Lines, Todd" userId="afaf7c3a-e8aa-4568-882a-02ad8f9e19b0" providerId="ADAL" clId="{63800CE7-8C60-43B0-9F00-B562DD0F0099}" dt="2023-09-26T23:51:48.121" v="772" actId="478"/>
+        <pc:sldMkLst>
+          <pc:docMk/>
+          <pc:sldMk cId="0" sldId="269"/>
+        </pc:sldMkLst>
+        <pc:spChg chg="del">
+          <ac:chgData name="Lines, Todd" userId="afaf7c3a-e8aa-4568-882a-02ad8f9e19b0" providerId="ADAL" clId="{63800CE7-8C60-43B0-9F00-B562DD0F0099}" dt="2023-09-26T23:51:48.121" v="772" actId="478"/>
+          <ac:spMkLst>
+            <pc:docMk/>
+            <pc:sldMk cId="0" sldId="269"/>
+            <ac:spMk id="7" creationId="{00000000-0000-0000-0000-000000000000}"/>
+          </ac:spMkLst>
+        </pc:spChg>
+      </pc:sldChg>
+      <pc:sldChg chg="add">
+        <pc:chgData name="Lines, Todd" userId="afaf7c3a-e8aa-4568-882a-02ad8f9e19b0" providerId="ADAL" clId="{63800CE7-8C60-43B0-9F00-B562DD0F0099}" dt="2023-09-25T23:32:56.326" v="11"/>
+        <pc:sldMkLst>
+          <pc:docMk/>
+          <pc:sldMk cId="0" sldId="1238"/>
+        </pc:sldMkLst>
+      </pc:sldChg>
+      <pc:sldChg chg="add ord">
+        <pc:chgData name="Lines, Todd" userId="afaf7c3a-e8aa-4568-882a-02ad8f9e19b0" providerId="ADAL" clId="{63800CE7-8C60-43B0-9F00-B562DD0F0099}" dt="2023-09-25T23:32:31.596" v="10"/>
+        <pc:sldMkLst>
+          <pc:docMk/>
+          <pc:sldMk cId="2555118250" sldId="1387"/>
+        </pc:sldMkLst>
+      </pc:sldChg>
+      <pc:sldChg chg="modSp new mod">
+        <pc:chgData name="Lines, Todd" userId="afaf7c3a-e8aa-4568-882a-02ad8f9e19b0" providerId="ADAL" clId="{63800CE7-8C60-43B0-9F00-B562DD0F0099}" dt="2023-09-26T16:33:34.532" v="22" actId="20577"/>
+        <pc:sldMkLst>
+          <pc:docMk/>
+          <pc:sldMk cId="3935541707" sldId="1388"/>
+        </pc:sldMkLst>
+        <pc:spChg chg="mod">
+          <ac:chgData name="Lines, Todd" userId="afaf7c3a-e8aa-4568-882a-02ad8f9e19b0" providerId="ADAL" clId="{63800CE7-8C60-43B0-9F00-B562DD0F0099}" dt="2023-09-26T16:33:34.532" v="22" actId="20577"/>
+          <ac:spMkLst>
+            <pc:docMk/>
+            <pc:sldMk cId="3935541707" sldId="1388"/>
+            <ac:spMk id="2" creationId="{94EA0EF4-AA94-CB81-643C-0815C0F417D2}"/>
+          </ac:spMkLst>
+        </pc:spChg>
+      </pc:sldChg>
+      <pc:sldChg chg="new del">
+        <pc:chgData name="Lines, Todd" userId="afaf7c3a-e8aa-4568-882a-02ad8f9e19b0" providerId="ADAL" clId="{63800CE7-8C60-43B0-9F00-B562DD0F0099}" dt="2023-09-26T16:35:53.791" v="266" actId="47"/>
+        <pc:sldMkLst>
+          <pc:docMk/>
+          <pc:sldMk cId="3097508261" sldId="1389"/>
+        </pc:sldMkLst>
+      </pc:sldChg>
+      <pc:sldChg chg="addSp modSp add mod">
+        <pc:chgData name="Lines, Todd" userId="afaf7c3a-e8aa-4568-882a-02ad8f9e19b0" providerId="ADAL" clId="{63800CE7-8C60-43B0-9F00-B562DD0F0099}" dt="2023-09-26T16:35:50.509" v="265" actId="14100"/>
+        <pc:sldMkLst>
+          <pc:docMk/>
+          <pc:sldMk cId="2432076691" sldId="1390"/>
+        </pc:sldMkLst>
+        <pc:spChg chg="mod">
+          <ac:chgData name="Lines, Todd" userId="afaf7c3a-e8aa-4568-882a-02ad8f9e19b0" providerId="ADAL" clId="{63800CE7-8C60-43B0-9F00-B562DD0F0099}" dt="2023-09-26T16:35:50.509" v="265" actId="14100"/>
+          <ac:spMkLst>
+            <pc:docMk/>
+            <pc:sldMk cId="2432076691" sldId="1390"/>
+            <ac:spMk id="2" creationId="{00000000-0000-0000-0000-000000000000}"/>
+          </ac:spMkLst>
+        </pc:spChg>
+        <pc:spChg chg="mod">
+          <ac:chgData name="Lines, Todd" userId="afaf7c3a-e8aa-4568-882a-02ad8f9e19b0" providerId="ADAL" clId="{63800CE7-8C60-43B0-9F00-B562DD0F0099}" dt="2023-09-26T16:35:02.031" v="221" actId="5793"/>
+          <ac:spMkLst>
+            <pc:docMk/>
+            <pc:sldMk cId="2432076691" sldId="1390"/>
+            <ac:spMk id="3" creationId="{00000000-0000-0000-0000-000000000000}"/>
+          </ac:spMkLst>
+        </pc:spChg>
+        <pc:spChg chg="add mod">
+          <ac:chgData name="Lines, Todd" userId="afaf7c3a-e8aa-4568-882a-02ad8f9e19b0" providerId="ADAL" clId="{63800CE7-8C60-43B0-9F00-B562DD0F0099}" dt="2023-09-26T16:35:46.487" v="264" actId="1037"/>
+          <ac:spMkLst>
+            <pc:docMk/>
+            <pc:sldMk cId="2432076691" sldId="1390"/>
+            <ac:spMk id="4" creationId="{70F33C2B-F1CD-21D3-C981-131CF70D97F4}"/>
+          </ac:spMkLst>
+        </pc:spChg>
+        <pc:picChg chg="mod">
+          <ac:chgData name="Lines, Todd" userId="afaf7c3a-e8aa-4568-882a-02ad8f9e19b0" providerId="ADAL" clId="{63800CE7-8C60-43B0-9F00-B562DD0F0099}" dt="2023-09-26T16:35:46.487" v="264" actId="1037"/>
+          <ac:picMkLst>
+            <pc:docMk/>
+            <pc:sldMk cId="2432076691" sldId="1390"/>
+            <ac:picMk id="3074" creationId="{00000000-0000-0000-0000-000000000000}"/>
+          </ac:picMkLst>
+        </pc:picChg>
+      </pc:sldChg>
+      <pc:sldChg chg="addSp modSp add mod">
+        <pc:chgData name="Lines, Todd" userId="afaf7c3a-e8aa-4568-882a-02ad8f9e19b0" providerId="ADAL" clId="{63800CE7-8C60-43B0-9F00-B562DD0F0099}" dt="2023-09-26T16:39:53.331" v="469" actId="20577"/>
+        <pc:sldMkLst>
+          <pc:docMk/>
+          <pc:sldMk cId="807199054" sldId="1391"/>
+        </pc:sldMkLst>
+        <pc:spChg chg="mod">
+          <ac:chgData name="Lines, Todd" userId="afaf7c3a-e8aa-4568-882a-02ad8f9e19b0" providerId="ADAL" clId="{63800CE7-8C60-43B0-9F00-B562DD0F0099}" dt="2023-09-26T16:39:53.331" v="469" actId="20577"/>
+          <ac:spMkLst>
+            <pc:docMk/>
+            <pc:sldMk cId="807199054" sldId="1391"/>
+            <ac:spMk id="3" creationId="{00000000-0000-0000-0000-000000000000}"/>
+          </ac:spMkLst>
+        </pc:spChg>
+        <pc:spChg chg="add mod">
+          <ac:chgData name="Lines, Todd" userId="afaf7c3a-e8aa-4568-882a-02ad8f9e19b0" providerId="ADAL" clId="{63800CE7-8C60-43B0-9F00-B562DD0F0099}" dt="2023-09-26T16:37:46.112" v="276" actId="1076"/>
+          <ac:spMkLst>
+            <pc:docMk/>
+            <pc:sldMk cId="807199054" sldId="1391"/>
+            <ac:spMk id="5" creationId="{09DBFF4C-BCD8-13B6-07F3-6BB27892273A}"/>
+          </ac:spMkLst>
+        </pc:spChg>
+        <pc:spChg chg="add mod">
+          <ac:chgData name="Lines, Todd" userId="afaf7c3a-e8aa-4568-882a-02ad8f9e19b0" providerId="ADAL" clId="{63800CE7-8C60-43B0-9F00-B562DD0F0099}" dt="2023-09-26T16:38:04.533" v="378" actId="1035"/>
+          <ac:spMkLst>
+            <pc:docMk/>
+            <pc:sldMk cId="807199054" sldId="1391"/>
+            <ac:spMk id="6" creationId="{1FBE7A73-7D94-3A7B-556F-4DC4E6DF4FE3}"/>
+          </ac:spMkLst>
+        </pc:spChg>
+      </pc:sldChg>
+      <pc:sldChg chg="addSp modSp add mod">
+        <pc:chgData name="Lines, Todd" userId="afaf7c3a-e8aa-4568-882a-02ad8f9e19b0" providerId="ADAL" clId="{63800CE7-8C60-43B0-9F00-B562DD0F0099}" dt="2023-09-26T16:41:34.250" v="509" actId="1038"/>
+        <pc:sldMkLst>
+          <pc:docMk/>
+          <pc:sldMk cId="3655617250" sldId="1392"/>
+        </pc:sldMkLst>
+        <pc:spChg chg="mod">
+          <ac:chgData name="Lines, Todd" userId="afaf7c3a-e8aa-4568-882a-02ad8f9e19b0" providerId="ADAL" clId="{63800CE7-8C60-43B0-9F00-B562DD0F0099}" dt="2023-09-26T16:40:06.628" v="482" actId="6549"/>
+          <ac:spMkLst>
+            <pc:docMk/>
+            <pc:sldMk cId="3655617250" sldId="1392"/>
+            <ac:spMk id="3" creationId="{00000000-0000-0000-0000-000000000000}"/>
+          </ac:spMkLst>
+        </pc:spChg>
+        <pc:spChg chg="mod">
+          <ac:chgData name="Lines, Todd" userId="afaf7c3a-e8aa-4568-882a-02ad8f9e19b0" providerId="ADAL" clId="{63800CE7-8C60-43B0-9F00-B562DD0F0099}" dt="2023-09-26T16:40:20.420" v="484" actId="1076"/>
+          <ac:spMkLst>
+            <pc:docMk/>
+            <pc:sldMk cId="3655617250" sldId="1392"/>
+            <ac:spMk id="4" creationId="{70F33C2B-F1CD-21D3-C981-131CF70D97F4}"/>
+          </ac:spMkLst>
+        </pc:spChg>
+        <pc:spChg chg="mod">
+          <ac:chgData name="Lines, Todd" userId="afaf7c3a-e8aa-4568-882a-02ad8f9e19b0" providerId="ADAL" clId="{63800CE7-8C60-43B0-9F00-B562DD0F0099}" dt="2023-09-26T16:41:34.250" v="509" actId="1038"/>
+          <ac:spMkLst>
+            <pc:docMk/>
+            <pc:sldMk cId="3655617250" sldId="1392"/>
+            <ac:spMk id="5" creationId="{09DBFF4C-BCD8-13B6-07F3-6BB27892273A}"/>
+          </ac:spMkLst>
+        </pc:spChg>
+        <pc:spChg chg="mod">
+          <ac:chgData name="Lines, Todd" userId="afaf7c3a-e8aa-4568-882a-02ad8f9e19b0" providerId="ADAL" clId="{63800CE7-8C60-43B0-9F00-B562DD0F0099}" dt="2023-09-26T16:41:34.250" v="509" actId="1038"/>
+          <ac:spMkLst>
+            <pc:docMk/>
+            <pc:sldMk cId="3655617250" sldId="1392"/>
+            <ac:spMk id="6" creationId="{1FBE7A73-7D94-3A7B-556F-4DC4E6DF4FE3}"/>
+          </ac:spMkLst>
+        </pc:spChg>
+        <pc:picChg chg="add mod ord">
+          <ac:chgData name="Lines, Todd" userId="afaf7c3a-e8aa-4568-882a-02ad8f9e19b0" providerId="ADAL" clId="{63800CE7-8C60-43B0-9F00-B562DD0F0099}" dt="2023-09-26T16:41:34.250" v="509" actId="1038"/>
+          <ac:picMkLst>
+            <pc:docMk/>
+            <pc:sldMk cId="3655617250" sldId="1392"/>
+            <ac:picMk id="7" creationId="{5E0A8329-D581-D634-3B7A-576DD2D2B61B}"/>
+          </ac:picMkLst>
+        </pc:picChg>
+        <pc:picChg chg="mod">
+          <ac:chgData name="Lines, Todd" userId="afaf7c3a-e8aa-4568-882a-02ad8f9e19b0" providerId="ADAL" clId="{63800CE7-8C60-43B0-9F00-B562DD0F0099}" dt="2023-09-26T16:40:15.840" v="483" actId="14100"/>
+          <ac:picMkLst>
+            <pc:docMk/>
+            <pc:sldMk cId="3655617250" sldId="1392"/>
+            <ac:picMk id="3074" creationId="{00000000-0000-0000-0000-000000000000}"/>
+          </ac:picMkLst>
+        </pc:picChg>
+      </pc:sldChg>
+      <pc:sldChg chg="add del">
+        <pc:chgData name="Lines, Todd" userId="afaf7c3a-e8aa-4568-882a-02ad8f9e19b0" providerId="ADAL" clId="{63800CE7-8C60-43B0-9F00-B562DD0F0099}" dt="2023-09-26T16:41:38.735" v="510" actId="47"/>
+        <pc:sldMkLst>
+          <pc:docMk/>
+          <pc:sldMk cId="2985780737" sldId="1393"/>
+        </pc:sldMkLst>
+      </pc:sldChg>
+      <pc:sldChg chg="addSp delSp modSp new mod">
+        <pc:chgData name="Lines, Todd" userId="afaf7c3a-e8aa-4568-882a-02ad8f9e19b0" providerId="ADAL" clId="{63800CE7-8C60-43B0-9F00-B562DD0F0099}" dt="2023-09-26T16:45:01.521" v="771" actId="1038"/>
+        <pc:sldMkLst>
+          <pc:docMk/>
+          <pc:sldMk cId="2985780737" sldId="1393"/>
+        </pc:sldMkLst>
+        <pc:spChg chg="mod">
+          <ac:chgData name="Lines, Todd" userId="afaf7c3a-e8aa-4568-882a-02ad8f9e19b0" providerId="ADAL" clId="{63800CE7-8C60-43B0-9F00-B562DD0F0099}" dt="2023-09-26T16:42:09.923" v="519" actId="20577"/>
+          <ac:spMkLst>
+            <pc:docMk/>
+            <pc:sldMk cId="2985780737" sldId="1393"/>
+            <ac:spMk id="2" creationId="{4FBB5439-E1A5-749B-55C4-5D6E9CC9BA19}"/>
+          </ac:spMkLst>
+        </pc:spChg>
+        <pc:spChg chg="mod">
+          <ac:chgData name="Lines, Todd" userId="afaf7c3a-e8aa-4568-882a-02ad8f9e19b0" providerId="ADAL" clId="{63800CE7-8C60-43B0-9F00-B562DD0F0099}" dt="2023-09-26T16:43:37.317" v="675" actId="20577"/>
+          <ac:spMkLst>
+            <pc:docMk/>
+            <pc:sldMk cId="2985780737" sldId="1393"/>
+            <ac:spMk id="3" creationId="{0BCB696E-FA4F-4439-3586-93A5B8533B04}"/>
+          </ac:spMkLst>
+        </pc:spChg>
+        <pc:spChg chg="add mod">
+          <ac:chgData name="Lines, Todd" userId="afaf7c3a-e8aa-4568-882a-02ad8f9e19b0" providerId="ADAL" clId="{63800CE7-8C60-43B0-9F00-B562DD0F0099}" dt="2023-09-26T16:45:01.521" v="771" actId="1038"/>
+          <ac:spMkLst>
+            <pc:docMk/>
+            <pc:sldMk cId="2985780737" sldId="1393"/>
+            <ac:spMk id="4" creationId="{BE40B40E-0A64-504F-15E6-6BA33EA6DDC9}"/>
+          </ac:spMkLst>
+        </pc:spChg>
+        <pc:spChg chg="add mod">
+          <ac:chgData name="Lines, Todd" userId="afaf7c3a-e8aa-4568-882a-02ad8f9e19b0" providerId="ADAL" clId="{63800CE7-8C60-43B0-9F00-B562DD0F0099}" dt="2023-09-26T16:45:01.521" v="771" actId="1038"/>
+          <ac:spMkLst>
+            <pc:docMk/>
+            <pc:sldMk cId="2985780737" sldId="1393"/>
+            <ac:spMk id="5" creationId="{787F6478-7692-8461-583C-4A3768383BEE}"/>
+          </ac:spMkLst>
+        </pc:spChg>
+        <pc:cxnChg chg="add mod">
+          <ac:chgData name="Lines, Todd" userId="afaf7c3a-e8aa-4568-882a-02ad8f9e19b0" providerId="ADAL" clId="{63800CE7-8C60-43B0-9F00-B562DD0F0099}" dt="2023-09-26T16:45:01.521" v="771" actId="1038"/>
+          <ac:cxnSpMkLst>
+            <pc:docMk/>
+            <pc:sldMk cId="2985780737" sldId="1393"/>
+            <ac:cxnSpMk id="7" creationId="{D79D3EBD-AAB0-A4D6-2D1C-A3728FA9D3B5}"/>
+          </ac:cxnSpMkLst>
+        </pc:cxnChg>
+        <pc:cxnChg chg="add mod">
+          <ac:chgData name="Lines, Todd" userId="afaf7c3a-e8aa-4568-882a-02ad8f9e19b0" providerId="ADAL" clId="{63800CE7-8C60-43B0-9F00-B562DD0F0099}" dt="2023-09-26T16:45:01.521" v="771" actId="1038"/>
+          <ac:cxnSpMkLst>
+            <pc:docMk/>
+            <pc:sldMk cId="2985780737" sldId="1393"/>
+            <ac:cxnSpMk id="8" creationId="{CA061B62-C967-BC1D-1214-2DEDFE3D0B67}"/>
+          </ac:cxnSpMkLst>
+        </pc:cxnChg>
+        <pc:cxnChg chg="add del mod">
+          <ac:chgData name="Lines, Todd" userId="afaf7c3a-e8aa-4568-882a-02ad8f9e19b0" providerId="ADAL" clId="{63800CE7-8C60-43B0-9F00-B562DD0F0099}" dt="2023-09-26T16:44:10.404" v="681" actId="478"/>
+          <ac:cxnSpMkLst>
+            <pc:docMk/>
+            <pc:sldMk cId="2985780737" sldId="1393"/>
+            <ac:cxnSpMk id="9" creationId="{2D834B29-F52E-C472-7D6D-3DE8C092ACDC}"/>
+          </ac:cxnSpMkLst>
+        </pc:cxnChg>
+        <pc:cxnChg chg="add del mod">
+          <ac:chgData name="Lines, Todd" userId="afaf7c3a-e8aa-4568-882a-02ad8f9e19b0" providerId="ADAL" clId="{63800CE7-8C60-43B0-9F00-B562DD0F0099}" dt="2023-09-26T16:44:20.069" v="684" actId="478"/>
+          <ac:cxnSpMkLst>
+            <pc:docMk/>
+            <pc:sldMk cId="2985780737" sldId="1393"/>
+            <ac:cxnSpMk id="10" creationId="{8799730D-29DB-16F5-91B2-62C205502FBB}"/>
+          </ac:cxnSpMkLst>
+        </pc:cxnChg>
+        <pc:cxnChg chg="add mod">
+          <ac:chgData name="Lines, Todd" userId="afaf7c3a-e8aa-4568-882a-02ad8f9e19b0" providerId="ADAL" clId="{63800CE7-8C60-43B0-9F00-B562DD0F0099}" dt="2023-09-26T16:45:01.521" v="771" actId="1038"/>
+          <ac:cxnSpMkLst>
+            <pc:docMk/>
+            <pc:sldMk cId="2985780737" sldId="1393"/>
+            <ac:cxnSpMk id="11" creationId="{0510AFE9-AA18-5403-CBDA-232E98026C01}"/>
+          </ac:cxnSpMkLst>
+        </pc:cxnChg>
+        <pc:cxnChg chg="add del mod">
+          <ac:chgData name="Lines, Todd" userId="afaf7c3a-e8aa-4568-882a-02ad8f9e19b0" providerId="ADAL" clId="{63800CE7-8C60-43B0-9F00-B562DD0F0099}" dt="2023-09-26T16:44:47.118" v="733" actId="478"/>
+          <ac:cxnSpMkLst>
+            <pc:docMk/>
+            <pc:sldMk cId="2985780737" sldId="1393"/>
+            <ac:cxnSpMk id="12" creationId="{8AFEFF3F-E4C1-4371-5615-364FA77C1997}"/>
+          </ac:cxnSpMkLst>
+        </pc:cxnChg>
+        <pc:cxnChg chg="add mod">
+          <ac:chgData name="Lines, Todd" userId="afaf7c3a-e8aa-4568-882a-02ad8f9e19b0" providerId="ADAL" clId="{63800CE7-8C60-43B0-9F00-B562DD0F0099}" dt="2023-09-26T16:45:01.521" v="771" actId="1038"/>
+          <ac:cxnSpMkLst>
+            <pc:docMk/>
+            <pc:sldMk cId="2985780737" sldId="1393"/>
+            <ac:cxnSpMk id="13" creationId="{C590E27E-5B02-F3E1-6185-AE592E6B5180}"/>
+          </ac:cxnSpMkLst>
+        </pc:cxnChg>
+      </pc:sldChg>
+    </pc:docChg>
+  </pc:docChgLst>
+</pc:chgInfo>
 </file>
 
 <file path=ppt/slideLayouts/slideLayout1.xml><?xml version="1.0" encoding="utf-8"?>
@@ -180,10 +503,9 @@
           <a:lstStyle/>
           <a:p>
             <a:r>
-              <a:rPr lang="en-US" smtClean="0"/>
+              <a:rPr lang="en-US"/>
               <a:t>Click to edit Master title style</a:t>
             </a:r>
-            <a:endParaRPr lang="en-US"/>
           </a:p>
         </p:txBody>
       </p:sp>
@@ -299,10 +621,9 @@
           </a:lstStyle>
           <a:p>
             <a:r>
-              <a:rPr lang="en-US" smtClean="0"/>
+              <a:rPr lang="en-US"/>
               <a:t>Click to edit Master subtitle style</a:t>
             </a:r>
-            <a:endParaRPr lang="en-US"/>
           </a:p>
         </p:txBody>
       </p:sp>
@@ -324,7 +645,7 @@
             <a:fld id="{35B662AB-104C-4491-AAF7-2D7772FB2490}" type="datetimeFigureOut">
               <a:rPr lang="en-US" smtClean="0"/>
               <a:pPr/>
-              <a:t>9/26/2012</a:t>
+              <a:t>9/26/2023</a:t>
             </a:fld>
             <a:endParaRPr lang="en-US"/>
           </a:p>
@@ -414,10 +735,9 @@
           <a:lstStyle/>
           <a:p>
             <a:r>
-              <a:rPr lang="en-US" smtClean="0"/>
+              <a:rPr lang="en-US"/>
               <a:t>Click to edit Master title style</a:t>
             </a:r>
-            <a:endParaRPr lang="en-US"/>
           </a:p>
         </p:txBody>
       </p:sp>
@@ -438,38 +758,37 @@
           <a:p>
             <a:pPr lvl="0"/>
             <a:r>
-              <a:rPr lang="en-US" smtClean="0"/>
+              <a:rPr lang="en-US"/>
               <a:t>Click to edit Master text styles</a:t>
             </a:r>
           </a:p>
           <a:p>
             <a:pPr lvl="1"/>
             <a:r>
-              <a:rPr lang="en-US" smtClean="0"/>
+              <a:rPr lang="en-US"/>
               <a:t>Second level</a:t>
             </a:r>
           </a:p>
           <a:p>
             <a:pPr lvl="2"/>
             <a:r>
-              <a:rPr lang="en-US" smtClean="0"/>
+              <a:rPr lang="en-US"/>
               <a:t>Third level</a:t>
             </a:r>
           </a:p>
           <a:p>
             <a:pPr lvl="3"/>
             <a:r>
-              <a:rPr lang="en-US" smtClean="0"/>
+              <a:rPr lang="en-US"/>
               <a:t>Fourth level</a:t>
             </a:r>
           </a:p>
           <a:p>
             <a:pPr lvl="4"/>
             <a:r>
-              <a:rPr lang="en-US" smtClean="0"/>
+              <a:rPr lang="en-US"/>
               <a:t>Fifth level</a:t>
             </a:r>
-            <a:endParaRPr lang="en-US"/>
           </a:p>
         </p:txBody>
       </p:sp>
@@ -491,7 +810,7 @@
             <a:fld id="{35B662AB-104C-4491-AAF7-2D7772FB2490}" type="datetimeFigureOut">
               <a:rPr lang="en-US" smtClean="0"/>
               <a:pPr/>
-              <a:t>9/26/2012</a:t>
+              <a:t>9/26/2023</a:t>
             </a:fld>
             <a:endParaRPr lang="en-US"/>
           </a:p>
@@ -586,10 +905,9 @@
           <a:lstStyle/>
           <a:p>
             <a:r>
-              <a:rPr lang="en-US" smtClean="0"/>
+              <a:rPr lang="en-US"/>
               <a:t>Click to edit Master title style</a:t>
             </a:r>
-            <a:endParaRPr lang="en-US"/>
           </a:p>
         </p:txBody>
       </p:sp>
@@ -615,38 +933,37 @@
           <a:p>
             <a:pPr lvl="0"/>
             <a:r>
-              <a:rPr lang="en-US" smtClean="0"/>
+              <a:rPr lang="en-US"/>
               <a:t>Click to edit Master text styles</a:t>
             </a:r>
           </a:p>
           <a:p>
             <a:pPr lvl="1"/>
             <a:r>
-              <a:rPr lang="en-US" smtClean="0"/>
+              <a:rPr lang="en-US"/>
               <a:t>Second level</a:t>
             </a:r>
           </a:p>
           <a:p>
             <a:pPr lvl="2"/>
             <a:r>
-              <a:rPr lang="en-US" smtClean="0"/>
+              <a:rPr lang="en-US"/>
               <a:t>Third level</a:t>
             </a:r>
           </a:p>
           <a:p>
             <a:pPr lvl="3"/>
             <a:r>
-              <a:rPr lang="en-US" smtClean="0"/>
+              <a:rPr lang="en-US"/>
               <a:t>Fourth level</a:t>
             </a:r>
           </a:p>
           <a:p>
             <a:pPr lvl="4"/>
             <a:r>
-              <a:rPr lang="en-US" smtClean="0"/>
+              <a:rPr lang="en-US"/>
               <a:t>Fifth level</a:t>
             </a:r>
-            <a:endParaRPr lang="en-US"/>
           </a:p>
         </p:txBody>
       </p:sp>
@@ -668,7 +985,7 @@
             <a:fld id="{35B662AB-104C-4491-AAF7-2D7772FB2490}" type="datetimeFigureOut">
               <a:rPr lang="en-US" smtClean="0"/>
               <a:pPr/>
-              <a:t>9/26/2012</a:t>
+              <a:t>9/26/2023</a:t>
             </a:fld>
             <a:endParaRPr lang="en-US"/>
           </a:p>
@@ -763,10 +1080,9 @@
           <a:lstStyle/>
           <a:p>
             <a:r>
-              <a:rPr lang="en-US" smtClean="0"/>
+              <a:rPr lang="en-US"/>
               <a:t>Click to edit Master title style</a:t>
             </a:r>
-            <a:endParaRPr lang="en-US"/>
           </a:p>
         </p:txBody>
       </p:sp>
@@ -792,38 +1108,37 @@
           <a:p>
             <a:pPr lvl="0"/>
             <a:r>
-              <a:rPr lang="en-US" smtClean="0"/>
+              <a:rPr lang="en-US"/>
               <a:t>Click to edit Master text styles</a:t>
             </a:r>
           </a:p>
           <a:p>
             <a:pPr lvl="1"/>
             <a:r>
-              <a:rPr lang="en-US" smtClean="0"/>
+              <a:rPr lang="en-US"/>
               <a:t>Second level</a:t>
             </a:r>
           </a:p>
           <a:p>
             <a:pPr lvl="2"/>
             <a:r>
-              <a:rPr lang="en-US" smtClean="0"/>
+              <a:rPr lang="en-US"/>
               <a:t>Third level</a:t>
             </a:r>
           </a:p>
           <a:p>
             <a:pPr lvl="3"/>
             <a:r>
-              <a:rPr lang="en-US" smtClean="0"/>
+              <a:rPr lang="en-US"/>
               <a:t>Fourth level</a:t>
             </a:r>
           </a:p>
           <a:p>
             <a:pPr lvl="4"/>
             <a:r>
-              <a:rPr lang="en-US" smtClean="0"/>
+              <a:rPr lang="en-US"/>
               <a:t>Fifth level</a:t>
             </a:r>
-            <a:endParaRPr lang="en-US"/>
           </a:p>
         </p:txBody>
       </p:sp>
@@ -848,7 +1163,7 @@
           <a:lstStyle/>
           <a:p>
             <a:pPr lvl="0"/>
-            <a:endParaRPr lang="en-US" noProof="0" smtClean="0"/>
+            <a:endParaRPr lang="en-US" noProof="0"/>
           </a:p>
         </p:txBody>
       </p:sp>
@@ -987,10 +1302,9 @@
           <a:lstStyle/>
           <a:p>
             <a:r>
-              <a:rPr lang="en-US" smtClean="0"/>
+              <a:rPr lang="en-US"/>
               <a:t>Click to edit Master title style</a:t>
             </a:r>
-            <a:endParaRPr lang="en-US"/>
           </a:p>
         </p:txBody>
       </p:sp>
@@ -1011,38 +1325,37 @@
           <a:p>
             <a:pPr lvl="0"/>
             <a:r>
-              <a:rPr lang="en-US" smtClean="0"/>
+              <a:rPr lang="en-US"/>
               <a:t>Click to edit Master text styles</a:t>
             </a:r>
           </a:p>
           <a:p>
             <a:pPr lvl="1"/>
             <a:r>
-              <a:rPr lang="en-US" smtClean="0"/>
+              <a:rPr lang="en-US"/>
               <a:t>Second level</a:t>
             </a:r>
           </a:p>
           <a:p>
             <a:pPr lvl="2"/>
             <a:r>
-              <a:rPr lang="en-US" smtClean="0"/>
+              <a:rPr lang="en-US"/>
               <a:t>Third level</a:t>
             </a:r>
           </a:p>
           <a:p>
             <a:pPr lvl="3"/>
             <a:r>
-              <a:rPr lang="en-US" smtClean="0"/>
+              <a:rPr lang="en-US"/>
               <a:t>Fourth level</a:t>
             </a:r>
           </a:p>
           <a:p>
             <a:pPr lvl="4"/>
             <a:r>
-              <a:rPr lang="en-US" smtClean="0"/>
+              <a:rPr lang="en-US"/>
               <a:t>Fifth level</a:t>
             </a:r>
-            <a:endParaRPr lang="en-US"/>
           </a:p>
         </p:txBody>
       </p:sp>
@@ -1064,7 +1377,7 @@
             <a:fld id="{35B662AB-104C-4491-AAF7-2D7772FB2490}" type="datetimeFigureOut">
               <a:rPr lang="en-US" smtClean="0"/>
               <a:pPr/>
-              <a:t>9/26/2012</a:t>
+              <a:t>9/26/2023</a:t>
             </a:fld>
             <a:endParaRPr lang="en-US"/>
           </a:p>
@@ -1163,10 +1476,9 @@
           </a:lstStyle>
           <a:p>
             <a:r>
-              <a:rPr lang="en-US" smtClean="0"/>
+              <a:rPr lang="en-US"/>
               <a:t>Click to edit Master title style</a:t>
             </a:r>
-            <a:endParaRPr lang="en-US"/>
           </a:p>
         </p:txBody>
       </p:sp>
@@ -1283,7 +1595,7 @@
           <a:p>
             <a:pPr lvl="0"/>
             <a:r>
-              <a:rPr lang="en-US" smtClean="0"/>
+              <a:rPr lang="en-US"/>
               <a:t>Click to edit Master text styles</a:t>
             </a:r>
           </a:p>
@@ -1307,7 +1619,7 @@
             <a:fld id="{35B662AB-104C-4491-AAF7-2D7772FB2490}" type="datetimeFigureOut">
               <a:rPr lang="en-US" smtClean="0"/>
               <a:pPr/>
-              <a:t>9/26/2012</a:t>
+              <a:t>9/26/2023</a:t>
             </a:fld>
             <a:endParaRPr lang="en-US"/>
           </a:p>
@@ -1397,10 +1709,9 @@
           <a:lstStyle/>
           <a:p>
             <a:r>
-              <a:rPr lang="en-US" smtClean="0"/>
+              <a:rPr lang="en-US"/>
               <a:t>Click to edit Master title style</a:t>
             </a:r>
-            <a:endParaRPr lang="en-US"/>
           </a:p>
         </p:txBody>
       </p:sp>
@@ -1454,38 +1765,37 @@
           <a:p>
             <a:pPr lvl="0"/>
             <a:r>
-              <a:rPr lang="en-US" smtClean="0"/>
+              <a:rPr lang="en-US"/>
               <a:t>Click to edit Master text styles</a:t>
             </a:r>
           </a:p>
           <a:p>
             <a:pPr lvl="1"/>
             <a:r>
-              <a:rPr lang="en-US" smtClean="0"/>
+              <a:rPr lang="en-US"/>
               <a:t>Second level</a:t>
             </a:r>
           </a:p>
           <a:p>
             <a:pPr lvl="2"/>
             <a:r>
-              <a:rPr lang="en-US" smtClean="0"/>
+              <a:rPr lang="en-US"/>
               <a:t>Third level</a:t>
             </a:r>
           </a:p>
           <a:p>
             <a:pPr lvl="3"/>
             <a:r>
-              <a:rPr lang="en-US" smtClean="0"/>
+              <a:rPr lang="en-US"/>
               <a:t>Fourth level</a:t>
             </a:r>
           </a:p>
           <a:p>
             <a:pPr lvl="4"/>
             <a:r>
-              <a:rPr lang="en-US" smtClean="0"/>
+              <a:rPr lang="en-US"/>
               <a:t>Fifth level</a:t>
             </a:r>
-            <a:endParaRPr lang="en-US"/>
           </a:p>
         </p:txBody>
       </p:sp>
@@ -1539,38 +1849,37 @@
           <a:p>
             <a:pPr lvl="0"/>
             <a:r>
-              <a:rPr lang="en-US" smtClean="0"/>
+              <a:rPr lang="en-US"/>
               <a:t>Click to edit Master text styles</a:t>
             </a:r>
           </a:p>
           <a:p>
             <a:pPr lvl="1"/>
             <a:r>
-              <a:rPr lang="en-US" smtClean="0"/>
+              <a:rPr lang="en-US"/>
               <a:t>Second level</a:t>
             </a:r>
           </a:p>
           <a:p>
             <a:pPr lvl="2"/>
             <a:r>
-              <a:rPr lang="en-US" smtClean="0"/>
+              <a:rPr lang="en-US"/>
               <a:t>Third level</a:t>
             </a:r>
           </a:p>
           <a:p>
             <a:pPr lvl="3"/>
             <a:r>
-              <a:rPr lang="en-US" smtClean="0"/>
+              <a:rPr lang="en-US"/>
               <a:t>Fourth level</a:t>
             </a:r>
           </a:p>
           <a:p>
             <a:pPr lvl="4"/>
             <a:r>
-              <a:rPr lang="en-US" smtClean="0"/>
+              <a:rPr lang="en-US"/>
               <a:t>Fifth level</a:t>
             </a:r>
-            <a:endParaRPr lang="en-US"/>
           </a:p>
         </p:txBody>
       </p:sp>
@@ -1592,7 +1901,7 @@
             <a:fld id="{35B662AB-104C-4491-AAF7-2D7772FB2490}" type="datetimeFigureOut">
               <a:rPr lang="en-US" smtClean="0"/>
               <a:pPr/>
-              <a:t>9/26/2012</a:t>
+              <a:t>9/26/2023</a:t>
             </a:fld>
             <a:endParaRPr lang="en-US"/>
           </a:p>
@@ -1686,10 +1995,9 @@
           </a:lstStyle>
           <a:p>
             <a:r>
-              <a:rPr lang="en-US" smtClean="0"/>
+              <a:rPr lang="en-US"/>
               <a:t>Click to edit Master title style</a:t>
             </a:r>
-            <a:endParaRPr lang="en-US"/>
           </a:p>
         </p:txBody>
       </p:sp>
@@ -1752,7 +2060,7 @@
           <a:p>
             <a:pPr lvl="0"/>
             <a:r>
-              <a:rPr lang="en-US" smtClean="0"/>
+              <a:rPr lang="en-US"/>
               <a:t>Click to edit Master text styles</a:t>
             </a:r>
           </a:p>
@@ -1808,38 +2116,37 @@
           <a:p>
             <a:pPr lvl="0"/>
             <a:r>
-              <a:rPr lang="en-US" smtClean="0"/>
+              <a:rPr lang="en-US"/>
               <a:t>Click to edit Master text styles</a:t>
             </a:r>
           </a:p>
           <a:p>
             <a:pPr lvl="1"/>
             <a:r>
-              <a:rPr lang="en-US" smtClean="0"/>
+              <a:rPr lang="en-US"/>
               <a:t>Second level</a:t>
             </a:r>
           </a:p>
           <a:p>
             <a:pPr lvl="2"/>
             <a:r>
-              <a:rPr lang="en-US" smtClean="0"/>
+              <a:rPr lang="en-US"/>
               <a:t>Third level</a:t>
             </a:r>
           </a:p>
           <a:p>
             <a:pPr lvl="3"/>
             <a:r>
-              <a:rPr lang="en-US" smtClean="0"/>
+              <a:rPr lang="en-US"/>
               <a:t>Fourth level</a:t>
             </a:r>
           </a:p>
           <a:p>
             <a:pPr lvl="4"/>
             <a:r>
-              <a:rPr lang="en-US" smtClean="0"/>
+              <a:rPr lang="en-US"/>
               <a:t>Fifth level</a:t>
             </a:r>
-            <a:endParaRPr lang="en-US"/>
           </a:p>
         </p:txBody>
       </p:sp>
@@ -1902,7 +2209,7 @@
           <a:p>
             <a:pPr lvl="0"/>
             <a:r>
-              <a:rPr lang="en-US" smtClean="0"/>
+              <a:rPr lang="en-US"/>
               <a:t>Click to edit Master text styles</a:t>
             </a:r>
           </a:p>
@@ -1958,38 +2265,37 @@
           <a:p>
             <a:pPr lvl="0"/>
             <a:r>
-              <a:rPr lang="en-US" smtClean="0"/>
+              <a:rPr lang="en-US"/>
               <a:t>Click to edit Master text styles</a:t>
             </a:r>
           </a:p>
           <a:p>
             <a:pPr lvl="1"/>
             <a:r>
-              <a:rPr lang="en-US" smtClean="0"/>
+              <a:rPr lang="en-US"/>
               <a:t>Second level</a:t>
             </a:r>
           </a:p>
           <a:p>
             <a:pPr lvl="2"/>
             <a:r>
-              <a:rPr lang="en-US" smtClean="0"/>
+              <a:rPr lang="en-US"/>
               <a:t>Third level</a:t>
             </a:r>
           </a:p>
           <a:p>
             <a:pPr lvl="3"/>
             <a:r>
-              <a:rPr lang="en-US" smtClean="0"/>
+              <a:rPr lang="en-US"/>
               <a:t>Fourth level</a:t>
             </a:r>
           </a:p>
           <a:p>
             <a:pPr lvl="4"/>
             <a:r>
-              <a:rPr lang="en-US" smtClean="0"/>
+              <a:rPr lang="en-US"/>
               <a:t>Fifth level</a:t>
             </a:r>
-            <a:endParaRPr lang="en-US"/>
           </a:p>
         </p:txBody>
       </p:sp>
@@ -2011,7 +2317,7 @@
             <a:fld id="{35B662AB-104C-4491-AAF7-2D7772FB2490}" type="datetimeFigureOut">
               <a:rPr lang="en-US" smtClean="0"/>
               <a:pPr/>
-              <a:t>9/26/2012</a:t>
+              <a:t>9/26/2023</a:t>
             </a:fld>
             <a:endParaRPr lang="en-US"/>
           </a:p>
@@ -2101,10 +2407,9 @@
           <a:lstStyle/>
           <a:p>
             <a:r>
-              <a:rPr lang="en-US" smtClean="0"/>
+              <a:rPr lang="en-US"/>
               <a:t>Click to edit Master title style</a:t>
             </a:r>
-            <a:endParaRPr lang="en-US"/>
           </a:p>
         </p:txBody>
       </p:sp>
@@ -2126,7 +2431,7 @@
             <a:fld id="{35B662AB-104C-4491-AAF7-2D7772FB2490}" type="datetimeFigureOut">
               <a:rPr lang="en-US" smtClean="0"/>
               <a:pPr/>
-              <a:t>9/26/2012</a:t>
+              <a:t>9/26/2023</a:t>
             </a:fld>
             <a:endParaRPr lang="en-US"/>
           </a:p>
@@ -2218,7 +2523,7 @@
             <a:fld id="{35B662AB-104C-4491-AAF7-2D7772FB2490}" type="datetimeFigureOut">
               <a:rPr lang="en-US" smtClean="0"/>
               <a:pPr/>
-              <a:t>9/26/2012</a:t>
+              <a:t>9/26/2023</a:t>
             </a:fld>
             <a:endParaRPr lang="en-US"/>
           </a:p>
@@ -2317,10 +2622,9 @@
           </a:lstStyle>
           <a:p>
             <a:r>
-              <a:rPr lang="en-US" smtClean="0"/>
+              <a:rPr lang="en-US"/>
               <a:t>Click to edit Master title style</a:t>
             </a:r>
-            <a:endParaRPr lang="en-US"/>
           </a:p>
         </p:txBody>
       </p:sp>
@@ -2374,38 +2678,37 @@
           <a:p>
             <a:pPr lvl="0"/>
             <a:r>
-              <a:rPr lang="en-US" smtClean="0"/>
+              <a:rPr lang="en-US"/>
               <a:t>Click to edit Master text styles</a:t>
             </a:r>
           </a:p>
           <a:p>
             <a:pPr lvl="1"/>
             <a:r>
-              <a:rPr lang="en-US" smtClean="0"/>
+              <a:rPr lang="en-US"/>
               <a:t>Second level</a:t>
             </a:r>
           </a:p>
           <a:p>
             <a:pPr lvl="2"/>
             <a:r>
-              <a:rPr lang="en-US" smtClean="0"/>
+              <a:rPr lang="en-US"/>
               <a:t>Third level</a:t>
             </a:r>
           </a:p>
           <a:p>
             <a:pPr lvl="3"/>
             <a:r>
-              <a:rPr lang="en-US" smtClean="0"/>
+              <a:rPr lang="en-US"/>
               <a:t>Fourth level</a:t>
             </a:r>
           </a:p>
           <a:p>
             <a:pPr lvl="4"/>
             <a:r>
-              <a:rPr lang="en-US" smtClean="0"/>
+              <a:rPr lang="en-US"/>
               <a:t>Fifth level</a:t>
             </a:r>
-            <a:endParaRPr lang="en-US"/>
           </a:p>
         </p:txBody>
       </p:sp>
@@ -2468,7 +2771,7 @@
           <a:p>
             <a:pPr lvl="0"/>
             <a:r>
-              <a:rPr lang="en-US" smtClean="0"/>
+              <a:rPr lang="en-US"/>
               <a:t>Click to edit Master text styles</a:t>
             </a:r>
           </a:p>
@@ -2492,7 +2795,7 @@
             <a:fld id="{35B662AB-104C-4491-AAF7-2D7772FB2490}" type="datetimeFigureOut">
               <a:rPr lang="en-US" smtClean="0"/>
               <a:pPr/>
-              <a:t>9/26/2012</a:t>
+              <a:t>9/26/2023</a:t>
             </a:fld>
             <a:endParaRPr lang="en-US"/>
           </a:p>
@@ -2591,10 +2894,9 @@
           </a:lstStyle>
           <a:p>
             <a:r>
-              <a:rPr lang="en-US" smtClean="0"/>
+              <a:rPr lang="en-US"/>
               <a:t>Click to edit Master title style</a:t>
             </a:r>
-            <a:endParaRPr lang="en-US"/>
           </a:p>
         </p:txBody>
       </p:sp>
@@ -2718,7 +3020,7 @@
           <a:p>
             <a:pPr lvl="0"/>
             <a:r>
-              <a:rPr lang="en-US" smtClean="0"/>
+              <a:rPr lang="en-US"/>
               <a:t>Click to edit Master text styles</a:t>
             </a:r>
           </a:p>
@@ -2742,7 +3044,7 @@
             <a:fld id="{35B662AB-104C-4491-AAF7-2D7772FB2490}" type="datetimeFigureOut">
               <a:rPr lang="en-US" smtClean="0"/>
               <a:pPr/>
-              <a:t>9/26/2012</a:t>
+              <a:t>9/26/2023</a:t>
             </a:fld>
             <a:endParaRPr lang="en-US"/>
           </a:p>
@@ -2847,10 +3149,9 @@
           <a:lstStyle/>
           <a:p>
             <a:r>
-              <a:rPr lang="en-US" smtClean="0"/>
+              <a:rPr lang="en-US"/>
               <a:t>Click to edit Master title style</a:t>
             </a:r>
-            <a:endParaRPr lang="en-US"/>
           </a:p>
         </p:txBody>
       </p:sp>
@@ -2881,38 +3182,37 @@
           <a:p>
             <a:pPr lvl="0"/>
             <a:r>
-              <a:rPr lang="en-US" smtClean="0"/>
+              <a:rPr lang="en-US"/>
               <a:t>Click to edit Master text styles</a:t>
             </a:r>
           </a:p>
           <a:p>
             <a:pPr lvl="1"/>
             <a:r>
-              <a:rPr lang="en-US" smtClean="0"/>
+              <a:rPr lang="en-US"/>
               <a:t>Second level</a:t>
             </a:r>
           </a:p>
           <a:p>
             <a:pPr lvl="2"/>
             <a:r>
-              <a:rPr lang="en-US" smtClean="0"/>
+              <a:rPr lang="en-US"/>
               <a:t>Third level</a:t>
             </a:r>
           </a:p>
           <a:p>
             <a:pPr lvl="3"/>
             <a:r>
-              <a:rPr lang="en-US" smtClean="0"/>
+              <a:rPr lang="en-US"/>
               <a:t>Fourth level</a:t>
             </a:r>
           </a:p>
           <a:p>
             <a:pPr lvl="4"/>
             <a:r>
-              <a:rPr lang="en-US" smtClean="0"/>
+              <a:rPr lang="en-US"/>
               <a:t>Fifth level</a:t>
             </a:r>
-            <a:endParaRPr lang="en-US"/>
           </a:p>
         </p:txBody>
       </p:sp>
@@ -2952,7 +3252,7 @@
             <a:fld id="{35B662AB-104C-4491-AAF7-2D7772FB2490}" type="datetimeFigureOut">
               <a:rPr lang="en-US" smtClean="0"/>
               <a:pPr/>
-              <a:t>9/26/2012</a:t>
+              <a:t>9/26/2023</a:t>
             </a:fld>
             <a:endParaRPr lang="en-US"/>
           </a:p>
@@ -3326,12 +3626,18 @@
       </p:grpSpPr>
       <p:sp>
         <p:nvSpPr>
-          <p:cNvPr id="2" name="Title 1"/>
+          <p:cNvPr id="2" name="Title 1">
+            <a:extLst>
+              <a:ext uri="{FF2B5EF4-FFF2-40B4-BE49-F238E27FC236}">
+                <a16:creationId xmlns:a16="http://schemas.microsoft.com/office/drawing/2014/main" id="{94EA0EF4-AA94-CB81-643C-0815C0F417D2}"/>
+              </a:ext>
+            </a:extLst>
+          </p:cNvPr>
           <p:cNvSpPr>
             <a:spLocks noGrp="1"/>
           </p:cNvSpPr>
           <p:nvPr>
-            <p:ph type="title"/>
+            <p:ph type="ctrTitle"/>
           </p:nvPr>
         </p:nvSpPr>
         <p:spPr/>
@@ -3339,18 +3645,27 @@
           <a:bodyPr/>
           <a:lstStyle/>
           <a:p>
-            <a:endParaRPr lang="en-US"/>
-          </a:p>
-        </p:txBody>
-      </p:sp>
-      <p:sp>
-        <p:nvSpPr>
-          <p:cNvPr id="3" name="Content Placeholder 2"/>
+            <a:r>
+              <a:rPr lang="en-US" dirty="0"/>
+              <a:t>Lecture 11</a:t>
+            </a:r>
+          </a:p>
+        </p:txBody>
+      </p:sp>
+      <p:sp>
+        <p:nvSpPr>
+          <p:cNvPr id="3" name="Subtitle 2">
+            <a:extLst>
+              <a:ext uri="{FF2B5EF4-FFF2-40B4-BE49-F238E27FC236}">
+                <a16:creationId xmlns:a16="http://schemas.microsoft.com/office/drawing/2014/main" id="{A7A307DB-80B9-9B17-B1FC-B3E06DC34334}"/>
+              </a:ext>
+            </a:extLst>
+          </p:cNvPr>
           <p:cNvSpPr>
             <a:spLocks noGrp="1"/>
           </p:cNvSpPr>
           <p:nvPr>
-            <p:ph idx="1"/>
+            <p:ph type="subTitle" idx="1"/>
           </p:nvPr>
         </p:nvSpPr>
         <p:spPr/>
@@ -3362,40 +3677,12 @@
           </a:p>
         </p:txBody>
       </p:sp>
-      <p:pic>
-        <p:nvPicPr>
-          <p:cNvPr id="3074" name="Picture 2"/>
-          <p:cNvPicPr>
-            <a:picLocks noChangeAspect="1" noChangeArrowheads="1"/>
-          </p:cNvPicPr>
-          <p:nvPr/>
-        </p:nvPicPr>
-        <p:blipFill>
-          <a:blip r:embed="rId2" cstate="print"/>
-          <a:srcRect/>
-          <a:stretch>
-            <a:fillRect/>
-          </a:stretch>
-        </p:blipFill>
-        <p:spPr bwMode="auto">
-          <a:xfrm>
-            <a:off x="2286000" y="152400"/>
-            <a:ext cx="3287653" cy="5842000"/>
-          </a:xfrm>
-          <a:prstGeom prst="rect">
-            <a:avLst/>
-          </a:prstGeom>
-          <a:noFill/>
-          <a:ln w="9525">
-            <a:noFill/>
-            <a:miter lim="800000"/>
-            <a:headEnd/>
-            <a:tailEnd/>
-          </a:ln>
-          <a:effectLst/>
-        </p:spPr>
-      </p:pic>
     </p:spTree>
+    <p:extLst>
+      <p:ext uri="{BB962C8B-B14F-4D97-AF65-F5344CB8AC3E}">
+        <p14:creationId xmlns:p14="http://schemas.microsoft.com/office/powerpoint/2010/main" val="3935541707"/>
+      </p:ext>
+    </p:extLst>
   </p:cSld>
   <p:clrMapOvr>
     <a:masterClrMapping/>
@@ -3420,9 +3707,648 @@
           <a:chExt cx="0" cy="0"/>
         </a:xfrm>
       </p:grpSpPr>
+      <p:sp>
+        <p:nvSpPr>
+          <p:cNvPr id="55298" name="Footer Placeholder 4"/>
+          <p:cNvSpPr>
+            <a:spLocks noGrp="1"/>
+          </p:cNvSpPr>
+          <p:nvPr>
+            <p:ph type="ftr" sz="quarter" idx="11"/>
+          </p:nvPr>
+        </p:nvSpPr>
+        <p:spPr>
+          <a:noFill/>
+        </p:spPr>
+        <p:txBody>
+          <a:bodyPr/>
+          <a:lstStyle/>
+          <a:p>
+            <a:r>
+              <a:rPr lang="en-US"/>
+              <a:t>R. Todd Lines</a:t>
+            </a:r>
+          </a:p>
+        </p:txBody>
+      </p:sp>
+      <p:sp>
+        <p:nvSpPr>
+          <p:cNvPr id="55299" name="Rectangle 2"/>
+          <p:cNvSpPr>
+            <a:spLocks noGrp="1" noChangeArrowheads="1"/>
+          </p:cNvSpPr>
+          <p:nvPr>
+            <p:ph type="title"/>
+          </p:nvPr>
+        </p:nvSpPr>
+        <p:spPr>
+          <a:xfrm>
+            <a:off x="1236663" y="0"/>
+            <a:ext cx="7362825" cy="1143000"/>
+          </a:xfrm>
+        </p:spPr>
+        <p:txBody>
+          <a:bodyPr>
+            <a:normAutofit fontScale="90000"/>
+          </a:bodyPr>
+          <a:lstStyle/>
+          <a:p>
+            <a:pPr eaLnBrk="1" hangingPunct="1"/>
+            <a:r>
+              <a:rPr lang="en-US"/>
+              <a:t>Diffraction Grating, Intensity, cont.</a:t>
+            </a:r>
+          </a:p>
+        </p:txBody>
+      </p:sp>
+      <p:sp>
+        <p:nvSpPr>
+          <p:cNvPr id="55300" name="Rectangle 3"/>
+          <p:cNvSpPr>
+            <a:spLocks noGrp="1" noChangeArrowheads="1"/>
+          </p:cNvSpPr>
+          <p:nvPr>
+            <p:ph type="body" idx="1"/>
+          </p:nvPr>
+        </p:nvSpPr>
+        <p:spPr/>
+        <p:txBody>
+          <a:bodyPr/>
+          <a:lstStyle/>
+          <a:p>
+            <a:pPr eaLnBrk="1" hangingPunct="1"/>
+            <a:r>
+              <a:rPr lang="en-US"/>
+              <a:t>Characteristics of the intensity pattern</a:t>
+            </a:r>
+          </a:p>
+          <a:p>
+            <a:pPr lvl="1" eaLnBrk="1" hangingPunct="1"/>
+            <a:r>
+              <a:rPr lang="en-US"/>
+              <a:t>The sharp peaks are in contrast to the broad, bright fringes characteristic of the two-slit interference pattern</a:t>
+            </a:r>
+          </a:p>
+          <a:p>
+            <a:pPr lvl="1" eaLnBrk="1" hangingPunct="1"/>
+            <a:r>
+              <a:rPr lang="en-US"/>
+              <a:t>Because the principle maxima are so sharp, they are much brighter than two-slit interference patterns</a:t>
+            </a:r>
+          </a:p>
+          <a:p>
+            <a:pPr eaLnBrk="1" hangingPunct="1"/>
+            <a:endParaRPr lang="en-US"/>
+          </a:p>
+        </p:txBody>
+      </p:sp>
+    </p:spTree>
+  </p:cSld>
+  <p:clrMapOvr>
+    <a:masterClrMapping/>
+  </p:clrMapOvr>
+</p:sld>
+</file>
+
+<file path=ppt/slides/slide11.xml><?xml version="1.0" encoding="utf-8"?>
+<p:sld xmlns:a="http://schemas.openxmlformats.org/drawingml/2006/main" xmlns:r="http://schemas.openxmlformats.org/officeDocument/2006/relationships" xmlns:p="http://schemas.openxmlformats.org/presentationml/2006/main">
+  <p:cSld>
+    <p:spTree>
+      <p:nvGrpSpPr>
+        <p:cNvPr id="1" name=""/>
+        <p:cNvGrpSpPr/>
+        <p:nvPr/>
+      </p:nvGrpSpPr>
+      <p:grpSpPr>
+        <a:xfrm>
+          <a:off x="0" y="0"/>
+          <a:ext cx="0" cy="0"/>
+          <a:chOff x="0" y="0"/>
+          <a:chExt cx="0" cy="0"/>
+        </a:xfrm>
+      </p:grpSpPr>
+      <p:sp>
+        <p:nvSpPr>
+          <p:cNvPr id="59394" name="Footer Placeholder 5"/>
+          <p:cNvSpPr>
+            <a:spLocks noGrp="1"/>
+          </p:cNvSpPr>
+          <p:nvPr>
+            <p:ph type="ftr" sz="quarter" idx="11"/>
+          </p:nvPr>
+        </p:nvSpPr>
+        <p:spPr>
+          <a:noFill/>
+        </p:spPr>
+        <p:txBody>
+          <a:bodyPr/>
+          <a:lstStyle/>
+          <a:p>
+            <a:r>
+              <a:rPr lang="en-US"/>
+              <a:t>R. Todd Lines</a:t>
+            </a:r>
+          </a:p>
+        </p:txBody>
+      </p:sp>
+      <p:sp>
+        <p:nvSpPr>
+          <p:cNvPr id="59395" name="Rectangle 2"/>
+          <p:cNvSpPr>
+            <a:spLocks noGrp="1" noChangeArrowheads="1"/>
+          </p:cNvSpPr>
+          <p:nvPr>
+            <p:ph type="title"/>
+          </p:nvPr>
+        </p:nvSpPr>
+        <p:spPr/>
+        <p:txBody>
+          <a:bodyPr/>
+          <a:lstStyle/>
+          <a:p>
+            <a:pPr eaLnBrk="1" hangingPunct="1"/>
+            <a:r>
+              <a:rPr lang="en-US"/>
+              <a:t>Grating Light Valve</a:t>
+            </a:r>
+          </a:p>
+        </p:txBody>
+      </p:sp>
+      <p:sp>
+        <p:nvSpPr>
+          <p:cNvPr id="59396" name="Rectangle 3"/>
+          <p:cNvSpPr>
+            <a:spLocks noGrp="1" noChangeArrowheads="1"/>
+          </p:cNvSpPr>
+          <p:nvPr>
+            <p:ph type="body" sz="half" idx="1"/>
+          </p:nvPr>
+        </p:nvSpPr>
+        <p:spPr>
+          <a:xfrm>
+            <a:off x="0" y="1481138"/>
+            <a:ext cx="4230688" cy="4459287"/>
+          </a:xfrm>
+        </p:spPr>
+        <p:txBody>
+          <a:bodyPr/>
+          <a:lstStyle/>
+          <a:p>
+            <a:pPr eaLnBrk="1" hangingPunct="1"/>
+            <a:r>
+              <a:rPr lang="en-US" sz="2200"/>
+              <a:t>A grating light valve consists of a silicon microchip fitted with an array of parallel silicon nitride ribbons coated with a thin layer of aluminum</a:t>
+            </a:r>
+          </a:p>
+          <a:p>
+            <a:pPr eaLnBrk="1" hangingPunct="1"/>
+            <a:r>
+              <a:rPr lang="en-US" sz="2200"/>
+              <a:t>When a voltage is applied between a ribbon and the electrode on the silicon substrate, an electric force pulls the ribbon down</a:t>
+            </a:r>
+          </a:p>
+          <a:p>
+            <a:pPr eaLnBrk="1" hangingPunct="1"/>
+            <a:r>
+              <a:rPr lang="en-US" sz="2200"/>
+              <a:t>The array of ribbons acts as a diffraction grating</a:t>
+            </a:r>
+          </a:p>
+        </p:txBody>
+      </p:sp>
       <p:pic>
         <p:nvPicPr>
-          <p:cNvPr id="30723" name="Picture 3"/>
+          <p:cNvPr id="59397" name="Picture 4" descr="38-19"/>
+          <p:cNvPicPr>
+            <a:picLocks noGrp="1" noChangeAspect="1" noChangeArrowheads="1"/>
+          </p:cNvPicPr>
+          <p:nvPr>
+            <p:ph type="clipArt" sz="half" idx="2"/>
+          </p:nvPr>
+        </p:nvPicPr>
+        <p:blipFill>
+          <a:blip r:embed="rId2" cstate="print"/>
+          <a:srcRect/>
+          <a:stretch>
+            <a:fillRect/>
+          </a:stretch>
+        </p:blipFill>
+        <p:spPr>
+          <a:xfrm>
+            <a:off x="4652963" y="2190750"/>
+            <a:ext cx="4033837" cy="3343275"/>
+          </a:xfrm>
+          <a:noFill/>
+        </p:spPr>
+      </p:pic>
+    </p:spTree>
+  </p:cSld>
+  <p:clrMapOvr>
+    <a:masterClrMapping/>
+  </p:clrMapOvr>
+</p:sld>
+</file>
+
+<file path=ppt/slides/slide12.xml><?xml version="1.0" encoding="utf-8"?>
+<p:sld xmlns:a="http://schemas.openxmlformats.org/drawingml/2006/main" xmlns:r="http://schemas.openxmlformats.org/officeDocument/2006/relationships" xmlns:p="http://schemas.openxmlformats.org/presentationml/2006/main">
+  <p:cSld>
+    <p:spTree>
+      <p:nvGrpSpPr>
+        <p:cNvPr id="1" name=""/>
+        <p:cNvGrpSpPr/>
+        <p:nvPr/>
+      </p:nvGrpSpPr>
+      <p:grpSpPr>
+        <a:xfrm>
+          <a:off x="0" y="0"/>
+          <a:ext cx="0" cy="0"/>
+          <a:chOff x="0" y="0"/>
+          <a:chExt cx="0" cy="0"/>
+        </a:xfrm>
+      </p:grpSpPr>
+      <p:sp>
+        <p:nvSpPr>
+          <p:cNvPr id="15363" name="Footer Placeholder 4"/>
+          <p:cNvSpPr>
+            <a:spLocks noGrp="1"/>
+          </p:cNvSpPr>
+          <p:nvPr>
+            <p:ph type="ftr" sz="quarter" idx="11"/>
+          </p:nvPr>
+        </p:nvSpPr>
+        <p:spPr>
+          <a:noFill/>
+        </p:spPr>
+        <p:txBody>
+          <a:bodyPr/>
+          <a:lstStyle/>
+          <a:p>
+            <a:r>
+              <a:rPr lang="en-US"/>
+              <a:t>R. Todd Lines</a:t>
+            </a:r>
+          </a:p>
+        </p:txBody>
+      </p:sp>
+      <p:sp>
+        <p:nvSpPr>
+          <p:cNvPr id="15364" name="Rectangle 2"/>
+          <p:cNvSpPr>
+            <a:spLocks noGrp="1" noChangeArrowheads="1"/>
+          </p:cNvSpPr>
+          <p:nvPr>
+            <p:ph type="title"/>
+          </p:nvPr>
+        </p:nvSpPr>
+        <p:spPr>
+          <a:xfrm>
+            <a:off x="1266825" y="0"/>
+            <a:ext cx="7551738" cy="1143000"/>
+          </a:xfrm>
+        </p:spPr>
+        <p:txBody>
+          <a:bodyPr/>
+          <a:lstStyle/>
+          <a:p>
+            <a:pPr eaLnBrk="1" hangingPunct="1"/>
+            <a:r>
+              <a:rPr lang="en-US" sz="3200"/>
+              <a:t>Resolving Power of a Diffraction Grating</a:t>
+            </a:r>
+          </a:p>
+        </p:txBody>
+      </p:sp>
+      <p:sp>
+        <p:nvSpPr>
+          <p:cNvPr id="15365" name="Rectangle 3"/>
+          <p:cNvSpPr>
+            <a:spLocks noGrp="1" noChangeArrowheads="1"/>
+          </p:cNvSpPr>
+          <p:nvPr>
+            <p:ph type="body" idx="1"/>
+          </p:nvPr>
+        </p:nvSpPr>
+        <p:spPr/>
+        <p:txBody>
+          <a:bodyPr/>
+          <a:lstStyle/>
+          <a:p>
+            <a:pPr eaLnBrk="1" hangingPunct="1">
+              <a:lnSpc>
+                <a:spcPct val="90000"/>
+              </a:lnSpc>
+            </a:pPr>
+            <a:r>
+              <a:rPr lang="en-US" sz="2800"/>
+              <a:t>For two nearly equal wavelengths, </a:t>
+            </a:r>
+            <a:r>
+              <a:rPr lang="en-US" sz="2800" i="1">
+                <a:cs typeface="Arial" charset="0"/>
+              </a:rPr>
+              <a:t>λ</a:t>
+            </a:r>
+            <a:r>
+              <a:rPr lang="en-US" sz="2800" baseline="-25000"/>
+              <a:t>1</a:t>
+            </a:r>
+            <a:r>
+              <a:rPr lang="en-US" sz="2800"/>
+              <a:t> and </a:t>
+            </a:r>
+            <a:r>
+              <a:rPr lang="en-US" sz="2800" i="1">
+                <a:cs typeface="Arial" charset="0"/>
+              </a:rPr>
+              <a:t>λ</a:t>
+            </a:r>
+            <a:r>
+              <a:rPr lang="en-US" sz="2800" baseline="-25000"/>
+              <a:t>2</a:t>
+            </a:r>
+            <a:r>
+              <a:rPr lang="en-US" sz="2800"/>
+              <a:t>, between which a diffraction grating can just barely distinguish, the </a:t>
+            </a:r>
+            <a:r>
+              <a:rPr lang="en-US" sz="2800" b="1"/>
+              <a:t>resolving power</a:t>
+            </a:r>
+            <a:r>
+              <a:rPr lang="en-US" sz="2800"/>
+              <a:t>, </a:t>
+            </a:r>
+            <a:r>
+              <a:rPr lang="en-US" sz="2800" i="1"/>
+              <a:t>R</a:t>
+            </a:r>
+            <a:r>
+              <a:rPr lang="en-US" sz="2800"/>
+              <a:t>, of the grating is defined as </a:t>
+            </a:r>
+          </a:p>
+          <a:p>
+            <a:pPr eaLnBrk="1" hangingPunct="1">
+              <a:lnSpc>
+                <a:spcPct val="90000"/>
+              </a:lnSpc>
+            </a:pPr>
+            <a:endParaRPr lang="en-US" sz="2800"/>
+          </a:p>
+          <a:p>
+            <a:pPr eaLnBrk="1" hangingPunct="1">
+              <a:lnSpc>
+                <a:spcPct val="90000"/>
+              </a:lnSpc>
+            </a:pPr>
+            <a:endParaRPr lang="en-US" sz="2800"/>
+          </a:p>
+          <a:p>
+            <a:pPr eaLnBrk="1" hangingPunct="1">
+              <a:lnSpc>
+                <a:spcPct val="90000"/>
+              </a:lnSpc>
+            </a:pPr>
+            <a:r>
+              <a:rPr lang="en-US" sz="2800"/>
+              <a:t>Therefore, a grating with a high resolution can distinguish between small differences in wavelength</a:t>
+            </a:r>
+          </a:p>
+        </p:txBody>
+      </p:sp>
+      <p:graphicFrame>
+        <p:nvGraphicFramePr>
+          <p:cNvPr id="15362" name="Object 4"/>
+          <p:cNvGraphicFramePr>
+            <a:graphicFrameLocks noChangeAspect="1"/>
+          </p:cNvGraphicFramePr>
+          <p:nvPr/>
+        </p:nvGraphicFramePr>
+        <p:xfrm>
+          <a:off x="3352800" y="3251200"/>
+          <a:ext cx="2381250" cy="954088"/>
+        </p:xfrm>
+        <a:graphic>
+          <a:graphicData uri="http://schemas.openxmlformats.org/presentationml/2006/ole">
+            <mc:AlternateContent xmlns:mc="http://schemas.openxmlformats.org/markup-compatibility/2006">
+              <mc:Choice xmlns:v="urn:schemas-microsoft-com:vml" Requires="v">
+                <p:oleObj name="Equation" r:id="rId2" imgW="1079280" imgH="431640" progId="">
+                  <p:embed/>
+                </p:oleObj>
+              </mc:Choice>
+              <mc:Fallback>
+                <p:oleObj name="Equation" r:id="rId2" imgW="1079280" imgH="431640" progId="">
+                  <p:embed/>
+                  <p:pic>
+                    <p:nvPicPr>
+                      <p:cNvPr id="15362" name="Object 4"/>
+                      <p:cNvPicPr>
+                        <a:picLocks noChangeAspect="1" noChangeArrowheads="1"/>
+                      </p:cNvPicPr>
+                      <p:nvPr/>
+                    </p:nvPicPr>
+                    <p:blipFill>
+                      <a:blip r:embed="rId3">
+                        <a:extLst>
+                          <a:ext uri="{28A0092B-C50C-407E-A947-70E740481C1C}">
+                            <a14:useLocalDpi xmlns:a14="http://schemas.microsoft.com/office/drawing/2010/main" val="0"/>
+                          </a:ext>
+                        </a:extLst>
+                      </a:blip>
+                      <a:srcRect/>
+                      <a:stretch>
+                        <a:fillRect/>
+                      </a:stretch>
+                    </p:blipFill>
+                    <p:spPr bwMode="auto">
+                      <a:xfrm>
+                        <a:off x="3352800" y="3251200"/>
+                        <a:ext cx="2381250" cy="954088"/>
+                      </a:xfrm>
+                      <a:prstGeom prst="rect">
+                        <a:avLst/>
+                      </a:prstGeom>
+                      <a:noFill/>
+                      <a:extLst>
+                        <a:ext uri="{909E8E84-426E-40DD-AFC4-6F175D3DCCD1}">
+                          <a14:hiddenFill xmlns:a14="http://schemas.microsoft.com/office/drawing/2010/main">
+                            <a:solidFill>
+                              <a:srgbClr val="FFFFFF"/>
+                            </a:solidFill>
+                          </a14:hiddenFill>
+                        </a:ext>
+                      </a:extLst>
+                    </p:spPr>
+                  </p:pic>
+                </p:oleObj>
+              </mc:Fallback>
+            </mc:AlternateContent>
+          </a:graphicData>
+        </a:graphic>
+      </p:graphicFrame>
+    </p:spTree>
+  </p:cSld>
+  <p:clrMapOvr>
+    <a:masterClrMapping/>
+  </p:clrMapOvr>
+</p:sld>
+</file>
+
+<file path=ppt/slides/slide13.xml><?xml version="1.0" encoding="utf-8"?>
+<p:sld xmlns:a="http://schemas.openxmlformats.org/drawingml/2006/main" xmlns:r="http://schemas.openxmlformats.org/officeDocument/2006/relationships" xmlns:p="http://schemas.openxmlformats.org/presentationml/2006/main">
+  <p:cSld>
+    <p:spTree>
+      <p:nvGrpSpPr>
+        <p:cNvPr id="1" name=""/>
+        <p:cNvGrpSpPr/>
+        <p:nvPr/>
+      </p:nvGrpSpPr>
+      <p:grpSpPr>
+        <a:xfrm>
+          <a:off x="0" y="0"/>
+          <a:ext cx="0" cy="0"/>
+          <a:chOff x="0" y="0"/>
+          <a:chExt cx="0" cy="0"/>
+        </a:xfrm>
+      </p:grpSpPr>
+      <p:pic>
+        <p:nvPicPr>
+          <p:cNvPr id="7" name="Picture 2">
+            <a:extLst>
+              <a:ext uri="{FF2B5EF4-FFF2-40B4-BE49-F238E27FC236}">
+                <a16:creationId xmlns:a16="http://schemas.microsoft.com/office/drawing/2014/main" id="{5E0A8329-D581-D634-3B7A-576DD2D2B61B}"/>
+              </a:ext>
+            </a:extLst>
+          </p:cNvPr>
+          <p:cNvPicPr>
+            <a:picLocks noChangeAspect="1" noChangeArrowheads="1"/>
+          </p:cNvPicPr>
+          <p:nvPr/>
+        </p:nvPicPr>
+        <p:blipFill>
+          <a:blip r:embed="rId2" cstate="print"/>
+          <a:srcRect/>
+          <a:stretch>
+            <a:fillRect/>
+          </a:stretch>
+        </p:blipFill>
+        <p:spPr bwMode="auto">
+          <a:xfrm>
+            <a:off x="5044803" y="3904063"/>
+            <a:ext cx="2308386" cy="2707474"/>
+          </a:xfrm>
+          <a:prstGeom prst="rect">
+            <a:avLst/>
+          </a:prstGeom>
+          <a:noFill/>
+          <a:ln w="9525">
+            <a:noFill/>
+            <a:miter lim="800000"/>
+            <a:headEnd/>
+            <a:tailEnd/>
+          </a:ln>
+          <a:effectLst/>
+        </p:spPr>
+      </p:pic>
+      <p:sp>
+        <p:nvSpPr>
+          <p:cNvPr id="2" name="Title 1"/>
+          <p:cNvSpPr>
+            <a:spLocks noGrp="1"/>
+          </p:cNvSpPr>
+          <p:nvPr>
+            <p:ph type="title"/>
+          </p:nvPr>
+        </p:nvSpPr>
+        <p:spPr>
+          <a:xfrm>
+            <a:off x="457200" y="274638"/>
+            <a:ext cx="4584357" cy="1143000"/>
+          </a:xfrm>
+        </p:spPr>
+        <p:txBody>
+          <a:bodyPr/>
+          <a:lstStyle/>
+          <a:p>
+            <a:r>
+              <a:rPr lang="en-US" dirty="0"/>
+              <a:t>Question</a:t>
+            </a:r>
+          </a:p>
+        </p:txBody>
+      </p:sp>
+      <p:sp>
+        <p:nvSpPr>
+          <p:cNvPr id="3" name="Content Placeholder 2"/>
+          <p:cNvSpPr>
+            <a:spLocks noGrp="1"/>
+          </p:cNvSpPr>
+          <p:nvPr>
+            <p:ph idx="1"/>
+          </p:nvPr>
+        </p:nvSpPr>
+        <p:spPr>
+          <a:xfrm>
+            <a:off x="457199" y="1600200"/>
+            <a:ext cx="4497859" cy="4525963"/>
+          </a:xfrm>
+        </p:spPr>
+        <p:txBody>
+          <a:bodyPr>
+            <a:normAutofit/>
+          </a:bodyPr>
+          <a:lstStyle/>
+          <a:p>
+            <a:pPr marL="0" indent="0">
+              <a:buNone/>
+            </a:pPr>
+            <a:r>
+              <a:rPr lang="en-US" dirty="0"/>
+              <a:t>Which will be a narrower, pint A or point B?</a:t>
+            </a:r>
+          </a:p>
+          <a:p>
+            <a:pPr marL="514350" indent="-514350">
+              <a:buFont typeface="+mj-lt"/>
+              <a:buAutoNum type="alphaLcParenR"/>
+            </a:pPr>
+            <a:r>
+              <a:rPr lang="en-US" dirty="0"/>
+              <a:t>A</a:t>
+            </a:r>
+          </a:p>
+          <a:p>
+            <a:pPr marL="514350" indent="-514350">
+              <a:buFont typeface="+mj-lt"/>
+              <a:buAutoNum type="alphaLcParenR"/>
+            </a:pPr>
+            <a:r>
+              <a:rPr lang="en-US" dirty="0"/>
+              <a:t>B</a:t>
+            </a:r>
+          </a:p>
+          <a:p>
+            <a:pPr marL="514350" indent="-514350">
+              <a:buFont typeface="+mj-lt"/>
+              <a:buAutoNum type="alphaLcParenR"/>
+            </a:pPr>
+            <a:r>
+              <a:rPr lang="en-US" dirty="0"/>
+              <a:t>They will be the same</a:t>
+            </a:r>
+          </a:p>
+          <a:p>
+            <a:pPr marL="514350" indent="-514350">
+              <a:buFont typeface="+mj-lt"/>
+              <a:buAutoNum type="alphaLcParenR"/>
+            </a:pPr>
+            <a:endParaRPr lang="en-US" dirty="0"/>
+          </a:p>
+        </p:txBody>
+      </p:sp>
+      <p:pic>
+        <p:nvPicPr>
+          <p:cNvPr id="3074" name="Picture 2"/>
           <p:cNvPicPr>
             <a:picLocks noChangeAspect="1" noChangeArrowheads="1"/>
           </p:cNvPicPr>
@@ -3437,8 +4363,8 @@
         </p:blipFill>
         <p:spPr bwMode="auto">
           <a:xfrm>
-            <a:off x="1931035" y="243840"/>
-            <a:ext cx="5221473" cy="6400800"/>
+            <a:off x="5189839" y="274638"/>
+            <a:ext cx="2062900" cy="3665673"/>
           </a:xfrm>
           <a:prstGeom prst="rect">
             <a:avLst/>
@@ -3453,6 +4379,199 @@
           <a:effectLst/>
         </p:spPr>
       </p:pic>
+      <p:sp>
+        <p:nvSpPr>
+          <p:cNvPr id="4" name="TextBox 3">
+            <a:extLst>
+              <a:ext uri="{FF2B5EF4-FFF2-40B4-BE49-F238E27FC236}">
+                <a16:creationId xmlns:a16="http://schemas.microsoft.com/office/drawing/2014/main" id="{70F33C2B-F1CD-21D3-C981-131CF70D97F4}"/>
+              </a:ext>
+            </a:extLst>
+          </p:cNvPr>
+          <p:cNvSpPr txBox="1"/>
+          <p:nvPr/>
+        </p:nvSpPr>
+        <p:spPr>
+          <a:xfrm>
+            <a:off x="6947595" y="1563130"/>
+            <a:ext cx="465192" cy="646331"/>
+          </a:xfrm>
+          <a:prstGeom prst="rect">
+            <a:avLst/>
+          </a:prstGeom>
+          <a:noFill/>
+        </p:spPr>
+        <p:txBody>
+          <a:bodyPr wrap="none" rtlCol="0">
+            <a:spAutoFit/>
+          </a:bodyPr>
+          <a:lstStyle/>
+          <a:p>
+            <a:r>
+              <a:rPr lang="en-US" sz="3600" b="1" dirty="0">
+                <a:solidFill>
+                  <a:srgbClr val="FF0000"/>
+                </a:solidFill>
+              </a:rPr>
+              <a:t>A</a:t>
+            </a:r>
+          </a:p>
+        </p:txBody>
+      </p:sp>
+      <p:sp>
+        <p:nvSpPr>
+          <p:cNvPr id="5" name="TextBox 4">
+            <a:extLst>
+              <a:ext uri="{FF2B5EF4-FFF2-40B4-BE49-F238E27FC236}">
+                <a16:creationId xmlns:a16="http://schemas.microsoft.com/office/drawing/2014/main" id="{09DBFF4C-BCD8-13B6-07F3-6BB27892273A}"/>
+              </a:ext>
+            </a:extLst>
+          </p:cNvPr>
+          <p:cNvSpPr txBox="1"/>
+          <p:nvPr/>
+        </p:nvSpPr>
+        <p:spPr>
+          <a:xfrm>
+            <a:off x="7204362" y="4905636"/>
+            <a:ext cx="442750" cy="646331"/>
+          </a:xfrm>
+          <a:prstGeom prst="rect">
+            <a:avLst/>
+          </a:prstGeom>
+          <a:noFill/>
+        </p:spPr>
+        <p:txBody>
+          <a:bodyPr wrap="none" rtlCol="0">
+            <a:spAutoFit/>
+          </a:bodyPr>
+          <a:lstStyle/>
+          <a:p>
+            <a:r>
+              <a:rPr lang="en-US" sz="3600" b="1" dirty="0">
+                <a:solidFill>
+                  <a:srgbClr val="FF0000"/>
+                </a:solidFill>
+              </a:rPr>
+              <a:t>B</a:t>
+            </a:r>
+          </a:p>
+        </p:txBody>
+      </p:sp>
+      <p:sp>
+        <p:nvSpPr>
+          <p:cNvPr id="6" name="Oval 5">
+            <a:extLst>
+              <a:ext uri="{FF2B5EF4-FFF2-40B4-BE49-F238E27FC236}">
+                <a16:creationId xmlns:a16="http://schemas.microsoft.com/office/drawing/2014/main" id="{1FBE7A73-7D94-3A7B-556F-4DC4E6DF4FE3}"/>
+              </a:ext>
+            </a:extLst>
+          </p:cNvPr>
+          <p:cNvSpPr/>
+          <p:nvPr/>
+        </p:nvSpPr>
+        <p:spPr>
+          <a:xfrm>
+            <a:off x="7167667" y="5203178"/>
+            <a:ext cx="87177" cy="111211"/>
+          </a:xfrm>
+          <a:prstGeom prst="ellipse">
+            <a:avLst/>
+          </a:prstGeom>
+          <a:solidFill>
+            <a:srgbClr val="FF0000"/>
+          </a:solidFill>
+          <a:ln>
+            <a:noFill/>
+          </a:ln>
+        </p:spPr>
+        <p:style>
+          <a:lnRef idx="2">
+            <a:schemeClr val="accent1">
+              <a:shade val="15000"/>
+            </a:schemeClr>
+          </a:lnRef>
+          <a:fillRef idx="1">
+            <a:schemeClr val="accent1"/>
+          </a:fillRef>
+          <a:effectRef idx="0">
+            <a:schemeClr val="accent1"/>
+          </a:effectRef>
+          <a:fontRef idx="minor">
+            <a:schemeClr val="lt1"/>
+          </a:fontRef>
+        </p:style>
+        <p:txBody>
+          <a:bodyPr rtlCol="0" anchor="ctr"/>
+          <a:lstStyle/>
+          <a:p>
+            <a:pPr algn="ctr"/>
+            <a:endParaRPr lang="en-US"/>
+          </a:p>
+        </p:txBody>
+      </p:sp>
+    </p:spTree>
+    <p:extLst>
+      <p:ext uri="{BB962C8B-B14F-4D97-AF65-F5344CB8AC3E}">
+        <p14:creationId xmlns:p14="http://schemas.microsoft.com/office/powerpoint/2010/main" val="3655617250"/>
+      </p:ext>
+    </p:extLst>
+  </p:cSld>
+  <p:clrMapOvr>
+    <a:masterClrMapping/>
+  </p:clrMapOvr>
+</p:sld>
+</file>
+
+<file path=ppt/slides/slide14.xml><?xml version="1.0" encoding="utf-8"?>
+<p:sld xmlns:a="http://schemas.openxmlformats.org/drawingml/2006/main" xmlns:r="http://schemas.openxmlformats.org/officeDocument/2006/relationships" xmlns:p="http://schemas.openxmlformats.org/presentationml/2006/main">
+  <p:cSld>
+    <p:spTree>
+      <p:nvGrpSpPr>
+        <p:cNvPr id="1" name=""/>
+        <p:cNvGrpSpPr/>
+        <p:nvPr/>
+      </p:nvGrpSpPr>
+      <p:grpSpPr>
+        <a:xfrm>
+          <a:off x="0" y="0"/>
+          <a:ext cx="0" cy="0"/>
+          <a:chOff x="0" y="0"/>
+          <a:chExt cx="0" cy="0"/>
+        </a:xfrm>
+      </p:grpSpPr>
+      <p:pic>
+        <p:nvPicPr>
+          <p:cNvPr id="30723" name="Picture 3"/>
+          <p:cNvPicPr>
+            <a:picLocks noChangeAspect="1" noChangeArrowheads="1"/>
+          </p:cNvPicPr>
+          <p:nvPr/>
+        </p:nvPicPr>
+        <p:blipFill>
+          <a:blip r:embed="rId2" cstate="print"/>
+          <a:srcRect/>
+          <a:stretch>
+            <a:fillRect/>
+          </a:stretch>
+        </p:blipFill>
+        <p:spPr bwMode="auto">
+          <a:xfrm>
+            <a:off x="1931035" y="243840"/>
+            <a:ext cx="5221473" cy="6400800"/>
+          </a:xfrm>
+          <a:prstGeom prst="rect">
+            <a:avLst/>
+          </a:prstGeom>
+          <a:noFill/>
+          <a:ln w="9525">
+            <a:noFill/>
+            <a:miter lim="800000"/>
+            <a:headEnd/>
+            <a:tailEnd/>
+          </a:ln>
+          <a:effectLst/>
+        </p:spPr>
+      </p:pic>
       <p:cxnSp>
         <p:nvCxnSpPr>
           <p:cNvPr id="8" name="Straight Arrow Connector 7"/>
@@ -3511,10 +4630,9 @@
           <a:lstStyle/>
           <a:p>
             <a:r>
-              <a:rPr lang="en-US" sz="2400" dirty="0" smtClean="0"/>
+              <a:rPr lang="en-US" sz="2400" dirty="0"/>
               <a:t>Single Slit Envelope</a:t>
             </a:r>
-            <a:endParaRPr lang="en-US" sz="2400" dirty="0"/>
           </a:p>
         </p:txBody>
       </p:sp>
@@ -3576,10 +4694,9 @@
           <a:lstStyle/>
           <a:p>
             <a:r>
-              <a:rPr lang="en-US" sz="2400" dirty="0" smtClean="0"/>
+              <a:rPr lang="en-US" sz="2400" dirty="0"/>
               <a:t>Intensity pattern </a:t>
             </a:r>
-            <a:endParaRPr lang="en-US" sz="2400" dirty="0"/>
           </a:p>
         </p:txBody>
       </p:sp>
@@ -3606,10 +4723,9 @@
           <a:lstStyle/>
           <a:p>
             <a:r>
-              <a:rPr lang="en-US" sz="2400" dirty="0" smtClean="0"/>
+              <a:rPr lang="en-US" sz="2400" dirty="0"/>
               <a:t>2 slits</a:t>
             </a:r>
-            <a:endParaRPr lang="en-US" sz="2400" dirty="0"/>
           </a:p>
         </p:txBody>
       </p:sp>
@@ -3636,10 +4752,9 @@
           <a:lstStyle/>
           <a:p>
             <a:r>
-              <a:rPr lang="en-US" sz="2400" dirty="0" smtClean="0"/>
+              <a:rPr lang="en-US" sz="2400" dirty="0"/>
               <a:t>3 slits</a:t>
             </a:r>
-            <a:endParaRPr lang="en-US" sz="2400" dirty="0"/>
           </a:p>
         </p:txBody>
       </p:sp>
@@ -3666,10 +4781,9 @@
           <a:lstStyle/>
           <a:p>
             <a:r>
-              <a:rPr lang="en-US" sz="2400" dirty="0" smtClean="0"/>
+              <a:rPr lang="en-US" sz="2400" dirty="0"/>
               <a:t>4 slits</a:t>
             </a:r>
-            <a:endParaRPr lang="en-US" sz="2400" dirty="0"/>
           </a:p>
         </p:txBody>
       </p:sp>
@@ -3696,10 +4810,9 @@
           <a:lstStyle/>
           <a:p>
             <a:r>
-              <a:rPr lang="en-US" sz="2400" dirty="0" smtClean="0"/>
+              <a:rPr lang="en-US" sz="2400" dirty="0"/>
               <a:t>5 slits</a:t>
             </a:r>
-            <a:endParaRPr lang="en-US" sz="2400" dirty="0"/>
           </a:p>
         </p:txBody>
       </p:sp>
@@ -3726,10 +4839,9 @@
           <a:lstStyle/>
           <a:p>
             <a:r>
-              <a:rPr lang="en-US" sz="2400" dirty="0" smtClean="0"/>
+              <a:rPr lang="en-US" sz="2400" dirty="0"/>
               <a:t>10 slits</a:t>
             </a:r>
-            <a:endParaRPr lang="en-US" sz="2400" dirty="0"/>
           </a:p>
         </p:txBody>
       </p:sp>
@@ -3756,10 +4868,9 @@
           <a:lstStyle/>
           <a:p>
             <a:r>
-              <a:rPr lang="en-US" sz="2400" dirty="0" smtClean="0"/>
+              <a:rPr lang="en-US" sz="2400" dirty="0"/>
               <a:t>100 slits</a:t>
             </a:r>
-            <a:endParaRPr lang="en-US" sz="2400" dirty="0"/>
           </a:p>
         </p:txBody>
       </p:sp>
@@ -3779,23 +4890,23 @@
           <a:graphicData uri="http://schemas.openxmlformats.org/presentationml/2006/ole">
             <mc:AlternateContent xmlns:mc="http://schemas.openxmlformats.org/markup-compatibility/2006">
               <mc:Choice xmlns:v="urn:schemas-microsoft-com:vml" Requires="v">
-                <p:oleObj spid="_x0000_s30726" name="Equation" r:id="rId4" imgW="520560" imgH="215640" progId="Equation.3">
+                <p:oleObj name="Equation" r:id="rId3" imgW="520560" imgH="215640" progId="Equation.3">
                   <p:embed/>
                 </p:oleObj>
               </mc:Choice>
               <mc:Fallback>
-                <p:oleObj name="Equation" r:id="rId4" imgW="520560" imgH="215640" progId="Equation.3">
+                <p:oleObj name="Equation" r:id="rId3" imgW="520560" imgH="215640" progId="Equation.3">
                   <p:embed/>
                   <p:pic>
                     <p:nvPicPr>
-                      <p:cNvPr id="0" name="Picture 2"/>
+                      <p:cNvPr id="21" name="Object 20"/>
                       <p:cNvPicPr>
                         <a:picLocks noChangeAspect="1" noChangeArrowheads="1"/>
                       </p:cNvPicPr>
                       <p:nvPr/>
                     </p:nvPicPr>
                     <p:blipFill>
-                      <a:blip r:embed="rId5">
+                      <a:blip r:embed="rId4">
                         <a:extLst>
                           <a:ext uri="{28A0092B-C50C-407E-A947-70E740481C1C}">
                             <a14:useLocalDpi xmlns:a14="http://schemas.microsoft.com/office/drawing/2010/main" val="0"/>
@@ -3841,7 +4952,7 @@
 </p:sld>
 </file>
 
-<file path=ppt/slides/slide11.xml><?xml version="1.0" encoding="utf-8"?>
+<file path=ppt/slides/slide15.xml><?xml version="1.0" encoding="utf-8"?>
 <p:sld xmlns:a="http://schemas.openxmlformats.org/drawingml/2006/main" xmlns:r="http://schemas.openxmlformats.org/officeDocument/2006/relationships" xmlns:p="http://schemas.openxmlformats.org/presentationml/2006/main">
   <p:cSld>
     <p:spTree>
@@ -3876,7 +4987,7 @@
           <a:lstStyle/>
           <a:p>
             <a:r>
-              <a:rPr lang="en-US" smtClean="0"/>
+              <a:rPr lang="en-US"/>
               <a:t>R. Todd Lines</a:t>
             </a:r>
           </a:p>
@@ -3906,7 +5017,7 @@
           <a:p>
             <a:pPr eaLnBrk="1" hangingPunct="1"/>
             <a:r>
-              <a:rPr lang="en-US" smtClean="0"/>
+              <a:rPr lang="en-US"/>
               <a:t>Resolving Power of a Diffraction Grating, cont</a:t>
             </a:r>
           </a:p>
@@ -3929,62 +5040,62 @@
           <a:p>
             <a:pPr eaLnBrk="1" hangingPunct="1"/>
             <a:r>
-              <a:rPr lang="en-US" smtClean="0"/>
+              <a:rPr lang="en-US"/>
               <a:t>The resolving power in the </a:t>
             </a:r>
             <a:r>
-              <a:rPr lang="en-US" i="1" smtClean="0"/>
+              <a:rPr lang="en-US" i="1"/>
               <a:t>m</a:t>
             </a:r>
             <a:r>
-              <a:rPr lang="en-US" smtClean="0"/>
+              <a:rPr lang="en-US"/>
               <a:t>th-order diffraction is </a:t>
             </a:r>
             <a:r>
-              <a:rPr lang="en-US" i="1" smtClean="0"/>
+              <a:rPr lang="en-US" i="1"/>
               <a:t>R</a:t>
             </a:r>
             <a:r>
-              <a:rPr lang="en-US" smtClean="0"/>
+              <a:rPr lang="en-US"/>
               <a:t> = </a:t>
             </a:r>
             <a:r>
-              <a:rPr lang="en-US" i="1" smtClean="0"/>
+              <a:rPr lang="en-US" i="1"/>
               <a:t>Nm</a:t>
             </a:r>
           </a:p>
           <a:p>
             <a:pPr lvl="1" eaLnBrk="1" hangingPunct="1"/>
             <a:r>
-              <a:rPr lang="en-US" i="1" smtClean="0"/>
+              <a:rPr lang="en-US" i="1"/>
               <a:t>N</a:t>
             </a:r>
             <a:r>
-              <a:rPr lang="en-US" smtClean="0"/>
+              <a:rPr lang="en-US"/>
               <a:t> is the number of slits</a:t>
             </a:r>
           </a:p>
           <a:p>
             <a:pPr lvl="1" eaLnBrk="1" hangingPunct="1"/>
             <a:r>
-              <a:rPr lang="en-US" i="1" smtClean="0"/>
+              <a:rPr lang="en-US" i="1"/>
               <a:t>m</a:t>
             </a:r>
             <a:r>
-              <a:rPr lang="en-US" smtClean="0"/>
+              <a:rPr lang="en-US"/>
               <a:t> is the order number</a:t>
             </a:r>
           </a:p>
           <a:p>
             <a:pPr eaLnBrk="1" hangingPunct="1"/>
             <a:r>
-              <a:rPr lang="en-US" smtClean="0"/>
+              <a:rPr lang="en-US"/>
               <a:t>Resolving power increases with increasing order number and with increasing number of illuminated slits</a:t>
             </a:r>
           </a:p>
           <a:p>
             <a:pPr lvl="1" eaLnBrk="1" hangingPunct="1"/>
-            <a:endParaRPr lang="en-US" smtClean="0"/>
+            <a:endParaRPr lang="en-US"/>
           </a:p>
         </p:txBody>
       </p:sp>
@@ -3993,17 +5104,10 @@
   <p:clrMapOvr>
     <a:masterClrMapping/>
   </p:clrMapOvr>
-  <p:timing>
-    <p:tnLst>
-      <p:par>
-        <p:cTn id="1" dur="indefinite" restart="never" nodeType="tmRoot"/>
-      </p:par>
-    </p:tnLst>
-  </p:timing>
 </p:sld>
 </file>
 
-<file path=ppt/slides/slide12.xml><?xml version="1.0" encoding="utf-8"?>
+<file path=ppt/slides/slide16.xml><?xml version="1.0" encoding="utf-8"?>
 <p:sld xmlns:a="http://schemas.openxmlformats.org/drawingml/2006/main" xmlns:r="http://schemas.openxmlformats.org/officeDocument/2006/relationships" xmlns:p="http://schemas.openxmlformats.org/presentationml/2006/main">
   <p:cSld>
     <p:spTree>
@@ -4038,7 +5142,7 @@
           <a:lstStyle/>
           <a:p>
             <a:r>
-              <a:rPr lang="en-US" smtClean="0"/>
+              <a:rPr lang="en-US"/>
               <a:t>R. Todd Lines</a:t>
             </a:r>
           </a:p>
@@ -4066,7 +5170,7 @@
           <a:p>
             <a:pPr eaLnBrk="1" hangingPunct="1"/>
             <a:r>
-              <a:rPr lang="en-US" dirty="0" smtClean="0"/>
+              <a:rPr lang="en-US" dirty="0"/>
               <a:t>AIRS</a:t>
             </a:r>
           </a:p>
@@ -4088,7 +5192,7 @@
           <a:lstStyle/>
           <a:p>
             <a:pPr eaLnBrk="1" hangingPunct="1"/>
-            <a:endParaRPr lang="en-US" smtClean="0"/>
+            <a:endParaRPr lang="en-US"/>
           </a:p>
         </p:txBody>
       </p:sp>
@@ -4225,17 +5329,10 @@
   <p:clrMapOvr>
     <a:masterClrMapping/>
   </p:clrMapOvr>
-  <p:timing>
-    <p:tnLst>
-      <p:par>
-        <p:cTn id="1" dur="indefinite" restart="never" nodeType="tmRoot"/>
-      </p:par>
-    </p:tnLst>
-  </p:timing>
 </p:sld>
 </file>
 
-<file path=ppt/slides/slide13.xml><?xml version="1.0" encoding="utf-8"?>
+<file path=ppt/slides/slide17.xml><?xml version="1.0" encoding="utf-8"?>
 <p:sld xmlns:a="http://schemas.openxmlformats.org/drawingml/2006/main" xmlns:r="http://schemas.openxmlformats.org/officeDocument/2006/relationships" xmlns:p="http://schemas.openxmlformats.org/presentationml/2006/main">
   <p:cSld>
     <p:spTree>
@@ -4254,7 +5351,13 @@
       </p:grpSpPr>
       <p:sp>
         <p:nvSpPr>
-          <p:cNvPr id="2" name="Title 1"/>
+          <p:cNvPr id="2" name="Title 1">
+            <a:extLst>
+              <a:ext uri="{FF2B5EF4-FFF2-40B4-BE49-F238E27FC236}">
+                <a16:creationId xmlns:a16="http://schemas.microsoft.com/office/drawing/2014/main" id="{4FBB5439-E1A5-749B-55C4-5D6E9CC9BA19}"/>
+              </a:ext>
+            </a:extLst>
+          </p:cNvPr>
           <p:cNvSpPr>
             <a:spLocks noGrp="1"/>
           </p:cNvSpPr>
@@ -4267,13 +5370,22 @@
           <a:bodyPr/>
           <a:lstStyle/>
           <a:p>
-            <a:endParaRPr lang="en-US"/>
-          </a:p>
-        </p:txBody>
-      </p:sp>
-      <p:sp>
-        <p:nvSpPr>
-          <p:cNvPr id="3" name="Content Placeholder 2"/>
+            <a:r>
+              <a:rPr lang="en-US" dirty="0"/>
+              <a:t>Question</a:t>
+            </a:r>
+          </a:p>
+        </p:txBody>
+      </p:sp>
+      <p:sp>
+        <p:nvSpPr>
+          <p:cNvPr id="3" name="Content Placeholder 2">
+            <a:extLst>
+              <a:ext uri="{FF2B5EF4-FFF2-40B4-BE49-F238E27FC236}">
+                <a16:creationId xmlns:a16="http://schemas.microsoft.com/office/drawing/2014/main" id="{0BCB696E-FA4F-4439-3586-93A5B8533B04}"/>
+              </a:ext>
+            </a:extLst>
+          </p:cNvPr>
           <p:cNvSpPr>
             <a:spLocks noGrp="1"/>
           </p:cNvSpPr>
@@ -4281,49 +5393,336 @@
             <p:ph idx="1"/>
           </p:nvPr>
         </p:nvSpPr>
-        <p:spPr/>
-        <p:txBody>
-          <a:bodyPr/>
-          <a:lstStyle/>
-          <a:p>
+        <p:spPr>
+          <a:xfrm>
+            <a:off x="457200" y="1600200"/>
+            <a:ext cx="3472249" cy="4525963"/>
+          </a:xfrm>
+        </p:spPr>
+        <p:txBody>
+          <a:bodyPr>
+            <a:normAutofit fontScale="92500" lnSpcReduction="10000"/>
+          </a:bodyPr>
+          <a:lstStyle/>
+          <a:p>
+            <a:pPr marL="0" indent="0">
+              <a:buNone/>
+            </a:pPr>
+            <a:r>
+              <a:rPr lang="en-US" dirty="0"/>
+              <a:t>Light goes through just one slit. Will there be spots of destructive interference?</a:t>
+            </a:r>
+          </a:p>
+          <a:p>
+            <a:pPr marL="514350" indent="-514350">
+              <a:buFont typeface="+mj-lt"/>
+              <a:buAutoNum type="alphaLcParenR"/>
+            </a:pPr>
+            <a:r>
+              <a:rPr lang="en-US" dirty="0"/>
+              <a:t>Yes</a:t>
+            </a:r>
+          </a:p>
+          <a:p>
+            <a:pPr marL="514350" indent="-514350">
+              <a:buFont typeface="+mj-lt"/>
+              <a:buAutoNum type="alphaLcParenR"/>
+            </a:pPr>
+            <a:r>
+              <a:rPr lang="en-US" dirty="0"/>
+              <a:t>No</a:t>
+            </a:r>
+          </a:p>
+          <a:p>
+            <a:pPr marL="514350" indent="-514350">
+              <a:buFont typeface="+mj-lt"/>
+              <a:buAutoNum type="alphaLcParenR"/>
+            </a:pPr>
+            <a:r>
+              <a:rPr lang="en-US" dirty="0"/>
+              <a:t>How could that work with just one light source?</a:t>
+            </a:r>
+          </a:p>
+        </p:txBody>
+      </p:sp>
+      <p:sp>
+        <p:nvSpPr>
+          <p:cNvPr id="4" name="Rectangle 3">
+            <a:extLst>
+              <a:ext uri="{FF2B5EF4-FFF2-40B4-BE49-F238E27FC236}">
+                <a16:creationId xmlns:a16="http://schemas.microsoft.com/office/drawing/2014/main" id="{BE40B40E-0A64-504F-15E6-6BA33EA6DDC9}"/>
+              </a:ext>
+            </a:extLst>
+          </p:cNvPr>
+          <p:cNvSpPr/>
+          <p:nvPr/>
+        </p:nvSpPr>
+        <p:spPr>
+          <a:xfrm>
+            <a:off x="6790664" y="1600200"/>
+            <a:ext cx="228600" cy="1143000"/>
+          </a:xfrm>
+          <a:prstGeom prst="rect">
+            <a:avLst/>
+          </a:prstGeom>
+          <a:solidFill>
+            <a:schemeClr val="bg1">
+              <a:lumMod val="50000"/>
+            </a:schemeClr>
+          </a:solidFill>
+          <a:ln>
+            <a:noFill/>
+          </a:ln>
+        </p:spPr>
+        <p:style>
+          <a:lnRef idx="2">
+            <a:schemeClr val="accent1">
+              <a:shade val="50000"/>
+            </a:schemeClr>
+          </a:lnRef>
+          <a:fillRef idx="1">
+            <a:schemeClr val="accent1"/>
+          </a:fillRef>
+          <a:effectRef idx="0">
+            <a:schemeClr val="accent1"/>
+          </a:effectRef>
+          <a:fontRef idx="minor">
+            <a:schemeClr val="lt1"/>
+          </a:fontRef>
+        </p:style>
+        <p:txBody>
+          <a:bodyPr rtlCol="0" anchor="ctr"/>
+          <a:lstStyle/>
+          <a:p>
+            <a:pPr algn="ctr"/>
             <a:endParaRPr lang="en-US"/>
           </a:p>
         </p:txBody>
       </p:sp>
-      <p:pic>
-        <p:nvPicPr>
-          <p:cNvPr id="5123" name="Picture 3"/>
-          <p:cNvPicPr>
-            <a:picLocks noChangeAspect="1" noChangeArrowheads="1"/>
-          </p:cNvPicPr>
-          <p:nvPr/>
-        </p:nvPicPr>
-        <p:blipFill>
-          <a:blip r:embed="rId2" cstate="print"/>
-          <a:srcRect/>
-          <a:stretch>
-            <a:fillRect/>
-          </a:stretch>
-        </p:blipFill>
-        <p:spPr bwMode="auto">
-          <a:xfrm>
-            <a:off x="1276350" y="650875"/>
-            <a:ext cx="6591300" cy="5562600"/>
+      <p:sp>
+        <p:nvSpPr>
+          <p:cNvPr id="5" name="Rectangle 4">
+            <a:extLst>
+              <a:ext uri="{FF2B5EF4-FFF2-40B4-BE49-F238E27FC236}">
+                <a16:creationId xmlns:a16="http://schemas.microsoft.com/office/drawing/2014/main" id="{787F6478-7692-8461-583C-4A3768383BEE}"/>
+              </a:ext>
+            </a:extLst>
+          </p:cNvPr>
+          <p:cNvSpPr/>
+          <p:nvPr/>
+        </p:nvSpPr>
+        <p:spPr>
+          <a:xfrm>
+            <a:off x="6790664" y="4953000"/>
+            <a:ext cx="228600" cy="1143000"/>
           </a:xfrm>
           <a:prstGeom prst="rect">
             <a:avLst/>
           </a:prstGeom>
-          <a:noFill/>
-          <a:ln w="9525">
+          <a:solidFill>
+            <a:schemeClr val="bg1">
+              <a:lumMod val="50000"/>
+            </a:schemeClr>
+          </a:solidFill>
+          <a:ln>
             <a:noFill/>
-            <a:miter lim="800000"/>
-            <a:headEnd/>
-            <a:tailEnd/>
           </a:ln>
-          <a:effectLst/>
-        </p:spPr>
-      </p:pic>
+        </p:spPr>
+        <p:style>
+          <a:lnRef idx="2">
+            <a:schemeClr val="accent1">
+              <a:shade val="50000"/>
+            </a:schemeClr>
+          </a:lnRef>
+          <a:fillRef idx="1">
+            <a:schemeClr val="accent1"/>
+          </a:fillRef>
+          <a:effectRef idx="0">
+            <a:schemeClr val="accent1"/>
+          </a:effectRef>
+          <a:fontRef idx="minor">
+            <a:schemeClr val="lt1"/>
+          </a:fontRef>
+        </p:style>
+        <p:txBody>
+          <a:bodyPr rtlCol="0" anchor="ctr"/>
+          <a:lstStyle/>
+          <a:p>
+            <a:pPr algn="ctr"/>
+            <a:endParaRPr lang="en-US"/>
+          </a:p>
+        </p:txBody>
+      </p:sp>
+      <p:cxnSp>
+        <p:nvCxnSpPr>
+          <p:cNvPr id="7" name="Straight Connector 6">
+            <a:extLst>
+              <a:ext uri="{FF2B5EF4-FFF2-40B4-BE49-F238E27FC236}">
+                <a16:creationId xmlns:a16="http://schemas.microsoft.com/office/drawing/2014/main" id="{D79D3EBD-AAB0-A4D6-2D1C-A3728FA9D3B5}"/>
+              </a:ext>
+            </a:extLst>
+          </p:cNvPr>
+          <p:cNvCxnSpPr/>
+          <p:nvPr/>
+        </p:nvCxnSpPr>
+        <p:spPr>
+          <a:xfrm>
+            <a:off x="5165133" y="1600200"/>
+            <a:ext cx="0" cy="4495800"/>
+          </a:xfrm>
+          <a:prstGeom prst="line">
+            <a:avLst/>
+          </a:prstGeom>
+          <a:ln>
+            <a:solidFill>
+              <a:srgbClr val="FF0000"/>
+            </a:solidFill>
+          </a:ln>
+        </p:spPr>
+        <p:style>
+          <a:lnRef idx="1">
+            <a:schemeClr val="accent1"/>
+          </a:lnRef>
+          <a:fillRef idx="0">
+            <a:schemeClr val="accent1"/>
+          </a:fillRef>
+          <a:effectRef idx="0">
+            <a:schemeClr val="accent1"/>
+          </a:effectRef>
+          <a:fontRef idx="minor">
+            <a:schemeClr val="tx1"/>
+          </a:fontRef>
+        </p:style>
+      </p:cxnSp>
+      <p:cxnSp>
+        <p:nvCxnSpPr>
+          <p:cNvPr id="8" name="Straight Connector 7">
+            <a:extLst>
+              <a:ext uri="{FF2B5EF4-FFF2-40B4-BE49-F238E27FC236}">
+                <a16:creationId xmlns:a16="http://schemas.microsoft.com/office/drawing/2014/main" id="{CA061B62-C967-BC1D-1214-2DEDFE3D0B67}"/>
+              </a:ext>
+            </a:extLst>
+          </p:cNvPr>
+          <p:cNvCxnSpPr/>
+          <p:nvPr/>
+        </p:nvCxnSpPr>
+        <p:spPr>
+          <a:xfrm>
+            <a:off x="5614095" y="1600200"/>
+            <a:ext cx="0" cy="4495800"/>
+          </a:xfrm>
+          <a:prstGeom prst="line">
+            <a:avLst/>
+          </a:prstGeom>
+          <a:ln>
+            <a:solidFill>
+              <a:srgbClr val="FF0000"/>
+            </a:solidFill>
+          </a:ln>
+        </p:spPr>
+        <p:style>
+          <a:lnRef idx="1">
+            <a:schemeClr val="accent1"/>
+          </a:lnRef>
+          <a:fillRef idx="0">
+            <a:schemeClr val="accent1"/>
+          </a:fillRef>
+          <a:effectRef idx="0">
+            <a:schemeClr val="accent1"/>
+          </a:effectRef>
+          <a:fontRef idx="minor">
+            <a:schemeClr val="tx1"/>
+          </a:fontRef>
+        </p:style>
+      </p:cxnSp>
+      <p:cxnSp>
+        <p:nvCxnSpPr>
+          <p:cNvPr id="11" name="Straight Connector 10">
+            <a:extLst>
+              <a:ext uri="{FF2B5EF4-FFF2-40B4-BE49-F238E27FC236}">
+                <a16:creationId xmlns:a16="http://schemas.microsoft.com/office/drawing/2014/main" id="{0510AFE9-AA18-5403-CBDA-232E98026C01}"/>
+              </a:ext>
+            </a:extLst>
+          </p:cNvPr>
+          <p:cNvCxnSpPr/>
+          <p:nvPr/>
+        </p:nvCxnSpPr>
+        <p:spPr>
+          <a:xfrm>
+            <a:off x="6063057" y="1618006"/>
+            <a:ext cx="0" cy="4495800"/>
+          </a:xfrm>
+          <a:prstGeom prst="line">
+            <a:avLst/>
+          </a:prstGeom>
+          <a:ln>
+            <a:solidFill>
+              <a:srgbClr val="FF0000"/>
+            </a:solidFill>
+          </a:ln>
+        </p:spPr>
+        <p:style>
+          <a:lnRef idx="1">
+            <a:schemeClr val="accent1"/>
+          </a:lnRef>
+          <a:fillRef idx="0">
+            <a:schemeClr val="accent1"/>
+          </a:fillRef>
+          <a:effectRef idx="0">
+            <a:schemeClr val="accent1"/>
+          </a:effectRef>
+          <a:fontRef idx="minor">
+            <a:schemeClr val="tx1"/>
+          </a:fontRef>
+        </p:style>
+      </p:cxnSp>
+      <p:cxnSp>
+        <p:nvCxnSpPr>
+          <p:cNvPr id="13" name="Straight Connector 12">
+            <a:extLst>
+              <a:ext uri="{FF2B5EF4-FFF2-40B4-BE49-F238E27FC236}">
+                <a16:creationId xmlns:a16="http://schemas.microsoft.com/office/drawing/2014/main" id="{C590E27E-5B02-F3E1-6185-AE592E6B5180}"/>
+              </a:ext>
+            </a:extLst>
+          </p:cNvPr>
+          <p:cNvCxnSpPr/>
+          <p:nvPr/>
+        </p:nvCxnSpPr>
+        <p:spPr>
+          <a:xfrm>
+            <a:off x="6520264" y="1616673"/>
+            <a:ext cx="0" cy="4495800"/>
+          </a:xfrm>
+          <a:prstGeom prst="line">
+            <a:avLst/>
+          </a:prstGeom>
+          <a:ln>
+            <a:solidFill>
+              <a:srgbClr val="FF0000"/>
+            </a:solidFill>
+          </a:ln>
+        </p:spPr>
+        <p:style>
+          <a:lnRef idx="1">
+            <a:schemeClr val="accent1"/>
+          </a:lnRef>
+          <a:fillRef idx="0">
+            <a:schemeClr val="accent1"/>
+          </a:fillRef>
+          <a:effectRef idx="0">
+            <a:schemeClr val="accent1"/>
+          </a:effectRef>
+          <a:fontRef idx="minor">
+            <a:schemeClr val="tx1"/>
+          </a:fontRef>
+        </p:style>
+      </p:cxnSp>
     </p:spTree>
+    <p:extLst>
+      <p:ext uri="{BB962C8B-B14F-4D97-AF65-F5344CB8AC3E}">
+        <p14:creationId xmlns:p14="http://schemas.microsoft.com/office/powerpoint/2010/main" val="2985780737"/>
+      </p:ext>
+    </p:extLst>
   </p:cSld>
   <p:clrMapOvr>
     <a:masterClrMapping/>
@@ -4331,7 +5730,7 @@
 </p:sld>
 </file>
 
-<file path=ppt/slides/slide14.xml><?xml version="1.0" encoding="utf-8"?>
+<file path=ppt/slides/slide18.xml><?xml version="1.0" encoding="utf-8"?>
 <p:sld xmlns:a="http://schemas.openxmlformats.org/drawingml/2006/main" xmlns:r="http://schemas.openxmlformats.org/officeDocument/2006/relationships" xmlns:p="http://schemas.openxmlformats.org/presentationml/2006/main">
   <p:cSld>
     <p:spTree>
@@ -4350,13 +5749,252 @@
       </p:grpSpPr>
       <p:sp>
         <p:nvSpPr>
-          <p:cNvPr id="38" name="Right Triangle 37"/>
+          <p:cNvPr id="2" name="Title 1"/>
+          <p:cNvSpPr>
+            <a:spLocks noGrp="1"/>
+          </p:cNvSpPr>
+          <p:nvPr>
+            <p:ph type="title"/>
+          </p:nvPr>
+        </p:nvSpPr>
+        <p:spPr/>
+        <p:txBody>
+          <a:bodyPr/>
+          <a:lstStyle/>
+          <a:p>
+            <a:endParaRPr lang="en-US"/>
+          </a:p>
+        </p:txBody>
+      </p:sp>
+      <p:sp>
+        <p:nvSpPr>
+          <p:cNvPr id="3" name="Content Placeholder 2"/>
+          <p:cNvSpPr>
+            <a:spLocks noGrp="1"/>
+          </p:cNvSpPr>
+          <p:nvPr>
+            <p:ph idx="1"/>
+          </p:nvPr>
+        </p:nvSpPr>
+        <p:spPr/>
+        <p:txBody>
+          <a:bodyPr/>
+          <a:lstStyle/>
+          <a:p>
+            <a:endParaRPr lang="en-US"/>
+          </a:p>
+        </p:txBody>
+      </p:sp>
+      <p:pic>
+        <p:nvPicPr>
+          <p:cNvPr id="5123" name="Picture 3"/>
+          <p:cNvPicPr>
+            <a:picLocks noChangeAspect="1" noChangeArrowheads="1"/>
+          </p:cNvPicPr>
+          <p:nvPr/>
+        </p:nvPicPr>
+        <p:blipFill>
+          <a:blip r:embed="rId2" cstate="print"/>
+          <a:srcRect/>
+          <a:stretch>
+            <a:fillRect/>
+          </a:stretch>
+        </p:blipFill>
+        <p:spPr bwMode="auto">
+          <a:xfrm>
+            <a:off x="1276350" y="650875"/>
+            <a:ext cx="6591300" cy="5562600"/>
+          </a:xfrm>
+          <a:prstGeom prst="rect">
+            <a:avLst/>
+          </a:prstGeom>
+          <a:noFill/>
+          <a:ln w="9525">
+            <a:noFill/>
+            <a:miter lim="800000"/>
+            <a:headEnd/>
+            <a:tailEnd/>
+          </a:ln>
+          <a:effectLst/>
+        </p:spPr>
+      </p:pic>
+    </p:spTree>
+  </p:cSld>
+  <p:clrMapOvr>
+    <a:masterClrMapping/>
+  </p:clrMapOvr>
+</p:sld>
+</file>
+
+<file path=ppt/slides/slide19.xml><?xml version="1.0" encoding="utf-8"?>
+<p:sld xmlns:a="http://schemas.openxmlformats.org/drawingml/2006/main" xmlns:r="http://schemas.openxmlformats.org/officeDocument/2006/relationships" xmlns:p="http://schemas.openxmlformats.org/presentationml/2006/main">
+  <p:cSld>
+    <p:spTree>
+      <p:nvGrpSpPr>
+        <p:cNvPr id="1" name=""/>
+        <p:cNvGrpSpPr/>
+        <p:nvPr/>
+      </p:nvGrpSpPr>
+      <p:grpSpPr>
+        <a:xfrm>
+          <a:off x="0" y="0"/>
+          <a:ext cx="0" cy="0"/>
+          <a:chOff x="0" y="0"/>
+          <a:chExt cx="0" cy="0"/>
+        </a:xfrm>
+      </p:grpSpPr>
+      <p:sp>
+        <p:nvSpPr>
+          <p:cNvPr id="2" name="Title 1"/>
+          <p:cNvSpPr>
+            <a:spLocks noGrp="1"/>
+          </p:cNvSpPr>
+          <p:nvPr>
+            <p:ph type="title"/>
+          </p:nvPr>
+        </p:nvSpPr>
+        <p:spPr/>
+        <p:txBody>
+          <a:bodyPr/>
+          <a:lstStyle/>
+          <a:p>
+            <a:r>
+              <a:rPr lang="en-US" dirty="0"/>
+              <a:t>Question 223.11.0.1</a:t>
+            </a:r>
+          </a:p>
+        </p:txBody>
+      </p:sp>
+      <p:sp>
+        <p:nvSpPr>
+          <p:cNvPr id="3" name="Content Placeholder 2"/>
+          <p:cNvSpPr>
+            <a:spLocks noGrp="1"/>
+          </p:cNvSpPr>
+          <p:nvPr>
+            <p:ph idx="1"/>
+          </p:nvPr>
+        </p:nvSpPr>
+        <p:spPr>
+          <a:xfrm>
+            <a:off x="457201" y="1320800"/>
+            <a:ext cx="3795486" cy="5485416"/>
+          </a:xfrm>
+        </p:spPr>
+        <p:txBody>
+          <a:bodyPr>
+            <a:normAutofit fontScale="92500" lnSpcReduction="10000"/>
+          </a:bodyPr>
+          <a:lstStyle/>
+          <a:p>
+            <a:pPr marL="0" indent="0">
+              <a:buNone/>
+            </a:pPr>
+            <a:r>
+              <a:rPr lang="en-US" dirty="0"/>
+              <a:t>What is the path difference between ray 1 and ray 2?</a:t>
+            </a:r>
+          </a:p>
+          <a:p>
+            <a:pPr marL="0" indent="0">
+              <a:buNone/>
+            </a:pPr>
+            <a:endParaRPr lang="en-US" dirty="0"/>
+          </a:p>
+          <a:p>
+            <a:pPr marL="0" indent="0">
+              <a:buNone/>
+            </a:pPr>
+            <a:r>
+              <a:rPr lang="en-US" dirty="0"/>
+              <a:t>a)</a:t>
+            </a:r>
+          </a:p>
+          <a:p>
+            <a:pPr marL="0" indent="0">
+              <a:buNone/>
+            </a:pPr>
+            <a:endParaRPr lang="en-US" dirty="0"/>
+          </a:p>
+          <a:p>
+            <a:pPr marL="0" indent="0">
+              <a:buNone/>
+            </a:pPr>
+            <a:r>
+              <a:rPr lang="en-US" dirty="0"/>
+              <a:t>b)</a:t>
+            </a:r>
+          </a:p>
+          <a:p>
+            <a:pPr marL="0" indent="0">
+              <a:buNone/>
+            </a:pPr>
+            <a:endParaRPr lang="en-US" dirty="0"/>
+          </a:p>
+          <a:p>
+            <a:pPr marL="0" indent="0">
+              <a:buNone/>
+            </a:pPr>
+            <a:r>
+              <a:rPr lang="en-US" dirty="0"/>
+              <a:t>c)</a:t>
+            </a:r>
+          </a:p>
+          <a:p>
+            <a:pPr marL="0" indent="0">
+              <a:buNone/>
+            </a:pPr>
+            <a:endParaRPr lang="en-US" dirty="0"/>
+          </a:p>
+          <a:p>
+            <a:pPr marL="0" indent="0">
+              <a:buNone/>
+            </a:pPr>
+            <a:r>
+              <a:rPr lang="en-US" dirty="0"/>
+              <a:t>d)  </a:t>
+            </a:r>
+          </a:p>
+        </p:txBody>
+      </p:sp>
+      <p:sp>
+        <p:nvSpPr>
+          <p:cNvPr id="4" name="Slide Number Placeholder 3"/>
+          <p:cNvSpPr>
+            <a:spLocks noGrp="1"/>
+          </p:cNvSpPr>
+          <p:nvPr>
+            <p:ph type="sldNum" sz="quarter" idx="12"/>
+          </p:nvPr>
+        </p:nvSpPr>
+        <p:spPr/>
+        <p:txBody>
+          <a:bodyPr/>
+          <a:lstStyle/>
+          <a:p>
+            <a:pPr>
+              <a:defRPr/>
+            </a:pPr>
+            <a:fld id="{64137B81-8888-4253-92EC-0AED2A590749}" type="slidenum">
+              <a:rPr lang="en-US" smtClean="0"/>
+              <a:pPr>
+                <a:defRPr/>
+              </a:pPr>
+              <a:t>19</a:t>
+            </a:fld>
+            <a:endParaRPr lang="en-US"/>
+          </a:p>
+        </p:txBody>
+      </p:sp>
+      <p:sp>
+        <p:nvSpPr>
+          <p:cNvPr id="5" name="Right Triangle 4"/>
           <p:cNvSpPr/>
           <p:nvPr/>
         </p:nvSpPr>
         <p:spPr>
           <a:xfrm rot="19354257" flipH="1">
-            <a:off x="3955128" y="2827300"/>
+            <a:off x="6001817" y="2827300"/>
             <a:ext cx="609600" cy="834530"/>
           </a:xfrm>
           <a:prstGeom prst="rtTriangle">
@@ -4399,13 +6037,13 @@
       </p:sp>
       <p:sp>
         <p:nvSpPr>
-          <p:cNvPr id="37" name="Right Triangle 36"/>
+          <p:cNvPr id="6" name="Right Triangle 5"/>
           <p:cNvSpPr/>
           <p:nvPr/>
         </p:nvSpPr>
         <p:spPr>
           <a:xfrm rot="19354257" flipH="1">
-            <a:off x="3955129" y="3836251"/>
+            <a:off x="6001818" y="3836251"/>
             <a:ext cx="609600" cy="834530"/>
           </a:xfrm>
           <a:prstGeom prst="rtTriangle">
@@ -4448,6 +6086,1654 @@
       </p:sp>
       <p:sp>
         <p:nvSpPr>
+          <p:cNvPr id="7" name="Rectangle 6"/>
+          <p:cNvSpPr/>
+          <p:nvPr/>
+        </p:nvSpPr>
+        <p:spPr>
+          <a:xfrm>
+            <a:off x="6230069" y="1493520"/>
+            <a:ext cx="228600" cy="1143000"/>
+          </a:xfrm>
+          <a:prstGeom prst="rect">
+            <a:avLst/>
+          </a:prstGeom>
+          <a:solidFill>
+            <a:schemeClr val="bg1">
+              <a:lumMod val="50000"/>
+            </a:schemeClr>
+          </a:solidFill>
+          <a:ln>
+            <a:noFill/>
+          </a:ln>
+        </p:spPr>
+        <p:style>
+          <a:lnRef idx="2">
+            <a:schemeClr val="accent1">
+              <a:shade val="50000"/>
+            </a:schemeClr>
+          </a:lnRef>
+          <a:fillRef idx="1">
+            <a:schemeClr val="accent1"/>
+          </a:fillRef>
+          <a:effectRef idx="0">
+            <a:schemeClr val="accent1"/>
+          </a:effectRef>
+          <a:fontRef idx="minor">
+            <a:schemeClr val="lt1"/>
+          </a:fontRef>
+        </p:style>
+        <p:txBody>
+          <a:bodyPr rtlCol="0" anchor="ctr"/>
+          <a:lstStyle/>
+          <a:p>
+            <a:pPr algn="ctr"/>
+            <a:endParaRPr lang="en-US"/>
+          </a:p>
+        </p:txBody>
+      </p:sp>
+      <p:sp>
+        <p:nvSpPr>
+          <p:cNvPr id="8" name="Rectangle 7"/>
+          <p:cNvSpPr/>
+          <p:nvPr/>
+        </p:nvSpPr>
+        <p:spPr>
+          <a:xfrm>
+            <a:off x="6230069" y="4846320"/>
+            <a:ext cx="228600" cy="1143000"/>
+          </a:xfrm>
+          <a:prstGeom prst="rect">
+            <a:avLst/>
+          </a:prstGeom>
+          <a:solidFill>
+            <a:schemeClr val="bg1">
+              <a:lumMod val="50000"/>
+            </a:schemeClr>
+          </a:solidFill>
+          <a:ln>
+            <a:noFill/>
+          </a:ln>
+        </p:spPr>
+        <p:style>
+          <a:lnRef idx="2">
+            <a:schemeClr val="accent1">
+              <a:shade val="50000"/>
+            </a:schemeClr>
+          </a:lnRef>
+          <a:fillRef idx="1">
+            <a:schemeClr val="accent1"/>
+          </a:fillRef>
+          <a:effectRef idx="0">
+            <a:schemeClr val="accent1"/>
+          </a:effectRef>
+          <a:fontRef idx="minor">
+            <a:schemeClr val="lt1"/>
+          </a:fontRef>
+        </p:style>
+        <p:txBody>
+          <a:bodyPr rtlCol="0" anchor="ctr"/>
+          <a:lstStyle/>
+          <a:p>
+            <a:pPr algn="ctr"/>
+            <a:endParaRPr lang="en-US"/>
+          </a:p>
+        </p:txBody>
+      </p:sp>
+      <p:cxnSp>
+        <p:nvCxnSpPr>
+          <p:cNvPr id="9" name="Straight Connector 8"/>
+          <p:cNvCxnSpPr/>
+          <p:nvPr/>
+        </p:nvCxnSpPr>
+        <p:spPr>
+          <a:xfrm>
+            <a:off x="5201369" y="2636520"/>
+            <a:ext cx="914400" cy="0"/>
+          </a:xfrm>
+          <a:prstGeom prst="line">
+            <a:avLst/>
+          </a:prstGeom>
+        </p:spPr>
+        <p:style>
+          <a:lnRef idx="1">
+            <a:schemeClr val="accent1"/>
+          </a:lnRef>
+          <a:fillRef idx="0">
+            <a:schemeClr val="accent1"/>
+          </a:fillRef>
+          <a:effectRef idx="0">
+            <a:schemeClr val="accent1"/>
+          </a:effectRef>
+          <a:fontRef idx="minor">
+            <a:schemeClr val="tx1"/>
+          </a:fontRef>
+        </p:style>
+      </p:cxnSp>
+      <p:cxnSp>
+        <p:nvCxnSpPr>
+          <p:cNvPr id="10" name="Straight Connector 9"/>
+          <p:cNvCxnSpPr/>
+          <p:nvPr/>
+        </p:nvCxnSpPr>
+        <p:spPr>
+          <a:xfrm>
+            <a:off x="5125169" y="4846320"/>
+            <a:ext cx="914400" cy="0"/>
+          </a:xfrm>
+          <a:prstGeom prst="line">
+            <a:avLst/>
+          </a:prstGeom>
+        </p:spPr>
+        <p:style>
+          <a:lnRef idx="1">
+            <a:schemeClr val="accent1"/>
+          </a:lnRef>
+          <a:fillRef idx="0">
+            <a:schemeClr val="accent1"/>
+          </a:fillRef>
+          <a:effectRef idx="0">
+            <a:schemeClr val="accent1"/>
+          </a:effectRef>
+          <a:fontRef idx="minor">
+            <a:schemeClr val="tx1"/>
+          </a:fontRef>
+        </p:style>
+      </p:cxnSp>
+      <p:cxnSp>
+        <p:nvCxnSpPr>
+          <p:cNvPr id="11" name="Straight Arrow Connector 10"/>
+          <p:cNvCxnSpPr/>
+          <p:nvPr/>
+        </p:nvCxnSpPr>
+        <p:spPr>
+          <a:xfrm>
+            <a:off x="5353769" y="2636520"/>
+            <a:ext cx="0" cy="2209800"/>
+          </a:xfrm>
+          <a:prstGeom prst="straightConnector1">
+            <a:avLst/>
+          </a:prstGeom>
+          <a:ln>
+            <a:headEnd type="arrow"/>
+            <a:tailEnd type="arrow"/>
+          </a:ln>
+        </p:spPr>
+        <p:style>
+          <a:lnRef idx="1">
+            <a:schemeClr val="accent1"/>
+          </a:lnRef>
+          <a:fillRef idx="0">
+            <a:schemeClr val="accent1"/>
+          </a:fillRef>
+          <a:effectRef idx="0">
+            <a:schemeClr val="accent1"/>
+          </a:effectRef>
+          <a:fontRef idx="minor">
+            <a:schemeClr val="tx1"/>
+          </a:fontRef>
+        </p:style>
+      </p:cxnSp>
+      <p:cxnSp>
+        <p:nvCxnSpPr>
+          <p:cNvPr id="12" name="Straight Arrow Connector 11"/>
+          <p:cNvCxnSpPr/>
+          <p:nvPr/>
+        </p:nvCxnSpPr>
+        <p:spPr>
+          <a:xfrm>
+            <a:off x="4515569" y="2788920"/>
+            <a:ext cx="533400" cy="0"/>
+          </a:xfrm>
+          <a:prstGeom prst="straightConnector1">
+            <a:avLst/>
+          </a:prstGeom>
+          <a:ln w="38100">
+            <a:solidFill>
+              <a:srgbClr val="FF0000"/>
+            </a:solidFill>
+            <a:tailEnd type="arrow"/>
+          </a:ln>
+        </p:spPr>
+        <p:style>
+          <a:lnRef idx="1">
+            <a:schemeClr val="accent1"/>
+          </a:lnRef>
+          <a:fillRef idx="0">
+            <a:schemeClr val="accent1"/>
+          </a:fillRef>
+          <a:effectRef idx="0">
+            <a:schemeClr val="accent1"/>
+          </a:effectRef>
+          <a:fontRef idx="minor">
+            <a:schemeClr val="tx1"/>
+          </a:fontRef>
+        </p:style>
+      </p:cxnSp>
+      <p:cxnSp>
+        <p:nvCxnSpPr>
+          <p:cNvPr id="13" name="Straight Arrow Connector 12"/>
+          <p:cNvCxnSpPr/>
+          <p:nvPr/>
+        </p:nvCxnSpPr>
+        <p:spPr>
+          <a:xfrm>
+            <a:off x="4515569" y="3246120"/>
+            <a:ext cx="533400" cy="0"/>
+          </a:xfrm>
+          <a:prstGeom prst="straightConnector1">
+            <a:avLst/>
+          </a:prstGeom>
+          <a:ln w="38100">
+            <a:solidFill>
+              <a:srgbClr val="FF0000"/>
+            </a:solidFill>
+            <a:tailEnd type="arrow"/>
+          </a:ln>
+        </p:spPr>
+        <p:style>
+          <a:lnRef idx="1">
+            <a:schemeClr val="accent1"/>
+          </a:lnRef>
+          <a:fillRef idx="0">
+            <a:schemeClr val="accent1"/>
+          </a:fillRef>
+          <a:effectRef idx="0">
+            <a:schemeClr val="accent1"/>
+          </a:effectRef>
+          <a:fontRef idx="minor">
+            <a:schemeClr val="tx1"/>
+          </a:fontRef>
+        </p:style>
+      </p:cxnSp>
+      <p:cxnSp>
+        <p:nvCxnSpPr>
+          <p:cNvPr id="14" name="Straight Arrow Connector 13"/>
+          <p:cNvCxnSpPr/>
+          <p:nvPr/>
+        </p:nvCxnSpPr>
+        <p:spPr>
+          <a:xfrm>
+            <a:off x="4515569" y="3779520"/>
+            <a:ext cx="533400" cy="0"/>
+          </a:xfrm>
+          <a:prstGeom prst="straightConnector1">
+            <a:avLst/>
+          </a:prstGeom>
+          <a:ln w="38100">
+            <a:solidFill>
+              <a:srgbClr val="FF0000"/>
+            </a:solidFill>
+            <a:tailEnd type="arrow"/>
+          </a:ln>
+        </p:spPr>
+        <p:style>
+          <a:lnRef idx="1">
+            <a:schemeClr val="accent1"/>
+          </a:lnRef>
+          <a:fillRef idx="0">
+            <a:schemeClr val="accent1"/>
+          </a:fillRef>
+          <a:effectRef idx="0">
+            <a:schemeClr val="accent1"/>
+          </a:effectRef>
+          <a:fontRef idx="minor">
+            <a:schemeClr val="tx1"/>
+          </a:fontRef>
+        </p:style>
+      </p:cxnSp>
+      <p:cxnSp>
+        <p:nvCxnSpPr>
+          <p:cNvPr id="15" name="Straight Arrow Connector 14"/>
+          <p:cNvCxnSpPr/>
+          <p:nvPr/>
+        </p:nvCxnSpPr>
+        <p:spPr>
+          <a:xfrm>
+            <a:off x="4515569" y="4312920"/>
+            <a:ext cx="533400" cy="0"/>
+          </a:xfrm>
+          <a:prstGeom prst="straightConnector1">
+            <a:avLst/>
+          </a:prstGeom>
+          <a:ln w="38100">
+            <a:solidFill>
+              <a:srgbClr val="FF0000"/>
+            </a:solidFill>
+            <a:tailEnd type="arrow"/>
+          </a:ln>
+        </p:spPr>
+        <p:style>
+          <a:lnRef idx="1">
+            <a:schemeClr val="accent1"/>
+          </a:lnRef>
+          <a:fillRef idx="0">
+            <a:schemeClr val="accent1"/>
+          </a:fillRef>
+          <a:effectRef idx="0">
+            <a:schemeClr val="accent1"/>
+          </a:effectRef>
+          <a:fontRef idx="minor">
+            <a:schemeClr val="tx1"/>
+          </a:fontRef>
+        </p:style>
+      </p:cxnSp>
+      <p:cxnSp>
+        <p:nvCxnSpPr>
+          <p:cNvPr id="16" name="Straight Arrow Connector 15"/>
+          <p:cNvCxnSpPr/>
+          <p:nvPr/>
+        </p:nvCxnSpPr>
+        <p:spPr>
+          <a:xfrm>
+            <a:off x="4515569" y="4770120"/>
+            <a:ext cx="533400" cy="0"/>
+          </a:xfrm>
+          <a:prstGeom prst="straightConnector1">
+            <a:avLst/>
+          </a:prstGeom>
+          <a:ln w="38100">
+            <a:solidFill>
+              <a:srgbClr val="FF0000"/>
+            </a:solidFill>
+            <a:tailEnd type="arrow"/>
+          </a:ln>
+        </p:spPr>
+        <p:style>
+          <a:lnRef idx="1">
+            <a:schemeClr val="accent1"/>
+          </a:lnRef>
+          <a:fillRef idx="0">
+            <a:schemeClr val="accent1"/>
+          </a:fillRef>
+          <a:effectRef idx="0">
+            <a:schemeClr val="accent1"/>
+          </a:effectRef>
+          <a:fontRef idx="minor">
+            <a:schemeClr val="tx1"/>
+          </a:fontRef>
+        </p:style>
+      </p:cxnSp>
+      <p:sp>
+        <p:nvSpPr>
+          <p:cNvPr id="17" name="TextBox 16"/>
+          <p:cNvSpPr txBox="1"/>
+          <p:nvPr/>
+        </p:nvSpPr>
+        <p:spPr>
+          <a:xfrm>
+            <a:off x="5125169" y="3398520"/>
+            <a:ext cx="381836" cy="584775"/>
+          </a:xfrm>
+          <a:prstGeom prst="rect">
+            <a:avLst/>
+          </a:prstGeom>
+          <a:solidFill>
+            <a:schemeClr val="bg1"/>
+          </a:solidFill>
+        </p:spPr>
+        <p:txBody>
+          <a:bodyPr wrap="none" rtlCol="0">
+            <a:spAutoFit/>
+          </a:bodyPr>
+          <a:lstStyle/>
+          <a:p>
+            <a:r>
+              <a:rPr lang="en-US" sz="3200" dirty="0"/>
+              <a:t>a</a:t>
+            </a:r>
+          </a:p>
+        </p:txBody>
+      </p:sp>
+      <p:cxnSp>
+        <p:nvCxnSpPr>
+          <p:cNvPr id="18" name="Straight Connector 17"/>
+          <p:cNvCxnSpPr/>
+          <p:nvPr/>
+        </p:nvCxnSpPr>
+        <p:spPr>
+          <a:xfrm>
+            <a:off x="5658569" y="3779520"/>
+            <a:ext cx="2590800" cy="0"/>
+          </a:xfrm>
+          <a:prstGeom prst="line">
+            <a:avLst/>
+          </a:prstGeom>
+          <a:ln>
+            <a:prstDash val="lgDash"/>
+          </a:ln>
+        </p:spPr>
+        <p:style>
+          <a:lnRef idx="1">
+            <a:schemeClr val="accent1"/>
+          </a:lnRef>
+          <a:fillRef idx="0">
+            <a:schemeClr val="accent1"/>
+          </a:fillRef>
+          <a:effectRef idx="0">
+            <a:schemeClr val="accent1"/>
+          </a:effectRef>
+          <a:fontRef idx="minor">
+            <a:schemeClr val="tx1"/>
+          </a:fontRef>
+        </p:style>
+      </p:cxnSp>
+      <p:sp>
+        <p:nvSpPr>
+          <p:cNvPr id="19" name="TextBox 18"/>
+          <p:cNvSpPr txBox="1"/>
+          <p:nvPr/>
+        </p:nvSpPr>
+        <p:spPr>
+          <a:xfrm>
+            <a:off x="6801569" y="3246120"/>
+            <a:ext cx="397866" cy="584775"/>
+          </a:xfrm>
+          <a:prstGeom prst="rect">
+            <a:avLst/>
+          </a:prstGeom>
+          <a:noFill/>
+        </p:spPr>
+        <p:txBody>
+          <a:bodyPr wrap="none" rtlCol="0">
+            <a:spAutoFit/>
+          </a:bodyPr>
+          <a:lstStyle/>
+          <a:p>
+            <a:r>
+              <a:rPr lang="en-US" sz="3200" dirty="0">
+                <a:sym typeface="Symbol"/>
+              </a:rPr>
+              <a:t></a:t>
+            </a:r>
+            <a:endParaRPr lang="en-US" sz="3200" dirty="0"/>
+          </a:p>
+        </p:txBody>
+      </p:sp>
+      <p:sp>
+        <p:nvSpPr>
+          <p:cNvPr id="20" name="Oval 19"/>
+          <p:cNvSpPr/>
+          <p:nvPr/>
+        </p:nvSpPr>
+        <p:spPr>
+          <a:xfrm>
+            <a:off x="6268169" y="2636520"/>
+            <a:ext cx="152400" cy="152400"/>
+          </a:xfrm>
+          <a:prstGeom prst="ellipse">
+            <a:avLst/>
+          </a:prstGeom>
+          <a:solidFill>
+            <a:schemeClr val="tx1"/>
+          </a:solidFill>
+          <a:ln>
+            <a:noFill/>
+          </a:ln>
+        </p:spPr>
+        <p:style>
+          <a:lnRef idx="2">
+            <a:schemeClr val="accent1">
+              <a:shade val="50000"/>
+            </a:schemeClr>
+          </a:lnRef>
+          <a:fillRef idx="1">
+            <a:schemeClr val="accent1"/>
+          </a:fillRef>
+          <a:effectRef idx="0">
+            <a:schemeClr val="accent1"/>
+          </a:effectRef>
+          <a:fontRef idx="minor">
+            <a:schemeClr val="lt1"/>
+          </a:fontRef>
+        </p:style>
+        <p:txBody>
+          <a:bodyPr rtlCol="0" anchor="ctr"/>
+          <a:lstStyle/>
+          <a:p>
+            <a:pPr algn="ctr"/>
+            <a:endParaRPr lang="en-US"/>
+          </a:p>
+        </p:txBody>
+      </p:sp>
+      <p:sp>
+        <p:nvSpPr>
+          <p:cNvPr id="21" name="Oval 20"/>
+          <p:cNvSpPr/>
+          <p:nvPr/>
+        </p:nvSpPr>
+        <p:spPr>
+          <a:xfrm>
+            <a:off x="6268169" y="3703320"/>
+            <a:ext cx="152400" cy="152400"/>
+          </a:xfrm>
+          <a:prstGeom prst="ellipse">
+            <a:avLst/>
+          </a:prstGeom>
+          <a:solidFill>
+            <a:schemeClr val="tx1"/>
+          </a:solidFill>
+          <a:ln>
+            <a:noFill/>
+          </a:ln>
+        </p:spPr>
+        <p:style>
+          <a:lnRef idx="2">
+            <a:schemeClr val="accent1">
+              <a:shade val="50000"/>
+            </a:schemeClr>
+          </a:lnRef>
+          <a:fillRef idx="1">
+            <a:schemeClr val="accent1"/>
+          </a:fillRef>
+          <a:effectRef idx="0">
+            <a:schemeClr val="accent1"/>
+          </a:effectRef>
+          <a:fontRef idx="minor">
+            <a:schemeClr val="lt1"/>
+          </a:fontRef>
+        </p:style>
+        <p:txBody>
+          <a:bodyPr rtlCol="0" anchor="ctr"/>
+          <a:lstStyle/>
+          <a:p>
+            <a:pPr algn="ctr"/>
+            <a:endParaRPr lang="en-US"/>
+          </a:p>
+        </p:txBody>
+      </p:sp>
+      <p:sp>
+        <p:nvSpPr>
+          <p:cNvPr id="22" name="Oval 21"/>
+          <p:cNvSpPr/>
+          <p:nvPr/>
+        </p:nvSpPr>
+        <p:spPr>
+          <a:xfrm>
+            <a:off x="6268169" y="4693920"/>
+            <a:ext cx="152400" cy="152400"/>
+          </a:xfrm>
+          <a:prstGeom prst="ellipse">
+            <a:avLst/>
+          </a:prstGeom>
+          <a:solidFill>
+            <a:schemeClr val="tx1"/>
+          </a:solidFill>
+          <a:ln>
+            <a:noFill/>
+          </a:ln>
+        </p:spPr>
+        <p:style>
+          <a:lnRef idx="2">
+            <a:schemeClr val="accent1">
+              <a:shade val="50000"/>
+            </a:schemeClr>
+          </a:lnRef>
+          <a:fillRef idx="1">
+            <a:schemeClr val="accent1"/>
+          </a:fillRef>
+          <a:effectRef idx="0">
+            <a:schemeClr val="accent1"/>
+          </a:effectRef>
+          <a:fontRef idx="minor">
+            <a:schemeClr val="lt1"/>
+          </a:fontRef>
+        </p:style>
+        <p:txBody>
+          <a:bodyPr rtlCol="0" anchor="ctr"/>
+          <a:lstStyle/>
+          <a:p>
+            <a:pPr algn="ctr"/>
+            <a:endParaRPr lang="en-US"/>
+          </a:p>
+        </p:txBody>
+      </p:sp>
+      <p:cxnSp>
+        <p:nvCxnSpPr>
+          <p:cNvPr id="23" name="Straight Arrow Connector 22"/>
+          <p:cNvCxnSpPr/>
+          <p:nvPr/>
+        </p:nvCxnSpPr>
+        <p:spPr>
+          <a:xfrm>
+            <a:off x="5810969" y="2636520"/>
+            <a:ext cx="0" cy="1143000"/>
+          </a:xfrm>
+          <a:prstGeom prst="straightConnector1">
+            <a:avLst/>
+          </a:prstGeom>
+          <a:ln>
+            <a:headEnd type="arrow"/>
+            <a:tailEnd type="arrow"/>
+          </a:ln>
+        </p:spPr>
+        <p:style>
+          <a:lnRef idx="1">
+            <a:schemeClr val="accent1"/>
+          </a:lnRef>
+          <a:fillRef idx="0">
+            <a:schemeClr val="accent1"/>
+          </a:fillRef>
+          <a:effectRef idx="0">
+            <a:schemeClr val="accent1"/>
+          </a:effectRef>
+          <a:fontRef idx="minor">
+            <a:schemeClr val="tx1"/>
+          </a:fontRef>
+        </p:style>
+      </p:cxnSp>
+      <p:sp>
+        <p:nvSpPr>
+          <p:cNvPr id="24" name="TextBox 23"/>
+          <p:cNvSpPr txBox="1"/>
+          <p:nvPr/>
+        </p:nvSpPr>
+        <p:spPr>
+          <a:xfrm>
+            <a:off x="5506169" y="2941320"/>
+            <a:ext cx="606256" cy="461665"/>
+          </a:xfrm>
+          <a:prstGeom prst="rect">
+            <a:avLst/>
+          </a:prstGeom>
+          <a:solidFill>
+            <a:schemeClr val="bg1"/>
+          </a:solidFill>
+        </p:spPr>
+        <p:txBody>
+          <a:bodyPr wrap="none" rtlCol="0">
+            <a:spAutoFit/>
+          </a:bodyPr>
+          <a:lstStyle/>
+          <a:p>
+            <a:r>
+              <a:rPr lang="en-US" sz="2400" dirty="0"/>
+              <a:t>a/2</a:t>
+            </a:r>
+          </a:p>
+        </p:txBody>
+      </p:sp>
+      <p:cxnSp>
+        <p:nvCxnSpPr>
+          <p:cNvPr id="25" name="Straight Arrow Connector 24"/>
+          <p:cNvCxnSpPr/>
+          <p:nvPr/>
+        </p:nvCxnSpPr>
+        <p:spPr>
+          <a:xfrm flipV="1">
+            <a:off x="6344369" y="3093720"/>
+            <a:ext cx="1905000" cy="1676400"/>
+          </a:xfrm>
+          <a:prstGeom prst="straightConnector1">
+            <a:avLst/>
+          </a:prstGeom>
+          <a:ln w="38100">
+            <a:solidFill>
+              <a:srgbClr val="FF0000"/>
+            </a:solidFill>
+            <a:tailEnd type="arrow"/>
+          </a:ln>
+        </p:spPr>
+        <p:style>
+          <a:lnRef idx="1">
+            <a:schemeClr val="accent1"/>
+          </a:lnRef>
+          <a:fillRef idx="0">
+            <a:schemeClr val="accent1"/>
+          </a:fillRef>
+          <a:effectRef idx="0">
+            <a:schemeClr val="accent1"/>
+          </a:effectRef>
+          <a:fontRef idx="minor">
+            <a:schemeClr val="tx1"/>
+          </a:fontRef>
+        </p:style>
+      </p:cxnSp>
+      <p:cxnSp>
+        <p:nvCxnSpPr>
+          <p:cNvPr id="26" name="Straight Arrow Connector 25"/>
+          <p:cNvCxnSpPr/>
+          <p:nvPr/>
+        </p:nvCxnSpPr>
+        <p:spPr>
+          <a:xfrm flipV="1">
+            <a:off x="6344369" y="2103120"/>
+            <a:ext cx="1905000" cy="1676400"/>
+          </a:xfrm>
+          <a:prstGeom prst="straightConnector1">
+            <a:avLst/>
+          </a:prstGeom>
+          <a:ln w="38100">
+            <a:solidFill>
+              <a:srgbClr val="FF0000"/>
+            </a:solidFill>
+            <a:tailEnd type="arrow"/>
+          </a:ln>
+        </p:spPr>
+        <p:style>
+          <a:lnRef idx="1">
+            <a:schemeClr val="accent1"/>
+          </a:lnRef>
+          <a:fillRef idx="0">
+            <a:schemeClr val="accent1"/>
+          </a:fillRef>
+          <a:effectRef idx="0">
+            <a:schemeClr val="accent1"/>
+          </a:effectRef>
+          <a:fontRef idx="minor">
+            <a:schemeClr val="tx1"/>
+          </a:fontRef>
+        </p:style>
+      </p:cxnSp>
+      <p:cxnSp>
+        <p:nvCxnSpPr>
+          <p:cNvPr id="27" name="Straight Arrow Connector 26"/>
+          <p:cNvCxnSpPr/>
+          <p:nvPr/>
+        </p:nvCxnSpPr>
+        <p:spPr>
+          <a:xfrm flipV="1">
+            <a:off x="6344369" y="1036320"/>
+            <a:ext cx="1905000" cy="1676400"/>
+          </a:xfrm>
+          <a:prstGeom prst="straightConnector1">
+            <a:avLst/>
+          </a:prstGeom>
+          <a:ln w="38100">
+            <a:solidFill>
+              <a:srgbClr val="FF0000"/>
+            </a:solidFill>
+            <a:tailEnd type="arrow"/>
+          </a:ln>
+        </p:spPr>
+        <p:style>
+          <a:lnRef idx="1">
+            <a:schemeClr val="accent1"/>
+          </a:lnRef>
+          <a:fillRef idx="0">
+            <a:schemeClr val="accent1"/>
+          </a:fillRef>
+          <a:effectRef idx="0">
+            <a:schemeClr val="accent1"/>
+          </a:effectRef>
+          <a:fontRef idx="minor">
+            <a:schemeClr val="tx1"/>
+          </a:fontRef>
+        </p:style>
+      </p:cxnSp>
+      <p:cxnSp>
+        <p:nvCxnSpPr>
+          <p:cNvPr id="28" name="Straight Connector 27"/>
+          <p:cNvCxnSpPr/>
+          <p:nvPr/>
+        </p:nvCxnSpPr>
+        <p:spPr>
+          <a:xfrm>
+            <a:off x="6818238" y="4434363"/>
+            <a:ext cx="228600" cy="304800"/>
+          </a:xfrm>
+          <a:prstGeom prst="line">
+            <a:avLst/>
+          </a:prstGeom>
+        </p:spPr>
+        <p:style>
+          <a:lnRef idx="1">
+            <a:schemeClr val="accent1"/>
+          </a:lnRef>
+          <a:fillRef idx="0">
+            <a:schemeClr val="accent1"/>
+          </a:fillRef>
+          <a:effectRef idx="0">
+            <a:schemeClr val="accent1"/>
+          </a:effectRef>
+          <a:fontRef idx="minor">
+            <a:schemeClr val="tx1"/>
+          </a:fontRef>
+        </p:style>
+      </p:cxnSp>
+      <p:cxnSp>
+        <p:nvCxnSpPr>
+          <p:cNvPr id="29" name="Straight Connector 28"/>
+          <p:cNvCxnSpPr/>
+          <p:nvPr/>
+        </p:nvCxnSpPr>
+        <p:spPr>
+          <a:xfrm>
+            <a:off x="6477719" y="4948714"/>
+            <a:ext cx="126206" cy="161925"/>
+          </a:xfrm>
+          <a:prstGeom prst="line">
+            <a:avLst/>
+          </a:prstGeom>
+        </p:spPr>
+        <p:style>
+          <a:lnRef idx="1">
+            <a:schemeClr val="accent1"/>
+          </a:lnRef>
+          <a:fillRef idx="0">
+            <a:schemeClr val="accent1"/>
+          </a:fillRef>
+          <a:effectRef idx="0">
+            <a:schemeClr val="accent1"/>
+          </a:effectRef>
+          <a:fontRef idx="minor">
+            <a:schemeClr val="tx1"/>
+          </a:fontRef>
+        </p:style>
+      </p:cxnSp>
+      <p:cxnSp>
+        <p:nvCxnSpPr>
+          <p:cNvPr id="30" name="Straight Arrow Connector 29"/>
+          <p:cNvCxnSpPr/>
+          <p:nvPr/>
+        </p:nvCxnSpPr>
+        <p:spPr>
+          <a:xfrm flipV="1">
+            <a:off x="6537250" y="4655820"/>
+            <a:ext cx="442913" cy="359569"/>
+          </a:xfrm>
+          <a:prstGeom prst="straightConnector1">
+            <a:avLst/>
+          </a:prstGeom>
+          <a:ln>
+            <a:headEnd type="arrow"/>
+            <a:tailEnd type="arrow"/>
+          </a:ln>
+        </p:spPr>
+        <p:style>
+          <a:lnRef idx="1">
+            <a:schemeClr val="accent1"/>
+          </a:lnRef>
+          <a:fillRef idx="0">
+            <a:schemeClr val="accent1"/>
+          </a:fillRef>
+          <a:effectRef idx="0">
+            <a:schemeClr val="accent1"/>
+          </a:effectRef>
+          <a:fontRef idx="minor">
+            <a:schemeClr val="tx1"/>
+          </a:fontRef>
+        </p:style>
+      </p:cxnSp>
+      <p:sp>
+        <p:nvSpPr>
+          <p:cNvPr id="32" name="Oval 31"/>
+          <p:cNvSpPr/>
+          <p:nvPr/>
+        </p:nvSpPr>
+        <p:spPr>
+          <a:xfrm>
+            <a:off x="7889138" y="676002"/>
+            <a:ext cx="406400" cy="343263"/>
+          </a:xfrm>
+          <a:prstGeom prst="ellipse">
+            <a:avLst/>
+          </a:prstGeom>
+          <a:solidFill>
+            <a:schemeClr val="bg1"/>
+          </a:solidFill>
+          <a:ln>
+            <a:solidFill>
+              <a:srgbClr val="FF0000"/>
+            </a:solidFill>
+          </a:ln>
+        </p:spPr>
+        <p:style>
+          <a:lnRef idx="2">
+            <a:schemeClr val="accent1">
+              <a:shade val="50000"/>
+            </a:schemeClr>
+          </a:lnRef>
+          <a:fillRef idx="1">
+            <a:schemeClr val="accent1"/>
+          </a:fillRef>
+          <a:effectRef idx="0">
+            <a:schemeClr val="accent1"/>
+          </a:effectRef>
+          <a:fontRef idx="minor">
+            <a:schemeClr val="lt1"/>
+          </a:fontRef>
+        </p:style>
+        <p:txBody>
+          <a:bodyPr rtlCol="0" anchor="ctr"/>
+          <a:lstStyle/>
+          <a:p>
+            <a:pPr algn="ctr"/>
+            <a:r>
+              <a:rPr lang="en-US" dirty="0">
+                <a:solidFill>
+                  <a:srgbClr val="FF0000"/>
+                </a:solidFill>
+              </a:rPr>
+              <a:t>1</a:t>
+            </a:r>
+          </a:p>
+        </p:txBody>
+      </p:sp>
+      <p:sp>
+        <p:nvSpPr>
+          <p:cNvPr id="33" name="Oval 32"/>
+          <p:cNvSpPr/>
+          <p:nvPr/>
+        </p:nvSpPr>
+        <p:spPr>
+          <a:xfrm>
+            <a:off x="7889138" y="1702888"/>
+            <a:ext cx="406400" cy="343263"/>
+          </a:xfrm>
+          <a:prstGeom prst="ellipse">
+            <a:avLst/>
+          </a:prstGeom>
+          <a:solidFill>
+            <a:schemeClr val="bg1"/>
+          </a:solidFill>
+          <a:ln>
+            <a:solidFill>
+              <a:srgbClr val="FF0000"/>
+            </a:solidFill>
+          </a:ln>
+        </p:spPr>
+        <p:style>
+          <a:lnRef idx="2">
+            <a:schemeClr val="accent1">
+              <a:shade val="50000"/>
+            </a:schemeClr>
+          </a:lnRef>
+          <a:fillRef idx="1">
+            <a:schemeClr val="accent1"/>
+          </a:fillRef>
+          <a:effectRef idx="0">
+            <a:schemeClr val="accent1"/>
+          </a:effectRef>
+          <a:fontRef idx="minor">
+            <a:schemeClr val="lt1"/>
+          </a:fontRef>
+        </p:style>
+        <p:txBody>
+          <a:bodyPr rtlCol="0" anchor="ctr"/>
+          <a:lstStyle/>
+          <a:p>
+            <a:pPr algn="ctr"/>
+            <a:r>
+              <a:rPr lang="en-US" dirty="0">
+                <a:solidFill>
+                  <a:srgbClr val="FF0000"/>
+                </a:solidFill>
+              </a:rPr>
+              <a:t>2</a:t>
+            </a:r>
+          </a:p>
+        </p:txBody>
+      </p:sp>
+      <p:sp>
+        <p:nvSpPr>
+          <p:cNvPr id="34" name="Oval 33"/>
+          <p:cNvSpPr/>
+          <p:nvPr/>
+        </p:nvSpPr>
+        <p:spPr>
+          <a:xfrm>
+            <a:off x="7889138" y="2698206"/>
+            <a:ext cx="406400" cy="343263"/>
+          </a:xfrm>
+          <a:prstGeom prst="ellipse">
+            <a:avLst/>
+          </a:prstGeom>
+          <a:solidFill>
+            <a:schemeClr val="bg1"/>
+          </a:solidFill>
+          <a:ln>
+            <a:solidFill>
+              <a:srgbClr val="FF0000"/>
+            </a:solidFill>
+          </a:ln>
+        </p:spPr>
+        <p:style>
+          <a:lnRef idx="2">
+            <a:schemeClr val="accent1">
+              <a:shade val="50000"/>
+            </a:schemeClr>
+          </a:lnRef>
+          <a:fillRef idx="1">
+            <a:schemeClr val="accent1"/>
+          </a:fillRef>
+          <a:effectRef idx="0">
+            <a:schemeClr val="accent1"/>
+          </a:effectRef>
+          <a:fontRef idx="minor">
+            <a:schemeClr val="lt1"/>
+          </a:fontRef>
+        </p:style>
+        <p:txBody>
+          <a:bodyPr rtlCol="0" anchor="ctr"/>
+          <a:lstStyle/>
+          <a:p>
+            <a:pPr algn="ctr"/>
+            <a:r>
+              <a:rPr lang="en-US" dirty="0">
+                <a:solidFill>
+                  <a:srgbClr val="FF0000"/>
+                </a:solidFill>
+              </a:rPr>
+              <a:t>3</a:t>
+            </a:r>
+          </a:p>
+        </p:txBody>
+      </p:sp>
+      <p:graphicFrame>
+        <p:nvGraphicFramePr>
+          <p:cNvPr id="62" name="Object 61"/>
+          <p:cNvGraphicFramePr>
+            <a:graphicFrameLocks noChangeAspect="1"/>
+          </p:cNvGraphicFramePr>
+          <p:nvPr/>
+        </p:nvGraphicFramePr>
+        <p:xfrm>
+          <a:off x="1244600" y="4017706"/>
+          <a:ext cx="874486" cy="752414"/>
+        </p:xfrm>
+        <a:graphic>
+          <a:graphicData uri="http://schemas.openxmlformats.org/presentationml/2006/ole">
+            <mc:AlternateContent xmlns:mc="http://schemas.openxmlformats.org/markup-compatibility/2006">
+              <mc:Choice xmlns:v="urn:schemas-microsoft-com:vml" Requires="v">
+                <p:oleObj name="Equation" r:id="rId2" imgW="457002" imgH="393529" progId="Equation.3">
+                  <p:embed/>
+                </p:oleObj>
+              </mc:Choice>
+              <mc:Fallback>
+                <p:oleObj name="Equation" r:id="rId2" imgW="457002" imgH="393529" progId="Equation.3">
+                  <p:embed/>
+                  <p:pic>
+                    <p:nvPicPr>
+                      <p:cNvPr id="62" name="Object 61"/>
+                      <p:cNvPicPr>
+                        <a:picLocks noChangeAspect="1" noChangeArrowheads="1"/>
+                      </p:cNvPicPr>
+                      <p:nvPr/>
+                    </p:nvPicPr>
+                    <p:blipFill>
+                      <a:blip r:embed="rId3">
+                        <a:extLst>
+                          <a:ext uri="{28A0092B-C50C-407E-A947-70E740481C1C}">
+                            <a14:useLocalDpi xmlns:a14="http://schemas.microsoft.com/office/drawing/2010/main" val="0"/>
+                          </a:ext>
+                        </a:extLst>
+                      </a:blip>
+                      <a:srcRect/>
+                      <a:stretch>
+                        <a:fillRect/>
+                      </a:stretch>
+                    </p:blipFill>
+                    <p:spPr bwMode="auto">
+                      <a:xfrm>
+                        <a:off x="1244600" y="4017706"/>
+                        <a:ext cx="874486" cy="752414"/>
+                      </a:xfrm>
+                      <a:prstGeom prst="rect">
+                        <a:avLst/>
+                      </a:prstGeom>
+                      <a:noFill/>
+                      <a:ln>
+                        <a:noFill/>
+                      </a:ln>
+                    </p:spPr>
+                  </p:pic>
+                </p:oleObj>
+              </mc:Fallback>
+            </mc:AlternateContent>
+          </a:graphicData>
+        </a:graphic>
+      </p:graphicFrame>
+      <p:graphicFrame>
+        <p:nvGraphicFramePr>
+          <p:cNvPr id="63" name="Object 62"/>
+          <p:cNvGraphicFramePr>
+            <a:graphicFrameLocks noChangeAspect="1"/>
+          </p:cNvGraphicFramePr>
+          <p:nvPr/>
+        </p:nvGraphicFramePr>
+        <p:xfrm>
+          <a:off x="1167720" y="3119770"/>
+          <a:ext cx="1125538" cy="462922"/>
+        </p:xfrm>
+        <a:graphic>
+          <a:graphicData uri="http://schemas.openxmlformats.org/presentationml/2006/ole">
+            <mc:AlternateContent xmlns:mc="http://schemas.openxmlformats.org/markup-compatibility/2006">
+              <mc:Choice xmlns:v="urn:schemas-microsoft-com:vml" Requires="v">
+                <p:oleObj name="Equation" r:id="rId4" imgW="431640" imgH="177480" progId="Equation.3">
+                  <p:embed/>
+                </p:oleObj>
+              </mc:Choice>
+              <mc:Fallback>
+                <p:oleObj name="Equation" r:id="rId4" imgW="431640" imgH="177480" progId="Equation.3">
+                  <p:embed/>
+                  <p:pic>
+                    <p:nvPicPr>
+                      <p:cNvPr id="63" name="Object 62"/>
+                      <p:cNvPicPr>
+                        <a:picLocks noChangeAspect="1" noChangeArrowheads="1"/>
+                      </p:cNvPicPr>
+                      <p:nvPr/>
+                    </p:nvPicPr>
+                    <p:blipFill>
+                      <a:blip r:embed="rId5"/>
+                      <a:srcRect/>
+                      <a:stretch>
+                        <a:fillRect/>
+                      </a:stretch>
+                    </p:blipFill>
+                    <p:spPr bwMode="auto">
+                      <a:xfrm>
+                        <a:off x="1167720" y="3119770"/>
+                        <a:ext cx="1125538" cy="462922"/>
+                      </a:xfrm>
+                      <a:prstGeom prst="rect">
+                        <a:avLst/>
+                      </a:prstGeom>
+                      <a:noFill/>
+                      <a:ln>
+                        <a:noFill/>
+                      </a:ln>
+                    </p:spPr>
+                  </p:pic>
+                </p:oleObj>
+              </mc:Fallback>
+            </mc:AlternateContent>
+          </a:graphicData>
+        </a:graphic>
+      </p:graphicFrame>
+      <p:graphicFrame>
+        <p:nvGraphicFramePr>
+          <p:cNvPr id="64" name="Object 63"/>
+          <p:cNvGraphicFramePr>
+            <a:graphicFrameLocks noChangeAspect="1"/>
+          </p:cNvGraphicFramePr>
+          <p:nvPr/>
+        </p:nvGraphicFramePr>
+        <p:xfrm>
+          <a:off x="1338943" y="4948714"/>
+          <a:ext cx="874713" cy="752475"/>
+        </p:xfrm>
+        <a:graphic>
+          <a:graphicData uri="http://schemas.openxmlformats.org/presentationml/2006/ole">
+            <mc:AlternateContent xmlns:mc="http://schemas.openxmlformats.org/markup-compatibility/2006">
+              <mc:Choice xmlns:v="urn:schemas-microsoft-com:vml" Requires="v">
+                <p:oleObj name="Equation" r:id="rId6" imgW="457200" imgH="393480" progId="Equation.3">
+                  <p:embed/>
+                </p:oleObj>
+              </mc:Choice>
+              <mc:Fallback>
+                <p:oleObj name="Equation" r:id="rId6" imgW="457200" imgH="393480" progId="Equation.3">
+                  <p:embed/>
+                  <p:pic>
+                    <p:nvPicPr>
+                      <p:cNvPr id="64" name="Object 63"/>
+                      <p:cNvPicPr>
+                        <a:picLocks noChangeAspect="1" noChangeArrowheads="1"/>
+                      </p:cNvPicPr>
+                      <p:nvPr/>
+                    </p:nvPicPr>
+                    <p:blipFill>
+                      <a:blip r:embed="rId7"/>
+                      <a:srcRect/>
+                      <a:stretch>
+                        <a:fillRect/>
+                      </a:stretch>
+                    </p:blipFill>
+                    <p:spPr bwMode="auto">
+                      <a:xfrm>
+                        <a:off x="1338943" y="4948714"/>
+                        <a:ext cx="874713" cy="752475"/>
+                      </a:xfrm>
+                      <a:prstGeom prst="rect">
+                        <a:avLst/>
+                      </a:prstGeom>
+                      <a:noFill/>
+                      <a:ln>
+                        <a:noFill/>
+                      </a:ln>
+                      <a:extLst>
+                        <a:ext uri="{909E8E84-426E-40DD-AFC4-6F175D3DCCD1}">
+                          <a14:hiddenFill xmlns:a14="http://schemas.microsoft.com/office/drawing/2010/main">
+                            <a:solidFill>
+                              <a:srgbClr val="FFFFFF"/>
+                            </a:solidFill>
+                          </a14:hiddenFill>
+                        </a:ext>
+                        <a:ext uri="{91240B29-F687-4F45-9708-019B960494DF}">
+                          <a14:hiddenLine xmlns:a14="http://schemas.microsoft.com/office/drawing/2010/main" w="9525">
+                            <a:solidFill>
+                              <a:srgbClr val="000000"/>
+                            </a:solidFill>
+                            <a:miter lim="800000"/>
+                            <a:headEnd/>
+                            <a:tailEnd/>
+                          </a14:hiddenLine>
+                        </a:ext>
+                      </a:extLst>
+                    </p:spPr>
+                  </p:pic>
+                </p:oleObj>
+              </mc:Fallback>
+            </mc:AlternateContent>
+          </a:graphicData>
+        </a:graphic>
+      </p:graphicFrame>
+      <p:graphicFrame>
+        <p:nvGraphicFramePr>
+          <p:cNvPr id="65" name="Object 64"/>
+          <p:cNvGraphicFramePr>
+            <a:graphicFrameLocks noChangeAspect="1"/>
+          </p:cNvGraphicFramePr>
+          <p:nvPr/>
+        </p:nvGraphicFramePr>
+        <p:xfrm>
+          <a:off x="1239838" y="6196013"/>
+          <a:ext cx="971550" cy="339725"/>
+        </p:xfrm>
+        <a:graphic>
+          <a:graphicData uri="http://schemas.openxmlformats.org/presentationml/2006/ole">
+            <mc:AlternateContent xmlns:mc="http://schemas.openxmlformats.org/markup-compatibility/2006">
+              <mc:Choice xmlns:v="urn:schemas-microsoft-com:vml" Requires="v">
+                <p:oleObj name="Equation" r:id="rId8" imgW="507960" imgH="177480" progId="Equation.3">
+                  <p:embed/>
+                </p:oleObj>
+              </mc:Choice>
+              <mc:Fallback>
+                <p:oleObj name="Equation" r:id="rId8" imgW="507960" imgH="177480" progId="Equation.3">
+                  <p:embed/>
+                  <p:pic>
+                    <p:nvPicPr>
+                      <p:cNvPr id="65" name="Object 64"/>
+                      <p:cNvPicPr>
+                        <a:picLocks noChangeAspect="1" noChangeArrowheads="1"/>
+                      </p:cNvPicPr>
+                      <p:nvPr/>
+                    </p:nvPicPr>
+                    <p:blipFill>
+                      <a:blip r:embed="rId9"/>
+                      <a:srcRect/>
+                      <a:stretch>
+                        <a:fillRect/>
+                      </a:stretch>
+                    </p:blipFill>
+                    <p:spPr bwMode="auto">
+                      <a:xfrm>
+                        <a:off x="1239838" y="6196013"/>
+                        <a:ext cx="971550" cy="339725"/>
+                      </a:xfrm>
+                      <a:prstGeom prst="rect">
+                        <a:avLst/>
+                      </a:prstGeom>
+                      <a:noFill/>
+                      <a:ln>
+                        <a:noFill/>
+                      </a:ln>
+                      <a:extLst>
+                        <a:ext uri="{909E8E84-426E-40DD-AFC4-6F175D3DCCD1}">
+                          <a14:hiddenFill xmlns:a14="http://schemas.microsoft.com/office/drawing/2010/main">
+                            <a:solidFill>
+                              <a:srgbClr val="FFFFFF"/>
+                            </a:solidFill>
+                          </a14:hiddenFill>
+                        </a:ext>
+                        <a:ext uri="{91240B29-F687-4F45-9708-019B960494DF}">
+                          <a14:hiddenLine xmlns:a14="http://schemas.microsoft.com/office/drawing/2010/main" w="9525">
+                            <a:solidFill>
+                              <a:srgbClr val="000000"/>
+                            </a:solidFill>
+                            <a:miter lim="800000"/>
+                            <a:headEnd/>
+                            <a:tailEnd/>
+                          </a14:hiddenLine>
+                        </a:ext>
+                      </a:extLst>
+                    </p:spPr>
+                  </p:pic>
+                </p:oleObj>
+              </mc:Fallback>
+            </mc:AlternateContent>
+          </a:graphicData>
+        </a:graphic>
+      </p:graphicFrame>
+    </p:spTree>
+    <p:extLst>
+      <p:ext uri="{BB962C8B-B14F-4D97-AF65-F5344CB8AC3E}">
+        <p14:creationId xmlns:p14="http://schemas.microsoft.com/office/powerpoint/2010/main" val="2555118250"/>
+      </p:ext>
+    </p:extLst>
+  </p:cSld>
+  <p:clrMapOvr>
+    <a:masterClrMapping/>
+  </p:clrMapOvr>
+</p:sld>
+</file>
+
+<file path=ppt/slides/slide2.xml><?xml version="1.0" encoding="utf-8"?>
+<p:sld xmlns:a="http://schemas.openxmlformats.org/drawingml/2006/main" xmlns:r="http://schemas.openxmlformats.org/officeDocument/2006/relationships" xmlns:p="http://schemas.openxmlformats.org/presentationml/2006/main">
+  <p:cSld>
+    <p:spTree>
+      <p:nvGrpSpPr>
+        <p:cNvPr id="1" name=""/>
+        <p:cNvGrpSpPr/>
+        <p:nvPr/>
+      </p:nvGrpSpPr>
+      <p:grpSpPr>
+        <a:xfrm>
+          <a:off x="0" y="0"/>
+          <a:ext cx="0" cy="0"/>
+          <a:chOff x="0" y="0"/>
+          <a:chExt cx="0" cy="0"/>
+        </a:xfrm>
+      </p:grpSpPr>
+      <p:sp>
+        <p:nvSpPr>
+          <p:cNvPr id="2" name="Title 1"/>
+          <p:cNvSpPr>
+            <a:spLocks noGrp="1"/>
+          </p:cNvSpPr>
+          <p:nvPr>
+            <p:ph type="title"/>
+          </p:nvPr>
+        </p:nvSpPr>
+        <p:spPr>
+          <a:xfrm>
+            <a:off x="457200" y="274638"/>
+            <a:ext cx="4584357" cy="1143000"/>
+          </a:xfrm>
+        </p:spPr>
+        <p:txBody>
+          <a:bodyPr/>
+          <a:lstStyle/>
+          <a:p>
+            <a:r>
+              <a:rPr lang="en-US" dirty="0"/>
+              <a:t>Question</a:t>
+            </a:r>
+          </a:p>
+        </p:txBody>
+      </p:sp>
+      <p:sp>
+        <p:nvSpPr>
+          <p:cNvPr id="3" name="Content Placeholder 2"/>
+          <p:cNvSpPr>
+            <a:spLocks noGrp="1"/>
+          </p:cNvSpPr>
+          <p:nvPr>
+            <p:ph idx="1"/>
+          </p:nvPr>
+        </p:nvSpPr>
+        <p:spPr>
+          <a:xfrm>
+            <a:off x="457199" y="1600200"/>
+            <a:ext cx="4497859" cy="4525963"/>
+          </a:xfrm>
+        </p:spPr>
+        <p:txBody>
+          <a:bodyPr>
+            <a:normAutofit lnSpcReduction="10000"/>
+          </a:bodyPr>
+          <a:lstStyle/>
+          <a:p>
+            <a:pPr marL="0" indent="0">
+              <a:buNone/>
+            </a:pPr>
+            <a:r>
+              <a:rPr lang="en-US" dirty="0"/>
+              <a:t>At point A, there will be</a:t>
+            </a:r>
+          </a:p>
+          <a:p>
+            <a:pPr marL="514350" indent="-514350">
+              <a:buFont typeface="+mj-lt"/>
+              <a:buAutoNum type="alphaLcParenR"/>
+            </a:pPr>
+            <a:r>
+              <a:rPr lang="en-US" dirty="0"/>
+              <a:t>Constructive interference</a:t>
+            </a:r>
+          </a:p>
+          <a:p>
+            <a:pPr marL="514350" indent="-514350">
+              <a:buFont typeface="+mj-lt"/>
+              <a:buAutoNum type="alphaLcParenR"/>
+            </a:pPr>
+            <a:r>
+              <a:rPr lang="en-US" dirty="0"/>
+              <a:t>Destructive interference</a:t>
+            </a:r>
+          </a:p>
+          <a:p>
+            <a:pPr marL="514350" indent="-514350">
+              <a:buFont typeface="+mj-lt"/>
+              <a:buAutoNum type="alphaLcParenR"/>
+            </a:pPr>
+            <a:r>
+              <a:rPr lang="en-US" dirty="0"/>
+              <a:t>Partial constructive interference</a:t>
+            </a:r>
+          </a:p>
+          <a:p>
+            <a:pPr marL="514350" indent="-514350">
+              <a:buFont typeface="+mj-lt"/>
+              <a:buAutoNum type="alphaLcParenR"/>
+            </a:pPr>
+            <a:r>
+              <a:rPr lang="en-US" dirty="0"/>
+              <a:t>Partial destructive interference</a:t>
+            </a:r>
+          </a:p>
+          <a:p>
+            <a:pPr marL="514350" indent="-514350">
+              <a:buFont typeface="+mj-lt"/>
+              <a:buAutoNum type="alphaLcParenR"/>
+            </a:pPr>
+            <a:endParaRPr lang="en-US" dirty="0"/>
+          </a:p>
+        </p:txBody>
+      </p:sp>
+      <p:pic>
+        <p:nvPicPr>
+          <p:cNvPr id="3074" name="Picture 2"/>
+          <p:cNvPicPr>
+            <a:picLocks noChangeAspect="1" noChangeArrowheads="1"/>
+          </p:cNvPicPr>
+          <p:nvPr/>
+        </p:nvPicPr>
+        <p:blipFill>
+          <a:blip r:embed="rId2" cstate="print"/>
+          <a:srcRect/>
+          <a:stretch>
+            <a:fillRect/>
+          </a:stretch>
+        </p:blipFill>
+        <p:spPr bwMode="auto">
+          <a:xfrm>
+            <a:off x="5189838" y="274638"/>
+            <a:ext cx="3287653" cy="5842000"/>
+          </a:xfrm>
+          <a:prstGeom prst="rect">
+            <a:avLst/>
+          </a:prstGeom>
+          <a:noFill/>
+          <a:ln w="9525">
+            <a:noFill/>
+            <a:miter lim="800000"/>
+            <a:headEnd/>
+            <a:tailEnd/>
+          </a:ln>
+          <a:effectLst/>
+        </p:spPr>
+      </p:pic>
+      <p:sp>
+        <p:nvSpPr>
+          <p:cNvPr id="4" name="TextBox 3">
+            <a:extLst>
+              <a:ext uri="{FF2B5EF4-FFF2-40B4-BE49-F238E27FC236}">
+                <a16:creationId xmlns:a16="http://schemas.microsoft.com/office/drawing/2014/main" id="{70F33C2B-F1CD-21D3-C981-131CF70D97F4}"/>
+              </a:ext>
+            </a:extLst>
+          </p:cNvPr>
+          <p:cNvSpPr txBox="1"/>
+          <p:nvPr/>
+        </p:nvSpPr>
+        <p:spPr>
+          <a:xfrm>
+            <a:off x="7946897" y="2434281"/>
+            <a:ext cx="465192" cy="646331"/>
+          </a:xfrm>
+          <a:prstGeom prst="rect">
+            <a:avLst/>
+          </a:prstGeom>
+          <a:noFill/>
+        </p:spPr>
+        <p:txBody>
+          <a:bodyPr wrap="none" rtlCol="0">
+            <a:spAutoFit/>
+          </a:bodyPr>
+          <a:lstStyle/>
+          <a:p>
+            <a:r>
+              <a:rPr lang="en-US" sz="3600" b="1" dirty="0">
+                <a:solidFill>
+                  <a:srgbClr val="FF0000"/>
+                </a:solidFill>
+              </a:rPr>
+              <a:t>A</a:t>
+            </a:r>
+          </a:p>
+        </p:txBody>
+      </p:sp>
+    </p:spTree>
+    <p:extLst>
+      <p:ext uri="{BB962C8B-B14F-4D97-AF65-F5344CB8AC3E}">
+        <p14:creationId xmlns:p14="http://schemas.microsoft.com/office/powerpoint/2010/main" val="2432076691"/>
+      </p:ext>
+    </p:extLst>
+  </p:cSld>
+  <p:clrMapOvr>
+    <a:masterClrMapping/>
+  </p:clrMapOvr>
+</p:sld>
+</file>
+
+<file path=ppt/slides/slide20.xml><?xml version="1.0" encoding="utf-8"?>
+<p:sld xmlns:a="http://schemas.openxmlformats.org/drawingml/2006/main" xmlns:r="http://schemas.openxmlformats.org/officeDocument/2006/relationships" xmlns:p="http://schemas.openxmlformats.org/presentationml/2006/main">
+  <p:cSld>
+    <p:spTree>
+      <p:nvGrpSpPr>
+        <p:cNvPr id="1" name=""/>
+        <p:cNvGrpSpPr/>
+        <p:nvPr/>
+      </p:nvGrpSpPr>
+      <p:grpSpPr>
+        <a:xfrm>
+          <a:off x="0" y="0"/>
+          <a:ext cx="0" cy="0"/>
+          <a:chOff x="0" y="0"/>
+          <a:chExt cx="0" cy="0"/>
+        </a:xfrm>
+      </p:grpSpPr>
+      <p:sp>
+        <p:nvSpPr>
+          <p:cNvPr id="38" name="Right Triangle 37"/>
+          <p:cNvSpPr/>
+          <p:nvPr/>
+        </p:nvSpPr>
+        <p:spPr>
+          <a:xfrm rot="19354257" flipH="1">
+            <a:off x="3955128" y="2827300"/>
+            <a:ext cx="609600" cy="834530"/>
+          </a:xfrm>
+          <a:prstGeom prst="rtTriangle">
+            <a:avLst/>
+          </a:prstGeom>
+          <a:solidFill>
+            <a:schemeClr val="accent1">
+              <a:lumMod val="20000"/>
+              <a:lumOff val="80000"/>
+            </a:schemeClr>
+          </a:solidFill>
+          <a:ln>
+            <a:noFill/>
+          </a:ln>
+        </p:spPr>
+        <p:style>
+          <a:lnRef idx="2">
+            <a:schemeClr val="accent1">
+              <a:shade val="50000"/>
+            </a:schemeClr>
+          </a:lnRef>
+          <a:fillRef idx="1">
+            <a:schemeClr val="accent1"/>
+          </a:fillRef>
+          <a:effectRef idx="0">
+            <a:schemeClr val="accent1"/>
+          </a:effectRef>
+          <a:fontRef idx="minor">
+            <a:schemeClr val="lt1"/>
+          </a:fontRef>
+        </p:style>
+        <p:txBody>
+          <a:bodyPr rtlCol="0" anchor="ctr"/>
+          <a:lstStyle/>
+          <a:p>
+            <a:pPr algn="ctr"/>
+            <a:endParaRPr lang="en-US"/>
+          </a:p>
+        </p:txBody>
+      </p:sp>
+      <p:sp>
+        <p:nvSpPr>
+          <p:cNvPr id="37" name="Right Triangle 36"/>
+          <p:cNvSpPr/>
+          <p:nvPr/>
+        </p:nvSpPr>
+        <p:spPr>
+          <a:xfrm rot="19354257" flipH="1">
+            <a:off x="3955129" y="3836251"/>
+            <a:ext cx="609600" cy="834530"/>
+          </a:xfrm>
+          <a:prstGeom prst="rtTriangle">
+            <a:avLst/>
+          </a:prstGeom>
+          <a:solidFill>
+            <a:schemeClr val="accent1">
+              <a:lumMod val="20000"/>
+              <a:lumOff val="80000"/>
+            </a:schemeClr>
+          </a:solidFill>
+          <a:ln>
+            <a:noFill/>
+          </a:ln>
+        </p:spPr>
+        <p:style>
+          <a:lnRef idx="2">
+            <a:schemeClr val="accent1">
+              <a:shade val="50000"/>
+            </a:schemeClr>
+          </a:lnRef>
+          <a:fillRef idx="1">
+            <a:schemeClr val="accent1"/>
+          </a:fillRef>
+          <a:effectRef idx="0">
+            <a:schemeClr val="accent1"/>
+          </a:effectRef>
+          <a:fontRef idx="minor">
+            <a:schemeClr val="lt1"/>
+          </a:fontRef>
+        </p:style>
+        <p:txBody>
+          <a:bodyPr rtlCol="0" anchor="ctr"/>
+          <a:lstStyle/>
+          <a:p>
+            <a:pPr algn="ctr"/>
+            <a:endParaRPr lang="en-US"/>
+          </a:p>
+        </p:txBody>
+      </p:sp>
+      <p:sp>
+        <p:nvSpPr>
           <p:cNvPr id="26627" name="Rectangle 2"/>
           <p:cNvSpPr>
             <a:spLocks noGrp="1" noChangeArrowheads="1"/>
@@ -4463,7 +7749,7 @@
           <a:p>
             <a:pPr eaLnBrk="1" hangingPunct="1"/>
             <a:r>
-              <a:rPr lang="en-US" smtClean="0"/>
+              <a:rPr lang="en-US"/>
               <a:t>Single-Slit Diffraction</a:t>
             </a:r>
           </a:p>
@@ -4864,10 +8150,9 @@
           <a:lstStyle/>
           <a:p>
             <a:r>
-              <a:rPr lang="en-US" sz="3200" dirty="0" smtClean="0"/>
+              <a:rPr lang="en-US" sz="3200" dirty="0"/>
               <a:t>a</a:t>
             </a:r>
-            <a:endParaRPr lang="en-US" sz="3200" dirty="0"/>
           </a:p>
         </p:txBody>
       </p:sp>
@@ -4927,7 +8212,7 @@
           <a:lstStyle/>
           <a:p>
             <a:r>
-              <a:rPr lang="en-US" sz="3200" dirty="0" smtClean="0">
+              <a:rPr lang="en-US" sz="3200" dirty="0">
                 <a:sym typeface="Symbol"/>
               </a:rPr>
               <a:t></a:t>
@@ -5133,10 +8418,9 @@
           <a:lstStyle/>
           <a:p>
             <a:r>
-              <a:rPr lang="en-US" sz="2400" dirty="0" smtClean="0"/>
+              <a:rPr lang="en-US" sz="2400" dirty="0"/>
               <a:t>a/2</a:t>
             </a:r>
-            <a:endParaRPr lang="en-US" sz="2400" dirty="0"/>
           </a:p>
         </p:txBody>
       </p:sp>
@@ -5358,23 +8642,23 @@
           <a:graphicData uri="http://schemas.openxmlformats.org/presentationml/2006/ole">
             <mc:AlternateContent xmlns:mc="http://schemas.openxmlformats.org/markup-compatibility/2006">
               <mc:Choice xmlns:v="urn:schemas-microsoft-com:vml" Requires="v">
-                <p:oleObj spid="_x0000_s53254" name="Equation" r:id="rId3" imgW="457200" imgH="393480" progId="Equation.3">
+                <p:oleObj name="Equation" r:id="rId2" imgW="457200" imgH="393480" progId="Equation.3">
                   <p:embed/>
                 </p:oleObj>
               </mc:Choice>
               <mc:Fallback>
-                <p:oleObj name="Equation" r:id="rId3" imgW="457200" imgH="393480" progId="Equation.3">
+                <p:oleObj name="Equation" r:id="rId2" imgW="457200" imgH="393480" progId="Equation.3">
                   <p:embed/>
                   <p:pic>
                     <p:nvPicPr>
-                      <p:cNvPr id="0" name="Picture 2"/>
+                      <p:cNvPr id="50" name="Object 49"/>
                       <p:cNvPicPr>
                         <a:picLocks noChangeAspect="1" noChangeArrowheads="1"/>
                       </p:cNvPicPr>
                       <p:nvPr/>
                     </p:nvPicPr>
                     <p:blipFill>
-                      <a:blip r:embed="rId4">
+                      <a:blip r:embed="rId3">
                         <a:extLst>
                           <a:ext uri="{28A0092B-C50C-407E-A947-70E740481C1C}">
                             <a14:useLocalDpi xmlns:a14="http://schemas.microsoft.com/office/drawing/2010/main" val="0"/>
@@ -5417,17 +8701,10 @@
   <p:clrMapOvr>
     <a:masterClrMapping/>
   </p:clrMapOvr>
-  <p:timing>
-    <p:tnLst>
-      <p:par>
-        <p:cTn id="1" dur="indefinite" restart="never" nodeType="tmRoot"/>
-      </p:par>
-    </p:tnLst>
-  </p:timing>
 </p:sld>
 </file>
 
-<file path=ppt/slides/slide15.xml><?xml version="1.0" encoding="utf-8"?>
+<file path=ppt/slides/slide21.xml><?xml version="1.0" encoding="utf-8"?>
 <p:sld xmlns:a="http://schemas.openxmlformats.org/drawingml/2006/main" xmlns:r="http://schemas.openxmlformats.org/officeDocument/2006/relationships" xmlns:p="http://schemas.openxmlformats.org/presentationml/2006/main">
   <p:cSld>
     <p:spTree>
@@ -5462,7 +8739,7 @@
           <a:lstStyle/>
           <a:p>
             <a:r>
-              <a:rPr lang="en-US" smtClean="0"/>
+              <a:rPr lang="en-US"/>
               <a:t>R. Todd Lines</a:t>
             </a:r>
           </a:p>
@@ -5487,7 +8764,7 @@
           <a:p>
             <a:pPr eaLnBrk="1" hangingPunct="1"/>
             <a:r>
-              <a:rPr lang="en-US" smtClean="0"/>
+              <a:rPr lang="en-US"/>
               <a:t>Diffraction Pattern, Single Slit</a:t>
             </a:r>
           </a:p>
@@ -5515,20 +8792,20 @@
           <a:p>
             <a:pPr eaLnBrk="1" hangingPunct="1"/>
             <a:r>
-              <a:rPr lang="en-US" sz="2800" dirty="0" smtClean="0"/>
+              <a:rPr lang="en-US" sz="2800" dirty="0"/>
               <a:t>The diffraction pattern consists of the central maximum and a series of secondary maxima and minima</a:t>
             </a:r>
           </a:p>
           <a:p>
             <a:pPr eaLnBrk="1" hangingPunct="1"/>
             <a:r>
-              <a:rPr lang="en-US" sz="2800" dirty="0" smtClean="0"/>
+              <a:rPr lang="en-US" sz="2800" dirty="0"/>
               <a:t>The pattern is similar to an interference pattern</a:t>
             </a:r>
           </a:p>
           <a:p>
             <a:pPr eaLnBrk="1" hangingPunct="1"/>
-            <a:endParaRPr lang="en-US" sz="2800" dirty="0" smtClean="0"/>
+            <a:endParaRPr lang="en-US" sz="2800" dirty="0"/>
           </a:p>
         </p:txBody>
       </p:sp>
@@ -5557,34 +8834,15 @@
           </a:prstGeom>
         </p:spPr>
       </p:pic>
-      <p:sp>
-        <p:nvSpPr>
-          <p:cNvPr id="7" name="ClipArt Placeholder 6"/>
-          <p:cNvSpPr>
-            <a:spLocks noGrp="1"/>
-          </p:cNvSpPr>
-          <p:nvPr>
-            <p:ph type="clipArt" sz="half" idx="2"/>
-          </p:nvPr>
-        </p:nvSpPr>
-        <p:spPr/>
-      </p:sp>
     </p:spTree>
   </p:cSld>
   <p:clrMapOvr>
     <a:masterClrMapping/>
   </p:clrMapOvr>
-  <p:timing>
-    <p:tnLst>
-      <p:par>
-        <p:cTn id="1" dur="indefinite" restart="never" nodeType="tmRoot"/>
-      </p:par>
-    </p:tnLst>
-  </p:timing>
 </p:sld>
 </file>
 
-<file path=ppt/slides/slide16.xml><?xml version="1.0" encoding="utf-8"?>
+<file path=ppt/slides/slide22.xml><?xml version="1.0" encoding="utf-8"?>
 <p:sld xmlns:a="http://schemas.openxmlformats.org/drawingml/2006/main" xmlns:r="http://schemas.openxmlformats.org/officeDocument/2006/relationships" xmlns:p="http://schemas.openxmlformats.org/presentationml/2006/main">
   <p:cSld>
     <p:spTree>
@@ -5619,7 +8877,7 @@
           <a:lstStyle/>
           <a:p>
             <a:r>
-              <a:rPr lang="en-US" smtClean="0"/>
+              <a:rPr lang="en-US"/>
               <a:t>R. Todd Lines</a:t>
             </a:r>
           </a:p>
@@ -5647,7 +8905,7 @@
           <a:p>
             <a:pPr eaLnBrk="1" hangingPunct="1"/>
             <a:r>
-              <a:rPr lang="en-US" smtClean="0"/>
+              <a:rPr lang="en-US"/>
               <a:t>Diffraction Pattern, Object Edge</a:t>
             </a:r>
           </a:p>
@@ -5679,7 +8937,7 @@
               </a:lnSpc>
             </a:pPr>
             <a:r>
-              <a:rPr lang="en-US" sz="2800" smtClean="0"/>
+              <a:rPr lang="en-US" sz="2800"/>
               <a:t>This shows the upper half of the diffraction pattern formed by light from a single source passing by the edge of an opaque object</a:t>
             </a:r>
           </a:p>
@@ -5690,7 +8948,7 @@
               </a:lnSpc>
             </a:pPr>
             <a:r>
-              <a:rPr lang="en-US" sz="2800" smtClean="0"/>
+              <a:rPr lang="en-US" sz="2800"/>
               <a:t>The diffraction pattern is vertical with the central maximum at the bottom</a:t>
             </a:r>
           </a:p>
@@ -5714,23 +8972,23 @@
           <a:graphicData uri="http://schemas.openxmlformats.org/presentationml/2006/ole">
             <mc:AlternateContent xmlns:mc="http://schemas.openxmlformats.org/markup-compatibility/2006">
               <mc:Choice xmlns:v="urn:schemas-microsoft-com:vml" Requires="v">
-                <p:oleObj spid="_x0000_s6150" name="Photo Editor Photo" r:id="rId3" imgW="3285714" imgH="2580952" progId="">
+                <p:oleObj name="Photo Editor Photo" r:id="rId2" imgW="3285714" imgH="2580952" progId="">
                   <p:embed/>
                 </p:oleObj>
               </mc:Choice>
               <mc:Fallback>
-                <p:oleObj name="Photo Editor Photo" r:id="rId3" imgW="3285714" imgH="2580952" progId="">
+                <p:oleObj name="Photo Editor Photo" r:id="rId2" imgW="3285714" imgH="2580952" progId="">
                   <p:embed/>
                   <p:pic>
                     <p:nvPicPr>
-                      <p:cNvPr id="0" name="Object 4"/>
+                      <p:cNvPr id="1026" name="Object 4"/>
                       <p:cNvPicPr>
                         <a:picLocks noChangeAspect="1" noChangeArrowheads="1"/>
                       </p:cNvPicPr>
                       <p:nvPr/>
                     </p:nvPicPr>
                     <p:blipFill>
-                      <a:blip r:embed="rId4">
+                      <a:blip r:embed="rId3">
                         <a:extLst>
                           <a:ext uri="{28A0092B-C50C-407E-A947-70E740481C1C}">
                             <a14:useLocalDpi xmlns:a14="http://schemas.microsoft.com/office/drawing/2010/main" val="0"/>
@@ -5773,17 +9031,10 @@
   <p:clrMapOvr>
     <a:masterClrMapping/>
   </p:clrMapOvr>
-  <p:timing>
-    <p:tnLst>
-      <p:par>
-        <p:cTn id="1" dur="indefinite" restart="never" nodeType="tmRoot"/>
-      </p:par>
-    </p:tnLst>
-  </p:timing>
 </p:sld>
 </file>
 
-<file path=ppt/slides/slide17.xml><?xml version="1.0" encoding="utf-8"?>
+<file path=ppt/slides/slide23.xml><?xml version="1.0" encoding="utf-8"?>
 <p:sld xmlns:a="http://schemas.openxmlformats.org/drawingml/2006/main" xmlns:r="http://schemas.openxmlformats.org/officeDocument/2006/relationships" xmlns:p="http://schemas.openxmlformats.org/presentationml/2006/main">
   <p:cSld>
     <p:spTree>
@@ -5818,7 +9069,7 @@
           <a:lstStyle/>
           <a:p>
             <a:r>
-              <a:rPr lang="en-US" smtClean="0"/>
+              <a:rPr lang="en-US"/>
               <a:t>R. Todd Lines</a:t>
             </a:r>
           </a:p>
@@ -5843,7 +9094,7 @@
           <a:p>
             <a:pPr eaLnBrk="1" hangingPunct="1"/>
             <a:r>
-              <a:rPr lang="en-US" smtClean="0"/>
+              <a:rPr lang="en-US"/>
               <a:t>Fraunhofer Diffraction Pattern</a:t>
             </a:r>
           </a:p>
@@ -5875,19 +9126,19 @@
               </a:lnSpc>
             </a:pPr>
             <a:r>
-              <a:rPr lang="en-US" sz="2800" smtClean="0"/>
+              <a:rPr lang="en-US" sz="2800"/>
               <a:t>A </a:t>
             </a:r>
             <a:r>
-              <a:rPr lang="en-US" sz="2800" b="1" smtClean="0"/>
+              <a:rPr lang="en-US" sz="2800" b="1"/>
               <a:t>Fraunhofer diffraction pattern</a:t>
             </a:r>
             <a:r>
-              <a:rPr lang="en-US" sz="2800" i="1" smtClean="0"/>
+              <a:rPr lang="en-US" sz="2800" i="1"/>
               <a:t> </a:t>
             </a:r>
             <a:r>
-              <a:rPr lang="en-US" sz="2800" smtClean="0"/>
+              <a:rPr lang="en-US" sz="2800"/>
               <a:t>occurs when the rays leave the diffracting object in parallel directions</a:t>
             </a:r>
           </a:p>
@@ -5898,7 +9149,7 @@
               </a:lnSpc>
             </a:pPr>
             <a:r>
-              <a:rPr lang="en-US" smtClean="0"/>
+              <a:rPr lang="en-US"/>
               <a:t>Screen very far from the slit</a:t>
             </a:r>
           </a:p>
@@ -5909,7 +9160,7 @@
               </a:lnSpc>
             </a:pPr>
             <a:r>
-              <a:rPr lang="en-US" smtClean="0"/>
+              <a:rPr lang="en-US"/>
               <a:t>Could be accomplished by a converging lens </a:t>
             </a:r>
           </a:p>
@@ -5945,17 +9196,10 @@
   <p:clrMapOvr>
     <a:masterClrMapping/>
   </p:clrMapOvr>
-  <p:timing>
-    <p:tnLst>
-      <p:par>
-        <p:cTn id="1" dur="indefinite" restart="never" nodeType="tmRoot"/>
-      </p:par>
-    </p:tnLst>
-  </p:timing>
 </p:sld>
 </file>
 
-<file path=ppt/slides/slide18.xml><?xml version="1.0" encoding="utf-8"?>
+<file path=ppt/slides/slide24.xml><?xml version="1.0" encoding="utf-8"?>
 <p:sld xmlns:a="http://schemas.openxmlformats.org/drawingml/2006/main" xmlns:r="http://schemas.openxmlformats.org/officeDocument/2006/relationships" xmlns:p="http://schemas.openxmlformats.org/presentationml/2006/main">
   <p:cSld>
     <p:spTree>
@@ -5990,7 +9234,7 @@
           <a:lstStyle/>
           <a:p>
             <a:r>
-              <a:rPr lang="en-US" smtClean="0"/>
+              <a:rPr lang="en-US"/>
               <a:t>R. Todd Lines</a:t>
             </a:r>
           </a:p>
@@ -6020,7 +9264,7 @@
           <a:p>
             <a:pPr eaLnBrk="1" hangingPunct="1"/>
             <a:r>
-              <a:rPr lang="en-US" smtClean="0"/>
+              <a:rPr lang="en-US"/>
               <a:t>Fraunhofer Diffraction Pattern Photo</a:t>
             </a:r>
           </a:p>
@@ -6048,17 +9292,17 @@
           <a:p>
             <a:pPr eaLnBrk="1" hangingPunct="1"/>
             <a:r>
-              <a:rPr lang="en-US" sz="2800" smtClean="0"/>
+              <a:rPr lang="en-US" sz="2800"/>
               <a:t>A bright fringe is seen along the axis (</a:t>
             </a:r>
             <a:r>
-              <a:rPr lang="en-US" sz="2800" i="1" smtClean="0">
+              <a:rPr lang="en-US" sz="2800" i="1">
                 <a:cs typeface="Arial" charset="0"/>
               </a:rPr>
               <a:t>θ</a:t>
             </a:r>
             <a:r>
-              <a:rPr lang="en-US" sz="2800" smtClean="0">
+              <a:rPr lang="en-US" sz="2800">
                 <a:cs typeface="Tahoma" charset="0"/>
               </a:rPr>
               <a:t> = 0) </a:t>
@@ -6067,16 +9311,16 @@
           <a:p>
             <a:pPr eaLnBrk="1" hangingPunct="1"/>
             <a:r>
-              <a:rPr lang="en-US" sz="2800" smtClean="0">
+              <a:rPr lang="en-US" sz="2800">
                 <a:cs typeface="Tahoma" charset="0"/>
               </a:rPr>
               <a:t>Alternating bright and dark fringes are seen on each side</a:t>
             </a:r>
-            <a:endParaRPr lang="en-US" sz="2800" smtClean="0"/>
+            <a:endParaRPr lang="en-US" sz="2800"/>
           </a:p>
           <a:p>
             <a:pPr eaLnBrk="1" hangingPunct="1"/>
-            <a:endParaRPr lang="en-US" sz="2800" smtClean="0"/>
+            <a:endParaRPr lang="en-US" sz="2800"/>
           </a:p>
         </p:txBody>
       </p:sp>
@@ -6110,17 +9354,10 @@
   <p:clrMapOvr>
     <a:masterClrMapping/>
   </p:clrMapOvr>
-  <p:timing>
-    <p:tnLst>
-      <p:par>
-        <p:cTn id="1" dur="indefinite" restart="never" nodeType="tmRoot"/>
-      </p:par>
-    </p:tnLst>
-  </p:timing>
 </p:sld>
 </file>
 
-<file path=ppt/slides/slide19.xml><?xml version="1.0" encoding="utf-8"?>
+<file path=ppt/slides/slide25.xml><?xml version="1.0" encoding="utf-8"?>
 <p:sld xmlns:a="http://schemas.openxmlformats.org/drawingml/2006/main" xmlns:r="http://schemas.openxmlformats.org/officeDocument/2006/relationships" xmlns:p="http://schemas.openxmlformats.org/presentationml/2006/main">
   <p:cSld>
     <p:spTree>
@@ -6155,7 +9392,7 @@
           <a:lstStyle/>
           <a:p>
             <a:r>
-              <a:rPr lang="en-US" smtClean="0"/>
+              <a:rPr lang="en-US"/>
               <a:t>R. Todd Lines</a:t>
             </a:r>
           </a:p>
@@ -6183,7 +9420,7 @@
           <a:p>
             <a:pPr eaLnBrk="1" hangingPunct="1"/>
             <a:r>
-              <a:rPr lang="en-US" smtClean="0"/>
+              <a:rPr lang="en-US"/>
               <a:t>Diffraction vs. Diffraction Pattern</a:t>
             </a:r>
           </a:p>
@@ -6206,48 +9443,48 @@
           <a:p>
             <a:pPr eaLnBrk="1" hangingPunct="1"/>
             <a:r>
-              <a:rPr lang="en-US" sz="2800" i="1" smtClean="0"/>
+              <a:rPr lang="en-US" sz="2800" i="1"/>
               <a:t>Diffraction</a:t>
             </a:r>
             <a:r>
-              <a:rPr lang="en-US" sz="2800" smtClean="0"/>
+              <a:rPr lang="en-US" sz="2800"/>
               <a:t> refers to the general behavior of waves spreading out as they pass through a slit</a:t>
             </a:r>
           </a:p>
           <a:p>
             <a:pPr eaLnBrk="1" hangingPunct="1"/>
             <a:r>
-              <a:rPr lang="en-US" sz="2800" smtClean="0"/>
+              <a:rPr lang="en-US" sz="2800"/>
               <a:t>A </a:t>
             </a:r>
             <a:r>
-              <a:rPr lang="en-US" sz="2800" i="1" smtClean="0"/>
+              <a:rPr lang="en-US" sz="2800" i="1"/>
               <a:t>diffraction pattern</a:t>
             </a:r>
             <a:r>
-              <a:rPr lang="en-US" sz="2800" smtClean="0"/>
+              <a:rPr lang="en-US" sz="2800"/>
               <a:t> is actually a misnomer that is deeply entrenched</a:t>
             </a:r>
           </a:p>
           <a:p>
             <a:pPr lvl="1" eaLnBrk="1" hangingPunct="1"/>
             <a:r>
-              <a:rPr lang="en-US" sz="2400" smtClean="0"/>
+              <a:rPr lang="en-US" sz="2400"/>
               <a:t>The pattern seen on the screen is actually another </a:t>
             </a:r>
             <a:r>
-              <a:rPr lang="en-US" sz="2400" i="1" smtClean="0"/>
+              <a:rPr lang="en-US" sz="2400" i="1"/>
               <a:t>interference</a:t>
             </a:r>
             <a:r>
-              <a:rPr lang="en-US" sz="2400" smtClean="0"/>
+              <a:rPr lang="en-US" sz="2400"/>
               <a:t> pattern</a:t>
             </a:r>
           </a:p>
           <a:p>
             <a:pPr lvl="1" eaLnBrk="1" hangingPunct="1"/>
             <a:r>
-              <a:rPr lang="en-US" sz="2400" smtClean="0"/>
+              <a:rPr lang="en-US" sz="2400"/>
               <a:t>The interference is between parts of the incident light illuminating different regions of the slit</a:t>
             </a:r>
           </a:p>
@@ -6258,17 +9495,10 @@
   <p:clrMapOvr>
     <a:masterClrMapping/>
   </p:clrMapOvr>
-  <p:timing>
-    <p:tnLst>
-      <p:par>
-        <p:cTn id="1" dur="indefinite" restart="never" nodeType="tmRoot"/>
-      </p:par>
-    </p:tnLst>
-  </p:timing>
 </p:sld>
 </file>
 
-<file path=ppt/slides/slide2.xml><?xml version="1.0" encoding="utf-8"?>
+<file path=ppt/slides/slide26.xml><?xml version="1.0" encoding="utf-8"?>
 <p:sld xmlns:a="http://schemas.openxmlformats.org/drawingml/2006/main" xmlns:r="http://schemas.openxmlformats.org/officeDocument/2006/relationships" xmlns:p="http://schemas.openxmlformats.org/presentationml/2006/main">
   <p:cSld>
     <p:spTree>
@@ -6285,63 +9515,6 @@
           <a:chExt cx="0" cy="0"/>
         </a:xfrm>
       </p:grpSpPr>
-      <p:pic>
-        <p:nvPicPr>
-          <p:cNvPr id="45057" name="Picture 1"/>
-          <p:cNvPicPr>
-            <a:picLocks noChangeAspect="1" noChangeArrowheads="1"/>
-          </p:cNvPicPr>
-          <p:nvPr/>
-        </p:nvPicPr>
-        <p:blipFill>
-          <a:blip r:embed="rId2" cstate="print"/>
-          <a:srcRect/>
-          <a:stretch>
-            <a:fillRect/>
-          </a:stretch>
-        </p:blipFill>
-        <p:spPr bwMode="auto">
-          <a:xfrm>
-            <a:off x="1309688" y="785813"/>
-            <a:ext cx="6524625" cy="5286375"/>
-          </a:xfrm>
-          <a:prstGeom prst="rect">
-            <a:avLst/>
-          </a:prstGeom>
-          <a:noFill/>
-          <a:ln w="9525">
-            <a:noFill/>
-            <a:miter lim="800000"/>
-            <a:headEnd/>
-            <a:tailEnd/>
-          </a:ln>
-        </p:spPr>
-      </p:pic>
-    </p:spTree>
-  </p:cSld>
-  <p:clrMapOvr>
-    <a:masterClrMapping/>
-  </p:clrMapOvr>
-</p:sld>
-</file>
-
-<file path=ppt/slides/slide20.xml><?xml version="1.0" encoding="utf-8"?>
-<p:sld xmlns:a="http://schemas.openxmlformats.org/drawingml/2006/main" xmlns:r="http://schemas.openxmlformats.org/officeDocument/2006/relationships" xmlns:p="http://schemas.openxmlformats.org/presentationml/2006/main">
-  <p:cSld>
-    <p:spTree>
-      <p:nvGrpSpPr>
-        <p:cNvPr id="1" name=""/>
-        <p:cNvGrpSpPr/>
-        <p:nvPr/>
-      </p:nvGrpSpPr>
-      <p:grpSpPr>
-        <a:xfrm>
-          <a:off x="0" y="0"/>
-          <a:ext cx="0" cy="0"/>
-          <a:chOff x="0" y="0"/>
-          <a:chExt cx="0" cy="0"/>
-        </a:xfrm>
-      </p:grpSpPr>
       <p:sp>
         <p:nvSpPr>
           <p:cNvPr id="38" name="Right Triangle 37"/>
@@ -6457,7 +9630,7 @@
           <a:p>
             <a:pPr eaLnBrk="1" hangingPunct="1"/>
             <a:r>
-              <a:rPr lang="en-US" smtClean="0"/>
+              <a:rPr lang="en-US"/>
               <a:t>Single-Slit Diffraction</a:t>
             </a:r>
           </a:p>
@@ -6858,10 +10031,9 @@
           <a:lstStyle/>
           <a:p>
             <a:r>
-              <a:rPr lang="en-US" sz="3200" dirty="0" smtClean="0"/>
+              <a:rPr lang="en-US" sz="3200" dirty="0"/>
               <a:t>a</a:t>
             </a:r>
-            <a:endParaRPr lang="en-US" sz="3200" dirty="0"/>
           </a:p>
         </p:txBody>
       </p:sp>
@@ -6921,7 +10093,7 @@
           <a:lstStyle/>
           <a:p>
             <a:r>
-              <a:rPr lang="en-US" sz="2000" dirty="0" smtClean="0">
+              <a:rPr lang="en-US" sz="2000" dirty="0">
                 <a:sym typeface="Symbol"/>
               </a:rPr>
               <a:t></a:t>
@@ -7176,10 +10348,9 @@
           <a:lstStyle/>
           <a:p>
             <a:r>
-              <a:rPr lang="en-US" sz="2400" dirty="0" smtClean="0"/>
+              <a:rPr lang="en-US" sz="2400" dirty="0"/>
               <a:t>a/2</a:t>
             </a:r>
-            <a:endParaRPr lang="en-US" sz="2400" dirty="0"/>
           </a:p>
         </p:txBody>
       </p:sp>
@@ -7401,23 +10572,23 @@
           <a:graphicData uri="http://schemas.openxmlformats.org/presentationml/2006/ole">
             <mc:AlternateContent xmlns:mc="http://schemas.openxmlformats.org/markup-compatibility/2006">
               <mc:Choice xmlns:v="urn:schemas-microsoft-com:vml" Requires="v">
-                <p:oleObj spid="_x0000_s47110" name="Equation" r:id="rId3" imgW="457200" imgH="393480" progId="Equation.3">
+                <p:oleObj name="Equation" r:id="rId2" imgW="457200" imgH="393480" progId="Equation.3">
                   <p:embed/>
                 </p:oleObj>
               </mc:Choice>
               <mc:Fallback>
-                <p:oleObj name="Equation" r:id="rId3" imgW="457200" imgH="393480" progId="Equation.3">
+                <p:oleObj name="Equation" r:id="rId2" imgW="457200" imgH="393480" progId="Equation.3">
                   <p:embed/>
                   <p:pic>
                     <p:nvPicPr>
-                      <p:cNvPr id="0" name="Picture 2"/>
+                      <p:cNvPr id="50" name="Object 49"/>
                       <p:cNvPicPr>
                         <a:picLocks noChangeAspect="1" noChangeArrowheads="1"/>
                       </p:cNvPicPr>
                       <p:nvPr/>
                     </p:nvPicPr>
                     <p:blipFill>
-                      <a:blip r:embed="rId4">
+                      <a:blip r:embed="rId3">
                         <a:extLst>
                           <a:ext uri="{28A0092B-C50C-407E-A947-70E740481C1C}">
                             <a14:useLocalDpi xmlns:a14="http://schemas.microsoft.com/office/drawing/2010/main" val="0"/>
@@ -7642,46 +10813,45 @@
           <a:lstStyle/>
           <a:p>
             <a:r>
-              <a:rPr lang="en-US" sz="1600" dirty="0" smtClean="0"/>
+              <a:rPr lang="en-US" sz="1600" dirty="0"/>
               <a:t>5</a:t>
             </a:r>
           </a:p>
           <a:p>
-            <a:endParaRPr lang="en-US" sz="1600" dirty="0" smtClean="0"/>
-          </a:p>
-          <a:p>
-            <a:r>
-              <a:rPr lang="en-US" sz="1600" dirty="0" smtClean="0"/>
+            <a:endParaRPr lang="en-US" sz="1600" dirty="0"/>
+          </a:p>
+          <a:p>
+            <a:r>
+              <a:rPr lang="en-US" sz="1600" dirty="0"/>
               <a:t>4</a:t>
             </a:r>
           </a:p>
           <a:p>
-            <a:endParaRPr lang="en-US" sz="1600" dirty="0" smtClean="0"/>
-          </a:p>
-          <a:p>
-            <a:r>
-              <a:rPr lang="en-US" sz="1600" dirty="0" smtClean="0"/>
+            <a:endParaRPr lang="en-US" sz="1600" dirty="0"/>
+          </a:p>
+          <a:p>
+            <a:r>
+              <a:rPr lang="en-US" sz="1600" dirty="0"/>
               <a:t>3</a:t>
             </a:r>
           </a:p>
           <a:p>
-            <a:endParaRPr lang="en-US" sz="1600" dirty="0" smtClean="0"/>
-          </a:p>
-          <a:p>
-            <a:r>
-              <a:rPr lang="en-US" sz="1600" dirty="0" smtClean="0"/>
+            <a:endParaRPr lang="en-US" sz="1600" dirty="0"/>
+          </a:p>
+          <a:p>
+            <a:r>
+              <a:rPr lang="en-US" sz="1600" dirty="0"/>
               <a:t>2</a:t>
             </a:r>
           </a:p>
           <a:p>
-            <a:endParaRPr lang="en-US" sz="1600" dirty="0" smtClean="0"/>
-          </a:p>
-          <a:p>
-            <a:r>
-              <a:rPr lang="en-US" sz="1600" dirty="0" smtClean="0"/>
+            <a:endParaRPr lang="en-US" sz="1600" dirty="0"/>
+          </a:p>
+          <a:p>
+            <a:r>
+              <a:rPr lang="en-US" sz="1600" dirty="0"/>
               <a:t>1</a:t>
             </a:r>
-            <a:endParaRPr lang="en-US" sz="1600" dirty="0"/>
           </a:p>
         </p:txBody>
       </p:sp>
@@ -7690,17 +10860,10 @@
   <p:clrMapOvr>
     <a:masterClrMapping/>
   </p:clrMapOvr>
-  <p:timing>
-    <p:tnLst>
-      <p:par>
-        <p:cTn id="1" dur="indefinite" restart="never" nodeType="tmRoot"/>
-      </p:par>
-    </p:tnLst>
-  </p:timing>
 </p:sld>
 </file>
 
-<file path=ppt/slides/slide21.xml><?xml version="1.0" encoding="utf-8"?>
+<file path=ppt/slides/slide27.xml><?xml version="1.0" encoding="utf-8"?>
 <p:sld xmlns:a="http://schemas.openxmlformats.org/drawingml/2006/main" xmlns:r="http://schemas.openxmlformats.org/officeDocument/2006/relationships" xmlns:p="http://schemas.openxmlformats.org/presentationml/2006/main">
   <p:cSld>
     <p:spTree>
@@ -8028,7 +11191,7 @@
           <a:p>
             <a:pPr eaLnBrk="1" hangingPunct="1"/>
             <a:r>
-              <a:rPr lang="en-US" smtClean="0"/>
+              <a:rPr lang="en-US"/>
               <a:t>Single-Slit Diffraction</a:t>
             </a:r>
           </a:p>
@@ -8429,10 +11592,9 @@
           <a:lstStyle/>
           <a:p>
             <a:r>
-              <a:rPr lang="en-US" sz="3200" dirty="0" smtClean="0"/>
+              <a:rPr lang="en-US" sz="3200" dirty="0"/>
               <a:t>a</a:t>
             </a:r>
-            <a:endParaRPr lang="en-US" sz="3200" dirty="0"/>
           </a:p>
         </p:txBody>
       </p:sp>
@@ -8492,7 +11654,7 @@
           <a:lstStyle/>
           <a:p>
             <a:r>
-              <a:rPr lang="en-US" sz="2000" dirty="0" smtClean="0">
+              <a:rPr lang="en-US" sz="2000" dirty="0">
                 <a:sym typeface="Symbol"/>
               </a:rPr>
               <a:t></a:t>
@@ -8775,23 +11937,23 @@
           <a:graphicData uri="http://schemas.openxmlformats.org/presentationml/2006/ole">
             <mc:AlternateContent xmlns:mc="http://schemas.openxmlformats.org/markup-compatibility/2006">
               <mc:Choice xmlns:v="urn:schemas-microsoft-com:vml" Requires="v">
-                <p:oleObj spid="_x0000_s48134" name="Equation" r:id="rId3" imgW="457200" imgH="393480" progId="Equation.3">
+                <p:oleObj name="Equation" r:id="rId2" imgW="457200" imgH="393480" progId="Equation.3">
                   <p:embed/>
                 </p:oleObj>
               </mc:Choice>
               <mc:Fallback>
-                <p:oleObj name="Equation" r:id="rId3" imgW="457200" imgH="393480" progId="Equation.3">
+                <p:oleObj name="Equation" r:id="rId2" imgW="457200" imgH="393480" progId="Equation.3">
                   <p:embed/>
                   <p:pic>
                     <p:nvPicPr>
-                      <p:cNvPr id="0" name="Picture 2"/>
+                      <p:cNvPr id="50" name="Object 49"/>
                       <p:cNvPicPr>
                         <a:picLocks noChangeAspect="1" noChangeArrowheads="1"/>
                       </p:cNvPicPr>
                       <p:nvPr/>
                     </p:nvPicPr>
                     <p:blipFill>
-                      <a:blip r:embed="rId4">
+                      <a:blip r:embed="rId3">
                         <a:extLst>
                           <a:ext uri="{28A0092B-C50C-407E-A947-70E740481C1C}">
                             <a14:useLocalDpi xmlns:a14="http://schemas.microsoft.com/office/drawing/2010/main" val="0"/>
@@ -9015,10 +12177,9 @@
           <a:lstStyle/>
           <a:p>
             <a:r>
-              <a:rPr lang="en-US" dirty="0" smtClean="0"/>
+              <a:rPr lang="en-US" dirty="0"/>
               <a:t>a/6</a:t>
             </a:r>
-            <a:endParaRPr lang="en-US" dirty="0"/>
           </a:p>
         </p:txBody>
       </p:sp>
@@ -9769,17 +12930,10 @@
   <p:clrMapOvr>
     <a:masterClrMapping/>
   </p:clrMapOvr>
-  <p:timing>
-    <p:tnLst>
-      <p:par>
-        <p:cTn id="1" dur="indefinite" restart="never" nodeType="tmRoot"/>
-      </p:par>
-    </p:tnLst>
-  </p:timing>
 </p:sld>
 </file>
 
-<file path=ppt/slides/slide22.xml><?xml version="1.0" encoding="utf-8"?>
+<file path=ppt/slides/slide28.xml><?xml version="1.0" encoding="utf-8"?>
 <p:sld xmlns:a="http://schemas.openxmlformats.org/drawingml/2006/main" xmlns:r="http://schemas.openxmlformats.org/officeDocument/2006/relationships" xmlns:p="http://schemas.openxmlformats.org/presentationml/2006/main">
   <p:cSld>
     <p:spTree>
@@ -9814,7 +12968,7 @@
           <a:lstStyle/>
           <a:p>
             <a:r>
-              <a:rPr lang="en-US" smtClean="0"/>
+              <a:rPr lang="en-US"/>
               <a:t>R. Todd Lines</a:t>
             </a:r>
           </a:p>
@@ -9837,7 +12991,7 @@
           <a:p>
             <a:pPr eaLnBrk="1" hangingPunct="1"/>
             <a:r>
-              <a:rPr lang="en-US" smtClean="0"/>
+              <a:rPr lang="en-US"/>
               <a:t>Single-Slit Diffraction, 2</a:t>
             </a:r>
           </a:p>
@@ -9860,34 +13014,34 @@
           <a:p>
             <a:pPr eaLnBrk="1" hangingPunct="1"/>
             <a:r>
-              <a:rPr lang="en-US" smtClean="0"/>
+              <a:rPr lang="en-US"/>
               <a:t>The resultant light intensity on a viewing screen depends on the direction </a:t>
             </a:r>
             <a:r>
-              <a:rPr lang="en-US" i="1" smtClean="0">
+              <a:rPr lang="en-US" i="1">
                 <a:cs typeface="Arial" charset="0"/>
               </a:rPr>
               <a:t>θ</a:t>
             </a:r>
-            <a:endParaRPr lang="en-US" smtClean="0"/>
+            <a:endParaRPr lang="en-US"/>
           </a:p>
           <a:p>
             <a:pPr eaLnBrk="1" hangingPunct="1"/>
             <a:r>
-              <a:rPr lang="en-US" smtClean="0"/>
+              <a:rPr lang="en-US"/>
               <a:t>The diffraction pattern is actually an interference pattern</a:t>
             </a:r>
           </a:p>
           <a:p>
             <a:pPr lvl="1" eaLnBrk="1" hangingPunct="1"/>
             <a:r>
-              <a:rPr lang="en-US" smtClean="0"/>
+              <a:rPr lang="en-US"/>
               <a:t>The different sources of light are different portions of the single slit</a:t>
             </a:r>
           </a:p>
           <a:p>
             <a:pPr eaLnBrk="1" hangingPunct="1"/>
-            <a:endParaRPr lang="en-US" smtClean="0"/>
+            <a:endParaRPr lang="en-US"/>
           </a:p>
         </p:txBody>
       </p:sp>
@@ -9896,17 +13050,10 @@
   <p:clrMapOvr>
     <a:masterClrMapping/>
   </p:clrMapOvr>
-  <p:timing>
-    <p:tnLst>
-      <p:par>
-        <p:cTn id="1" dur="indefinite" restart="never" nodeType="tmRoot"/>
-      </p:par>
-    </p:tnLst>
-  </p:timing>
 </p:sld>
 </file>
 
-<file path=ppt/slides/slide23.xml><?xml version="1.0" encoding="utf-8"?>
+<file path=ppt/slides/slide29.xml><?xml version="1.0" encoding="utf-8"?>
 <p:sld xmlns:a="http://schemas.openxmlformats.org/drawingml/2006/main" xmlns:r="http://schemas.openxmlformats.org/officeDocument/2006/relationships" xmlns:p="http://schemas.openxmlformats.org/presentationml/2006/main">
   <p:cSld>
     <p:spTree>
@@ -9941,7 +13088,7 @@
           <a:lstStyle/>
           <a:p>
             <a:r>
-              <a:rPr lang="en-US" smtClean="0"/>
+              <a:rPr lang="en-US"/>
               <a:t>R. Todd Lines</a:t>
             </a:r>
           </a:p>
@@ -9964,7 +13111,7 @@
           <a:p>
             <a:pPr eaLnBrk="1" hangingPunct="1"/>
             <a:r>
-              <a:rPr lang="en-US" smtClean="0"/>
+              <a:rPr lang="en-US"/>
               <a:t>Single-Slit Diffraction, Analysis</a:t>
             </a:r>
           </a:p>
@@ -9996,7 +13143,7 @@
               </a:lnSpc>
             </a:pPr>
             <a:r>
-              <a:rPr lang="en-US" sz="2800" smtClean="0"/>
+              <a:rPr lang="en-US" sz="2800"/>
               <a:t>All the waves that originate at the slit are in phase</a:t>
             </a:r>
           </a:p>
@@ -10007,7 +13154,7 @@
               </a:lnSpc>
             </a:pPr>
             <a:r>
-              <a:rPr lang="en-US" sz="2800" smtClean="0"/>
+              <a:rPr lang="en-US" sz="2800"/>
               <a:t>Wave 1 travels farther than wave 3 by an amount equal to the path difference </a:t>
             </a:r>
           </a:p>
@@ -10018,25 +13165,25 @@
               </a:lnSpc>
             </a:pPr>
             <a:r>
-              <a:rPr lang="en-US" sz="2400" smtClean="0"/>
+              <a:rPr lang="en-US" sz="2400"/>
               <a:t>(</a:t>
             </a:r>
             <a:r>
-              <a:rPr lang="en-US" sz="2400" i="1" smtClean="0"/>
+              <a:rPr lang="en-US" sz="2400" i="1"/>
               <a:t>a</a:t>
             </a:r>
             <a:r>
-              <a:rPr lang="en-US" sz="2400" smtClean="0"/>
+              <a:rPr lang="en-US" sz="2400"/>
               <a:t>/2) sin </a:t>
             </a:r>
             <a:r>
-              <a:rPr lang="en-US" sz="2400" i="1" smtClean="0">
+              <a:rPr lang="en-US" sz="2400" i="1">
                 <a:cs typeface="Arial" charset="0"/>
               </a:rPr>
               <a:t>θ</a:t>
             </a:r>
             <a:r>
-              <a:rPr lang="en-US" sz="2400" smtClean="0">
+              <a:rPr lang="en-US" sz="2400">
                 <a:cs typeface="Tahoma" charset="0"/>
               </a:rPr>
               <a:t> </a:t>
@@ -10049,7 +13196,7 @@
               </a:lnSpc>
             </a:pPr>
             <a:r>
-              <a:rPr lang="en-US" sz="2800" smtClean="0">
+              <a:rPr lang="en-US" sz="2800">
                 <a:cs typeface="Tahoma" charset="0"/>
               </a:rPr>
               <a:t>If this path difference is exactly half of a wavelength, the two waves cancel each other and destructive interference results</a:t>
@@ -10062,63 +13209,63 @@
               </a:lnSpc>
             </a:pPr>
             <a:r>
-              <a:rPr lang="en-US" sz="2800" smtClean="0"/>
+              <a:rPr lang="en-US" sz="2800"/>
               <a:t>In general, </a:t>
             </a:r>
             <a:r>
-              <a:rPr lang="en-US" sz="2800" i="1" smtClean="0"/>
+              <a:rPr lang="en-US" sz="2800" i="1"/>
               <a:t>destructive interference</a:t>
             </a:r>
             <a:r>
-              <a:rPr lang="en-US" sz="2800" smtClean="0"/>
+              <a:rPr lang="en-US" sz="2800"/>
               <a:t> occurs for a single slit of width </a:t>
             </a:r>
             <a:r>
-              <a:rPr lang="en-US" sz="2800" i="1" smtClean="0"/>
+              <a:rPr lang="en-US" sz="2800" i="1"/>
               <a:t>a</a:t>
             </a:r>
             <a:r>
-              <a:rPr lang="en-US" sz="2800" smtClean="0"/>
+              <a:rPr lang="en-US" sz="2800"/>
               <a:t> when sin </a:t>
             </a:r>
             <a:r>
-              <a:rPr lang="en-US" sz="2800" i="1" smtClean="0">
+              <a:rPr lang="en-US" sz="2800" i="1">
                 <a:cs typeface="Arial" charset="0"/>
               </a:rPr>
               <a:t>θ</a:t>
             </a:r>
             <a:r>
-              <a:rPr lang="en-US" sz="2800" baseline="-25000" smtClean="0">
+              <a:rPr lang="en-US" sz="2800" baseline="-25000">
                 <a:cs typeface="Tahoma" charset="0"/>
               </a:rPr>
               <a:t>dark</a:t>
             </a:r>
             <a:r>
-              <a:rPr lang="en-US" sz="2800" smtClean="0">
+              <a:rPr lang="en-US" sz="2800">
                 <a:cs typeface="Tahoma" charset="0"/>
               </a:rPr>
               <a:t> = </a:t>
             </a:r>
             <a:r>
-              <a:rPr lang="en-US" sz="2800" i="1" smtClean="0">
+              <a:rPr lang="en-US" sz="2800" i="1">
                 <a:cs typeface="Tahoma" charset="0"/>
               </a:rPr>
               <a:t>m</a:t>
             </a:r>
             <a:r>
-              <a:rPr lang="en-US" sz="2800" i="1" smtClean="0">
+              <a:rPr lang="en-US" sz="2800" i="1">
                 <a:cs typeface="Arial" charset="0"/>
               </a:rPr>
               <a:t>λ</a:t>
             </a:r>
             <a:r>
-              <a:rPr lang="en-US" sz="2800" smtClean="0">
+              <a:rPr lang="en-US" sz="2800">
                 <a:cs typeface="Tahoma" charset="0"/>
               </a:rPr>
               <a:t> / </a:t>
             </a:r>
             <a:r>
-              <a:rPr lang="en-US" sz="2800" i="1" smtClean="0">
+              <a:rPr lang="en-US" sz="2800" i="1">
                 <a:cs typeface="Tahoma" charset="0"/>
               </a:rPr>
               <a:t>a</a:t>
@@ -10131,48 +13278,48 @@
               </a:lnSpc>
             </a:pPr>
             <a:r>
-              <a:rPr lang="en-US" sz="2400" i="1" smtClean="0"/>
+              <a:rPr lang="en-US" sz="2400" i="1"/>
               <a:t>m</a:t>
             </a:r>
             <a:r>
-              <a:rPr lang="en-US" sz="2400" smtClean="0"/>
+              <a:rPr lang="en-US" sz="2400"/>
               <a:t> = </a:t>
             </a:r>
             <a:r>
-              <a:rPr lang="en-US" sz="2400" smtClean="0">
+              <a:rPr lang="en-US" sz="2400">
                 <a:cs typeface="Arial" charset="0"/>
                 <a:sym typeface="UniversalMath1 BT" pitchFamily="18" charset="2"/>
               </a:rPr>
               <a:t>±</a:t>
             </a:r>
             <a:r>
-              <a:rPr lang="en-US" sz="2400" smtClean="0">
+              <a:rPr lang="en-US" sz="2400">
                 <a:sym typeface="UniversalMath1 BT" pitchFamily="18" charset="2"/>
               </a:rPr>
               <a:t>1, </a:t>
             </a:r>
             <a:r>
-              <a:rPr lang="en-US" sz="2400" smtClean="0">
+              <a:rPr lang="en-US" sz="2400">
                 <a:cs typeface="Arial" charset="0"/>
                 <a:sym typeface="UniversalMath1 BT" pitchFamily="18" charset="2"/>
               </a:rPr>
               <a:t>±</a:t>
             </a:r>
             <a:r>
-              <a:rPr lang="en-US" sz="2400" smtClean="0">
+              <a:rPr lang="en-US" sz="2400">
                 <a:sym typeface="UniversalMath1 BT" pitchFamily="18" charset="2"/>
               </a:rPr>
               <a:t>2, </a:t>
             </a:r>
             <a:r>
-              <a:rPr lang="en-US" sz="2400" smtClean="0">
+              <a:rPr lang="en-US" sz="2400">
                 <a:cs typeface="Arial" charset="0"/>
                 <a:sym typeface="UniversalMath1 BT" pitchFamily="18" charset="2"/>
               </a:rPr>
               <a:t>±</a:t>
             </a:r>
             <a:r>
-              <a:rPr lang="en-US" sz="2400" smtClean="0">
+              <a:rPr lang="en-US" sz="2400">
                 <a:sym typeface="UniversalMath1 BT" pitchFamily="18" charset="2"/>
               </a:rPr>
               <a:t>3, …</a:t>
@@ -10185,17 +13332,10 @@
   <p:clrMapOvr>
     <a:masterClrMapping/>
   </p:clrMapOvr>
-  <p:timing>
-    <p:tnLst>
-      <p:par>
-        <p:cTn id="1" dur="indefinite" restart="never" nodeType="tmRoot"/>
-      </p:par>
-    </p:tnLst>
-  </p:timing>
 </p:sld>
 </file>
 
-<file path=ppt/slides/slide24.xml><?xml version="1.0" encoding="utf-8"?>
+<file path=ppt/slides/slide3.xml><?xml version="1.0" encoding="utf-8"?>
 <p:sld xmlns:a="http://schemas.openxmlformats.org/drawingml/2006/main" xmlns:r="http://schemas.openxmlformats.org/officeDocument/2006/relationships" xmlns:p="http://schemas.openxmlformats.org/presentationml/2006/main">
   <p:cSld>
     <p:spTree>
@@ -10214,36 +13354,31 @@
       </p:grpSpPr>
       <p:sp>
         <p:nvSpPr>
-          <p:cNvPr id="29698" name="Footer Placeholder 4"/>
+          <p:cNvPr id="2" name="Title 1"/>
           <p:cNvSpPr>
             <a:spLocks noGrp="1"/>
           </p:cNvSpPr>
           <p:nvPr>
-            <p:ph type="ftr" sz="quarter" idx="11"/>
+            <p:ph type="title"/>
           </p:nvPr>
         </p:nvSpPr>
-        <p:spPr>
-          <a:noFill/>
-        </p:spPr>
+        <p:spPr/>
         <p:txBody>
           <a:bodyPr/>
           <a:lstStyle/>
           <a:p>
-            <a:r>
-              <a:rPr lang="en-US" smtClean="0"/>
-              <a:t>R. Todd Lines</a:t>
-            </a:r>
-          </a:p>
-        </p:txBody>
-      </p:sp>
-      <p:sp>
-        <p:nvSpPr>
-          <p:cNvPr id="29699" name="Rectangle 4"/>
+            <a:endParaRPr lang="en-US"/>
+          </a:p>
+        </p:txBody>
+      </p:sp>
+      <p:sp>
+        <p:nvSpPr>
+          <p:cNvPr id="3" name="Content Placeholder 2"/>
           <p:cNvSpPr>
-            <a:spLocks noGrp="1" noChangeArrowheads="1"/>
+            <a:spLocks noGrp="1"/>
           </p:cNvSpPr>
           <p:nvPr>
-            <p:ph type="ctrTitle"/>
+            <p:ph idx="1"/>
           </p:nvPr>
         </p:nvSpPr>
         <p:spPr/>
@@ -10251,50 +13386,52 @@
           <a:bodyPr/>
           <a:lstStyle/>
           <a:p>
-            <a:pPr eaLnBrk="1" hangingPunct="1"/>
-            <a:r>
-              <a:rPr lang="en-US" smtClean="0"/>
-              <a:t>Diffraction from Narrow Slits</a:t>
-            </a:r>
-          </a:p>
-        </p:txBody>
-      </p:sp>
-      <p:sp>
-        <p:nvSpPr>
-          <p:cNvPr id="29700" name="Rectangle 5"/>
-          <p:cNvSpPr>
-            <a:spLocks noGrp="1" noChangeArrowheads="1"/>
-          </p:cNvSpPr>
-          <p:nvPr>
-            <p:ph type="subTitle" idx="1"/>
-          </p:nvPr>
-        </p:nvSpPr>
-        <p:spPr/>
-        <p:txBody>
-          <a:bodyPr/>
-          <a:lstStyle/>
-          <a:p>
-            <a:pPr eaLnBrk="1" hangingPunct="1"/>
-            <a:endParaRPr lang="en-US" smtClean="0"/>
-          </a:p>
-        </p:txBody>
-      </p:sp>
+            <a:endParaRPr lang="en-US"/>
+          </a:p>
+        </p:txBody>
+      </p:sp>
+      <p:pic>
+        <p:nvPicPr>
+          <p:cNvPr id="3074" name="Picture 2"/>
+          <p:cNvPicPr>
+            <a:picLocks noChangeAspect="1" noChangeArrowheads="1"/>
+          </p:cNvPicPr>
+          <p:nvPr/>
+        </p:nvPicPr>
+        <p:blipFill>
+          <a:blip r:embed="rId2" cstate="print"/>
+          <a:srcRect/>
+          <a:stretch>
+            <a:fillRect/>
+          </a:stretch>
+        </p:blipFill>
+        <p:spPr bwMode="auto">
+          <a:xfrm>
+            <a:off x="2286000" y="152400"/>
+            <a:ext cx="3287653" cy="5842000"/>
+          </a:xfrm>
+          <a:prstGeom prst="rect">
+            <a:avLst/>
+          </a:prstGeom>
+          <a:noFill/>
+          <a:ln w="9525">
+            <a:noFill/>
+            <a:miter lim="800000"/>
+            <a:headEnd/>
+            <a:tailEnd/>
+          </a:ln>
+          <a:effectLst/>
+        </p:spPr>
+      </p:pic>
     </p:spTree>
   </p:cSld>
   <p:clrMapOvr>
     <a:masterClrMapping/>
   </p:clrMapOvr>
-  <p:timing>
-    <p:tnLst>
-      <p:par>
-        <p:cTn id="1" dur="indefinite" restart="never" nodeType="tmRoot"/>
-      </p:par>
-    </p:tnLst>
-  </p:timing>
 </p:sld>
 </file>
 
-<file path=ppt/slides/slide25.xml><?xml version="1.0" encoding="utf-8"?>
+<file path=ppt/slides/slide30.xml><?xml version="1.0" encoding="utf-8"?>
 <p:sld xmlns:a="http://schemas.openxmlformats.org/drawingml/2006/main" xmlns:r="http://schemas.openxmlformats.org/officeDocument/2006/relationships" xmlns:p="http://schemas.openxmlformats.org/presentationml/2006/main">
   <p:cSld>
     <p:spTree>
@@ -10313,6 +13450,289 @@
       </p:grpSpPr>
       <p:sp>
         <p:nvSpPr>
+          <p:cNvPr id="193539" name="Rectangle 2"/>
+          <p:cNvSpPr>
+            <a:spLocks noGrp="1" noChangeArrowheads="1"/>
+          </p:cNvSpPr>
+          <p:nvPr>
+            <p:ph type="title"/>
+          </p:nvPr>
+        </p:nvSpPr>
+        <p:spPr/>
+        <p:txBody>
+          <a:bodyPr/>
+          <a:lstStyle/>
+          <a:p>
+            <a:r>
+              <a:rPr lang="en-US" dirty="0"/>
+              <a:t>Question 223.11.1</a:t>
+            </a:r>
+          </a:p>
+        </p:txBody>
+      </p:sp>
+      <p:sp>
+        <p:nvSpPr>
+          <p:cNvPr id="193540" name="Rectangle 3"/>
+          <p:cNvSpPr>
+            <a:spLocks noGrp="1" noChangeArrowheads="1"/>
+          </p:cNvSpPr>
+          <p:nvPr>
+            <p:ph idx="1"/>
+          </p:nvPr>
+        </p:nvSpPr>
+        <p:spPr>
+          <a:xfrm>
+            <a:off x="457200" y="1600200"/>
+            <a:ext cx="3803650" cy="4525963"/>
+          </a:xfrm>
+        </p:spPr>
+        <p:txBody>
+          <a:bodyPr/>
+          <a:lstStyle/>
+          <a:p>
+            <a:pPr marL="609600" indent="-609600" eaLnBrk="1" hangingPunct="1">
+              <a:lnSpc>
+                <a:spcPct val="90000"/>
+              </a:lnSpc>
+              <a:buFontTx/>
+              <a:buNone/>
+            </a:pPr>
+            <a:r>
+              <a:rPr lang="en-US" sz="2400"/>
+              <a:t>Suppose you have a single slit diffraction pattern. If you increase the size of the slit, the size of the central maximum</a:t>
+            </a:r>
+          </a:p>
+          <a:p>
+            <a:pPr marL="609600" indent="-609600" eaLnBrk="1" hangingPunct="1">
+              <a:lnSpc>
+                <a:spcPct val="90000"/>
+              </a:lnSpc>
+              <a:buFontTx/>
+              <a:buAutoNum type="alphaLcParenR"/>
+            </a:pPr>
+            <a:r>
+              <a:rPr lang="en-US" sz="2400"/>
+              <a:t>Becomes wider</a:t>
+            </a:r>
+          </a:p>
+          <a:p>
+            <a:pPr marL="609600" indent="-609600" eaLnBrk="1" hangingPunct="1">
+              <a:lnSpc>
+                <a:spcPct val="90000"/>
+              </a:lnSpc>
+              <a:buFontTx/>
+              <a:buAutoNum type="alphaLcParenR"/>
+            </a:pPr>
+            <a:r>
+              <a:rPr lang="en-US" sz="2400"/>
+              <a:t>Becomes narrower</a:t>
+            </a:r>
+          </a:p>
+          <a:p>
+            <a:pPr marL="609600" indent="-609600" eaLnBrk="1" hangingPunct="1">
+              <a:lnSpc>
+                <a:spcPct val="90000"/>
+              </a:lnSpc>
+              <a:buFontTx/>
+              <a:buAutoNum type="alphaLcParenR"/>
+            </a:pPr>
+            <a:r>
+              <a:rPr lang="en-US" sz="2400"/>
+              <a:t>Stays the same</a:t>
+            </a:r>
+          </a:p>
+          <a:p>
+            <a:pPr marL="609600" indent="-609600" eaLnBrk="1" hangingPunct="1">
+              <a:lnSpc>
+                <a:spcPct val="90000"/>
+              </a:lnSpc>
+              <a:buFontTx/>
+              <a:buAutoNum type="alphaLcParenR"/>
+            </a:pPr>
+            <a:r>
+              <a:rPr lang="en-US" sz="2400"/>
+              <a:t>Fades to non-existent</a:t>
+            </a:r>
+          </a:p>
+        </p:txBody>
+      </p:sp>
+      <p:sp>
+        <p:nvSpPr>
+          <p:cNvPr id="193538" name="Slide Number Placeholder 5"/>
+          <p:cNvSpPr>
+            <a:spLocks noGrp="1"/>
+          </p:cNvSpPr>
+          <p:nvPr>
+            <p:ph type="sldNum" sz="quarter" idx="12"/>
+          </p:nvPr>
+        </p:nvSpPr>
+        <p:spPr>
+          <a:noFill/>
+        </p:spPr>
+        <p:txBody>
+          <a:bodyPr/>
+          <a:lstStyle/>
+          <a:p>
+            <a:fld id="{7A70FFBB-2E19-4429-931F-A85042212607}" type="slidenum">
+              <a:rPr lang="en-US" smtClean="0"/>
+              <a:pPr/>
+              <a:t>30</a:t>
+            </a:fld>
+            <a:endParaRPr lang="en-US"/>
+          </a:p>
+        </p:txBody>
+      </p:sp>
+      <p:pic>
+        <p:nvPicPr>
+          <p:cNvPr id="193541" name="Picture 4" descr="38-06"/>
+          <p:cNvPicPr>
+            <a:picLocks noChangeAspect="1" noChangeArrowheads="1"/>
+          </p:cNvPicPr>
+          <p:nvPr/>
+        </p:nvPicPr>
+        <p:blipFill>
+          <a:blip r:embed="rId2" cstate="print"/>
+          <a:srcRect/>
+          <a:stretch>
+            <a:fillRect/>
+          </a:stretch>
+        </p:blipFill>
+        <p:spPr bwMode="auto">
+          <a:xfrm>
+            <a:off x="4799013" y="2401888"/>
+            <a:ext cx="4033837" cy="2921000"/>
+          </a:xfrm>
+          <a:prstGeom prst="rect">
+            <a:avLst/>
+          </a:prstGeom>
+          <a:noFill/>
+          <a:ln w="9525">
+            <a:noFill/>
+            <a:miter lim="800000"/>
+            <a:headEnd/>
+            <a:tailEnd/>
+          </a:ln>
+        </p:spPr>
+      </p:pic>
+    </p:spTree>
+  </p:cSld>
+  <p:clrMapOvr>
+    <a:masterClrMapping/>
+  </p:clrMapOvr>
+</p:sld>
+</file>
+
+<file path=ppt/slides/slide31.xml><?xml version="1.0" encoding="utf-8"?>
+<p:sld xmlns:a="http://schemas.openxmlformats.org/drawingml/2006/main" xmlns:r="http://schemas.openxmlformats.org/officeDocument/2006/relationships" xmlns:p="http://schemas.openxmlformats.org/presentationml/2006/main">
+  <p:cSld>
+    <p:spTree>
+      <p:nvGrpSpPr>
+        <p:cNvPr id="1" name=""/>
+        <p:cNvGrpSpPr/>
+        <p:nvPr/>
+      </p:nvGrpSpPr>
+      <p:grpSpPr>
+        <a:xfrm>
+          <a:off x="0" y="0"/>
+          <a:ext cx="0" cy="0"/>
+          <a:chOff x="0" y="0"/>
+          <a:chExt cx="0" cy="0"/>
+        </a:xfrm>
+      </p:grpSpPr>
+      <p:sp>
+        <p:nvSpPr>
+          <p:cNvPr id="29698" name="Footer Placeholder 4"/>
+          <p:cNvSpPr>
+            <a:spLocks noGrp="1"/>
+          </p:cNvSpPr>
+          <p:nvPr>
+            <p:ph type="ftr" sz="quarter" idx="11"/>
+          </p:nvPr>
+        </p:nvSpPr>
+        <p:spPr>
+          <a:noFill/>
+        </p:spPr>
+        <p:txBody>
+          <a:bodyPr/>
+          <a:lstStyle/>
+          <a:p>
+            <a:r>
+              <a:rPr lang="en-US"/>
+              <a:t>R. Todd Lines</a:t>
+            </a:r>
+          </a:p>
+        </p:txBody>
+      </p:sp>
+      <p:sp>
+        <p:nvSpPr>
+          <p:cNvPr id="29699" name="Rectangle 4"/>
+          <p:cNvSpPr>
+            <a:spLocks noGrp="1" noChangeArrowheads="1"/>
+          </p:cNvSpPr>
+          <p:nvPr>
+            <p:ph type="ctrTitle"/>
+          </p:nvPr>
+        </p:nvSpPr>
+        <p:spPr/>
+        <p:txBody>
+          <a:bodyPr/>
+          <a:lstStyle/>
+          <a:p>
+            <a:pPr eaLnBrk="1" hangingPunct="1"/>
+            <a:r>
+              <a:rPr lang="en-US"/>
+              <a:t>Diffraction from Narrow Slits</a:t>
+            </a:r>
+          </a:p>
+        </p:txBody>
+      </p:sp>
+      <p:sp>
+        <p:nvSpPr>
+          <p:cNvPr id="29700" name="Rectangle 5"/>
+          <p:cNvSpPr>
+            <a:spLocks noGrp="1" noChangeArrowheads="1"/>
+          </p:cNvSpPr>
+          <p:nvPr>
+            <p:ph type="subTitle" idx="1"/>
+          </p:nvPr>
+        </p:nvSpPr>
+        <p:spPr/>
+        <p:txBody>
+          <a:bodyPr/>
+          <a:lstStyle/>
+          <a:p>
+            <a:pPr eaLnBrk="1" hangingPunct="1"/>
+            <a:endParaRPr lang="en-US"/>
+          </a:p>
+        </p:txBody>
+      </p:sp>
+    </p:spTree>
+  </p:cSld>
+  <p:clrMapOvr>
+    <a:masterClrMapping/>
+  </p:clrMapOvr>
+</p:sld>
+</file>
+
+<file path=ppt/slides/slide32.xml><?xml version="1.0" encoding="utf-8"?>
+<p:sld xmlns:a="http://schemas.openxmlformats.org/drawingml/2006/main" xmlns:r="http://schemas.openxmlformats.org/officeDocument/2006/relationships" xmlns:p="http://schemas.openxmlformats.org/presentationml/2006/main">
+  <p:cSld>
+    <p:spTree>
+      <p:nvGrpSpPr>
+        <p:cNvPr id="1" name=""/>
+        <p:cNvGrpSpPr/>
+        <p:nvPr/>
+      </p:nvGrpSpPr>
+      <p:grpSpPr>
+        <a:xfrm>
+          <a:off x="0" y="0"/>
+          <a:ext cx="0" cy="0"/>
+          <a:chOff x="0" y="0"/>
+          <a:chExt cx="0" cy="0"/>
+        </a:xfrm>
+      </p:grpSpPr>
+      <p:sp>
+        <p:nvSpPr>
           <p:cNvPr id="30722" name="Footer Placeholder 5"/>
           <p:cNvSpPr>
             <a:spLocks noGrp="1"/>
@@ -10329,7 +13749,7 @@
           <a:lstStyle/>
           <a:p>
             <a:r>
-              <a:rPr lang="en-US" smtClean="0"/>
+              <a:rPr lang="en-US"/>
               <a:t>R. Todd Lines</a:t>
             </a:r>
           </a:p>
@@ -10354,7 +13774,7 @@
           <a:p>
             <a:pPr eaLnBrk="1" hangingPunct="1"/>
             <a:r>
-              <a:rPr lang="en-US" smtClean="0"/>
+              <a:rPr lang="en-US"/>
               <a:t>Single-Slit Diffraction, Intensity</a:t>
             </a:r>
           </a:p>
@@ -10382,28 +13802,28 @@
           <a:p>
             <a:pPr eaLnBrk="1" hangingPunct="1"/>
             <a:r>
-              <a:rPr lang="en-US" sz="2200" smtClean="0"/>
+              <a:rPr lang="en-US" sz="2200"/>
               <a:t>The general features of the intensity distribution are shown</a:t>
             </a:r>
           </a:p>
           <a:p>
             <a:pPr eaLnBrk="1" hangingPunct="1"/>
             <a:r>
-              <a:rPr lang="en-US" sz="2200" smtClean="0"/>
+              <a:rPr lang="en-US" sz="2200"/>
               <a:t>A broad central bright fringe is flanked by much weaker bright fringes alternating with dark fringes</a:t>
             </a:r>
           </a:p>
           <a:p>
             <a:pPr eaLnBrk="1" hangingPunct="1"/>
             <a:r>
-              <a:rPr lang="en-US" sz="2200" smtClean="0"/>
+              <a:rPr lang="en-US" sz="2200"/>
               <a:t>Each bright fringe peak lies approximately halfway between the dark fringes</a:t>
             </a:r>
           </a:p>
           <a:p>
             <a:pPr eaLnBrk="1" hangingPunct="1"/>
             <a:r>
-              <a:rPr lang="en-US" sz="2200" smtClean="0"/>
+              <a:rPr lang="en-US" sz="2200"/>
               <a:t>The central bright maximum is twice as wide as the secondary maxima</a:t>
             </a:r>
           </a:p>
@@ -10439,17 +13859,10 @@
   <p:clrMapOvr>
     <a:masterClrMapping/>
   </p:clrMapOvr>
-  <p:timing>
-    <p:tnLst>
-      <p:par>
-        <p:cTn id="1" dur="indefinite" restart="never" nodeType="tmRoot"/>
-      </p:par>
-    </p:tnLst>
-  </p:timing>
 </p:sld>
 </file>
 
-<file path=ppt/slides/slide26.xml><?xml version="1.0" encoding="utf-8"?>
+<file path=ppt/slides/slide33.xml><?xml version="1.0" encoding="utf-8"?>
 <p:sld xmlns:a="http://schemas.openxmlformats.org/drawingml/2006/main" xmlns:r="http://schemas.openxmlformats.org/officeDocument/2006/relationships" xmlns:p="http://schemas.openxmlformats.org/presentationml/2006/main">
   <p:cSld>
     <p:spTree>
@@ -10484,7 +13897,7 @@
           <a:lstStyle/>
           <a:p>
             <a:r>
-              <a:rPr lang="en-US" smtClean="0"/>
+              <a:rPr lang="en-US"/>
               <a:t>R. Todd Lines</a:t>
             </a:r>
           </a:p>
@@ -10512,7 +13925,7 @@
           <a:p>
             <a:pPr eaLnBrk="1" hangingPunct="1"/>
             <a:r>
-              <a:rPr lang="en-US" sz="3200" smtClean="0"/>
+              <a:rPr lang="en-US" sz="3200"/>
               <a:t>Intensity of Single-Slit Diffraction Patterns</a:t>
             </a:r>
           </a:p>
@@ -10544,7 +13957,7 @@
               </a:lnSpc>
             </a:pPr>
             <a:r>
-              <a:rPr lang="en-US" sz="2400" smtClean="0"/>
+              <a:rPr lang="en-US" sz="2400"/>
               <a:t>Phasors can be used to determine the light intensity distribution for a single-slit diffraction pattern</a:t>
             </a:r>
           </a:p>
@@ -10555,15 +13968,15 @@
               </a:lnSpc>
             </a:pPr>
             <a:r>
-              <a:rPr lang="en-US" sz="2400" smtClean="0"/>
+              <a:rPr lang="en-US" sz="2400"/>
               <a:t>Slit width </a:t>
             </a:r>
             <a:r>
-              <a:rPr lang="en-US" sz="2400" i="1" smtClean="0"/>
+              <a:rPr lang="en-US" sz="2400" i="1"/>
               <a:t>a</a:t>
             </a:r>
             <a:r>
-              <a:rPr lang="en-US" sz="2400" smtClean="0"/>
+              <a:rPr lang="en-US" sz="2400"/>
               <a:t> can be thought of as being divided into zones</a:t>
             </a:r>
           </a:p>
@@ -10574,18 +13987,18 @@
               </a:lnSpc>
             </a:pPr>
             <a:r>
-              <a:rPr lang="en-US" sz="2000" smtClean="0"/>
+              <a:rPr lang="en-US" sz="2000"/>
               <a:t>The zones have a width of </a:t>
             </a:r>
             <a:r>
-              <a:rPr lang="en-US" sz="2000" smtClean="0">
+              <a:rPr lang="en-US" sz="2000">
                 <a:latin typeface="Symbol" pitchFamily="18" charset="2"/>
                 <a:cs typeface="Arial" charset="0"/>
               </a:rPr>
               <a:t>Δ</a:t>
             </a:r>
             <a:r>
-              <a:rPr lang="en-US" sz="2000" smtClean="0"/>
+              <a:rPr lang="en-US" sz="2000"/>
               <a:t>y</a:t>
             </a:r>
           </a:p>
@@ -10596,7 +14009,7 @@
               </a:lnSpc>
             </a:pPr>
             <a:r>
-              <a:rPr lang="en-US" sz="2400" smtClean="0"/>
+              <a:rPr lang="en-US" sz="2400"/>
               <a:t>Each zone acts as a source of coherent radiation</a:t>
             </a:r>
           </a:p>
@@ -10632,17 +14045,10 @@
   <p:clrMapOvr>
     <a:masterClrMapping/>
   </p:clrMapOvr>
-  <p:timing>
-    <p:tnLst>
-      <p:par>
-        <p:cTn id="1" dur="indefinite" restart="never" nodeType="tmRoot"/>
-      </p:par>
-    </p:tnLst>
-  </p:timing>
 </p:sld>
 </file>
 
-<file path=ppt/slides/slide27.xml><?xml version="1.0" encoding="utf-8"?>
+<file path=ppt/slides/slide34.xml><?xml version="1.0" encoding="utf-8"?>
 <p:sld xmlns:a="http://schemas.openxmlformats.org/drawingml/2006/main" xmlns:r="http://schemas.openxmlformats.org/officeDocument/2006/relationships" xmlns:p="http://schemas.openxmlformats.org/presentationml/2006/main">
   <p:cSld>
     <p:spTree>
@@ -10677,7 +14083,7 @@
           <a:lstStyle/>
           <a:p>
             <a:r>
-              <a:rPr lang="en-US" smtClean="0"/>
+              <a:rPr lang="en-US"/>
               <a:t>R. Todd Lines</a:t>
             </a:r>
           </a:p>
@@ -10700,7 +14106,7 @@
           <a:p>
             <a:pPr eaLnBrk="1" hangingPunct="1"/>
             <a:r>
-              <a:rPr lang="en-US" dirty="0" smtClean="0"/>
+              <a:rPr lang="en-US" dirty="0"/>
               <a:t>Intensity</a:t>
             </a:r>
           </a:p>
@@ -10723,26 +14129,26 @@
           <a:p>
             <a:pPr eaLnBrk="1" hangingPunct="1"/>
             <a:r>
-              <a:rPr lang="en-US" smtClean="0"/>
+              <a:rPr lang="en-US"/>
               <a:t>The intensity can also be expressed as</a:t>
             </a:r>
           </a:p>
           <a:p>
             <a:pPr eaLnBrk="1" hangingPunct="1"/>
-            <a:endParaRPr lang="en-US" smtClean="0"/>
+            <a:endParaRPr lang="en-US"/>
           </a:p>
           <a:p>
             <a:pPr eaLnBrk="1" hangingPunct="1"/>
-            <a:endParaRPr lang="en-US" smtClean="0"/>
+            <a:endParaRPr lang="en-US"/>
           </a:p>
           <a:p>
             <a:pPr eaLnBrk="1" hangingPunct="1"/>
-            <a:endParaRPr lang="en-US" smtClean="0"/>
+            <a:endParaRPr lang="en-US"/>
           </a:p>
           <a:p>
             <a:pPr eaLnBrk="1" hangingPunct="1"/>
             <a:r>
-              <a:rPr lang="en-US" smtClean="0"/>
+              <a:rPr lang="en-US"/>
               <a:t>Minima occur at</a:t>
             </a:r>
           </a:p>
@@ -10764,23 +14170,23 @@
           <a:graphicData uri="http://schemas.openxmlformats.org/presentationml/2006/ole">
             <mc:AlternateContent xmlns:mc="http://schemas.openxmlformats.org/markup-compatibility/2006">
               <mc:Choice xmlns:v="urn:schemas-microsoft-com:vml" Requires="v">
-                <p:oleObj spid="_x0000_s11274" name="Equation" r:id="rId3" imgW="1777680" imgH="520560" progId="">
+                <p:oleObj name="Equation" r:id="rId2" imgW="1777680" imgH="520560" progId="">
                   <p:embed/>
                 </p:oleObj>
               </mc:Choice>
               <mc:Fallback>
-                <p:oleObj name="Equation" r:id="rId3" imgW="1777680" imgH="520560" progId="">
+                <p:oleObj name="Equation" r:id="rId2" imgW="1777680" imgH="520560" progId="">
                   <p:embed/>
                   <p:pic>
                     <p:nvPicPr>
-                      <p:cNvPr id="0" name="Object 4"/>
+                      <p:cNvPr id="6146" name="Object 4"/>
                       <p:cNvPicPr>
                         <a:picLocks noChangeAspect="1" noChangeArrowheads="1"/>
                       </p:cNvPicPr>
                       <p:nvPr/>
                     </p:nvPicPr>
                     <p:blipFill>
-                      <a:blip r:embed="rId4">
+                      <a:blip r:embed="rId3">
                         <a:extLst>
                           <a:ext uri="{28A0092B-C50C-407E-A947-70E740481C1C}">
                             <a14:useLocalDpi xmlns:a14="http://schemas.microsoft.com/office/drawing/2010/main" val="0"/>
@@ -10834,23 +14240,23 @@
           <a:graphicData uri="http://schemas.openxmlformats.org/presentationml/2006/ole">
             <mc:AlternateContent xmlns:mc="http://schemas.openxmlformats.org/markup-compatibility/2006">
               <mc:Choice xmlns:v="urn:schemas-microsoft-com:vml" Requires="v">
-                <p:oleObj spid="_x0000_s11275" name="Equation" r:id="rId5" imgW="2552400" imgH="393480" progId="">
+                <p:oleObj name="Equation" r:id="rId4" imgW="2552400" imgH="393480" progId="">
                   <p:embed/>
                 </p:oleObj>
               </mc:Choice>
               <mc:Fallback>
-                <p:oleObj name="Equation" r:id="rId5" imgW="2552400" imgH="393480" progId="">
+                <p:oleObj name="Equation" r:id="rId4" imgW="2552400" imgH="393480" progId="">
                   <p:embed/>
                   <p:pic>
                     <p:nvPicPr>
-                      <p:cNvPr id="0" name="Object 5"/>
+                      <p:cNvPr id="6147" name="Object 5"/>
                       <p:cNvPicPr>
                         <a:picLocks noChangeAspect="1" noChangeArrowheads="1"/>
                       </p:cNvPicPr>
                       <p:nvPr/>
                     </p:nvPicPr>
                     <p:blipFill>
-                      <a:blip r:embed="rId6">
+                      <a:blip r:embed="rId5">
                         <a:extLst>
                           <a:ext uri="{28A0092B-C50C-407E-A947-70E740481C1C}">
                             <a14:useLocalDpi xmlns:a14="http://schemas.microsoft.com/office/drawing/2010/main" val="0"/>
@@ -10893,17 +14299,10 @@
   <p:clrMapOvr>
     <a:masterClrMapping/>
   </p:clrMapOvr>
-  <p:timing>
-    <p:tnLst>
-      <p:par>
-        <p:cTn id="1" dur="indefinite" restart="never" nodeType="tmRoot"/>
-      </p:par>
-    </p:tnLst>
-  </p:timing>
 </p:sld>
 </file>
 
-<file path=ppt/slides/slide28.xml><?xml version="1.0" encoding="utf-8"?>
+<file path=ppt/slides/slide35.xml><?xml version="1.0" encoding="utf-8"?>
 <p:sld xmlns:a="http://schemas.openxmlformats.org/drawingml/2006/main" xmlns:r="http://schemas.openxmlformats.org/officeDocument/2006/relationships" xmlns:p="http://schemas.openxmlformats.org/presentationml/2006/main">
   <p:cSld>
     <p:spTree>
@@ -10936,14 +14335,13 @@
           <a:lstStyle/>
           <a:p>
             <a:r>
-              <a:rPr lang="en-US" dirty="0" err="1" smtClean="0"/>
+              <a:rPr lang="en-US" dirty="0" err="1"/>
               <a:t>sinc</a:t>
             </a:r>
             <a:r>
-              <a:rPr lang="en-US" dirty="0" smtClean="0"/>
+              <a:rPr lang="en-US" dirty="0"/>
               <a:t>(x)</a:t>
             </a:r>
-            <a:endParaRPr lang="en-US" dirty="0"/>
           </a:p>
         </p:txBody>
       </p:sp>
@@ -11007,7 +14405,7 @@
 </p:sld>
 </file>
 
-<file path=ppt/slides/slide29.xml><?xml version="1.0" encoding="utf-8"?>
+<file path=ppt/slides/slide36.xml><?xml version="1.0" encoding="utf-8"?>
 <p:sld xmlns:a="http://schemas.openxmlformats.org/drawingml/2006/main" xmlns:r="http://schemas.openxmlformats.org/officeDocument/2006/relationships" xmlns:p="http://schemas.openxmlformats.org/presentationml/2006/main">
   <p:cSld>
     <p:spTree>
@@ -11040,22 +14438,21 @@
           <a:lstStyle/>
           <a:p>
             <a:r>
-              <a:rPr lang="en-US" dirty="0" smtClean="0"/>
+              <a:rPr lang="en-US" dirty="0"/>
               <a:t>(</a:t>
             </a:r>
             <a:r>
-              <a:rPr lang="en-US" dirty="0" err="1" smtClean="0"/>
+              <a:rPr lang="en-US" dirty="0" err="1"/>
               <a:t>sinc</a:t>
             </a:r>
             <a:r>
-              <a:rPr lang="en-US" dirty="0" smtClean="0"/>
+              <a:rPr lang="en-US" dirty="0"/>
               <a:t>(x))</a:t>
             </a:r>
             <a:r>
-              <a:rPr lang="en-US" baseline="30000" dirty="0" smtClean="0"/>
+              <a:rPr lang="en-US" baseline="30000" dirty="0"/>
               <a:t>2</a:t>
             </a:r>
-            <a:endParaRPr lang="en-US" baseline="30000" dirty="0"/>
           </a:p>
         </p:txBody>
       </p:sp>
@@ -11119,103 +14516,7 @@
 </p:sld>
 </file>
 
-<file path=ppt/slides/slide3.xml><?xml version="1.0" encoding="utf-8"?>
-<p:sld xmlns:a="http://schemas.openxmlformats.org/drawingml/2006/main" xmlns:r="http://schemas.openxmlformats.org/officeDocument/2006/relationships" xmlns:p="http://schemas.openxmlformats.org/presentationml/2006/main">
-  <p:cSld>
-    <p:spTree>
-      <p:nvGrpSpPr>
-        <p:cNvPr id="1" name=""/>
-        <p:cNvGrpSpPr/>
-        <p:nvPr/>
-      </p:nvGrpSpPr>
-      <p:grpSpPr>
-        <a:xfrm>
-          <a:off x="0" y="0"/>
-          <a:ext cx="0" cy="0"/>
-          <a:chOff x="0" y="0"/>
-          <a:chExt cx="0" cy="0"/>
-        </a:xfrm>
-      </p:grpSpPr>
-      <p:sp>
-        <p:nvSpPr>
-          <p:cNvPr id="2" name="Title 1"/>
-          <p:cNvSpPr>
-            <a:spLocks noGrp="1"/>
-          </p:cNvSpPr>
-          <p:nvPr>
-            <p:ph type="title"/>
-          </p:nvPr>
-        </p:nvSpPr>
-        <p:spPr/>
-        <p:txBody>
-          <a:bodyPr/>
-          <a:lstStyle/>
-          <a:p>
-            <a:endParaRPr lang="en-US"/>
-          </a:p>
-        </p:txBody>
-      </p:sp>
-      <p:sp>
-        <p:nvSpPr>
-          <p:cNvPr id="3" name="Content Placeholder 2"/>
-          <p:cNvSpPr>
-            <a:spLocks noGrp="1"/>
-          </p:cNvSpPr>
-          <p:nvPr>
-            <p:ph idx="1"/>
-          </p:nvPr>
-        </p:nvSpPr>
-        <p:spPr/>
-        <p:txBody>
-          <a:bodyPr/>
-          <a:lstStyle/>
-          <a:p>
-            <a:endParaRPr lang="en-US"/>
-          </a:p>
-        </p:txBody>
-      </p:sp>
-      <p:pic>
-        <p:nvPicPr>
-          <p:cNvPr id="2050" name="Picture 2"/>
-          <p:cNvPicPr>
-            <a:picLocks noChangeAspect="1" noChangeArrowheads="1"/>
-          </p:cNvPicPr>
-          <p:nvPr/>
-        </p:nvPicPr>
-        <p:blipFill>
-          <a:blip r:embed="rId2" cstate="print"/>
-          <a:srcRect/>
-          <a:stretch>
-            <a:fillRect/>
-          </a:stretch>
-        </p:blipFill>
-        <p:spPr bwMode="auto">
-          <a:xfrm>
-            <a:off x="2438400" y="0"/>
-            <a:ext cx="3819263" cy="6527800"/>
-          </a:xfrm>
-          <a:prstGeom prst="rect">
-            <a:avLst/>
-          </a:prstGeom>
-          <a:noFill/>
-          <a:ln w="9525">
-            <a:noFill/>
-            <a:miter lim="800000"/>
-            <a:headEnd/>
-            <a:tailEnd/>
-          </a:ln>
-          <a:effectLst/>
-        </p:spPr>
-      </p:pic>
-    </p:spTree>
-  </p:cSld>
-  <p:clrMapOvr>
-    <a:masterClrMapping/>
-  </p:clrMapOvr>
-</p:sld>
-</file>
-
-<file path=ppt/slides/slide30.xml><?xml version="1.0" encoding="utf-8"?>
+<file path=ppt/slides/slide37.xml><?xml version="1.0" encoding="utf-8"?>
 <p:sld xmlns:a="http://schemas.openxmlformats.org/drawingml/2006/main" xmlns:r="http://schemas.openxmlformats.org/officeDocument/2006/relationships" xmlns:p="http://schemas.openxmlformats.org/presentationml/2006/main">
   <p:cSld>
     <p:spTree>
@@ -11320,7 +14621,7 @@
           <a:lstStyle/>
           <a:p>
             <a:r>
-              <a:rPr lang="en-US" sz="1600" dirty="0" smtClean="0">
+              <a:rPr lang="en-US" sz="1600" dirty="0">
                 <a:latin typeface="Times New Roman" pitchFamily="18" charset="0"/>
                 <a:cs typeface="Times New Roman" pitchFamily="18" charset="0"/>
                 <a:sym typeface="Symbol"/>
@@ -11362,10 +14663,46 @@
                 <a:cs typeface="Times New Roman" pitchFamily="18" charset="0"/>
                 <a:sym typeface="Symbol"/>
               </a:rPr>
-              <a:t>2</a:t>
-            </a:r>
-            <a:r>
-              <a:rPr lang="en-US" sz="1600" dirty="0" smtClean="0">
+              <a:t>2</a:t>
+            </a:r>
+            <a:endParaRPr lang="en-US" sz="1600" dirty="0">
+              <a:latin typeface="Times New Roman" pitchFamily="18" charset="0"/>
+              <a:cs typeface="Times New Roman" pitchFamily="18" charset="0"/>
+            </a:endParaRPr>
+          </a:p>
+        </p:txBody>
+      </p:sp>
+      <p:sp>
+        <p:nvSpPr>
+          <p:cNvPr id="13" name="TextBox 12"/>
+          <p:cNvSpPr txBox="1"/>
+          <p:nvPr/>
+        </p:nvSpPr>
+        <p:spPr>
+          <a:xfrm>
+            <a:off x="2301240" y="3931920"/>
+            <a:ext cx="468398" cy="338554"/>
+          </a:xfrm>
+          <a:prstGeom prst="rect">
+            <a:avLst/>
+          </a:prstGeom>
+          <a:noFill/>
+        </p:spPr>
+        <p:txBody>
+          <a:bodyPr wrap="none" rtlCol="0">
+            <a:spAutoFit/>
+          </a:bodyPr>
+          <a:lstStyle/>
+          <a:p>
+            <a:r>
+              <a:rPr lang="en-US" sz="1600" dirty="0">
+                <a:latin typeface="Times New Roman" pitchFamily="18" charset="0"/>
+                <a:cs typeface="Times New Roman" pitchFamily="18" charset="0"/>
+              </a:rPr>
+              <a:t>-2</a:t>
+            </a:r>
+            <a:r>
+              <a:rPr lang="en-US" sz="1600" dirty="0">
                 <a:latin typeface="Times New Roman" pitchFamily="18" charset="0"/>
                 <a:cs typeface="Times New Roman" pitchFamily="18" charset="0"/>
                 <a:sym typeface="Symbol"/>
@@ -11381,14 +14718,14 @@
       </p:sp>
       <p:sp>
         <p:nvSpPr>
-          <p:cNvPr id="13" name="TextBox 12"/>
+          <p:cNvPr id="14" name="TextBox 13"/>
           <p:cNvSpPr txBox="1"/>
           <p:nvPr/>
         </p:nvSpPr>
         <p:spPr>
           <a:xfrm>
-            <a:off x="2301240" y="3931920"/>
-            <a:ext cx="468398" cy="338554"/>
+            <a:off x="3444240" y="3931920"/>
+            <a:ext cx="365806" cy="338554"/>
           </a:xfrm>
           <a:prstGeom prst="rect">
             <a:avLst/>
@@ -11402,51 +14739,7 @@
           <a:lstStyle/>
           <a:p>
             <a:r>
-              <a:rPr lang="en-US" sz="1600" dirty="0" smtClean="0">
-                <a:latin typeface="Times New Roman" pitchFamily="18" charset="0"/>
-                <a:cs typeface="Times New Roman" pitchFamily="18" charset="0"/>
-              </a:rPr>
-              <a:t>-2</a:t>
-            </a:r>
-            <a:r>
-              <a:rPr lang="en-US" sz="1600" dirty="0" smtClean="0">
-                <a:latin typeface="Times New Roman" pitchFamily="18" charset="0"/>
-                <a:cs typeface="Times New Roman" pitchFamily="18" charset="0"/>
-                <a:sym typeface="Symbol"/>
-              </a:rPr>
-              <a:t></a:t>
-            </a:r>
-            <a:endParaRPr lang="en-US" sz="1600" dirty="0">
-              <a:latin typeface="Times New Roman" pitchFamily="18" charset="0"/>
-              <a:cs typeface="Times New Roman" pitchFamily="18" charset="0"/>
-            </a:endParaRPr>
-          </a:p>
-        </p:txBody>
-      </p:sp>
-      <p:sp>
-        <p:nvSpPr>
-          <p:cNvPr id="14" name="TextBox 13"/>
-          <p:cNvSpPr txBox="1"/>
-          <p:nvPr/>
-        </p:nvSpPr>
-        <p:spPr>
-          <a:xfrm>
-            <a:off x="3444240" y="3931920"/>
-            <a:ext cx="365806" cy="338554"/>
-          </a:xfrm>
-          <a:prstGeom prst="rect">
-            <a:avLst/>
-          </a:prstGeom>
-          <a:noFill/>
-        </p:spPr>
-        <p:txBody>
-          <a:bodyPr wrap="none" rtlCol="0">
-            <a:spAutoFit/>
-          </a:bodyPr>
-          <a:lstStyle/>
-          <a:p>
-            <a:r>
-              <a:rPr lang="en-US" sz="1600" dirty="0" smtClean="0">
+              <a:rPr lang="en-US" sz="1600" dirty="0">
                 <a:latin typeface="Times New Roman" pitchFamily="18" charset="0"/>
                 <a:cs typeface="Times New Roman" pitchFamily="18" charset="0"/>
                 <a:sym typeface="Symbol"/>
@@ -11483,7 +14776,7 @@
           <a:lstStyle/>
           <a:p>
             <a:r>
-              <a:rPr lang="en-US" dirty="0" smtClean="0">
+              <a:rPr lang="en-US" dirty="0">
                 <a:sym typeface="Symbol"/>
               </a:rPr>
               <a:t>/2</a:t>
@@ -11551,16 +14844,12 @@
           <a:lstStyle/>
           <a:p>
             <a:r>
-              <a:rPr lang="en-US" i="1" dirty="0" smtClean="0">
+              <a:rPr lang="en-US" i="1" dirty="0">
                 <a:latin typeface="Times New Roman" pitchFamily="18" charset="0"/>
                 <a:cs typeface="Times New Roman" pitchFamily="18" charset="0"/>
               </a:rPr>
               <a:t>I</a:t>
             </a:r>
-            <a:endParaRPr lang="en-US" i="1" dirty="0">
-              <a:latin typeface="Times New Roman" pitchFamily="18" charset="0"/>
-              <a:cs typeface="Times New Roman" pitchFamily="18" charset="0"/>
-            </a:endParaRPr>
           </a:p>
         </p:txBody>
       </p:sp>
@@ -11586,16 +14875,15 @@
           <a:lstStyle/>
           <a:p>
             <a:r>
-              <a:rPr lang="en-US" b="1" dirty="0" smtClean="0"/>
+              <a:rPr lang="en-US" b="1" dirty="0"/>
               <a:t>Interference fringes:</a:t>
             </a:r>
           </a:p>
           <a:p>
             <a:r>
-              <a:rPr lang="en-US" dirty="0" smtClean="0"/>
+              <a:rPr lang="en-US" dirty="0"/>
               <a:t> due to having a single slit</a:t>
             </a:r>
-            <a:endParaRPr lang="en-US" dirty="0"/>
           </a:p>
         </p:txBody>
       </p:sp>
@@ -11607,7 +14895,7 @@
 </p:sld>
 </file>
 
-<file path=ppt/slides/slide31.xml><?xml version="1.0" encoding="utf-8"?>
+<file path=ppt/slides/slide38.xml><?xml version="1.0" encoding="utf-8"?>
 <p:sld xmlns:a="http://schemas.openxmlformats.org/drawingml/2006/main" xmlns:r="http://schemas.openxmlformats.org/officeDocument/2006/relationships" xmlns:p="http://schemas.openxmlformats.org/presentationml/2006/main">
   <p:cSld>
     <p:spTree>
@@ -11642,7 +14930,7 @@
           <a:lstStyle/>
           <a:p>
             <a:r>
-              <a:rPr lang="en-US" smtClean="0"/>
+              <a:rPr lang="en-US"/>
               <a:t>R. Todd Lines</a:t>
             </a:r>
           </a:p>
@@ -11665,7 +14953,7 @@
           <a:p>
             <a:pPr eaLnBrk="1" hangingPunct="1"/>
             <a:r>
-              <a:rPr lang="en-US" smtClean="0"/>
+              <a:rPr lang="en-US"/>
               <a:t>Intensity, final</a:t>
             </a:r>
           </a:p>
@@ -11693,31 +14981,31 @@
           <a:p>
             <a:pPr eaLnBrk="1" hangingPunct="1"/>
             <a:r>
-              <a:rPr lang="en-US" sz="2800" smtClean="0"/>
+              <a:rPr lang="en-US" sz="2800"/>
               <a:t>Most of the light intensity is concentrated in the central maximum</a:t>
             </a:r>
           </a:p>
           <a:p>
             <a:pPr eaLnBrk="1" hangingPunct="1"/>
             <a:r>
-              <a:rPr lang="en-US" sz="2800" smtClean="0"/>
+              <a:rPr lang="en-US" sz="2800"/>
               <a:t>The graph shows a plot of light intensity vs. </a:t>
             </a:r>
             <a:r>
-              <a:rPr lang="en-US" sz="2800" i="1" smtClean="0">
+              <a:rPr lang="en-US" sz="2800" i="1">
                 <a:latin typeface="Symbol" pitchFamily="18" charset="2"/>
                 <a:cs typeface="Arial" charset="0"/>
               </a:rPr>
               <a:t>β</a:t>
             </a:r>
             <a:r>
-              <a:rPr lang="en-US" sz="2800" smtClean="0"/>
+              <a:rPr lang="en-US" sz="2800"/>
               <a:t>/2</a:t>
             </a:r>
           </a:p>
           <a:p>
             <a:pPr eaLnBrk="1" hangingPunct="1"/>
-            <a:endParaRPr lang="en-US" sz="2800" smtClean="0"/>
+            <a:endParaRPr lang="en-US" sz="2800"/>
           </a:p>
         </p:txBody>
       </p:sp>
@@ -11751,17 +15039,10 @@
   <p:clrMapOvr>
     <a:masterClrMapping/>
   </p:clrMapOvr>
-  <p:timing>
-    <p:tnLst>
-      <p:par>
-        <p:cTn id="1" dur="indefinite" restart="never" nodeType="tmRoot"/>
-      </p:par>
-    </p:tnLst>
-  </p:timing>
 </p:sld>
 </file>
 
-<file path=ppt/slides/slide32.xml><?xml version="1.0" encoding="utf-8"?>
+<file path=ppt/slides/slide39.xml><?xml version="1.0" encoding="utf-8"?>
 <p:sld xmlns:a="http://schemas.openxmlformats.org/drawingml/2006/main" xmlns:r="http://schemas.openxmlformats.org/officeDocument/2006/relationships" xmlns:p="http://schemas.openxmlformats.org/presentationml/2006/main">
   <p:cSld>
     <p:spTree>
@@ -11796,7 +15077,7 @@
           <a:lstStyle/>
           <a:p>
             <a:r>
-              <a:rPr lang="en-US" smtClean="0"/>
+              <a:rPr lang="en-US"/>
               <a:t>R. Todd Lines</a:t>
             </a:r>
           </a:p>
@@ -11824,7 +15105,7 @@
           <a:p>
             <a:pPr eaLnBrk="1" hangingPunct="1"/>
             <a:r>
-              <a:rPr lang="en-US" sz="2800" smtClean="0"/>
+              <a:rPr lang="en-US" sz="2800"/>
               <a:t>Intensity of Two-Slit Diffraction Patterns</a:t>
             </a:r>
           </a:p>
@@ -11851,7 +15132,7 @@
               </a:lnSpc>
             </a:pPr>
             <a:r>
-              <a:rPr lang="en-US" smtClean="0"/>
+              <a:rPr lang="en-US"/>
               <a:t>When more than one slit is present, consideration must be made of </a:t>
             </a:r>
           </a:p>
@@ -11862,7 +15143,7 @@
               </a:lnSpc>
             </a:pPr>
             <a:r>
-              <a:rPr lang="en-US" smtClean="0"/>
+              <a:rPr lang="en-US"/>
               <a:t>The diffraction patterns due to individual slits</a:t>
             </a:r>
           </a:p>
@@ -11873,7 +15154,7 @@
               </a:lnSpc>
             </a:pPr>
             <a:r>
-              <a:rPr lang="en-US" smtClean="0"/>
+              <a:rPr lang="en-US"/>
               <a:t>The interference due to the wave coming from different slits</a:t>
             </a:r>
           </a:p>
@@ -11884,7 +15165,7 @@
               </a:lnSpc>
             </a:pPr>
             <a:r>
-              <a:rPr lang="en-US" smtClean="0"/>
+              <a:rPr lang="en-US"/>
               <a:t>The single-slit diffraction pattern will act as an “envelope” for a two-slit interference pattern</a:t>
             </a:r>
           </a:p>
@@ -11895,17 +15176,10 @@
   <p:clrMapOvr>
     <a:masterClrMapping/>
   </p:clrMapOvr>
-  <p:timing>
-    <p:tnLst>
-      <p:par>
-        <p:cTn id="1" dur="indefinite" restart="never" nodeType="tmRoot"/>
-      </p:par>
-    </p:tnLst>
-  </p:timing>
 </p:sld>
 </file>
 
-<file path=ppt/slides/slide33.xml><?xml version="1.0" encoding="utf-8"?>
+<file path=ppt/slides/slide4.xml><?xml version="1.0" encoding="utf-8"?>
 <p:sld xmlns:a="http://schemas.openxmlformats.org/drawingml/2006/main" xmlns:r="http://schemas.openxmlformats.org/officeDocument/2006/relationships" xmlns:p="http://schemas.openxmlformats.org/presentationml/2006/main">
   <p:cSld>
     <p:spTree>
@@ -11922,6 +15196,63 @@
           <a:chExt cx="0" cy="0"/>
         </a:xfrm>
       </p:grpSpPr>
+      <p:pic>
+        <p:nvPicPr>
+          <p:cNvPr id="45057" name="Picture 1"/>
+          <p:cNvPicPr>
+            <a:picLocks noChangeAspect="1" noChangeArrowheads="1"/>
+          </p:cNvPicPr>
+          <p:nvPr/>
+        </p:nvPicPr>
+        <p:blipFill>
+          <a:blip r:embed="rId2" cstate="print"/>
+          <a:srcRect/>
+          <a:stretch>
+            <a:fillRect/>
+          </a:stretch>
+        </p:blipFill>
+        <p:spPr bwMode="auto">
+          <a:xfrm>
+            <a:off x="1309688" y="785813"/>
+            <a:ext cx="6524625" cy="5286375"/>
+          </a:xfrm>
+          <a:prstGeom prst="rect">
+            <a:avLst/>
+          </a:prstGeom>
+          <a:noFill/>
+          <a:ln w="9525">
+            <a:noFill/>
+            <a:miter lim="800000"/>
+            <a:headEnd/>
+            <a:tailEnd/>
+          </a:ln>
+        </p:spPr>
+      </p:pic>
+    </p:spTree>
+  </p:cSld>
+  <p:clrMapOvr>
+    <a:masterClrMapping/>
+  </p:clrMapOvr>
+</p:sld>
+</file>
+
+<file path=ppt/slides/slide40.xml><?xml version="1.0" encoding="utf-8"?>
+<p:sld xmlns:a="http://schemas.openxmlformats.org/drawingml/2006/main" xmlns:r="http://schemas.openxmlformats.org/officeDocument/2006/relationships" xmlns:p="http://schemas.openxmlformats.org/presentationml/2006/main">
+  <p:cSld>
+    <p:spTree>
+      <p:nvGrpSpPr>
+        <p:cNvPr id="1" name=""/>
+        <p:cNvGrpSpPr/>
+        <p:nvPr/>
+      </p:nvGrpSpPr>
+      <p:grpSpPr>
+        <a:xfrm>
+          <a:off x="0" y="0"/>
+          <a:ext cx="0" cy="0"/>
+          <a:chOff x="0" y="0"/>
+          <a:chExt cx="0" cy="0"/>
+        </a:xfrm>
+      </p:grpSpPr>
       <p:sp>
         <p:nvSpPr>
           <p:cNvPr id="7171" name="Footer Placeholder 4"/>
@@ -11940,7 +15271,7 @@
           <a:lstStyle/>
           <a:p>
             <a:r>
-              <a:rPr lang="en-US" smtClean="0"/>
+              <a:rPr lang="en-US"/>
               <a:t>R. Todd Lines</a:t>
             </a:r>
           </a:p>
@@ -11963,7 +15294,7 @@
           <a:p>
             <a:pPr eaLnBrk="1" hangingPunct="1"/>
             <a:r>
-              <a:rPr lang="en-US" smtClean="0"/>
+              <a:rPr lang="en-US"/>
               <a:t>Intensity Equation</a:t>
             </a:r>
           </a:p>
@@ -11986,44 +15317,44 @@
           <a:p>
             <a:pPr eaLnBrk="1" hangingPunct="1"/>
             <a:r>
-              <a:rPr lang="en-US" smtClean="0"/>
+              <a:rPr lang="en-US"/>
               <a:t>To determine the maximum intensity:</a:t>
             </a:r>
           </a:p>
           <a:p>
             <a:pPr eaLnBrk="1" hangingPunct="1"/>
-            <a:endParaRPr lang="en-US" smtClean="0"/>
+            <a:endParaRPr lang="en-US"/>
           </a:p>
           <a:p>
             <a:pPr eaLnBrk="1" hangingPunct="1"/>
-            <a:endParaRPr lang="en-US" smtClean="0"/>
+            <a:endParaRPr lang="en-US"/>
           </a:p>
           <a:p>
             <a:pPr lvl="1" eaLnBrk="1" hangingPunct="1"/>
             <a:r>
-              <a:rPr lang="en-US" smtClean="0"/>
+              <a:rPr lang="en-US"/>
               <a:t>The factor in the square brackets represents the single-slit diffraction pattern</a:t>
             </a:r>
           </a:p>
           <a:p>
             <a:pPr lvl="2" eaLnBrk="1" hangingPunct="1"/>
             <a:r>
-              <a:rPr lang="en-US" smtClean="0"/>
+              <a:rPr lang="en-US"/>
               <a:t>This acts as the envelope</a:t>
             </a:r>
           </a:p>
           <a:p>
             <a:pPr lvl="1" eaLnBrk="1" hangingPunct="1"/>
             <a:r>
-              <a:rPr lang="en-US" smtClean="0"/>
+              <a:rPr lang="en-US"/>
               <a:t>The two-slit interference term is the cos</a:t>
             </a:r>
             <a:r>
-              <a:rPr lang="en-US" baseline="30000" smtClean="0"/>
+              <a:rPr lang="en-US" baseline="30000"/>
               <a:t>2</a:t>
             </a:r>
             <a:r>
-              <a:rPr lang="en-US" smtClean="0"/>
+              <a:rPr lang="en-US"/>
               <a:t> term</a:t>
             </a:r>
           </a:p>
@@ -12045,23 +15376,23 @@
           <a:graphicData uri="http://schemas.openxmlformats.org/presentationml/2006/ole">
             <mc:AlternateContent xmlns:mc="http://schemas.openxmlformats.org/markup-compatibility/2006">
               <mc:Choice xmlns:v="urn:schemas-microsoft-com:vml" Requires="v">
-                <p:oleObj spid="_x0000_s12294" name="Equation" r:id="rId3" imgW="2908080" imgH="520560" progId="">
+                <p:oleObj name="Equation" r:id="rId2" imgW="2908080" imgH="520560" progId="">
                   <p:embed/>
                 </p:oleObj>
               </mc:Choice>
               <mc:Fallback>
-                <p:oleObj name="Equation" r:id="rId3" imgW="2908080" imgH="520560" progId="">
+                <p:oleObj name="Equation" r:id="rId2" imgW="2908080" imgH="520560" progId="">
                   <p:embed/>
                   <p:pic>
                     <p:nvPicPr>
-                      <p:cNvPr id="0" name="Object 4"/>
+                      <p:cNvPr id="7170" name="Object 4"/>
                       <p:cNvPicPr>
                         <a:picLocks noChangeAspect="1" noChangeArrowheads="1"/>
                       </p:cNvPicPr>
                       <p:nvPr/>
                     </p:nvPicPr>
                     <p:blipFill>
-                      <a:blip r:embed="rId4">
+                      <a:blip r:embed="rId3">
                         <a:extLst>
                           <a:ext uri="{28A0092B-C50C-407E-A947-70E740481C1C}">
                             <a14:useLocalDpi xmlns:a14="http://schemas.microsoft.com/office/drawing/2010/main" val="0"/>
@@ -12104,17 +15435,10 @@
   <p:clrMapOvr>
     <a:masterClrMapping/>
   </p:clrMapOvr>
-  <p:timing>
-    <p:tnLst>
-      <p:par>
-        <p:cTn id="1" dur="indefinite" restart="never" nodeType="tmRoot"/>
-      </p:par>
-    </p:tnLst>
-  </p:timing>
 </p:sld>
 </file>
 
-<file path=ppt/slides/slide34.xml><?xml version="1.0" encoding="utf-8"?>
+<file path=ppt/slides/slide41.xml><?xml version="1.0" encoding="utf-8"?>
 <p:sld xmlns:a="http://schemas.openxmlformats.org/drawingml/2006/main" xmlns:r="http://schemas.openxmlformats.org/officeDocument/2006/relationships" xmlns:p="http://schemas.openxmlformats.org/presentationml/2006/main">
   <p:cSld>
     <p:spTree>
@@ -12149,7 +15473,7 @@
           <a:lstStyle/>
           <a:p>
             <a:r>
-              <a:rPr lang="en-US" smtClean="0"/>
+              <a:rPr lang="en-US"/>
               <a:t>R. Todd Lines</a:t>
             </a:r>
           </a:p>
@@ -12172,7 +15496,7 @@
           <a:p>
             <a:pPr eaLnBrk="1" hangingPunct="1"/>
             <a:r>
-              <a:rPr lang="en-US" smtClean="0"/>
+              <a:rPr lang="en-US"/>
               <a:t>Missing Maxima</a:t>
             </a:r>
           </a:p>
@@ -12200,92 +15524,92 @@
           <a:p>
             <a:pPr eaLnBrk="1" hangingPunct="1"/>
             <a:r>
-              <a:rPr lang="en-US" sz="2800" smtClean="0"/>
+              <a:rPr lang="en-US" sz="2800"/>
               <a:t>To find which interference maximum coincides with the first diffraction minimum</a:t>
             </a:r>
           </a:p>
           <a:p>
             <a:pPr eaLnBrk="1" hangingPunct="1"/>
-            <a:endParaRPr lang="en-US" sz="2800" smtClean="0"/>
+            <a:endParaRPr lang="en-US" sz="2800"/>
           </a:p>
           <a:p>
             <a:pPr eaLnBrk="1" hangingPunct="1"/>
-            <a:endParaRPr lang="en-US" sz="2800" smtClean="0"/>
+            <a:endParaRPr lang="en-US" sz="2800"/>
           </a:p>
           <a:p>
             <a:pPr lvl="1" eaLnBrk="1" hangingPunct="1"/>
-            <a:endParaRPr lang="en-US" sz="2400" smtClean="0"/>
+            <a:endParaRPr lang="en-US" sz="2400"/>
           </a:p>
           <a:p>
             <a:pPr lvl="1" eaLnBrk="1" hangingPunct="1"/>
             <a:r>
-              <a:rPr lang="en-US" sz="2400" smtClean="0"/>
+              <a:rPr lang="en-US" sz="2400"/>
               <a:t>The conditions for the first interference maximum</a:t>
             </a:r>
           </a:p>
           <a:p>
             <a:pPr lvl="2" eaLnBrk="1" hangingPunct="1"/>
             <a:r>
-              <a:rPr lang="en-US" i="1" smtClean="0"/>
+              <a:rPr lang="en-US" i="1"/>
               <a:t>d</a:t>
             </a:r>
             <a:r>
-              <a:rPr lang="en-US" smtClean="0"/>
+              <a:rPr lang="en-US"/>
               <a:t> sin </a:t>
             </a:r>
             <a:r>
-              <a:rPr lang="en-US" i="1" smtClean="0">
+              <a:rPr lang="en-US" i="1">
                 <a:cs typeface="Arial" charset="0"/>
               </a:rPr>
               <a:t>θ</a:t>
             </a:r>
             <a:r>
-              <a:rPr lang="en-US" smtClean="0"/>
+              <a:rPr lang="en-US"/>
               <a:t> = </a:t>
             </a:r>
             <a:r>
-              <a:rPr lang="en-US" i="1" smtClean="0"/>
+              <a:rPr lang="en-US" i="1"/>
               <a:t>m</a:t>
             </a:r>
             <a:r>
-              <a:rPr lang="en-US" i="1" smtClean="0">
+              <a:rPr lang="en-US" i="1">
                 <a:cs typeface="Arial" charset="0"/>
               </a:rPr>
               <a:t>λ</a:t>
             </a:r>
-            <a:endParaRPr lang="en-US" smtClean="0">
+            <a:endParaRPr lang="en-US">
               <a:latin typeface="Symbol" pitchFamily="18" charset="2"/>
             </a:endParaRPr>
           </a:p>
           <a:p>
             <a:pPr lvl="1" eaLnBrk="1" hangingPunct="1"/>
             <a:r>
-              <a:rPr lang="en-US" sz="2400" smtClean="0"/>
+              <a:rPr lang="en-US" sz="2400"/>
               <a:t>The conditions for the first diffraction minimum</a:t>
             </a:r>
           </a:p>
           <a:p>
             <a:pPr lvl="2" eaLnBrk="1" hangingPunct="1"/>
             <a:r>
-              <a:rPr lang="en-US" i="1" smtClean="0"/>
+              <a:rPr lang="en-US" i="1"/>
               <a:t>a</a:t>
             </a:r>
             <a:r>
-              <a:rPr lang="en-US" smtClean="0"/>
+              <a:rPr lang="en-US"/>
               <a:t> sin </a:t>
             </a:r>
             <a:r>
-              <a:rPr lang="en-US" i="1" smtClean="0">
+              <a:rPr lang="en-US" i="1">
                 <a:cs typeface="Arial" charset="0"/>
               </a:rPr>
               <a:t>θ</a:t>
             </a:r>
             <a:r>
-              <a:rPr lang="en-US" smtClean="0"/>
+              <a:rPr lang="en-US"/>
               <a:t> = </a:t>
             </a:r>
             <a:r>
-              <a:rPr lang="en-US" i="1" smtClean="0">
+              <a:rPr lang="en-US" i="1">
                 <a:cs typeface="Arial" charset="0"/>
               </a:rPr>
               <a:t>λ</a:t>
@@ -12309,23 +15633,23 @@
           <a:graphicData uri="http://schemas.openxmlformats.org/presentationml/2006/ole">
             <mc:AlternateContent xmlns:mc="http://schemas.openxmlformats.org/markup-compatibility/2006">
               <mc:Choice xmlns:v="urn:schemas-microsoft-com:vml" Requires="v">
-                <p:oleObj spid="_x0000_s13318" name="Equation" r:id="rId3" imgW="1536480" imgH="393480" progId="">
+                <p:oleObj name="Equation" r:id="rId2" imgW="1536480" imgH="393480" progId="">
                   <p:embed/>
                 </p:oleObj>
               </mc:Choice>
               <mc:Fallback>
-                <p:oleObj name="Equation" r:id="rId3" imgW="1536480" imgH="393480" progId="">
+                <p:oleObj name="Equation" r:id="rId2" imgW="1536480" imgH="393480" progId="">
                   <p:embed/>
                   <p:pic>
                     <p:nvPicPr>
-                      <p:cNvPr id="0" name="Object 4"/>
+                      <p:cNvPr id="8194" name="Object 4"/>
                       <p:cNvPicPr>
                         <a:picLocks noChangeAspect="1" noChangeArrowheads="1"/>
                       </p:cNvPicPr>
                       <p:nvPr/>
                     </p:nvPicPr>
                     <p:blipFill>
-                      <a:blip r:embed="rId4">
+                      <a:blip r:embed="rId3">
                         <a:extLst>
                           <a:ext uri="{28A0092B-C50C-407E-A947-70E740481C1C}">
                             <a14:useLocalDpi xmlns:a14="http://schemas.microsoft.com/office/drawing/2010/main" val="0"/>
@@ -12368,17 +15692,10 @@
   <p:clrMapOvr>
     <a:masterClrMapping/>
   </p:clrMapOvr>
-  <p:timing>
-    <p:tnLst>
-      <p:par>
-        <p:cTn id="1" dur="indefinite" restart="never" nodeType="tmRoot"/>
-      </p:par>
-    </p:tnLst>
-  </p:timing>
 </p:sld>
 </file>
 
-<file path=ppt/slides/slide35.xml><?xml version="1.0" encoding="utf-8"?>
+<file path=ppt/slides/slide42.xml><?xml version="1.0" encoding="utf-8"?>
 <p:sld xmlns:a="http://schemas.openxmlformats.org/drawingml/2006/main" xmlns:r="http://schemas.openxmlformats.org/officeDocument/2006/relationships" xmlns:p="http://schemas.openxmlformats.org/presentationml/2006/main">
   <p:cSld>
     <p:spTree>
@@ -12484,14 +15801,14 @@
           <a:lstStyle/>
           <a:p>
             <a:r>
-              <a:rPr lang="en-US" sz="1600" dirty="0" smtClean="0">
+              <a:rPr lang="en-US" sz="1600" dirty="0">
                 <a:latin typeface="Times New Roman" pitchFamily="18" charset="0"/>
                 <a:cs typeface="Times New Roman" pitchFamily="18" charset="0"/>
               </a:rPr>
               <a:t>5</a:t>
             </a:r>
             <a:r>
-              <a:rPr lang="en-US" sz="1600" dirty="0" smtClean="0">
+              <a:rPr lang="en-US" sz="1600" dirty="0">
                 <a:latin typeface="Times New Roman" pitchFamily="18" charset="0"/>
                 <a:cs typeface="Times New Roman" pitchFamily="18" charset="0"/>
                 <a:sym typeface="Symbol"/>
@@ -12528,7 +15845,7 @@
           <a:lstStyle/>
           <a:p>
             <a:r>
-              <a:rPr lang="en-US" sz="1600" dirty="0" smtClean="0">
+              <a:rPr lang="en-US" sz="1600" dirty="0">
                 <a:latin typeface="Times New Roman" pitchFamily="18" charset="0"/>
                 <a:cs typeface="Times New Roman" pitchFamily="18" charset="0"/>
                 <a:sym typeface="Symbol"/>
@@ -12570,10 +15887,46 @@
                 <a:cs typeface="Times New Roman" pitchFamily="18" charset="0"/>
                 <a:sym typeface="Symbol"/>
               </a:rPr>
-              <a:t>3</a:t>
-            </a:r>
-            <a:r>
-              <a:rPr lang="en-US" sz="1600" dirty="0" smtClean="0">
+              <a:t>3</a:t>
+            </a:r>
+            <a:endParaRPr lang="en-US" sz="1600" dirty="0">
+              <a:latin typeface="Times New Roman" pitchFamily="18" charset="0"/>
+              <a:cs typeface="Times New Roman" pitchFamily="18" charset="0"/>
+            </a:endParaRPr>
+          </a:p>
+        </p:txBody>
+      </p:sp>
+      <p:sp>
+        <p:nvSpPr>
+          <p:cNvPr id="9" name="TextBox 8"/>
+          <p:cNvSpPr txBox="1"/>
+          <p:nvPr/>
+        </p:nvSpPr>
+        <p:spPr>
+          <a:xfrm>
+            <a:off x="3017520" y="3101340"/>
+            <a:ext cx="468398" cy="338554"/>
+          </a:xfrm>
+          <a:prstGeom prst="rect">
+            <a:avLst/>
+          </a:prstGeom>
+          <a:noFill/>
+        </p:spPr>
+        <p:txBody>
+          <a:bodyPr wrap="none" rtlCol="0">
+            <a:spAutoFit/>
+          </a:bodyPr>
+          <a:lstStyle/>
+          <a:p>
+            <a:r>
+              <a:rPr lang="en-US" sz="1600" dirty="0">
+                <a:latin typeface="Times New Roman" pitchFamily="18" charset="0"/>
+                <a:cs typeface="Times New Roman" pitchFamily="18" charset="0"/>
+              </a:rPr>
+              <a:t>-3</a:t>
+            </a:r>
+            <a:r>
+              <a:rPr lang="en-US" sz="1600" dirty="0">
                 <a:latin typeface="Times New Roman" pitchFamily="18" charset="0"/>
                 <a:cs typeface="Times New Roman" pitchFamily="18" charset="0"/>
                 <a:sym typeface="Symbol"/>
@@ -12589,14 +15942,14 @@
       </p:sp>
       <p:sp>
         <p:nvSpPr>
-          <p:cNvPr id="9" name="TextBox 8"/>
+          <p:cNvPr id="10" name="TextBox 9"/>
           <p:cNvSpPr txBox="1"/>
           <p:nvPr/>
         </p:nvSpPr>
         <p:spPr>
           <a:xfrm>
-            <a:off x="3017520" y="3101340"/>
-            <a:ext cx="468398" cy="338554"/>
+            <a:off x="3810000" y="3101340"/>
+            <a:ext cx="365806" cy="338554"/>
           </a:xfrm>
           <a:prstGeom prst="rect">
             <a:avLst/>
@@ -12610,51 +15963,7 @@
           <a:lstStyle/>
           <a:p>
             <a:r>
-              <a:rPr lang="en-US" sz="1600" dirty="0" smtClean="0">
-                <a:latin typeface="Times New Roman" pitchFamily="18" charset="0"/>
-                <a:cs typeface="Times New Roman" pitchFamily="18" charset="0"/>
-              </a:rPr>
-              <a:t>-3</a:t>
-            </a:r>
-            <a:r>
-              <a:rPr lang="en-US" sz="1600" dirty="0" smtClean="0">
-                <a:latin typeface="Times New Roman" pitchFamily="18" charset="0"/>
-                <a:cs typeface="Times New Roman" pitchFamily="18" charset="0"/>
-                <a:sym typeface="Symbol"/>
-              </a:rPr>
-              <a:t></a:t>
-            </a:r>
-            <a:endParaRPr lang="en-US" sz="1600" dirty="0">
-              <a:latin typeface="Times New Roman" pitchFamily="18" charset="0"/>
-              <a:cs typeface="Times New Roman" pitchFamily="18" charset="0"/>
-            </a:endParaRPr>
-          </a:p>
-        </p:txBody>
-      </p:sp>
-      <p:sp>
-        <p:nvSpPr>
-          <p:cNvPr id="10" name="TextBox 9"/>
-          <p:cNvSpPr txBox="1"/>
-          <p:nvPr/>
-        </p:nvSpPr>
-        <p:spPr>
-          <a:xfrm>
-            <a:off x="3810000" y="3101340"/>
-            <a:ext cx="365806" cy="338554"/>
-          </a:xfrm>
-          <a:prstGeom prst="rect">
-            <a:avLst/>
-          </a:prstGeom>
-          <a:noFill/>
-        </p:spPr>
-        <p:txBody>
-          <a:bodyPr wrap="none" rtlCol="0">
-            <a:spAutoFit/>
-          </a:bodyPr>
-          <a:lstStyle/>
-          <a:p>
-            <a:r>
-              <a:rPr lang="en-US" sz="1600" dirty="0" smtClean="0">
+              <a:rPr lang="en-US" sz="1600" dirty="0">
                 <a:latin typeface="Times New Roman" pitchFamily="18" charset="0"/>
                 <a:cs typeface="Times New Roman" pitchFamily="18" charset="0"/>
                 <a:sym typeface="Symbol"/>
@@ -12691,7 +16000,7 @@
           <a:lstStyle/>
           <a:p>
             <a:r>
-              <a:rPr lang="en-US" sz="1600" dirty="0" smtClean="0">
+              <a:rPr lang="en-US" sz="1600" dirty="0">
                 <a:latin typeface="Times New Roman" pitchFamily="18" charset="0"/>
                 <a:cs typeface="Times New Roman" pitchFamily="18" charset="0"/>
                 <a:sym typeface="Symbol"/>
@@ -12728,7 +16037,7 @@
           <a:lstStyle/>
           <a:p>
             <a:r>
-              <a:rPr lang="en-US" dirty="0" smtClean="0">
+              <a:rPr lang="en-US" dirty="0">
                 <a:sym typeface="Symbol"/>
               </a:rPr>
               <a:t>/2</a:t>
@@ -12796,16 +16105,15 @@
           <a:lstStyle/>
           <a:p>
             <a:r>
-              <a:rPr lang="en-US" sz="1600" b="1" dirty="0" smtClean="0"/>
+              <a:rPr lang="en-US" sz="1600" b="1" dirty="0"/>
               <a:t>Interference fringes:</a:t>
             </a:r>
           </a:p>
           <a:p>
             <a:r>
-              <a:rPr lang="en-US" sz="1600" dirty="0" smtClean="0"/>
+              <a:rPr lang="en-US" sz="1600" dirty="0"/>
               <a:t> due to having two slits.</a:t>
             </a:r>
-            <a:endParaRPr lang="en-US" sz="1600" dirty="0"/>
           </a:p>
         </p:txBody>
       </p:sp>
@@ -12832,16 +16140,12 @@
           <a:lstStyle/>
           <a:p>
             <a:r>
-              <a:rPr lang="en-US" i="1" dirty="0" smtClean="0">
+              <a:rPr lang="en-US" i="1" dirty="0">
                 <a:latin typeface="Times New Roman" pitchFamily="18" charset="0"/>
                 <a:cs typeface="Times New Roman" pitchFamily="18" charset="0"/>
               </a:rPr>
               <a:t>I</a:t>
             </a:r>
-            <a:endParaRPr lang="en-US" i="1" dirty="0">
-              <a:latin typeface="Times New Roman" pitchFamily="18" charset="0"/>
-              <a:cs typeface="Times New Roman" pitchFamily="18" charset="0"/>
-            </a:endParaRPr>
           </a:p>
         </p:txBody>
       </p:sp>
@@ -12853,7 +16157,7 @@
 </p:sld>
 </file>
 
-<file path=ppt/slides/slide36.xml><?xml version="1.0" encoding="utf-8"?>
+<file path=ppt/slides/slide43.xml><?xml version="1.0" encoding="utf-8"?>
 <p:sld xmlns:a="http://schemas.openxmlformats.org/drawingml/2006/main" xmlns:r="http://schemas.openxmlformats.org/officeDocument/2006/relationships" xmlns:p="http://schemas.openxmlformats.org/presentationml/2006/main">
   <p:cSld>
     <p:spTree>
@@ -13029,17 +16333,16 @@
           <a:p>
             <a:pPr algn="r"/>
             <a:r>
-              <a:rPr lang="en-US" b="1" dirty="0" smtClean="0"/>
+              <a:rPr lang="en-US" b="1" dirty="0"/>
               <a:t>Diffraction envelope: </a:t>
             </a:r>
           </a:p>
           <a:p>
             <a:pPr algn="r"/>
             <a:r>
-              <a:rPr lang="en-US" dirty="0" smtClean="0"/>
+              <a:rPr lang="en-US" dirty="0"/>
               <a:t>The single slit pattern due to shape of the individual slits.</a:t>
             </a:r>
-            <a:endParaRPr lang="en-US" dirty="0"/>
           </a:p>
         </p:txBody>
       </p:sp>
@@ -13066,16 +16369,15 @@
           <a:lstStyle/>
           <a:p>
             <a:r>
-              <a:rPr lang="en-US" b="1" dirty="0" smtClean="0"/>
+              <a:rPr lang="en-US" b="1" dirty="0"/>
               <a:t>Interference fringes:</a:t>
             </a:r>
           </a:p>
           <a:p>
             <a:r>
-              <a:rPr lang="en-US" dirty="0" smtClean="0"/>
+              <a:rPr lang="en-US" dirty="0"/>
               <a:t> due to having two slits.</a:t>
             </a:r>
-            <a:endParaRPr lang="en-US" dirty="0"/>
           </a:p>
         </p:txBody>
       </p:sp>
@@ -13102,16 +16404,12 @@
           <a:lstStyle/>
           <a:p>
             <a:r>
-              <a:rPr lang="en-US" i="1" dirty="0" smtClean="0">
+              <a:rPr lang="en-US" i="1" dirty="0">
                 <a:latin typeface="Times New Roman" pitchFamily="18" charset="0"/>
                 <a:cs typeface="Times New Roman" pitchFamily="18" charset="0"/>
               </a:rPr>
               <a:t>I</a:t>
             </a:r>
-            <a:endParaRPr lang="en-US" i="1" dirty="0">
-              <a:latin typeface="Times New Roman" pitchFamily="18" charset="0"/>
-              <a:cs typeface="Times New Roman" pitchFamily="18" charset="0"/>
-            </a:endParaRPr>
           </a:p>
         </p:txBody>
       </p:sp>
@@ -13138,14 +16436,14 @@
           <a:lstStyle/>
           <a:p>
             <a:r>
-              <a:rPr lang="en-US" sz="1600" dirty="0" smtClean="0">
+              <a:rPr lang="en-US" sz="1600" dirty="0">
                 <a:latin typeface="Times New Roman" pitchFamily="18" charset="0"/>
                 <a:cs typeface="Times New Roman" pitchFamily="18" charset="0"/>
               </a:rPr>
               <a:t>2</a:t>
             </a:r>
             <a:r>
-              <a:rPr lang="en-US" sz="1600" dirty="0" smtClean="0">
+              <a:rPr lang="en-US" sz="1600" dirty="0">
                 <a:latin typeface="Times New Roman" pitchFamily="18" charset="0"/>
                 <a:cs typeface="Times New Roman" pitchFamily="18" charset="0"/>
                 <a:sym typeface="Symbol"/>
@@ -13182,7 +16480,7 @@
           <a:lstStyle/>
           <a:p>
             <a:r>
-              <a:rPr lang="en-US" sz="1600" dirty="0" smtClean="0">
+              <a:rPr lang="en-US" sz="1600" dirty="0">
                 <a:latin typeface="Times New Roman" pitchFamily="18" charset="0"/>
                 <a:cs typeface="Times New Roman" pitchFamily="18" charset="0"/>
                 <a:sym typeface="Symbol"/>
@@ -13224,10 +16522,46 @@
                 <a:cs typeface="Times New Roman" pitchFamily="18" charset="0"/>
                 <a:sym typeface="Symbol"/>
               </a:rPr>
-              <a:t>3</a:t>
-            </a:r>
-            <a:r>
-              <a:rPr lang="en-US" sz="1600" dirty="0" smtClean="0">
+              <a:t>3</a:t>
+            </a:r>
+            <a:endParaRPr lang="en-US" sz="1600" dirty="0">
+              <a:latin typeface="Times New Roman" pitchFamily="18" charset="0"/>
+              <a:cs typeface="Times New Roman" pitchFamily="18" charset="0"/>
+            </a:endParaRPr>
+          </a:p>
+        </p:txBody>
+      </p:sp>
+      <p:sp>
+        <p:nvSpPr>
+          <p:cNvPr id="25" name="TextBox 24"/>
+          <p:cNvSpPr txBox="1"/>
+          <p:nvPr/>
+        </p:nvSpPr>
+        <p:spPr>
+          <a:xfrm>
+            <a:off x="2545080" y="4754880"/>
+            <a:ext cx="468398" cy="338554"/>
+          </a:xfrm>
+          <a:prstGeom prst="rect">
+            <a:avLst/>
+          </a:prstGeom>
+          <a:noFill/>
+        </p:spPr>
+        <p:txBody>
+          <a:bodyPr wrap="none" rtlCol="0">
+            <a:spAutoFit/>
+          </a:bodyPr>
+          <a:lstStyle/>
+          <a:p>
+            <a:r>
+              <a:rPr lang="en-US" sz="1600" dirty="0">
+                <a:latin typeface="Times New Roman" pitchFamily="18" charset="0"/>
+                <a:cs typeface="Times New Roman" pitchFamily="18" charset="0"/>
+              </a:rPr>
+              <a:t>-2</a:t>
+            </a:r>
+            <a:r>
+              <a:rPr lang="en-US" sz="1600" dirty="0">
                 <a:latin typeface="Times New Roman" pitchFamily="18" charset="0"/>
                 <a:cs typeface="Times New Roman" pitchFamily="18" charset="0"/>
                 <a:sym typeface="Symbol"/>
@@ -13243,14 +16577,14 @@
       </p:sp>
       <p:sp>
         <p:nvSpPr>
-          <p:cNvPr id="25" name="TextBox 24"/>
+          <p:cNvPr id="26" name="TextBox 25"/>
           <p:cNvSpPr txBox="1"/>
           <p:nvPr/>
         </p:nvSpPr>
         <p:spPr>
           <a:xfrm>
-            <a:off x="2545080" y="4754880"/>
-            <a:ext cx="468398" cy="338554"/>
+            <a:off x="3459480" y="4754880"/>
+            <a:ext cx="365806" cy="338554"/>
           </a:xfrm>
           <a:prstGeom prst="rect">
             <a:avLst/>
@@ -13264,51 +16598,7 @@
           <a:lstStyle/>
           <a:p>
             <a:r>
-              <a:rPr lang="en-US" sz="1600" dirty="0" smtClean="0">
-                <a:latin typeface="Times New Roman" pitchFamily="18" charset="0"/>
-                <a:cs typeface="Times New Roman" pitchFamily="18" charset="0"/>
-              </a:rPr>
-              <a:t>-2</a:t>
-            </a:r>
-            <a:r>
-              <a:rPr lang="en-US" sz="1600" dirty="0" smtClean="0">
-                <a:latin typeface="Times New Roman" pitchFamily="18" charset="0"/>
-                <a:cs typeface="Times New Roman" pitchFamily="18" charset="0"/>
-                <a:sym typeface="Symbol"/>
-              </a:rPr>
-              <a:t></a:t>
-            </a:r>
-            <a:endParaRPr lang="en-US" sz="1600" dirty="0">
-              <a:latin typeface="Times New Roman" pitchFamily="18" charset="0"/>
-              <a:cs typeface="Times New Roman" pitchFamily="18" charset="0"/>
-            </a:endParaRPr>
-          </a:p>
-        </p:txBody>
-      </p:sp>
-      <p:sp>
-        <p:nvSpPr>
-          <p:cNvPr id="26" name="TextBox 25"/>
-          <p:cNvSpPr txBox="1"/>
-          <p:nvPr/>
-        </p:nvSpPr>
-        <p:spPr>
-          <a:xfrm>
-            <a:off x="3459480" y="4754880"/>
-            <a:ext cx="365806" cy="338554"/>
-          </a:xfrm>
-          <a:prstGeom prst="rect">
-            <a:avLst/>
-          </a:prstGeom>
-          <a:noFill/>
-        </p:spPr>
-        <p:txBody>
-          <a:bodyPr wrap="none" rtlCol="0">
-            <a:spAutoFit/>
-          </a:bodyPr>
-          <a:lstStyle/>
-          <a:p>
-            <a:r>
-              <a:rPr lang="en-US" sz="1600" dirty="0" smtClean="0">
+              <a:rPr lang="en-US" sz="1600" dirty="0">
                 <a:latin typeface="Times New Roman" pitchFamily="18" charset="0"/>
                 <a:cs typeface="Times New Roman" pitchFamily="18" charset="0"/>
                 <a:sym typeface="Symbol"/>
@@ -13345,7 +16635,7 @@
           <a:lstStyle/>
           <a:p>
             <a:r>
-              <a:rPr lang="en-US" sz="1600" dirty="0" smtClean="0">
+              <a:rPr lang="en-US" sz="1600" dirty="0">
                 <a:latin typeface="Times New Roman" pitchFamily="18" charset="0"/>
                 <a:cs typeface="Times New Roman" pitchFamily="18" charset="0"/>
                 <a:sym typeface="Symbol"/>
@@ -13382,7 +16672,7 @@
           <a:lstStyle/>
           <a:p>
             <a:r>
-              <a:rPr lang="en-US" dirty="0" smtClean="0">
+              <a:rPr lang="en-US" dirty="0">
                 <a:sym typeface="Symbol"/>
               </a:rPr>
               <a:t>/2</a:t>
@@ -13391,102 +16681,6 @@
           </a:p>
         </p:txBody>
       </p:sp>
-    </p:spTree>
-  </p:cSld>
-  <p:clrMapOvr>
-    <a:masterClrMapping/>
-  </p:clrMapOvr>
-</p:sld>
-</file>
-
-<file path=ppt/slides/slide4.xml><?xml version="1.0" encoding="utf-8"?>
-<p:sld xmlns:a="http://schemas.openxmlformats.org/drawingml/2006/main" xmlns:r="http://schemas.openxmlformats.org/officeDocument/2006/relationships" xmlns:p="http://schemas.openxmlformats.org/presentationml/2006/main">
-  <p:cSld>
-    <p:spTree>
-      <p:nvGrpSpPr>
-        <p:cNvPr id="1" name=""/>
-        <p:cNvGrpSpPr/>
-        <p:nvPr/>
-      </p:nvGrpSpPr>
-      <p:grpSpPr>
-        <a:xfrm>
-          <a:off x="0" y="0"/>
-          <a:ext cx="0" cy="0"/>
-          <a:chOff x="0" y="0"/>
-          <a:chExt cx="0" cy="0"/>
-        </a:xfrm>
-      </p:grpSpPr>
-      <p:sp>
-        <p:nvSpPr>
-          <p:cNvPr id="2" name="Title 1"/>
-          <p:cNvSpPr>
-            <a:spLocks noGrp="1"/>
-          </p:cNvSpPr>
-          <p:nvPr>
-            <p:ph type="title"/>
-          </p:nvPr>
-        </p:nvSpPr>
-        <p:spPr/>
-        <p:txBody>
-          <a:bodyPr/>
-          <a:lstStyle/>
-          <a:p>
-            <a:endParaRPr lang="en-US" dirty="0"/>
-          </a:p>
-        </p:txBody>
-      </p:sp>
-      <p:sp>
-        <p:nvSpPr>
-          <p:cNvPr id="3" name="Content Placeholder 2"/>
-          <p:cNvSpPr>
-            <a:spLocks noGrp="1"/>
-          </p:cNvSpPr>
-          <p:nvPr>
-            <p:ph idx="1"/>
-          </p:nvPr>
-        </p:nvSpPr>
-        <p:spPr/>
-        <p:txBody>
-          <a:bodyPr/>
-          <a:lstStyle/>
-          <a:p>
-            <a:endParaRPr lang="en-US"/>
-          </a:p>
-        </p:txBody>
-      </p:sp>
-      <p:pic>
-        <p:nvPicPr>
-          <p:cNvPr id="6" name="Picture 3"/>
-          <p:cNvPicPr>
-            <a:picLocks noChangeAspect="1" noChangeArrowheads="1"/>
-          </p:cNvPicPr>
-          <p:nvPr/>
-        </p:nvPicPr>
-        <p:blipFill>
-          <a:blip r:embed="rId2" cstate="print"/>
-          <a:srcRect/>
-          <a:stretch>
-            <a:fillRect/>
-          </a:stretch>
-        </p:blipFill>
-        <p:spPr bwMode="auto">
-          <a:xfrm>
-            <a:off x="3138488" y="1828800"/>
-            <a:ext cx="2081319" cy="5151438"/>
-          </a:xfrm>
-          <a:prstGeom prst="rect">
-            <a:avLst/>
-          </a:prstGeom>
-          <a:noFill/>
-          <a:ln w="9525">
-            <a:noFill/>
-            <a:miter lim="800000"/>
-            <a:headEnd/>
-            <a:tailEnd/>
-          </a:ln>
-          <a:effectLst/>
-        </p:spPr>
-      </p:pic>
     </p:spTree>
   </p:cSld>
   <p:clrMapOvr>
@@ -13514,121 +16708,49 @@
       </p:grpSpPr>
       <p:sp>
         <p:nvSpPr>
-          <p:cNvPr id="56322" name="Footer Placeholder 5"/>
+          <p:cNvPr id="2" name="Title 1"/>
           <p:cNvSpPr>
             <a:spLocks noGrp="1"/>
           </p:cNvSpPr>
           <p:nvPr>
-            <p:ph type="ftr" sz="quarter" idx="11"/>
+            <p:ph type="title"/>
           </p:nvPr>
         </p:nvSpPr>
-        <p:spPr>
-          <a:noFill/>
-        </p:spPr>
+        <p:spPr/>
         <p:txBody>
           <a:bodyPr/>
           <a:lstStyle/>
           <a:p>
-            <a:r>
-              <a:rPr lang="en-US" smtClean="0"/>
-              <a:t>R. Todd Lines</a:t>
-            </a:r>
-          </a:p>
-        </p:txBody>
-      </p:sp>
-      <p:sp>
-        <p:nvSpPr>
-          <p:cNvPr id="56323" name="Rectangle 2"/>
+            <a:endParaRPr lang="en-US"/>
+          </a:p>
+        </p:txBody>
+      </p:sp>
+      <p:sp>
+        <p:nvSpPr>
+          <p:cNvPr id="3" name="Content Placeholder 2"/>
           <p:cNvSpPr>
-            <a:spLocks noGrp="1" noChangeArrowheads="1"/>
+            <a:spLocks noGrp="1"/>
           </p:cNvSpPr>
           <p:nvPr>
-            <p:ph type="title"/>
+            <p:ph idx="1"/>
           </p:nvPr>
         </p:nvSpPr>
-        <p:spPr>
-          <a:xfrm>
-            <a:off x="1600200" y="0"/>
-            <a:ext cx="7304088" cy="1143000"/>
-          </a:xfrm>
-        </p:spPr>
-        <p:txBody>
-          <a:bodyPr>
-            <a:normAutofit fontScale="90000"/>
-          </a:bodyPr>
-          <a:lstStyle/>
-          <a:p>
-            <a:pPr eaLnBrk="1" hangingPunct="1"/>
-            <a:r>
-              <a:rPr lang="en-US" smtClean="0"/>
-              <a:t>Diffraction Grating Spectrometer</a:t>
-            </a:r>
-          </a:p>
-        </p:txBody>
-      </p:sp>
-      <p:sp>
-        <p:nvSpPr>
-          <p:cNvPr id="56324" name="Rectangle 3"/>
-          <p:cNvSpPr>
-            <a:spLocks noGrp="1" noChangeArrowheads="1"/>
-          </p:cNvSpPr>
-          <p:nvPr>
-            <p:ph type="body" sz="half" idx="1"/>
-          </p:nvPr>
-        </p:nvSpPr>
-        <p:spPr>
-          <a:xfrm>
-            <a:off x="609600" y="1371600"/>
-            <a:ext cx="4154488" cy="4611687"/>
-          </a:xfrm>
-        </p:spPr>
+        <p:spPr/>
         <p:txBody>
           <a:bodyPr/>
           <a:lstStyle/>
           <a:p>
-            <a:pPr eaLnBrk="1" hangingPunct="1">
-              <a:lnSpc>
-                <a:spcPct val="90000"/>
-              </a:lnSpc>
-            </a:pPr>
-            <a:r>
-              <a:rPr lang="en-US" sz="2400" dirty="0" smtClean="0"/>
-              <a:t>The collimated beam is incident on the grating</a:t>
-            </a:r>
-          </a:p>
-          <a:p>
-            <a:pPr eaLnBrk="1" hangingPunct="1">
-              <a:lnSpc>
-                <a:spcPct val="90000"/>
-              </a:lnSpc>
-            </a:pPr>
-            <a:r>
-              <a:rPr lang="en-US" sz="2400" dirty="0" smtClean="0"/>
-              <a:t>The diffracted light leaves the gratings and the telescope is used to view the image</a:t>
-            </a:r>
-          </a:p>
-          <a:p>
-            <a:pPr eaLnBrk="1" hangingPunct="1">
-              <a:lnSpc>
-                <a:spcPct val="90000"/>
-              </a:lnSpc>
-            </a:pPr>
-            <a:r>
-              <a:rPr lang="en-US" sz="2400" dirty="0" smtClean="0"/>
-              <a:t>The wavelength can be determined by measuring the precise angles at which the images of the slit appear for the various orders</a:t>
-            </a:r>
+            <a:endParaRPr lang="en-US"/>
           </a:p>
         </p:txBody>
       </p:sp>
       <p:pic>
         <p:nvPicPr>
-          <p:cNvPr id="8193" name="Picture 1"/>
+          <p:cNvPr id="2050" name="Picture 2"/>
           <p:cNvPicPr>
-            <a:picLocks noGrp="1" noChangeAspect="1" noChangeArrowheads="1"/>
+            <a:picLocks noChangeAspect="1" noChangeArrowheads="1"/>
           </p:cNvPicPr>
-          <p:nvPr>
-            <p:ph type="clipArt" sz="half" idx="2"/>
-          </p:nvPr>
+          <p:nvPr/>
         </p:nvPicPr>
         <p:blipFill>
           <a:blip r:embed="rId2" cstate="print"/>
@@ -13639,8 +16761,8 @@
         </p:blipFill>
         <p:spPr bwMode="auto">
           <a:xfrm>
-            <a:off x="4876800" y="2286000"/>
-            <a:ext cx="4033837" cy="1934973"/>
+            <a:off x="2438400" y="0"/>
+            <a:ext cx="3819263" cy="6527800"/>
           </a:xfrm>
           <a:prstGeom prst="rect">
             <a:avLst/>
@@ -13660,13 +16782,6 @@
   <p:clrMapOvr>
     <a:masterClrMapping/>
   </p:clrMapOvr>
-  <p:timing>
-    <p:tnLst>
-      <p:par>
-        <p:cTn id="1" dur="indefinite" restart="never" nodeType="tmRoot"/>
-      </p:par>
-    </p:tnLst>
-  </p:timing>
 </p:sld>
 </file>
 
@@ -13689,30 +16804,103 @@
       </p:grpSpPr>
       <p:sp>
         <p:nvSpPr>
-          <p:cNvPr id="57347" name="Rectangle 2"/>
+          <p:cNvPr id="2" name="Title 1"/>
           <p:cNvSpPr>
-            <a:spLocks noGrp="1" noChangeArrowheads="1"/>
+            <a:spLocks noGrp="1"/>
           </p:cNvSpPr>
           <p:nvPr>
             <p:ph type="title"/>
           </p:nvPr>
         </p:nvSpPr>
-        <p:spPr/>
+        <p:spPr>
+          <a:xfrm>
+            <a:off x="457200" y="274638"/>
+            <a:ext cx="4584357" cy="1143000"/>
+          </a:xfrm>
+        </p:spPr>
         <p:txBody>
           <a:bodyPr/>
           <a:lstStyle/>
           <a:p>
-            <a:pPr eaLnBrk="1" hangingPunct="1"/>
-            <a:r>
-              <a:rPr lang="en-US" smtClean="0"/>
-              <a:t>Details</a:t>
-            </a:r>
+            <a:r>
+              <a:rPr lang="en-US" dirty="0"/>
+              <a:t>Question</a:t>
+            </a:r>
+          </a:p>
+        </p:txBody>
+      </p:sp>
+      <p:sp>
+        <p:nvSpPr>
+          <p:cNvPr id="3" name="Content Placeholder 2"/>
+          <p:cNvSpPr>
+            <a:spLocks noGrp="1"/>
+          </p:cNvSpPr>
+          <p:nvPr>
+            <p:ph idx="1"/>
+          </p:nvPr>
+        </p:nvSpPr>
+        <p:spPr>
+          <a:xfrm>
+            <a:off x="457199" y="1600200"/>
+            <a:ext cx="4497859" cy="4525963"/>
+          </a:xfrm>
+        </p:spPr>
+        <p:txBody>
+          <a:bodyPr>
+            <a:normAutofit/>
+          </a:bodyPr>
+          <a:lstStyle/>
+          <a:p>
+            <a:pPr marL="0" indent="0">
+              <a:buNone/>
+            </a:pPr>
+            <a:r>
+              <a:rPr lang="en-US" dirty="0"/>
+              <a:t>Which will be a brighter spot, pint A or point B?</a:t>
+            </a:r>
+          </a:p>
+          <a:p>
+            <a:pPr marL="514350" indent="-514350">
+              <a:buFont typeface="+mj-lt"/>
+              <a:buAutoNum type="alphaLcParenR"/>
+            </a:pPr>
+            <a:r>
+              <a:rPr lang="en-US" dirty="0"/>
+              <a:t>A</a:t>
+            </a:r>
+          </a:p>
+          <a:p>
+            <a:pPr marL="514350" indent="-514350">
+              <a:buFont typeface="+mj-lt"/>
+              <a:buAutoNum type="alphaLcParenR"/>
+            </a:pPr>
+            <a:r>
+              <a:rPr lang="en-US" dirty="0"/>
+              <a:t>B</a:t>
+            </a:r>
+          </a:p>
+          <a:p>
+            <a:pPr marL="514350" indent="-514350">
+              <a:buFont typeface="+mj-lt"/>
+              <a:buAutoNum type="alphaLcParenR"/>
+            </a:pPr>
+            <a:r>
+              <a:rPr lang="en-US" dirty="0"/>
+              <a:t>They will be the same</a:t>
+            </a:r>
+          </a:p>
+          <a:p>
+            <a:pPr marL="514350" indent="-514350">
+              <a:buFont typeface="+mj-lt"/>
+              <a:buAutoNum type="alphaLcParenR"/>
+            </a:pPr>
+            <a:endParaRPr lang="en-US" dirty="0"/>
           </a:p>
         </p:txBody>
       </p:sp>
       <p:pic>
         <p:nvPicPr>
-          <p:cNvPr id="7169" name="Picture 1"/>
+          <p:cNvPr id="3074" name="Picture 2"/>
           <p:cNvPicPr>
             <a:picLocks noChangeAspect="1" noChangeArrowheads="1"/>
           </p:cNvPicPr>
@@ -13727,8 +16915,8 @@
         </p:blipFill>
         <p:spPr bwMode="auto">
           <a:xfrm>
-            <a:off x="1219200" y="1905000"/>
-            <a:ext cx="7267575" cy="3486150"/>
+            <a:off x="5189838" y="274638"/>
+            <a:ext cx="3287653" cy="5842000"/>
           </a:xfrm>
           <a:prstGeom prst="rect">
             <a:avLst/>
@@ -13743,50 +16931,146 @@
           <a:effectLst/>
         </p:spPr>
       </p:pic>
-      <p:pic>
-        <p:nvPicPr>
-          <p:cNvPr id="57353" name="Picture 8"/>
-          <p:cNvPicPr>
-            <a:picLocks noChangeAspect="1" noChangeArrowheads="1"/>
-          </p:cNvPicPr>
-          <p:nvPr/>
-        </p:nvPicPr>
-        <p:blipFill>
-          <a:blip r:embed="rId3" cstate="print"/>
-          <a:srcRect/>
-          <a:stretch>
-            <a:fillRect/>
-          </a:stretch>
-        </p:blipFill>
-        <p:spPr bwMode="auto">
-          <a:xfrm>
-            <a:off x="5334000" y="5029200"/>
-            <a:ext cx="3543300" cy="1428750"/>
+      <p:sp>
+        <p:nvSpPr>
+          <p:cNvPr id="4" name="TextBox 3">
+            <a:extLst>
+              <a:ext uri="{FF2B5EF4-FFF2-40B4-BE49-F238E27FC236}">
+                <a16:creationId xmlns:a16="http://schemas.microsoft.com/office/drawing/2014/main" id="{70F33C2B-F1CD-21D3-C981-131CF70D97F4}"/>
+              </a:ext>
+            </a:extLst>
+          </p:cNvPr>
+          <p:cNvSpPr txBox="1"/>
+          <p:nvPr/>
+        </p:nvSpPr>
+        <p:spPr>
+          <a:xfrm>
+            <a:off x="7946897" y="2434281"/>
+            <a:ext cx="465192" cy="646331"/>
           </a:xfrm>
           <a:prstGeom prst="rect">
             <a:avLst/>
           </a:prstGeom>
           <a:noFill/>
-          <a:ln w="9525" algn="ctr">
+        </p:spPr>
+        <p:txBody>
+          <a:bodyPr wrap="none" rtlCol="0">
+            <a:spAutoFit/>
+          </a:bodyPr>
+          <a:lstStyle/>
+          <a:p>
+            <a:r>
+              <a:rPr lang="en-US" sz="3600" b="1" dirty="0">
+                <a:solidFill>
+                  <a:srgbClr val="FF0000"/>
+                </a:solidFill>
+              </a:rPr>
+              <a:t>A</a:t>
+            </a:r>
+          </a:p>
+        </p:txBody>
+      </p:sp>
+      <p:sp>
+        <p:nvSpPr>
+          <p:cNvPr id="5" name="TextBox 4">
+            <a:extLst>
+              <a:ext uri="{FF2B5EF4-FFF2-40B4-BE49-F238E27FC236}">
+                <a16:creationId xmlns:a16="http://schemas.microsoft.com/office/drawing/2014/main" id="{09DBFF4C-BCD8-13B6-07F3-6BB27892273A}"/>
+              </a:ext>
+            </a:extLst>
+          </p:cNvPr>
+          <p:cNvSpPr txBox="1"/>
+          <p:nvPr/>
+        </p:nvSpPr>
+        <p:spPr>
+          <a:xfrm>
+            <a:off x="8223415" y="2973748"/>
+            <a:ext cx="442750" cy="646331"/>
+          </a:xfrm>
+          <a:prstGeom prst="rect">
+            <a:avLst/>
+          </a:prstGeom>
+          <a:noFill/>
+        </p:spPr>
+        <p:txBody>
+          <a:bodyPr wrap="none" rtlCol="0">
+            <a:spAutoFit/>
+          </a:bodyPr>
+          <a:lstStyle/>
+          <a:p>
+            <a:r>
+              <a:rPr lang="en-US" sz="3600" b="1" dirty="0">
+                <a:solidFill>
+                  <a:srgbClr val="FF0000"/>
+                </a:solidFill>
+              </a:rPr>
+              <a:t>B</a:t>
+            </a:r>
+          </a:p>
+        </p:txBody>
+      </p:sp>
+      <p:sp>
+        <p:nvSpPr>
+          <p:cNvPr id="6" name="Oval 5">
+            <a:extLst>
+              <a:ext uri="{FF2B5EF4-FFF2-40B4-BE49-F238E27FC236}">
+                <a16:creationId xmlns:a16="http://schemas.microsoft.com/office/drawing/2014/main" id="{1FBE7A73-7D94-3A7B-556F-4DC4E6DF4FE3}"/>
+              </a:ext>
+            </a:extLst>
+          </p:cNvPr>
+          <p:cNvSpPr/>
+          <p:nvPr/>
+        </p:nvSpPr>
+        <p:spPr>
+          <a:xfrm>
+            <a:off x="8157038" y="3310701"/>
+            <a:ext cx="87177" cy="111211"/>
+          </a:xfrm>
+          <a:prstGeom prst="ellipse">
+            <a:avLst/>
+          </a:prstGeom>
+          <a:solidFill>
+            <a:srgbClr val="FF0000"/>
+          </a:solidFill>
+          <a:ln>
             <a:noFill/>
-            <a:miter lim="800000"/>
-            <a:headEnd/>
-            <a:tailEnd/>
           </a:ln>
         </p:spPr>
-      </p:pic>
+        <p:style>
+          <a:lnRef idx="2">
+            <a:schemeClr val="accent1">
+              <a:shade val="15000"/>
+            </a:schemeClr>
+          </a:lnRef>
+          <a:fillRef idx="1">
+            <a:schemeClr val="accent1"/>
+          </a:fillRef>
+          <a:effectRef idx="0">
+            <a:schemeClr val="accent1"/>
+          </a:effectRef>
+          <a:fontRef idx="minor">
+            <a:schemeClr val="lt1"/>
+          </a:fontRef>
+        </p:style>
+        <p:txBody>
+          <a:bodyPr rtlCol="0" anchor="ctr"/>
+          <a:lstStyle/>
+          <a:p>
+            <a:pPr algn="ctr"/>
+            <a:endParaRPr lang="en-US"/>
+          </a:p>
+        </p:txBody>
+      </p:sp>
     </p:spTree>
+    <p:extLst>
+      <p:ext uri="{BB962C8B-B14F-4D97-AF65-F5344CB8AC3E}">
+        <p14:creationId xmlns:p14="http://schemas.microsoft.com/office/powerpoint/2010/main" val="807199054"/>
+      </p:ext>
+    </p:extLst>
   </p:cSld>
   <p:clrMapOvr>
     <a:masterClrMapping/>
   </p:clrMapOvr>
-  <p:timing>
-    <p:tnLst>
-      <p:par>
-        <p:cTn id="1" dur="indefinite" restart="never" nodeType="tmRoot"/>
-      </p:par>
-    </p:tnLst>
-  </p:timing>
 </p:sld>
 </file>
 
@@ -13809,111 +17093,80 @@
       </p:grpSpPr>
       <p:sp>
         <p:nvSpPr>
-          <p:cNvPr id="55298" name="Footer Placeholder 4"/>
+          <p:cNvPr id="2" name="Title 1"/>
           <p:cNvSpPr>
             <a:spLocks noGrp="1"/>
           </p:cNvSpPr>
           <p:nvPr>
-            <p:ph type="ftr" sz="quarter" idx="11"/>
+            <p:ph type="title"/>
           </p:nvPr>
         </p:nvSpPr>
-        <p:spPr>
-          <a:noFill/>
-        </p:spPr>
+        <p:spPr/>
         <p:txBody>
           <a:bodyPr/>
           <a:lstStyle/>
           <a:p>
-            <a:r>
-              <a:rPr lang="en-US" smtClean="0"/>
-              <a:t>R. Todd Lines</a:t>
-            </a:r>
-          </a:p>
-        </p:txBody>
-      </p:sp>
-      <p:sp>
-        <p:nvSpPr>
-          <p:cNvPr id="55299" name="Rectangle 2"/>
+            <a:endParaRPr lang="en-US" dirty="0"/>
+          </a:p>
+        </p:txBody>
+      </p:sp>
+      <p:sp>
+        <p:nvSpPr>
+          <p:cNvPr id="3" name="Content Placeholder 2"/>
           <p:cNvSpPr>
-            <a:spLocks noGrp="1" noChangeArrowheads="1"/>
+            <a:spLocks noGrp="1"/>
           </p:cNvSpPr>
           <p:nvPr>
-            <p:ph type="title"/>
+            <p:ph idx="1"/>
           </p:nvPr>
         </p:nvSpPr>
-        <p:spPr>
-          <a:xfrm>
-            <a:off x="1236663" y="0"/>
-            <a:ext cx="7362825" cy="1143000"/>
-          </a:xfrm>
-        </p:spPr>
-        <p:txBody>
-          <a:bodyPr>
-            <a:normAutofit fontScale="90000"/>
-          </a:bodyPr>
-          <a:lstStyle/>
-          <a:p>
-            <a:pPr eaLnBrk="1" hangingPunct="1"/>
-            <a:r>
-              <a:rPr lang="en-US" smtClean="0"/>
-              <a:t>Diffraction Grating, Intensity, cont.</a:t>
-            </a:r>
-          </a:p>
-        </p:txBody>
-      </p:sp>
-      <p:sp>
-        <p:nvSpPr>
-          <p:cNvPr id="55300" name="Rectangle 3"/>
-          <p:cNvSpPr>
-            <a:spLocks noGrp="1" noChangeArrowheads="1"/>
-          </p:cNvSpPr>
-          <p:nvPr>
-            <p:ph type="body" idx="1"/>
-          </p:nvPr>
-        </p:nvSpPr>
         <p:spPr/>
         <p:txBody>
           <a:bodyPr/>
           <a:lstStyle/>
           <a:p>
-            <a:pPr eaLnBrk="1" hangingPunct="1"/>
-            <a:r>
-              <a:rPr lang="en-US" smtClean="0"/>
-              <a:t>Characteristics of the intensity pattern</a:t>
-            </a:r>
-          </a:p>
-          <a:p>
-            <a:pPr lvl="1" eaLnBrk="1" hangingPunct="1"/>
-            <a:r>
-              <a:rPr lang="en-US" smtClean="0"/>
-              <a:t>The sharp peaks are in contrast to the broad, bright fringes characteristic of the two-slit interference pattern</a:t>
-            </a:r>
-          </a:p>
-          <a:p>
-            <a:pPr lvl="1" eaLnBrk="1" hangingPunct="1"/>
-            <a:r>
-              <a:rPr lang="en-US" smtClean="0"/>
-              <a:t>Because the principle maxima are so sharp, they are much brighter than two-slit interference patterns</a:t>
-            </a:r>
-          </a:p>
-          <a:p>
-            <a:pPr eaLnBrk="1" hangingPunct="1"/>
-            <a:endParaRPr lang="en-US" smtClean="0"/>
-          </a:p>
-        </p:txBody>
-      </p:sp>
+            <a:endParaRPr lang="en-US"/>
+          </a:p>
+        </p:txBody>
+      </p:sp>
+      <p:pic>
+        <p:nvPicPr>
+          <p:cNvPr id="6" name="Picture 3"/>
+          <p:cNvPicPr>
+            <a:picLocks noChangeAspect="1" noChangeArrowheads="1"/>
+          </p:cNvPicPr>
+          <p:nvPr/>
+        </p:nvPicPr>
+        <p:blipFill>
+          <a:blip r:embed="rId2" cstate="print"/>
+          <a:srcRect/>
+          <a:stretch>
+            <a:fillRect/>
+          </a:stretch>
+        </p:blipFill>
+        <p:spPr bwMode="auto">
+          <a:xfrm>
+            <a:off x="3138488" y="1828800"/>
+            <a:ext cx="2081319" cy="5151438"/>
+          </a:xfrm>
+          <a:prstGeom prst="rect">
+            <a:avLst/>
+          </a:prstGeom>
+          <a:noFill/>
+          <a:ln w="9525">
+            <a:noFill/>
+            <a:miter lim="800000"/>
+            <a:headEnd/>
+            <a:tailEnd/>
+          </a:ln>
+          <a:effectLst/>
+        </p:spPr>
+      </p:pic>
     </p:spTree>
   </p:cSld>
   <p:clrMapOvr>
     <a:masterClrMapping/>
   </p:clrMapOvr>
-  <p:timing>
-    <p:tnLst>
-      <p:par>
-        <p:cTn id="1" dur="indefinite" restart="never" nodeType="tmRoot"/>
-      </p:par>
-    </p:tnLst>
-  </p:timing>
 </p:sld>
 </file>
 
@@ -13936,7 +17189,7 @@
       </p:grpSpPr>
       <p:sp>
         <p:nvSpPr>
-          <p:cNvPr id="59394" name="Footer Placeholder 5"/>
+          <p:cNvPr id="56322" name="Footer Placeholder 5"/>
           <p:cNvSpPr>
             <a:spLocks noGrp="1"/>
           </p:cNvSpPr>
@@ -13952,7 +17205,7 @@
           <a:lstStyle/>
           <a:p>
             <a:r>
-              <a:rPr lang="en-US" smtClean="0"/>
+              <a:rPr lang="en-US"/>
               <a:t>R. Todd Lines</a:t>
             </a:r>
           </a:p>
@@ -13960,7 +17213,7 @@
       </p:sp>
       <p:sp>
         <p:nvSpPr>
-          <p:cNvPr id="59395" name="Rectangle 2"/>
+          <p:cNvPr id="56323" name="Rectangle 2"/>
           <p:cNvSpPr>
             <a:spLocks noGrp="1" noChangeArrowheads="1"/>
           </p:cNvSpPr>
@@ -13968,22 +17221,29 @@
             <p:ph type="title"/>
           </p:nvPr>
         </p:nvSpPr>
-        <p:spPr/>
-        <p:txBody>
-          <a:bodyPr/>
+        <p:spPr>
+          <a:xfrm>
+            <a:off x="1600200" y="0"/>
+            <a:ext cx="7304088" cy="1143000"/>
+          </a:xfrm>
+        </p:spPr>
+        <p:txBody>
+          <a:bodyPr>
+            <a:normAutofit fontScale="90000"/>
+          </a:bodyPr>
           <a:lstStyle/>
           <a:p>
             <a:pPr eaLnBrk="1" hangingPunct="1"/>
             <a:r>
-              <a:rPr lang="en-US" smtClean="0"/>
-              <a:t>Grating Light Valve</a:t>
-            </a:r>
-          </a:p>
-        </p:txBody>
-      </p:sp>
-      <p:sp>
-        <p:nvSpPr>
-          <p:cNvPr id="59396" name="Rectangle 3"/>
+              <a:rPr lang="en-US"/>
+              <a:t>Diffraction Grating Spectrometer</a:t>
+            </a:r>
+          </a:p>
+        </p:txBody>
+      </p:sp>
+      <p:sp>
+        <p:nvSpPr>
+          <p:cNvPr id="56324" name="Rectangle 3"/>
           <p:cNvSpPr>
             <a:spLocks noGrp="1" noChangeArrowheads="1"/>
           </p:cNvSpPr>
@@ -13993,39 +17253,51 @@
         </p:nvSpPr>
         <p:spPr>
           <a:xfrm>
-            <a:off x="0" y="1481138"/>
-            <a:ext cx="4230688" cy="4459287"/>
+            <a:off x="609600" y="1371600"/>
+            <a:ext cx="4154488" cy="4611687"/>
           </a:xfrm>
         </p:spPr>
         <p:txBody>
           <a:bodyPr/>
           <a:lstStyle/>
           <a:p>
-            <a:pPr eaLnBrk="1" hangingPunct="1"/>
-            <a:r>
-              <a:rPr lang="en-US" sz="2200" smtClean="0"/>
-              <a:t>A grating light valve consists of a silicon microchip fitted with an array of parallel silicon nitride ribbons coated with a thin layer of aluminum</a:t>
-            </a:r>
-          </a:p>
-          <a:p>
-            <a:pPr eaLnBrk="1" hangingPunct="1"/>
-            <a:r>
-              <a:rPr lang="en-US" sz="2200" smtClean="0"/>
-              <a:t>When a voltage is applied between a ribbon and the electrode on the silicon substrate, an electric force pulls the ribbon down</a:t>
-            </a:r>
-          </a:p>
-          <a:p>
-            <a:pPr eaLnBrk="1" hangingPunct="1"/>
-            <a:r>
-              <a:rPr lang="en-US" sz="2200" smtClean="0"/>
-              <a:t>The array of ribbons acts as a diffraction grating</a:t>
+            <a:pPr eaLnBrk="1" hangingPunct="1">
+              <a:lnSpc>
+                <a:spcPct val="90000"/>
+              </a:lnSpc>
+            </a:pPr>
+            <a:r>
+              <a:rPr lang="en-US" sz="2400" dirty="0"/>
+              <a:t>The collimated beam is incident on the grating</a:t>
+            </a:r>
+          </a:p>
+          <a:p>
+            <a:pPr eaLnBrk="1" hangingPunct="1">
+              <a:lnSpc>
+                <a:spcPct val="90000"/>
+              </a:lnSpc>
+            </a:pPr>
+            <a:r>
+              <a:rPr lang="en-US" sz="2400" dirty="0"/>
+              <a:t>The diffracted light leaves the gratings and the telescope is used to view the image</a:t>
+            </a:r>
+          </a:p>
+          <a:p>
+            <a:pPr eaLnBrk="1" hangingPunct="1">
+              <a:lnSpc>
+                <a:spcPct val="90000"/>
+              </a:lnSpc>
+            </a:pPr>
+            <a:r>
+              <a:rPr lang="en-US" sz="2400" dirty="0"/>
+              <a:t>The wavelength can be determined by measuring the precise angles at which the images of the slit appear for the various orders</a:t>
             </a:r>
           </a:p>
         </p:txBody>
       </p:sp>
       <p:pic>
         <p:nvPicPr>
-          <p:cNvPr id="59397" name="Picture 4" descr="38-19"/>
+          <p:cNvPr id="8193" name="Picture 1"/>
           <p:cNvPicPr>
             <a:picLocks noGrp="1" noChangeAspect="1" noChangeArrowheads="1"/>
           </p:cNvPicPr>
@@ -14040,12 +17312,22 @@
             <a:fillRect/>
           </a:stretch>
         </p:blipFill>
-        <p:spPr>
-          <a:xfrm>
-            <a:off x="4652963" y="2190750"/>
-            <a:ext cx="4033837" cy="3343275"/>
-          </a:xfrm>
+        <p:spPr bwMode="auto">
+          <a:xfrm>
+            <a:off x="4876800" y="2286000"/>
+            <a:ext cx="4033837" cy="1934973"/>
+          </a:xfrm>
+          <a:prstGeom prst="rect">
+            <a:avLst/>
+          </a:prstGeom>
           <a:noFill/>
+          <a:ln w="9525">
+            <a:noFill/>
+            <a:miter lim="800000"/>
+            <a:headEnd/>
+            <a:tailEnd/>
+          </a:ln>
+          <a:effectLst/>
         </p:spPr>
       </p:pic>
     </p:spTree>
@@ -14053,13 +17335,6 @@
   <p:clrMapOvr>
     <a:masterClrMapping/>
   </p:clrMapOvr>
-  <p:timing>
-    <p:tnLst>
-      <p:par>
-        <p:cTn id="1" dur="indefinite" restart="never" nodeType="tmRoot"/>
-      </p:par>
-    </p:tnLst>
-  </p:timing>
 </p:sld>
 </file>
 
@@ -14082,31 +17357,7 @@
       </p:grpSpPr>
       <p:sp>
         <p:nvSpPr>
-          <p:cNvPr id="15363" name="Footer Placeholder 4"/>
-          <p:cNvSpPr>
-            <a:spLocks noGrp="1"/>
-          </p:cNvSpPr>
-          <p:nvPr>
-            <p:ph type="ftr" sz="quarter" idx="11"/>
-          </p:nvPr>
-        </p:nvSpPr>
-        <p:spPr>
-          <a:noFill/>
-        </p:spPr>
-        <p:txBody>
-          <a:bodyPr/>
-          <a:lstStyle/>
-          <a:p>
-            <a:r>
-              <a:rPr lang="en-US" smtClean="0"/>
-              <a:t>R. Todd Lines</a:t>
-            </a:r>
-          </a:p>
-        </p:txBody>
-      </p:sp>
-      <p:sp>
-        <p:nvSpPr>
-          <p:cNvPr id="15364" name="Rectangle 2"/>
+          <p:cNvPr id="57347" name="Rectangle 2"/>
           <p:cNvSpPr>
             <a:spLocks noGrp="1" noChangeArrowheads="1"/>
           </p:cNvSpPr>
@@ -14114,204 +17365,89 @@
             <p:ph type="title"/>
           </p:nvPr>
         </p:nvSpPr>
-        <p:spPr>
-          <a:xfrm>
-            <a:off x="1266825" y="0"/>
-            <a:ext cx="7551738" cy="1143000"/>
-          </a:xfrm>
-        </p:spPr>
+        <p:spPr/>
         <p:txBody>
           <a:bodyPr/>
           <a:lstStyle/>
           <a:p>
             <a:pPr eaLnBrk="1" hangingPunct="1"/>
             <a:r>
-              <a:rPr lang="en-US" sz="3200" smtClean="0"/>
-              <a:t>Resolving Power of a Diffraction Grating</a:t>
-            </a:r>
-          </a:p>
-        </p:txBody>
-      </p:sp>
-      <p:sp>
-        <p:nvSpPr>
-          <p:cNvPr id="15365" name="Rectangle 3"/>
-          <p:cNvSpPr>
-            <a:spLocks noGrp="1" noChangeArrowheads="1"/>
-          </p:cNvSpPr>
-          <p:nvPr>
-            <p:ph type="body" idx="1"/>
-          </p:nvPr>
-        </p:nvSpPr>
-        <p:spPr/>
-        <p:txBody>
-          <a:bodyPr/>
-          <a:lstStyle/>
-          <a:p>
-            <a:pPr eaLnBrk="1" hangingPunct="1">
-              <a:lnSpc>
-                <a:spcPct val="90000"/>
-              </a:lnSpc>
-            </a:pPr>
-            <a:r>
-              <a:rPr lang="en-US" sz="2800" smtClean="0"/>
-              <a:t>For two nearly equal wavelengths, </a:t>
-            </a:r>
-            <a:r>
-              <a:rPr lang="en-US" sz="2800" i="1" smtClean="0">
-                <a:cs typeface="Arial" charset="0"/>
-              </a:rPr>
-              <a:t>λ</a:t>
-            </a:r>
-            <a:r>
-              <a:rPr lang="en-US" sz="2800" baseline="-25000" smtClean="0"/>
-              <a:t>1</a:t>
-            </a:r>
-            <a:r>
-              <a:rPr lang="en-US" sz="2800" smtClean="0"/>
-              <a:t> and </a:t>
-            </a:r>
-            <a:r>
-              <a:rPr lang="en-US" sz="2800" i="1" smtClean="0">
-                <a:cs typeface="Arial" charset="0"/>
-              </a:rPr>
-              <a:t>λ</a:t>
-            </a:r>
-            <a:r>
-              <a:rPr lang="en-US" sz="2800" baseline="-25000" smtClean="0"/>
-              <a:t>2</a:t>
-            </a:r>
-            <a:r>
-              <a:rPr lang="en-US" sz="2800" smtClean="0"/>
-              <a:t>, between which a diffraction grating can just barely distinguish, the </a:t>
-            </a:r>
-            <a:r>
-              <a:rPr lang="en-US" sz="2800" b="1" smtClean="0"/>
-              <a:t>resolving power</a:t>
-            </a:r>
-            <a:r>
-              <a:rPr lang="en-US" sz="2800" smtClean="0"/>
-              <a:t>, </a:t>
-            </a:r>
-            <a:r>
-              <a:rPr lang="en-US" sz="2800" i="1" smtClean="0"/>
-              <a:t>R</a:t>
-            </a:r>
-            <a:r>
-              <a:rPr lang="en-US" sz="2800" smtClean="0"/>
-              <a:t>, of the grating is defined as </a:t>
-            </a:r>
-          </a:p>
-          <a:p>
-            <a:pPr eaLnBrk="1" hangingPunct="1">
-              <a:lnSpc>
-                <a:spcPct val="90000"/>
-              </a:lnSpc>
-            </a:pPr>
-            <a:endParaRPr lang="en-US" sz="2800" smtClean="0"/>
-          </a:p>
-          <a:p>
-            <a:pPr eaLnBrk="1" hangingPunct="1">
-              <a:lnSpc>
-                <a:spcPct val="90000"/>
-              </a:lnSpc>
-            </a:pPr>
-            <a:endParaRPr lang="en-US" sz="2800" smtClean="0"/>
-          </a:p>
-          <a:p>
-            <a:pPr eaLnBrk="1" hangingPunct="1">
-              <a:lnSpc>
-                <a:spcPct val="90000"/>
-              </a:lnSpc>
-            </a:pPr>
-            <a:r>
-              <a:rPr lang="en-US" sz="2800" smtClean="0"/>
-              <a:t>Therefore, a grating with a high resolution can distinguish between small differences in wavelength</a:t>
-            </a:r>
-          </a:p>
-        </p:txBody>
-      </p:sp>
-      <p:graphicFrame>
-        <p:nvGraphicFramePr>
-          <p:cNvPr id="15362" name="Object 4"/>
-          <p:cNvGraphicFramePr>
-            <a:graphicFrameLocks noChangeAspect="1"/>
-          </p:cNvGraphicFramePr>
-          <p:nvPr/>
-        </p:nvGraphicFramePr>
-        <p:xfrm>
-          <a:off x="3352800" y="3251200"/>
-          <a:ext cx="2381250" cy="954088"/>
-        </p:xfrm>
-        <a:graphic>
-          <a:graphicData uri="http://schemas.openxmlformats.org/presentationml/2006/ole">
-            <mc:AlternateContent xmlns:mc="http://schemas.openxmlformats.org/markup-compatibility/2006">
-              <mc:Choice xmlns:v="urn:schemas-microsoft-com:vml" Requires="v">
-                <p:oleObj spid="_x0000_s4102" name="Equation" r:id="rId3" imgW="1079280" imgH="431640" progId="">
-                  <p:embed/>
-                </p:oleObj>
-              </mc:Choice>
-              <mc:Fallback>
-                <p:oleObj name="Equation" r:id="rId3" imgW="1079280" imgH="431640" progId="">
-                  <p:embed/>
-                  <p:pic>
-                    <p:nvPicPr>
-                      <p:cNvPr id="0" name="Object 4"/>
-                      <p:cNvPicPr>
-                        <a:picLocks noChangeAspect="1" noChangeArrowheads="1"/>
-                      </p:cNvPicPr>
-                      <p:nvPr/>
-                    </p:nvPicPr>
-                    <p:blipFill>
-                      <a:blip r:embed="rId4">
-                        <a:extLst>
-                          <a:ext uri="{28A0092B-C50C-407E-A947-70E740481C1C}">
-                            <a14:useLocalDpi xmlns:a14="http://schemas.microsoft.com/office/drawing/2010/main" val="0"/>
-                          </a:ext>
-                        </a:extLst>
-                      </a:blip>
-                      <a:srcRect/>
-                      <a:stretch>
-                        <a:fillRect/>
-                      </a:stretch>
-                    </p:blipFill>
-                    <p:spPr bwMode="auto">
-                      <a:xfrm>
-                        <a:off x="3352800" y="3251200"/>
-                        <a:ext cx="2381250" cy="954088"/>
-                      </a:xfrm>
-                      <a:prstGeom prst="rect">
-                        <a:avLst/>
-                      </a:prstGeom>
-                      <a:noFill/>
-                      <a:extLst>
-                        <a:ext uri="{909E8E84-426E-40DD-AFC4-6F175D3DCCD1}">
-                          <a14:hiddenFill xmlns:a14="http://schemas.microsoft.com/office/drawing/2010/main">
-                            <a:solidFill>
-                              <a:srgbClr val="FFFFFF"/>
-                            </a:solidFill>
-                          </a14:hiddenFill>
-                        </a:ext>
-                      </a:extLst>
-                    </p:spPr>
-                  </p:pic>
-                </p:oleObj>
-              </mc:Fallback>
-            </mc:AlternateContent>
-          </a:graphicData>
-        </a:graphic>
-      </p:graphicFrame>
+              <a:rPr lang="en-US"/>
+              <a:t>Details</a:t>
+            </a:r>
+          </a:p>
+        </p:txBody>
+      </p:sp>
+      <p:pic>
+        <p:nvPicPr>
+          <p:cNvPr id="7169" name="Picture 1"/>
+          <p:cNvPicPr>
+            <a:picLocks noChangeAspect="1" noChangeArrowheads="1"/>
+          </p:cNvPicPr>
+          <p:nvPr/>
+        </p:nvPicPr>
+        <p:blipFill>
+          <a:blip r:embed="rId2" cstate="print"/>
+          <a:srcRect/>
+          <a:stretch>
+            <a:fillRect/>
+          </a:stretch>
+        </p:blipFill>
+        <p:spPr bwMode="auto">
+          <a:xfrm>
+            <a:off x="1219200" y="1905000"/>
+            <a:ext cx="7267575" cy="3486150"/>
+          </a:xfrm>
+          <a:prstGeom prst="rect">
+            <a:avLst/>
+          </a:prstGeom>
+          <a:noFill/>
+          <a:ln w="9525">
+            <a:noFill/>
+            <a:miter lim="800000"/>
+            <a:headEnd/>
+            <a:tailEnd/>
+          </a:ln>
+          <a:effectLst/>
+        </p:spPr>
+      </p:pic>
+      <p:pic>
+        <p:nvPicPr>
+          <p:cNvPr id="57353" name="Picture 8"/>
+          <p:cNvPicPr>
+            <a:picLocks noChangeAspect="1" noChangeArrowheads="1"/>
+          </p:cNvPicPr>
+          <p:nvPr/>
+        </p:nvPicPr>
+        <p:blipFill>
+          <a:blip r:embed="rId3" cstate="print"/>
+          <a:srcRect/>
+          <a:stretch>
+            <a:fillRect/>
+          </a:stretch>
+        </p:blipFill>
+        <p:spPr bwMode="auto">
+          <a:xfrm>
+            <a:off x="5334000" y="5029200"/>
+            <a:ext cx="3543300" cy="1428750"/>
+          </a:xfrm>
+          <a:prstGeom prst="rect">
+            <a:avLst/>
+          </a:prstGeom>
+          <a:noFill/>
+          <a:ln w="9525" algn="ctr">
+            <a:noFill/>
+            <a:miter lim="800000"/>
+            <a:headEnd/>
+            <a:tailEnd/>
+          </a:ln>
+        </p:spPr>
+      </p:pic>
     </p:spTree>
   </p:cSld>
   <p:clrMapOvr>
     <a:masterClrMapping/>
   </p:clrMapOvr>
-  <p:timing>
-    <p:tnLst>
-      <p:par>
-        <p:cTn id="1" dur="indefinite" restart="never" nodeType="tmRoot"/>
-      </p:par>
-    </p:tnLst>
-  </p:timing>
 </p:sld>
 </file>
 

--- a/Slides/PH223_Lecture_11.pptx
+++ b/Slides/PH223_Lecture_11.pptx
@@ -26,28 +26,16 @@
     <p:sldId id="1387" r:id="rId20"/>
     <p:sldId id="305" r:id="rId21"/>
     <p:sldId id="269" r:id="rId22"/>
-    <p:sldId id="270" r:id="rId23"/>
-    <p:sldId id="271" r:id="rId24"/>
-    <p:sldId id="272" r:id="rId25"/>
-    <p:sldId id="274" r:id="rId26"/>
-    <p:sldId id="299" r:id="rId27"/>
-    <p:sldId id="300" r:id="rId28"/>
-    <p:sldId id="276" r:id="rId29"/>
-    <p:sldId id="277" r:id="rId30"/>
-    <p:sldId id="1238" r:id="rId31"/>
-    <p:sldId id="278" r:id="rId32"/>
-    <p:sldId id="279" r:id="rId33"/>
-    <p:sldId id="280" r:id="rId34"/>
-    <p:sldId id="290" r:id="rId35"/>
-    <p:sldId id="302" r:id="rId36"/>
-    <p:sldId id="303" r:id="rId37"/>
-    <p:sldId id="304" r:id="rId38"/>
-    <p:sldId id="291" r:id="rId39"/>
-    <p:sldId id="293" r:id="rId40"/>
-    <p:sldId id="294" r:id="rId41"/>
-    <p:sldId id="297" r:id="rId42"/>
-    <p:sldId id="301" r:id="rId43"/>
-    <p:sldId id="298" r:id="rId44"/>
+    <p:sldId id="299" r:id="rId23"/>
+    <p:sldId id="300" r:id="rId24"/>
+    <p:sldId id="290" r:id="rId25"/>
+    <p:sldId id="302" r:id="rId26"/>
+    <p:sldId id="303" r:id="rId27"/>
+    <p:sldId id="304" r:id="rId28"/>
+    <p:sldId id="294" r:id="rId29"/>
+    <p:sldId id="297" r:id="rId30"/>
+    <p:sldId id="301" r:id="rId31"/>
+    <p:sldId id="298" r:id="rId32"/>
   </p:sldIdLst>
   <p:sldSz cx="9144000" cy="6858000" type="screen4x3"/>
   <p:notesSz cx="6858000" cy="9144000"/>
@@ -163,14 +151,6 @@
     </p:ext>
   </p:extLst>
 </p:presentation>
-</file>
-
-<file path=ppt/revisionInfo.xml><?xml version="1.0" encoding="utf-8"?>
-<p1510:revInfo xmlns:a="http://schemas.openxmlformats.org/drawingml/2006/main" xmlns:r="http://schemas.openxmlformats.org/officeDocument/2006/relationships" xmlns:p1510="http://schemas.microsoft.com/office/powerpoint/2015/10/main">
-  <p1510:revLst>
-    <p1510:client id="{63800CE7-8C60-43B0-9F00-B562DD0F0099}" v="14" dt="2023-09-26T16:44:27.855"/>
-  </p1510:revLst>
-</p1510:revInfo>
 </file>
 
 <file path=ppt/changesInfos/changesInfo1.xml><?xml version="1.0" encoding="utf-8"?>
@@ -358,13 +338,6 @@
           </ac:picMkLst>
         </pc:picChg>
       </pc:sldChg>
-      <pc:sldChg chg="add del">
-        <pc:chgData name="Lines, Todd" userId="afaf7c3a-e8aa-4568-882a-02ad8f9e19b0" providerId="ADAL" clId="{63800CE7-8C60-43B0-9F00-B562DD0F0099}" dt="2023-09-26T16:41:38.735" v="510" actId="47"/>
-        <pc:sldMkLst>
-          <pc:docMk/>
-          <pc:sldMk cId="2985780737" sldId="1393"/>
-        </pc:sldMkLst>
-      </pc:sldChg>
       <pc:sldChg chg="addSp delSp modSp new mod">
         <pc:chgData name="Lines, Todd" userId="afaf7c3a-e8aa-4568-882a-02ad8f9e19b0" providerId="ADAL" clId="{63800CE7-8C60-43B0-9F00-B562DD0F0099}" dt="2023-09-26T16:45:01.521" v="771" actId="1038"/>
         <pc:sldMkLst>
@@ -462,6 +435,99 @@
       </pc:sldChg>
     </pc:docChg>
   </pc:docChgLst>
+  <pc:docChgLst>
+    <pc:chgData name="Lines, Todd" userId="afaf7c3a-e8aa-4568-882a-02ad8f9e19b0" providerId="ADAL" clId="{FE68C6AC-5748-448B-8616-F7416454C16D}"/>
+    <pc:docChg chg="delSld">
+      <pc:chgData name="Lines, Todd" userId="afaf7c3a-e8aa-4568-882a-02ad8f9e19b0" providerId="ADAL" clId="{FE68C6AC-5748-448B-8616-F7416454C16D}" dt="2024-10-01T17:08:34.910" v="11" actId="47"/>
+      <pc:docMkLst>
+        <pc:docMk/>
+      </pc:docMkLst>
+      <pc:sldChg chg="del">
+        <pc:chgData name="Lines, Todd" userId="afaf7c3a-e8aa-4568-882a-02ad8f9e19b0" providerId="ADAL" clId="{FE68C6AC-5748-448B-8616-F7416454C16D}" dt="2024-10-01T17:06:20.143" v="0" actId="47"/>
+        <pc:sldMkLst>
+          <pc:docMk/>
+          <pc:sldMk cId="0" sldId="270"/>
+        </pc:sldMkLst>
+      </pc:sldChg>
+      <pc:sldChg chg="del">
+        <pc:chgData name="Lines, Todd" userId="afaf7c3a-e8aa-4568-882a-02ad8f9e19b0" providerId="ADAL" clId="{FE68C6AC-5748-448B-8616-F7416454C16D}" dt="2024-10-01T17:06:23.445" v="1" actId="47"/>
+        <pc:sldMkLst>
+          <pc:docMk/>
+          <pc:sldMk cId="0" sldId="271"/>
+        </pc:sldMkLst>
+      </pc:sldChg>
+      <pc:sldChg chg="del">
+        <pc:chgData name="Lines, Todd" userId="afaf7c3a-e8aa-4568-882a-02ad8f9e19b0" providerId="ADAL" clId="{FE68C6AC-5748-448B-8616-F7416454C16D}" dt="2024-10-01T17:06:27.748" v="2" actId="47"/>
+        <pc:sldMkLst>
+          <pc:docMk/>
+          <pc:sldMk cId="0" sldId="272"/>
+        </pc:sldMkLst>
+      </pc:sldChg>
+      <pc:sldChg chg="del">
+        <pc:chgData name="Lines, Todd" userId="afaf7c3a-e8aa-4568-882a-02ad8f9e19b0" providerId="ADAL" clId="{FE68C6AC-5748-448B-8616-F7416454C16D}" dt="2024-10-01T17:06:39.223" v="3" actId="47"/>
+        <pc:sldMkLst>
+          <pc:docMk/>
+          <pc:sldMk cId="0" sldId="274"/>
+        </pc:sldMkLst>
+      </pc:sldChg>
+      <pc:sldChg chg="del">
+        <pc:chgData name="Lines, Todd" userId="afaf7c3a-e8aa-4568-882a-02ad8f9e19b0" providerId="ADAL" clId="{FE68C6AC-5748-448B-8616-F7416454C16D}" dt="2024-10-01T17:06:47.239" v="4" actId="47"/>
+        <pc:sldMkLst>
+          <pc:docMk/>
+          <pc:sldMk cId="0" sldId="276"/>
+        </pc:sldMkLst>
+      </pc:sldChg>
+      <pc:sldChg chg="del">
+        <pc:chgData name="Lines, Todd" userId="afaf7c3a-e8aa-4568-882a-02ad8f9e19b0" providerId="ADAL" clId="{FE68C6AC-5748-448B-8616-F7416454C16D}" dt="2024-10-01T17:06:52.869" v="5" actId="47"/>
+        <pc:sldMkLst>
+          <pc:docMk/>
+          <pc:sldMk cId="0" sldId="277"/>
+        </pc:sldMkLst>
+      </pc:sldChg>
+      <pc:sldChg chg="del">
+        <pc:chgData name="Lines, Todd" userId="afaf7c3a-e8aa-4568-882a-02ad8f9e19b0" providerId="ADAL" clId="{FE68C6AC-5748-448B-8616-F7416454C16D}" dt="2024-10-01T17:08:34.910" v="11" actId="47"/>
+        <pc:sldMkLst>
+          <pc:docMk/>
+          <pc:sldMk cId="0" sldId="278"/>
+        </pc:sldMkLst>
+      </pc:sldChg>
+      <pc:sldChg chg="del">
+        <pc:chgData name="Lines, Todd" userId="afaf7c3a-e8aa-4568-882a-02ad8f9e19b0" providerId="ADAL" clId="{FE68C6AC-5748-448B-8616-F7416454C16D}" dt="2024-10-01T17:08:02.485" v="6" actId="47"/>
+        <pc:sldMkLst>
+          <pc:docMk/>
+          <pc:sldMk cId="0" sldId="279"/>
+        </pc:sldMkLst>
+      </pc:sldChg>
+      <pc:sldChg chg="del">
+        <pc:chgData name="Lines, Todd" userId="afaf7c3a-e8aa-4568-882a-02ad8f9e19b0" providerId="ADAL" clId="{FE68C6AC-5748-448B-8616-F7416454C16D}" dt="2024-10-01T17:08:09.433" v="8" actId="47"/>
+        <pc:sldMkLst>
+          <pc:docMk/>
+          <pc:sldMk cId="0" sldId="280"/>
+        </pc:sldMkLst>
+      </pc:sldChg>
+      <pc:sldChg chg="del">
+        <pc:chgData name="Lines, Todd" userId="afaf7c3a-e8aa-4568-882a-02ad8f9e19b0" providerId="ADAL" clId="{FE68C6AC-5748-448B-8616-F7416454C16D}" dt="2024-10-01T17:08:15.749" v="9" actId="47"/>
+        <pc:sldMkLst>
+          <pc:docMk/>
+          <pc:sldMk cId="0" sldId="291"/>
+        </pc:sldMkLst>
+      </pc:sldChg>
+      <pc:sldChg chg="del">
+        <pc:chgData name="Lines, Todd" userId="afaf7c3a-e8aa-4568-882a-02ad8f9e19b0" providerId="ADAL" clId="{FE68C6AC-5748-448B-8616-F7416454C16D}" dt="2024-10-01T17:08:18.631" v="10" actId="47"/>
+        <pc:sldMkLst>
+          <pc:docMk/>
+          <pc:sldMk cId="0" sldId="293"/>
+        </pc:sldMkLst>
+      </pc:sldChg>
+      <pc:sldChg chg="del">
+        <pc:chgData name="Lines, Todd" userId="afaf7c3a-e8aa-4568-882a-02ad8f9e19b0" providerId="ADAL" clId="{FE68C6AC-5748-448B-8616-F7416454C16D}" dt="2024-10-01T17:08:04.668" v="7" actId="47"/>
+        <pc:sldMkLst>
+          <pc:docMk/>
+          <pc:sldMk cId="0" sldId="1238"/>
+        </pc:sldMkLst>
+      </pc:sldChg>
+    </pc:docChg>
+  </pc:docChgLst>
 </pc:chgInfo>
 </file>
 
@@ -645,7 +711,7 @@
             <a:fld id="{35B662AB-104C-4491-AAF7-2D7772FB2490}" type="datetimeFigureOut">
               <a:rPr lang="en-US" smtClean="0"/>
               <a:pPr/>
-              <a:t>9/26/2023</a:t>
+              <a:t>10/1/2024</a:t>
             </a:fld>
             <a:endParaRPr lang="en-US"/>
           </a:p>
@@ -810,7 +876,7 @@
             <a:fld id="{35B662AB-104C-4491-AAF7-2D7772FB2490}" type="datetimeFigureOut">
               <a:rPr lang="en-US" smtClean="0"/>
               <a:pPr/>
-              <a:t>9/26/2023</a:t>
+              <a:t>10/1/2024</a:t>
             </a:fld>
             <a:endParaRPr lang="en-US"/>
           </a:p>
@@ -985,7 +1051,7 @@
             <a:fld id="{35B662AB-104C-4491-AAF7-2D7772FB2490}" type="datetimeFigureOut">
               <a:rPr lang="en-US" smtClean="0"/>
               <a:pPr/>
-              <a:t>9/26/2023</a:t>
+              <a:t>10/1/2024</a:t>
             </a:fld>
             <a:endParaRPr lang="en-US"/>
           </a:p>
@@ -1377,7 +1443,7 @@
             <a:fld id="{35B662AB-104C-4491-AAF7-2D7772FB2490}" type="datetimeFigureOut">
               <a:rPr lang="en-US" smtClean="0"/>
               <a:pPr/>
-              <a:t>9/26/2023</a:t>
+              <a:t>10/1/2024</a:t>
             </a:fld>
             <a:endParaRPr lang="en-US"/>
           </a:p>
@@ -1619,7 +1685,7 @@
             <a:fld id="{35B662AB-104C-4491-AAF7-2D7772FB2490}" type="datetimeFigureOut">
               <a:rPr lang="en-US" smtClean="0"/>
               <a:pPr/>
-              <a:t>9/26/2023</a:t>
+              <a:t>10/1/2024</a:t>
             </a:fld>
             <a:endParaRPr lang="en-US"/>
           </a:p>
@@ -1901,7 +1967,7 @@
             <a:fld id="{35B662AB-104C-4491-AAF7-2D7772FB2490}" type="datetimeFigureOut">
               <a:rPr lang="en-US" smtClean="0"/>
               <a:pPr/>
-              <a:t>9/26/2023</a:t>
+              <a:t>10/1/2024</a:t>
             </a:fld>
             <a:endParaRPr lang="en-US"/>
           </a:p>
@@ -2317,7 +2383,7 @@
             <a:fld id="{35B662AB-104C-4491-AAF7-2D7772FB2490}" type="datetimeFigureOut">
               <a:rPr lang="en-US" smtClean="0"/>
               <a:pPr/>
-              <a:t>9/26/2023</a:t>
+              <a:t>10/1/2024</a:t>
             </a:fld>
             <a:endParaRPr lang="en-US"/>
           </a:p>
@@ -2431,7 +2497,7 @@
             <a:fld id="{35B662AB-104C-4491-AAF7-2D7772FB2490}" type="datetimeFigureOut">
               <a:rPr lang="en-US" smtClean="0"/>
               <a:pPr/>
-              <a:t>9/26/2023</a:t>
+              <a:t>10/1/2024</a:t>
             </a:fld>
             <a:endParaRPr lang="en-US"/>
           </a:p>
@@ -2523,7 +2589,7 @@
             <a:fld id="{35B662AB-104C-4491-AAF7-2D7772FB2490}" type="datetimeFigureOut">
               <a:rPr lang="en-US" smtClean="0"/>
               <a:pPr/>
-              <a:t>9/26/2023</a:t>
+              <a:t>10/1/2024</a:t>
             </a:fld>
             <a:endParaRPr lang="en-US"/>
           </a:p>
@@ -2795,7 +2861,7 @@
             <a:fld id="{35B662AB-104C-4491-AAF7-2D7772FB2490}" type="datetimeFigureOut">
               <a:rPr lang="en-US" smtClean="0"/>
               <a:pPr/>
-              <a:t>9/26/2023</a:t>
+              <a:t>10/1/2024</a:t>
             </a:fld>
             <a:endParaRPr lang="en-US"/>
           </a:p>
@@ -3044,7 +3110,7 @@
             <a:fld id="{35B662AB-104C-4491-AAF7-2D7772FB2490}" type="datetimeFigureOut">
               <a:rPr lang="en-US" smtClean="0"/>
               <a:pPr/>
-              <a:t>9/26/2023</a:t>
+              <a:t>10/1/2024</a:t>
             </a:fld>
             <a:endParaRPr lang="en-US"/>
           </a:p>
@@ -3252,7 +3318,7 @@
             <a:fld id="{35B662AB-104C-4491-AAF7-2D7772FB2490}" type="datetimeFigureOut">
               <a:rPr lang="en-US" smtClean="0"/>
               <a:pPr/>
-              <a:t>9/26/2023</a:t>
+              <a:t>10/1/2024</a:t>
             </a:fld>
             <a:endParaRPr lang="en-US"/>
           </a:p>
@@ -8861,662 +8927,6 @@
       </p:grpSpPr>
       <p:sp>
         <p:nvSpPr>
-          <p:cNvPr id="1027" name="Footer Placeholder 5"/>
-          <p:cNvSpPr>
-            <a:spLocks noGrp="1"/>
-          </p:cNvSpPr>
-          <p:nvPr>
-            <p:ph type="ftr" sz="quarter" idx="11"/>
-          </p:nvPr>
-        </p:nvSpPr>
-        <p:spPr>
-          <a:noFill/>
-        </p:spPr>
-        <p:txBody>
-          <a:bodyPr/>
-          <a:lstStyle/>
-          <a:p>
-            <a:r>
-              <a:rPr lang="en-US"/>
-              <a:t>R. Todd Lines</a:t>
-            </a:r>
-          </a:p>
-        </p:txBody>
-      </p:sp>
-      <p:sp>
-        <p:nvSpPr>
-          <p:cNvPr id="1028" name="Rectangle 2"/>
-          <p:cNvSpPr>
-            <a:spLocks noGrp="1" noChangeArrowheads="1"/>
-          </p:cNvSpPr>
-          <p:nvPr>
-            <p:ph type="title"/>
-          </p:nvPr>
-        </p:nvSpPr>
-        <p:spPr>
-          <a:xfrm>
-            <a:off x="1600200" y="0"/>
-            <a:ext cx="7543800" cy="1143000"/>
-          </a:xfrm>
-        </p:spPr>
-        <p:txBody>
-          <a:bodyPr/>
-          <a:lstStyle/>
-          <a:p>
-            <a:pPr eaLnBrk="1" hangingPunct="1"/>
-            <a:r>
-              <a:rPr lang="en-US"/>
-              <a:t>Diffraction Pattern, Object Edge</a:t>
-            </a:r>
-          </a:p>
-        </p:txBody>
-      </p:sp>
-      <p:sp>
-        <p:nvSpPr>
-          <p:cNvPr id="1029" name="Rectangle 3"/>
-          <p:cNvSpPr>
-            <a:spLocks noGrp="1" noChangeArrowheads="1"/>
-          </p:cNvSpPr>
-          <p:nvPr>
-            <p:ph type="body" sz="half" idx="1"/>
-          </p:nvPr>
-        </p:nvSpPr>
-        <p:spPr>
-          <a:xfrm>
-            <a:off x="615950" y="1466850"/>
-            <a:ext cx="3810000" cy="4459288"/>
-          </a:xfrm>
-        </p:spPr>
-        <p:txBody>
-          <a:bodyPr/>
-          <a:lstStyle/>
-          <a:p>
-            <a:pPr eaLnBrk="1" hangingPunct="1">
-              <a:lnSpc>
-                <a:spcPct val="90000"/>
-              </a:lnSpc>
-            </a:pPr>
-            <a:r>
-              <a:rPr lang="en-US" sz="2800"/>
-              <a:t>This shows the upper half of the diffraction pattern formed by light from a single source passing by the edge of an opaque object</a:t>
-            </a:r>
-          </a:p>
-          <a:p>
-            <a:pPr eaLnBrk="1" hangingPunct="1">
-              <a:lnSpc>
-                <a:spcPct val="90000"/>
-              </a:lnSpc>
-            </a:pPr>
-            <a:r>
-              <a:rPr lang="en-US" sz="2800"/>
-              <a:t>The diffraction pattern is vertical with the central maximum at the bottom</a:t>
-            </a:r>
-          </a:p>
-        </p:txBody>
-      </p:sp>
-      <p:graphicFrame>
-        <p:nvGraphicFramePr>
-          <p:cNvPr id="1026" name="Object 4"/>
-          <p:cNvGraphicFramePr>
-            <a:graphicFrameLocks noGrp="1" noChangeAspect="1"/>
-          </p:cNvGraphicFramePr>
-          <p:nvPr>
-            <p:ph type="clipArt" sz="half" idx="2"/>
-          </p:nvPr>
-        </p:nvGraphicFramePr>
-        <p:xfrm>
-          <a:off x="4652963" y="2216150"/>
-          <a:ext cx="4033837" cy="3292475"/>
-        </p:xfrm>
-        <a:graphic>
-          <a:graphicData uri="http://schemas.openxmlformats.org/presentationml/2006/ole">
-            <mc:AlternateContent xmlns:mc="http://schemas.openxmlformats.org/markup-compatibility/2006">
-              <mc:Choice xmlns:v="urn:schemas-microsoft-com:vml" Requires="v">
-                <p:oleObj name="Photo Editor Photo" r:id="rId2" imgW="3285714" imgH="2580952" progId="">
-                  <p:embed/>
-                </p:oleObj>
-              </mc:Choice>
-              <mc:Fallback>
-                <p:oleObj name="Photo Editor Photo" r:id="rId2" imgW="3285714" imgH="2580952" progId="">
-                  <p:embed/>
-                  <p:pic>
-                    <p:nvPicPr>
-                      <p:cNvPr id="1026" name="Object 4"/>
-                      <p:cNvPicPr>
-                        <a:picLocks noChangeAspect="1" noChangeArrowheads="1"/>
-                      </p:cNvPicPr>
-                      <p:nvPr/>
-                    </p:nvPicPr>
-                    <p:blipFill>
-                      <a:blip r:embed="rId3">
-                        <a:extLst>
-                          <a:ext uri="{28A0092B-C50C-407E-A947-70E740481C1C}">
-                            <a14:useLocalDpi xmlns:a14="http://schemas.microsoft.com/office/drawing/2010/main" val="0"/>
-                          </a:ext>
-                        </a:extLst>
-                      </a:blip>
-                      <a:srcRect/>
-                      <a:stretch>
-                        <a:fillRect/>
-                      </a:stretch>
-                    </p:blipFill>
-                    <p:spPr bwMode="auto">
-                      <a:xfrm>
-                        <a:off x="4652963" y="2216150"/>
-                        <a:ext cx="4033837" cy="3292475"/>
-                      </a:xfrm>
-                      <a:prstGeom prst="rect">
-                        <a:avLst/>
-                      </a:prstGeom>
-                      <a:noFill/>
-                      <a:extLst>
-                        <a:ext uri="{909E8E84-426E-40DD-AFC4-6F175D3DCCD1}">
-                          <a14:hiddenFill xmlns:a14="http://schemas.microsoft.com/office/drawing/2010/main">
-                            <a:solidFill>
-                              <a:srgbClr val="FFFFFF"/>
-                            </a:solidFill>
-                          </a14:hiddenFill>
-                        </a:ext>
-                      </a:extLst>
-                    </p:spPr>
-                  </p:pic>
-                </p:oleObj>
-              </mc:Fallback>
-            </mc:AlternateContent>
-          </a:graphicData>
-        </a:graphic>
-      </p:graphicFrame>
-    </p:spTree>
-  </p:cSld>
-  <p:clrMapOvr>
-    <a:masterClrMapping/>
-  </p:clrMapOvr>
-</p:sld>
-</file>
-
-<file path=ppt/slides/slide23.xml><?xml version="1.0" encoding="utf-8"?>
-<p:sld xmlns:a="http://schemas.openxmlformats.org/drawingml/2006/main" xmlns:r="http://schemas.openxmlformats.org/officeDocument/2006/relationships" xmlns:p="http://schemas.openxmlformats.org/presentationml/2006/main">
-  <p:cSld>
-    <p:spTree>
-      <p:nvGrpSpPr>
-        <p:cNvPr id="1" name=""/>
-        <p:cNvGrpSpPr/>
-        <p:nvPr/>
-      </p:nvGrpSpPr>
-      <p:grpSpPr>
-        <a:xfrm>
-          <a:off x="0" y="0"/>
-          <a:ext cx="0" cy="0"/>
-          <a:chOff x="0" y="0"/>
-          <a:chExt cx="0" cy="0"/>
-        </a:xfrm>
-      </p:grpSpPr>
-      <p:sp>
-        <p:nvSpPr>
-          <p:cNvPr id="22530" name="Footer Placeholder 5"/>
-          <p:cNvSpPr>
-            <a:spLocks noGrp="1"/>
-          </p:cNvSpPr>
-          <p:nvPr>
-            <p:ph type="ftr" sz="quarter" idx="11"/>
-          </p:nvPr>
-        </p:nvSpPr>
-        <p:spPr>
-          <a:noFill/>
-        </p:spPr>
-        <p:txBody>
-          <a:bodyPr/>
-          <a:lstStyle/>
-          <a:p>
-            <a:r>
-              <a:rPr lang="en-US"/>
-              <a:t>R. Todd Lines</a:t>
-            </a:r>
-          </a:p>
-        </p:txBody>
-      </p:sp>
-      <p:sp>
-        <p:nvSpPr>
-          <p:cNvPr id="22531" name="Rectangle 2"/>
-          <p:cNvSpPr>
-            <a:spLocks noGrp="1" noChangeArrowheads="1"/>
-          </p:cNvSpPr>
-          <p:nvPr>
-            <p:ph type="title"/>
-          </p:nvPr>
-        </p:nvSpPr>
-        <p:spPr/>
-        <p:txBody>
-          <a:bodyPr>
-            <a:normAutofit fontScale="90000"/>
-          </a:bodyPr>
-          <a:lstStyle/>
-          <a:p>
-            <a:pPr eaLnBrk="1" hangingPunct="1"/>
-            <a:r>
-              <a:rPr lang="en-US"/>
-              <a:t>Fraunhofer Diffraction Pattern</a:t>
-            </a:r>
-          </a:p>
-        </p:txBody>
-      </p:sp>
-      <p:sp>
-        <p:nvSpPr>
-          <p:cNvPr id="22532" name="Rectangle 3"/>
-          <p:cNvSpPr>
-            <a:spLocks noGrp="1" noChangeArrowheads="1"/>
-          </p:cNvSpPr>
-          <p:nvPr>
-            <p:ph type="body" sz="half" idx="1"/>
-          </p:nvPr>
-        </p:nvSpPr>
-        <p:spPr>
-          <a:xfrm>
-            <a:off x="573088" y="1509713"/>
-            <a:ext cx="3810000" cy="4611687"/>
-          </a:xfrm>
-        </p:spPr>
-        <p:txBody>
-          <a:bodyPr/>
-          <a:lstStyle/>
-          <a:p>
-            <a:pPr eaLnBrk="1" hangingPunct="1">
-              <a:lnSpc>
-                <a:spcPct val="90000"/>
-              </a:lnSpc>
-            </a:pPr>
-            <a:r>
-              <a:rPr lang="en-US" sz="2800"/>
-              <a:t>A </a:t>
-            </a:r>
-            <a:r>
-              <a:rPr lang="en-US" sz="2800" b="1"/>
-              <a:t>Fraunhofer diffraction pattern</a:t>
-            </a:r>
-            <a:r>
-              <a:rPr lang="en-US" sz="2800" i="1"/>
-              <a:t> </a:t>
-            </a:r>
-            <a:r>
-              <a:rPr lang="en-US" sz="2800"/>
-              <a:t>occurs when the rays leave the diffracting object in parallel directions</a:t>
-            </a:r>
-          </a:p>
-          <a:p>
-            <a:pPr lvl="1" eaLnBrk="1" hangingPunct="1">
-              <a:lnSpc>
-                <a:spcPct val="90000"/>
-              </a:lnSpc>
-            </a:pPr>
-            <a:r>
-              <a:rPr lang="en-US"/>
-              <a:t>Screen very far from the slit</a:t>
-            </a:r>
-          </a:p>
-          <a:p>
-            <a:pPr lvl="1" eaLnBrk="1" hangingPunct="1">
-              <a:lnSpc>
-                <a:spcPct val="90000"/>
-              </a:lnSpc>
-            </a:pPr>
-            <a:r>
-              <a:rPr lang="en-US"/>
-              <a:t>Could be accomplished by a converging lens </a:t>
-            </a:r>
-          </a:p>
-        </p:txBody>
-      </p:sp>
-      <p:pic>
-        <p:nvPicPr>
-          <p:cNvPr id="22533" name="Picture 4" descr="38-04a"/>
-          <p:cNvPicPr>
-            <a:picLocks noGrp="1" noChangeAspect="1" noChangeArrowheads="1"/>
-          </p:cNvPicPr>
-          <p:nvPr>
-            <p:ph type="clipArt" sz="half" idx="2"/>
-          </p:nvPr>
-        </p:nvPicPr>
-        <p:blipFill>
-          <a:blip r:embed="rId2" cstate="print"/>
-          <a:srcRect/>
-          <a:stretch>
-            <a:fillRect/>
-          </a:stretch>
-        </p:blipFill>
-        <p:spPr>
-          <a:xfrm>
-            <a:off x="5245100" y="1600200"/>
-            <a:ext cx="2849563" cy="4525963"/>
-          </a:xfrm>
-          <a:noFill/>
-        </p:spPr>
-      </p:pic>
-    </p:spTree>
-  </p:cSld>
-  <p:clrMapOvr>
-    <a:masterClrMapping/>
-  </p:clrMapOvr>
-</p:sld>
-</file>
-
-<file path=ppt/slides/slide24.xml><?xml version="1.0" encoding="utf-8"?>
-<p:sld xmlns:a="http://schemas.openxmlformats.org/drawingml/2006/main" xmlns:r="http://schemas.openxmlformats.org/officeDocument/2006/relationships" xmlns:p="http://schemas.openxmlformats.org/presentationml/2006/main">
-  <p:cSld>
-    <p:spTree>
-      <p:nvGrpSpPr>
-        <p:cNvPr id="1" name=""/>
-        <p:cNvGrpSpPr/>
-        <p:nvPr/>
-      </p:nvGrpSpPr>
-      <p:grpSpPr>
-        <a:xfrm>
-          <a:off x="0" y="0"/>
-          <a:ext cx="0" cy="0"/>
-          <a:chOff x="0" y="0"/>
-          <a:chExt cx="0" cy="0"/>
-        </a:xfrm>
-      </p:grpSpPr>
-      <p:sp>
-        <p:nvSpPr>
-          <p:cNvPr id="23554" name="Footer Placeholder 5"/>
-          <p:cNvSpPr>
-            <a:spLocks noGrp="1"/>
-          </p:cNvSpPr>
-          <p:nvPr>
-            <p:ph type="ftr" sz="quarter" idx="11"/>
-          </p:nvPr>
-        </p:nvSpPr>
-        <p:spPr>
-          <a:noFill/>
-        </p:spPr>
-        <p:txBody>
-          <a:bodyPr/>
-          <a:lstStyle/>
-          <a:p>
-            <a:r>
-              <a:rPr lang="en-US"/>
-              <a:t>R. Todd Lines</a:t>
-            </a:r>
-          </a:p>
-        </p:txBody>
-      </p:sp>
-      <p:sp>
-        <p:nvSpPr>
-          <p:cNvPr id="23555" name="Rectangle 2"/>
-          <p:cNvSpPr>
-            <a:spLocks noGrp="1" noChangeArrowheads="1"/>
-          </p:cNvSpPr>
-          <p:nvPr>
-            <p:ph type="title"/>
-          </p:nvPr>
-        </p:nvSpPr>
-        <p:spPr>
-          <a:xfrm>
-            <a:off x="1193800" y="0"/>
-            <a:ext cx="7667625" cy="1143000"/>
-          </a:xfrm>
-        </p:spPr>
-        <p:txBody>
-          <a:bodyPr>
-            <a:normAutofit fontScale="90000"/>
-          </a:bodyPr>
-          <a:lstStyle/>
-          <a:p>
-            <a:pPr eaLnBrk="1" hangingPunct="1"/>
-            <a:r>
-              <a:rPr lang="en-US"/>
-              <a:t>Fraunhofer Diffraction Pattern Photo</a:t>
-            </a:r>
-          </a:p>
-        </p:txBody>
-      </p:sp>
-      <p:sp>
-        <p:nvSpPr>
-          <p:cNvPr id="23556" name="Rectangle 3"/>
-          <p:cNvSpPr>
-            <a:spLocks noGrp="1" noChangeArrowheads="1"/>
-          </p:cNvSpPr>
-          <p:nvPr>
-            <p:ph type="body" sz="half" idx="1"/>
-          </p:nvPr>
-        </p:nvSpPr>
-        <p:spPr>
-          <a:xfrm>
-            <a:off x="457200" y="1600200"/>
-            <a:ext cx="4033838" cy="4525963"/>
-          </a:xfrm>
-        </p:spPr>
-        <p:txBody>
-          <a:bodyPr/>
-          <a:lstStyle/>
-          <a:p>
-            <a:pPr eaLnBrk="1" hangingPunct="1"/>
-            <a:r>
-              <a:rPr lang="en-US" sz="2800"/>
-              <a:t>A bright fringe is seen along the axis (</a:t>
-            </a:r>
-            <a:r>
-              <a:rPr lang="en-US" sz="2800" i="1">
-                <a:cs typeface="Arial" charset="0"/>
-              </a:rPr>
-              <a:t>θ</a:t>
-            </a:r>
-            <a:r>
-              <a:rPr lang="en-US" sz="2800">
-                <a:cs typeface="Tahoma" charset="0"/>
-              </a:rPr>
-              <a:t> = 0) </a:t>
-            </a:r>
-          </a:p>
-          <a:p>
-            <a:pPr eaLnBrk="1" hangingPunct="1"/>
-            <a:r>
-              <a:rPr lang="en-US" sz="2800">
-                <a:cs typeface="Tahoma" charset="0"/>
-              </a:rPr>
-              <a:t>Alternating bright and dark fringes are seen on each side</a:t>
-            </a:r>
-            <a:endParaRPr lang="en-US" sz="2800"/>
-          </a:p>
-          <a:p>
-            <a:pPr eaLnBrk="1" hangingPunct="1"/>
-            <a:endParaRPr lang="en-US" sz="2800"/>
-          </a:p>
-        </p:txBody>
-      </p:sp>
-      <p:pic>
-        <p:nvPicPr>
-          <p:cNvPr id="23557" name="Picture 4" descr="38-04b"/>
-          <p:cNvPicPr>
-            <a:picLocks noGrp="1" noChangeAspect="1" noChangeArrowheads="1"/>
-          </p:cNvPicPr>
-          <p:nvPr>
-            <p:ph type="clipArt" sz="half" idx="2"/>
-          </p:nvPr>
-        </p:nvPicPr>
-        <p:blipFill>
-          <a:blip r:embed="rId2" cstate="print"/>
-          <a:srcRect/>
-          <a:stretch>
-            <a:fillRect/>
-          </a:stretch>
-        </p:blipFill>
-        <p:spPr>
-          <a:xfrm>
-            <a:off x="6324600" y="1981200"/>
-            <a:ext cx="1303338" cy="4114800"/>
-          </a:xfrm>
-          <a:noFill/>
-        </p:spPr>
-      </p:pic>
-    </p:spTree>
-  </p:cSld>
-  <p:clrMapOvr>
-    <a:masterClrMapping/>
-  </p:clrMapOvr>
-</p:sld>
-</file>
-
-<file path=ppt/slides/slide25.xml><?xml version="1.0" encoding="utf-8"?>
-<p:sld xmlns:a="http://schemas.openxmlformats.org/drawingml/2006/main" xmlns:r="http://schemas.openxmlformats.org/officeDocument/2006/relationships" xmlns:p="http://schemas.openxmlformats.org/presentationml/2006/main">
-  <p:cSld>
-    <p:spTree>
-      <p:nvGrpSpPr>
-        <p:cNvPr id="1" name=""/>
-        <p:cNvGrpSpPr/>
-        <p:nvPr/>
-      </p:nvGrpSpPr>
-      <p:grpSpPr>
-        <a:xfrm>
-          <a:off x="0" y="0"/>
-          <a:ext cx="0" cy="0"/>
-          <a:chOff x="0" y="0"/>
-          <a:chExt cx="0" cy="0"/>
-        </a:xfrm>
-      </p:grpSpPr>
-      <p:sp>
-        <p:nvSpPr>
-          <p:cNvPr id="25602" name="Footer Placeholder 4"/>
-          <p:cNvSpPr>
-            <a:spLocks noGrp="1"/>
-          </p:cNvSpPr>
-          <p:nvPr>
-            <p:ph type="ftr" sz="quarter" idx="11"/>
-          </p:nvPr>
-        </p:nvSpPr>
-        <p:spPr>
-          <a:noFill/>
-        </p:spPr>
-        <p:txBody>
-          <a:bodyPr/>
-          <a:lstStyle/>
-          <a:p>
-            <a:r>
-              <a:rPr lang="en-US"/>
-              <a:t>R. Todd Lines</a:t>
-            </a:r>
-          </a:p>
-        </p:txBody>
-      </p:sp>
-      <p:sp>
-        <p:nvSpPr>
-          <p:cNvPr id="25603" name="Rectangle 2"/>
-          <p:cNvSpPr>
-            <a:spLocks noGrp="1" noChangeArrowheads="1"/>
-          </p:cNvSpPr>
-          <p:nvPr>
-            <p:ph type="title"/>
-          </p:nvPr>
-        </p:nvSpPr>
-        <p:spPr>
-          <a:xfrm>
-            <a:off x="1295400" y="0"/>
-            <a:ext cx="7848600" cy="1143000"/>
-          </a:xfrm>
-        </p:spPr>
-        <p:txBody>
-          <a:bodyPr/>
-          <a:lstStyle/>
-          <a:p>
-            <a:pPr eaLnBrk="1" hangingPunct="1"/>
-            <a:r>
-              <a:rPr lang="en-US"/>
-              <a:t>Diffraction vs. Diffraction Pattern</a:t>
-            </a:r>
-          </a:p>
-        </p:txBody>
-      </p:sp>
-      <p:sp>
-        <p:nvSpPr>
-          <p:cNvPr id="25604" name="Rectangle 3"/>
-          <p:cNvSpPr>
-            <a:spLocks noGrp="1" noChangeArrowheads="1"/>
-          </p:cNvSpPr>
-          <p:nvPr>
-            <p:ph type="body" idx="1"/>
-          </p:nvPr>
-        </p:nvSpPr>
-        <p:spPr/>
-        <p:txBody>
-          <a:bodyPr/>
-          <a:lstStyle/>
-          <a:p>
-            <a:pPr eaLnBrk="1" hangingPunct="1"/>
-            <a:r>
-              <a:rPr lang="en-US" sz="2800" i="1"/>
-              <a:t>Diffraction</a:t>
-            </a:r>
-            <a:r>
-              <a:rPr lang="en-US" sz="2800"/>
-              <a:t> refers to the general behavior of waves spreading out as they pass through a slit</a:t>
-            </a:r>
-          </a:p>
-          <a:p>
-            <a:pPr eaLnBrk="1" hangingPunct="1"/>
-            <a:r>
-              <a:rPr lang="en-US" sz="2800"/>
-              <a:t>A </a:t>
-            </a:r>
-            <a:r>
-              <a:rPr lang="en-US" sz="2800" i="1"/>
-              <a:t>diffraction pattern</a:t>
-            </a:r>
-            <a:r>
-              <a:rPr lang="en-US" sz="2800"/>
-              <a:t> is actually a misnomer that is deeply entrenched</a:t>
-            </a:r>
-          </a:p>
-          <a:p>
-            <a:pPr lvl="1" eaLnBrk="1" hangingPunct="1"/>
-            <a:r>
-              <a:rPr lang="en-US" sz="2400"/>
-              <a:t>The pattern seen on the screen is actually another </a:t>
-            </a:r>
-            <a:r>
-              <a:rPr lang="en-US" sz="2400" i="1"/>
-              <a:t>interference</a:t>
-            </a:r>
-            <a:r>
-              <a:rPr lang="en-US" sz="2400"/>
-              <a:t> pattern</a:t>
-            </a:r>
-          </a:p>
-          <a:p>
-            <a:pPr lvl="1" eaLnBrk="1" hangingPunct="1"/>
-            <a:r>
-              <a:rPr lang="en-US" sz="2400"/>
-              <a:t>The interference is between parts of the incident light illuminating different regions of the slit</a:t>
-            </a:r>
-          </a:p>
-        </p:txBody>
-      </p:sp>
-    </p:spTree>
-  </p:cSld>
-  <p:clrMapOvr>
-    <a:masterClrMapping/>
-  </p:clrMapOvr>
-</p:sld>
-</file>
-
-<file path=ppt/slides/slide26.xml><?xml version="1.0" encoding="utf-8"?>
-<p:sld xmlns:a="http://schemas.openxmlformats.org/drawingml/2006/main" xmlns:r="http://schemas.openxmlformats.org/officeDocument/2006/relationships" xmlns:p="http://schemas.openxmlformats.org/presentationml/2006/main">
-  <p:cSld>
-    <p:spTree>
-      <p:nvGrpSpPr>
-        <p:cNvPr id="1" name=""/>
-        <p:cNvGrpSpPr/>
-        <p:nvPr/>
-      </p:nvGrpSpPr>
-      <p:grpSpPr>
-        <a:xfrm>
-          <a:off x="0" y="0"/>
-          <a:ext cx="0" cy="0"/>
-          <a:chOff x="0" y="0"/>
-          <a:chExt cx="0" cy="0"/>
-        </a:xfrm>
-      </p:grpSpPr>
-      <p:sp>
-        <p:nvSpPr>
           <p:cNvPr id="38" name="Right Triangle 37"/>
           <p:cNvSpPr/>
           <p:nvPr/>
@@ -10863,7 +10273,7 @@
 </p:sld>
 </file>
 
-<file path=ppt/slides/slide27.xml><?xml version="1.0" encoding="utf-8"?>
+<file path=ppt/slides/slide23.xml><?xml version="1.0" encoding="utf-8"?>
 <p:sld xmlns:a="http://schemas.openxmlformats.org/drawingml/2006/main" xmlns:r="http://schemas.openxmlformats.org/officeDocument/2006/relationships" xmlns:p="http://schemas.openxmlformats.org/presentationml/2006/main">
   <p:cSld>
     <p:spTree>
@@ -12933,1122 +12343,7 @@
 </p:sld>
 </file>
 
-<file path=ppt/slides/slide28.xml><?xml version="1.0" encoding="utf-8"?>
-<p:sld xmlns:a="http://schemas.openxmlformats.org/drawingml/2006/main" xmlns:r="http://schemas.openxmlformats.org/officeDocument/2006/relationships" xmlns:p="http://schemas.openxmlformats.org/presentationml/2006/main">
-  <p:cSld>
-    <p:spTree>
-      <p:nvGrpSpPr>
-        <p:cNvPr id="1" name=""/>
-        <p:cNvGrpSpPr/>
-        <p:nvPr/>
-      </p:nvGrpSpPr>
-      <p:grpSpPr>
-        <a:xfrm>
-          <a:off x="0" y="0"/>
-          <a:ext cx="0" cy="0"/>
-          <a:chOff x="0" y="0"/>
-          <a:chExt cx="0" cy="0"/>
-        </a:xfrm>
-      </p:grpSpPr>
-      <p:sp>
-        <p:nvSpPr>
-          <p:cNvPr id="27650" name="Footer Placeholder 4"/>
-          <p:cNvSpPr>
-            <a:spLocks noGrp="1"/>
-          </p:cNvSpPr>
-          <p:nvPr>
-            <p:ph type="ftr" sz="quarter" idx="11"/>
-          </p:nvPr>
-        </p:nvSpPr>
-        <p:spPr>
-          <a:noFill/>
-        </p:spPr>
-        <p:txBody>
-          <a:bodyPr/>
-          <a:lstStyle/>
-          <a:p>
-            <a:r>
-              <a:rPr lang="en-US"/>
-              <a:t>R. Todd Lines</a:t>
-            </a:r>
-          </a:p>
-        </p:txBody>
-      </p:sp>
-      <p:sp>
-        <p:nvSpPr>
-          <p:cNvPr id="27651" name="Rectangle 2"/>
-          <p:cNvSpPr>
-            <a:spLocks noGrp="1" noChangeArrowheads="1"/>
-          </p:cNvSpPr>
-          <p:nvPr>
-            <p:ph type="title"/>
-          </p:nvPr>
-        </p:nvSpPr>
-        <p:spPr/>
-        <p:txBody>
-          <a:bodyPr/>
-          <a:lstStyle/>
-          <a:p>
-            <a:pPr eaLnBrk="1" hangingPunct="1"/>
-            <a:r>
-              <a:rPr lang="en-US"/>
-              <a:t>Single-Slit Diffraction, 2</a:t>
-            </a:r>
-          </a:p>
-        </p:txBody>
-      </p:sp>
-      <p:sp>
-        <p:nvSpPr>
-          <p:cNvPr id="27652" name="Rectangle 3"/>
-          <p:cNvSpPr>
-            <a:spLocks noGrp="1" noChangeArrowheads="1"/>
-          </p:cNvSpPr>
-          <p:nvPr>
-            <p:ph type="body" idx="1"/>
-          </p:nvPr>
-        </p:nvSpPr>
-        <p:spPr/>
-        <p:txBody>
-          <a:bodyPr/>
-          <a:lstStyle/>
-          <a:p>
-            <a:pPr eaLnBrk="1" hangingPunct="1"/>
-            <a:r>
-              <a:rPr lang="en-US"/>
-              <a:t>The resultant light intensity on a viewing screen depends on the direction </a:t>
-            </a:r>
-            <a:r>
-              <a:rPr lang="en-US" i="1">
-                <a:cs typeface="Arial" charset="0"/>
-              </a:rPr>
-              <a:t>θ</a:t>
-            </a:r>
-            <a:endParaRPr lang="en-US"/>
-          </a:p>
-          <a:p>
-            <a:pPr eaLnBrk="1" hangingPunct="1"/>
-            <a:r>
-              <a:rPr lang="en-US"/>
-              <a:t>The diffraction pattern is actually an interference pattern</a:t>
-            </a:r>
-          </a:p>
-          <a:p>
-            <a:pPr lvl="1" eaLnBrk="1" hangingPunct="1"/>
-            <a:r>
-              <a:rPr lang="en-US"/>
-              <a:t>The different sources of light are different portions of the single slit</a:t>
-            </a:r>
-          </a:p>
-          <a:p>
-            <a:pPr eaLnBrk="1" hangingPunct="1"/>
-            <a:endParaRPr lang="en-US"/>
-          </a:p>
-        </p:txBody>
-      </p:sp>
-    </p:spTree>
-  </p:cSld>
-  <p:clrMapOvr>
-    <a:masterClrMapping/>
-  </p:clrMapOvr>
-</p:sld>
-</file>
-
-<file path=ppt/slides/slide29.xml><?xml version="1.0" encoding="utf-8"?>
-<p:sld xmlns:a="http://schemas.openxmlformats.org/drawingml/2006/main" xmlns:r="http://schemas.openxmlformats.org/officeDocument/2006/relationships" xmlns:p="http://schemas.openxmlformats.org/presentationml/2006/main">
-  <p:cSld>
-    <p:spTree>
-      <p:nvGrpSpPr>
-        <p:cNvPr id="1" name=""/>
-        <p:cNvGrpSpPr/>
-        <p:nvPr/>
-      </p:nvGrpSpPr>
-      <p:grpSpPr>
-        <a:xfrm>
-          <a:off x="0" y="0"/>
-          <a:ext cx="0" cy="0"/>
-          <a:chOff x="0" y="0"/>
-          <a:chExt cx="0" cy="0"/>
-        </a:xfrm>
-      </p:grpSpPr>
-      <p:sp>
-        <p:nvSpPr>
-          <p:cNvPr id="28674" name="Footer Placeholder 4"/>
-          <p:cNvSpPr>
-            <a:spLocks noGrp="1"/>
-          </p:cNvSpPr>
-          <p:nvPr>
-            <p:ph type="ftr" sz="quarter" idx="11"/>
-          </p:nvPr>
-        </p:nvSpPr>
-        <p:spPr>
-          <a:noFill/>
-        </p:spPr>
-        <p:txBody>
-          <a:bodyPr/>
-          <a:lstStyle/>
-          <a:p>
-            <a:r>
-              <a:rPr lang="en-US"/>
-              <a:t>R. Todd Lines</a:t>
-            </a:r>
-          </a:p>
-        </p:txBody>
-      </p:sp>
-      <p:sp>
-        <p:nvSpPr>
-          <p:cNvPr id="28675" name="Rectangle 2"/>
-          <p:cNvSpPr>
-            <a:spLocks noGrp="1" noChangeArrowheads="1"/>
-          </p:cNvSpPr>
-          <p:nvPr>
-            <p:ph type="title"/>
-          </p:nvPr>
-        </p:nvSpPr>
-        <p:spPr/>
-        <p:txBody>
-          <a:bodyPr/>
-          <a:lstStyle/>
-          <a:p>
-            <a:pPr eaLnBrk="1" hangingPunct="1"/>
-            <a:r>
-              <a:rPr lang="en-US"/>
-              <a:t>Single-Slit Diffraction, Analysis</a:t>
-            </a:r>
-          </a:p>
-        </p:txBody>
-      </p:sp>
-      <p:sp>
-        <p:nvSpPr>
-          <p:cNvPr id="28676" name="Rectangle 3"/>
-          <p:cNvSpPr>
-            <a:spLocks noGrp="1" noChangeArrowheads="1"/>
-          </p:cNvSpPr>
-          <p:nvPr>
-            <p:ph type="body" idx="1"/>
-          </p:nvPr>
-        </p:nvSpPr>
-        <p:spPr>
-          <a:xfrm>
-            <a:off x="457200" y="1325563"/>
-            <a:ext cx="8229600" cy="4525962"/>
-          </a:xfrm>
-        </p:spPr>
-        <p:txBody>
-          <a:bodyPr/>
-          <a:lstStyle/>
-          <a:p>
-            <a:pPr eaLnBrk="1" hangingPunct="1">
-              <a:lnSpc>
-                <a:spcPct val="90000"/>
-              </a:lnSpc>
-            </a:pPr>
-            <a:r>
-              <a:rPr lang="en-US" sz="2800"/>
-              <a:t>All the waves that originate at the slit are in phase</a:t>
-            </a:r>
-          </a:p>
-          <a:p>
-            <a:pPr eaLnBrk="1" hangingPunct="1">
-              <a:lnSpc>
-                <a:spcPct val="90000"/>
-              </a:lnSpc>
-            </a:pPr>
-            <a:r>
-              <a:rPr lang="en-US" sz="2800"/>
-              <a:t>Wave 1 travels farther than wave 3 by an amount equal to the path difference </a:t>
-            </a:r>
-          </a:p>
-          <a:p>
-            <a:pPr lvl="1" eaLnBrk="1" hangingPunct="1">
-              <a:lnSpc>
-                <a:spcPct val="90000"/>
-              </a:lnSpc>
-            </a:pPr>
-            <a:r>
-              <a:rPr lang="en-US" sz="2400"/>
-              <a:t>(</a:t>
-            </a:r>
-            <a:r>
-              <a:rPr lang="en-US" sz="2400" i="1"/>
-              <a:t>a</a:t>
-            </a:r>
-            <a:r>
-              <a:rPr lang="en-US" sz="2400"/>
-              <a:t>/2) sin </a:t>
-            </a:r>
-            <a:r>
-              <a:rPr lang="en-US" sz="2400" i="1">
-                <a:cs typeface="Arial" charset="0"/>
-              </a:rPr>
-              <a:t>θ</a:t>
-            </a:r>
-            <a:r>
-              <a:rPr lang="en-US" sz="2400">
-                <a:cs typeface="Tahoma" charset="0"/>
-              </a:rPr>
-              <a:t> </a:t>
-            </a:r>
-          </a:p>
-          <a:p>
-            <a:pPr eaLnBrk="1" hangingPunct="1">
-              <a:lnSpc>
-                <a:spcPct val="90000"/>
-              </a:lnSpc>
-            </a:pPr>
-            <a:r>
-              <a:rPr lang="en-US" sz="2800">
-                <a:cs typeface="Tahoma" charset="0"/>
-              </a:rPr>
-              <a:t>If this path difference is exactly half of a wavelength, the two waves cancel each other and destructive interference results</a:t>
-            </a:r>
-          </a:p>
-          <a:p>
-            <a:pPr eaLnBrk="1" hangingPunct="1">
-              <a:lnSpc>
-                <a:spcPct val="90000"/>
-              </a:lnSpc>
-            </a:pPr>
-            <a:r>
-              <a:rPr lang="en-US" sz="2800"/>
-              <a:t>In general, </a:t>
-            </a:r>
-            <a:r>
-              <a:rPr lang="en-US" sz="2800" i="1"/>
-              <a:t>destructive interference</a:t>
-            </a:r>
-            <a:r>
-              <a:rPr lang="en-US" sz="2800"/>
-              <a:t> occurs for a single slit of width </a:t>
-            </a:r>
-            <a:r>
-              <a:rPr lang="en-US" sz="2800" i="1"/>
-              <a:t>a</a:t>
-            </a:r>
-            <a:r>
-              <a:rPr lang="en-US" sz="2800"/>
-              <a:t> when sin </a:t>
-            </a:r>
-            <a:r>
-              <a:rPr lang="en-US" sz="2800" i="1">
-                <a:cs typeface="Arial" charset="0"/>
-              </a:rPr>
-              <a:t>θ</a:t>
-            </a:r>
-            <a:r>
-              <a:rPr lang="en-US" sz="2800" baseline="-25000">
-                <a:cs typeface="Tahoma" charset="0"/>
-              </a:rPr>
-              <a:t>dark</a:t>
-            </a:r>
-            <a:r>
-              <a:rPr lang="en-US" sz="2800">
-                <a:cs typeface="Tahoma" charset="0"/>
-              </a:rPr>
-              <a:t> = </a:t>
-            </a:r>
-            <a:r>
-              <a:rPr lang="en-US" sz="2800" i="1">
-                <a:cs typeface="Tahoma" charset="0"/>
-              </a:rPr>
-              <a:t>m</a:t>
-            </a:r>
-            <a:r>
-              <a:rPr lang="en-US" sz="2800" i="1">
-                <a:cs typeface="Arial" charset="0"/>
-              </a:rPr>
-              <a:t>λ</a:t>
-            </a:r>
-            <a:r>
-              <a:rPr lang="en-US" sz="2800">
-                <a:cs typeface="Tahoma" charset="0"/>
-              </a:rPr>
-              <a:t> / </a:t>
-            </a:r>
-            <a:r>
-              <a:rPr lang="en-US" sz="2800" i="1">
-                <a:cs typeface="Tahoma" charset="0"/>
-              </a:rPr>
-              <a:t>a</a:t>
-            </a:r>
-          </a:p>
-          <a:p>
-            <a:pPr lvl="1" eaLnBrk="1" hangingPunct="1">
-              <a:lnSpc>
-                <a:spcPct val="90000"/>
-              </a:lnSpc>
-            </a:pPr>
-            <a:r>
-              <a:rPr lang="en-US" sz="2400" i="1"/>
-              <a:t>m</a:t>
-            </a:r>
-            <a:r>
-              <a:rPr lang="en-US" sz="2400"/>
-              <a:t> = </a:t>
-            </a:r>
-            <a:r>
-              <a:rPr lang="en-US" sz="2400">
-                <a:cs typeface="Arial" charset="0"/>
-                <a:sym typeface="UniversalMath1 BT" pitchFamily="18" charset="2"/>
-              </a:rPr>
-              <a:t>±</a:t>
-            </a:r>
-            <a:r>
-              <a:rPr lang="en-US" sz="2400">
-                <a:sym typeface="UniversalMath1 BT" pitchFamily="18" charset="2"/>
-              </a:rPr>
-              <a:t>1, </a:t>
-            </a:r>
-            <a:r>
-              <a:rPr lang="en-US" sz="2400">
-                <a:cs typeface="Arial" charset="0"/>
-                <a:sym typeface="UniversalMath1 BT" pitchFamily="18" charset="2"/>
-              </a:rPr>
-              <a:t>±</a:t>
-            </a:r>
-            <a:r>
-              <a:rPr lang="en-US" sz="2400">
-                <a:sym typeface="UniversalMath1 BT" pitchFamily="18" charset="2"/>
-              </a:rPr>
-              <a:t>2, </a:t>
-            </a:r>
-            <a:r>
-              <a:rPr lang="en-US" sz="2400">
-                <a:cs typeface="Arial" charset="0"/>
-                <a:sym typeface="UniversalMath1 BT" pitchFamily="18" charset="2"/>
-              </a:rPr>
-              <a:t>±</a:t>
-            </a:r>
-            <a:r>
-              <a:rPr lang="en-US" sz="2400">
-                <a:sym typeface="UniversalMath1 BT" pitchFamily="18" charset="2"/>
-              </a:rPr>
-              <a:t>3, …</a:t>
-            </a:r>
-          </a:p>
-        </p:txBody>
-      </p:sp>
-    </p:spTree>
-  </p:cSld>
-  <p:clrMapOvr>
-    <a:masterClrMapping/>
-  </p:clrMapOvr>
-</p:sld>
-</file>
-
-<file path=ppt/slides/slide3.xml><?xml version="1.0" encoding="utf-8"?>
-<p:sld xmlns:a="http://schemas.openxmlformats.org/drawingml/2006/main" xmlns:r="http://schemas.openxmlformats.org/officeDocument/2006/relationships" xmlns:p="http://schemas.openxmlformats.org/presentationml/2006/main">
-  <p:cSld>
-    <p:spTree>
-      <p:nvGrpSpPr>
-        <p:cNvPr id="1" name=""/>
-        <p:cNvGrpSpPr/>
-        <p:nvPr/>
-      </p:nvGrpSpPr>
-      <p:grpSpPr>
-        <a:xfrm>
-          <a:off x="0" y="0"/>
-          <a:ext cx="0" cy="0"/>
-          <a:chOff x="0" y="0"/>
-          <a:chExt cx="0" cy="0"/>
-        </a:xfrm>
-      </p:grpSpPr>
-      <p:sp>
-        <p:nvSpPr>
-          <p:cNvPr id="2" name="Title 1"/>
-          <p:cNvSpPr>
-            <a:spLocks noGrp="1"/>
-          </p:cNvSpPr>
-          <p:nvPr>
-            <p:ph type="title"/>
-          </p:nvPr>
-        </p:nvSpPr>
-        <p:spPr/>
-        <p:txBody>
-          <a:bodyPr/>
-          <a:lstStyle/>
-          <a:p>
-            <a:endParaRPr lang="en-US"/>
-          </a:p>
-        </p:txBody>
-      </p:sp>
-      <p:sp>
-        <p:nvSpPr>
-          <p:cNvPr id="3" name="Content Placeholder 2"/>
-          <p:cNvSpPr>
-            <a:spLocks noGrp="1"/>
-          </p:cNvSpPr>
-          <p:nvPr>
-            <p:ph idx="1"/>
-          </p:nvPr>
-        </p:nvSpPr>
-        <p:spPr/>
-        <p:txBody>
-          <a:bodyPr/>
-          <a:lstStyle/>
-          <a:p>
-            <a:endParaRPr lang="en-US"/>
-          </a:p>
-        </p:txBody>
-      </p:sp>
-      <p:pic>
-        <p:nvPicPr>
-          <p:cNvPr id="3074" name="Picture 2"/>
-          <p:cNvPicPr>
-            <a:picLocks noChangeAspect="1" noChangeArrowheads="1"/>
-          </p:cNvPicPr>
-          <p:nvPr/>
-        </p:nvPicPr>
-        <p:blipFill>
-          <a:blip r:embed="rId2" cstate="print"/>
-          <a:srcRect/>
-          <a:stretch>
-            <a:fillRect/>
-          </a:stretch>
-        </p:blipFill>
-        <p:spPr bwMode="auto">
-          <a:xfrm>
-            <a:off x="2286000" y="152400"/>
-            <a:ext cx="3287653" cy="5842000"/>
-          </a:xfrm>
-          <a:prstGeom prst="rect">
-            <a:avLst/>
-          </a:prstGeom>
-          <a:noFill/>
-          <a:ln w="9525">
-            <a:noFill/>
-            <a:miter lim="800000"/>
-            <a:headEnd/>
-            <a:tailEnd/>
-          </a:ln>
-          <a:effectLst/>
-        </p:spPr>
-      </p:pic>
-    </p:spTree>
-  </p:cSld>
-  <p:clrMapOvr>
-    <a:masterClrMapping/>
-  </p:clrMapOvr>
-</p:sld>
-</file>
-
-<file path=ppt/slides/slide30.xml><?xml version="1.0" encoding="utf-8"?>
-<p:sld xmlns:a="http://schemas.openxmlformats.org/drawingml/2006/main" xmlns:r="http://schemas.openxmlformats.org/officeDocument/2006/relationships" xmlns:p="http://schemas.openxmlformats.org/presentationml/2006/main">
-  <p:cSld>
-    <p:spTree>
-      <p:nvGrpSpPr>
-        <p:cNvPr id="1" name=""/>
-        <p:cNvGrpSpPr/>
-        <p:nvPr/>
-      </p:nvGrpSpPr>
-      <p:grpSpPr>
-        <a:xfrm>
-          <a:off x="0" y="0"/>
-          <a:ext cx="0" cy="0"/>
-          <a:chOff x="0" y="0"/>
-          <a:chExt cx="0" cy="0"/>
-        </a:xfrm>
-      </p:grpSpPr>
-      <p:sp>
-        <p:nvSpPr>
-          <p:cNvPr id="193539" name="Rectangle 2"/>
-          <p:cNvSpPr>
-            <a:spLocks noGrp="1" noChangeArrowheads="1"/>
-          </p:cNvSpPr>
-          <p:nvPr>
-            <p:ph type="title"/>
-          </p:nvPr>
-        </p:nvSpPr>
-        <p:spPr/>
-        <p:txBody>
-          <a:bodyPr/>
-          <a:lstStyle/>
-          <a:p>
-            <a:r>
-              <a:rPr lang="en-US" dirty="0"/>
-              <a:t>Question 223.11.1</a:t>
-            </a:r>
-          </a:p>
-        </p:txBody>
-      </p:sp>
-      <p:sp>
-        <p:nvSpPr>
-          <p:cNvPr id="193540" name="Rectangle 3"/>
-          <p:cNvSpPr>
-            <a:spLocks noGrp="1" noChangeArrowheads="1"/>
-          </p:cNvSpPr>
-          <p:nvPr>
-            <p:ph idx="1"/>
-          </p:nvPr>
-        </p:nvSpPr>
-        <p:spPr>
-          <a:xfrm>
-            <a:off x="457200" y="1600200"/>
-            <a:ext cx="3803650" cy="4525963"/>
-          </a:xfrm>
-        </p:spPr>
-        <p:txBody>
-          <a:bodyPr/>
-          <a:lstStyle/>
-          <a:p>
-            <a:pPr marL="609600" indent="-609600" eaLnBrk="1" hangingPunct="1">
-              <a:lnSpc>
-                <a:spcPct val="90000"/>
-              </a:lnSpc>
-              <a:buFontTx/>
-              <a:buNone/>
-            </a:pPr>
-            <a:r>
-              <a:rPr lang="en-US" sz="2400"/>
-              <a:t>Suppose you have a single slit diffraction pattern. If you increase the size of the slit, the size of the central maximum</a:t>
-            </a:r>
-          </a:p>
-          <a:p>
-            <a:pPr marL="609600" indent="-609600" eaLnBrk="1" hangingPunct="1">
-              <a:lnSpc>
-                <a:spcPct val="90000"/>
-              </a:lnSpc>
-              <a:buFontTx/>
-              <a:buAutoNum type="alphaLcParenR"/>
-            </a:pPr>
-            <a:r>
-              <a:rPr lang="en-US" sz="2400"/>
-              <a:t>Becomes wider</a:t>
-            </a:r>
-          </a:p>
-          <a:p>
-            <a:pPr marL="609600" indent="-609600" eaLnBrk="1" hangingPunct="1">
-              <a:lnSpc>
-                <a:spcPct val="90000"/>
-              </a:lnSpc>
-              <a:buFontTx/>
-              <a:buAutoNum type="alphaLcParenR"/>
-            </a:pPr>
-            <a:r>
-              <a:rPr lang="en-US" sz="2400"/>
-              <a:t>Becomes narrower</a:t>
-            </a:r>
-          </a:p>
-          <a:p>
-            <a:pPr marL="609600" indent="-609600" eaLnBrk="1" hangingPunct="1">
-              <a:lnSpc>
-                <a:spcPct val="90000"/>
-              </a:lnSpc>
-              <a:buFontTx/>
-              <a:buAutoNum type="alphaLcParenR"/>
-            </a:pPr>
-            <a:r>
-              <a:rPr lang="en-US" sz="2400"/>
-              <a:t>Stays the same</a:t>
-            </a:r>
-          </a:p>
-          <a:p>
-            <a:pPr marL="609600" indent="-609600" eaLnBrk="1" hangingPunct="1">
-              <a:lnSpc>
-                <a:spcPct val="90000"/>
-              </a:lnSpc>
-              <a:buFontTx/>
-              <a:buAutoNum type="alphaLcParenR"/>
-            </a:pPr>
-            <a:r>
-              <a:rPr lang="en-US" sz="2400"/>
-              <a:t>Fades to non-existent</a:t>
-            </a:r>
-          </a:p>
-        </p:txBody>
-      </p:sp>
-      <p:sp>
-        <p:nvSpPr>
-          <p:cNvPr id="193538" name="Slide Number Placeholder 5"/>
-          <p:cNvSpPr>
-            <a:spLocks noGrp="1"/>
-          </p:cNvSpPr>
-          <p:nvPr>
-            <p:ph type="sldNum" sz="quarter" idx="12"/>
-          </p:nvPr>
-        </p:nvSpPr>
-        <p:spPr>
-          <a:noFill/>
-        </p:spPr>
-        <p:txBody>
-          <a:bodyPr/>
-          <a:lstStyle/>
-          <a:p>
-            <a:fld id="{7A70FFBB-2E19-4429-931F-A85042212607}" type="slidenum">
-              <a:rPr lang="en-US" smtClean="0"/>
-              <a:pPr/>
-              <a:t>30</a:t>
-            </a:fld>
-            <a:endParaRPr lang="en-US"/>
-          </a:p>
-        </p:txBody>
-      </p:sp>
-      <p:pic>
-        <p:nvPicPr>
-          <p:cNvPr id="193541" name="Picture 4" descr="38-06"/>
-          <p:cNvPicPr>
-            <a:picLocks noChangeAspect="1" noChangeArrowheads="1"/>
-          </p:cNvPicPr>
-          <p:nvPr/>
-        </p:nvPicPr>
-        <p:blipFill>
-          <a:blip r:embed="rId2" cstate="print"/>
-          <a:srcRect/>
-          <a:stretch>
-            <a:fillRect/>
-          </a:stretch>
-        </p:blipFill>
-        <p:spPr bwMode="auto">
-          <a:xfrm>
-            <a:off x="4799013" y="2401888"/>
-            <a:ext cx="4033837" cy="2921000"/>
-          </a:xfrm>
-          <a:prstGeom prst="rect">
-            <a:avLst/>
-          </a:prstGeom>
-          <a:noFill/>
-          <a:ln w="9525">
-            <a:noFill/>
-            <a:miter lim="800000"/>
-            <a:headEnd/>
-            <a:tailEnd/>
-          </a:ln>
-        </p:spPr>
-      </p:pic>
-    </p:spTree>
-  </p:cSld>
-  <p:clrMapOvr>
-    <a:masterClrMapping/>
-  </p:clrMapOvr>
-</p:sld>
-</file>
-
-<file path=ppt/slides/slide31.xml><?xml version="1.0" encoding="utf-8"?>
-<p:sld xmlns:a="http://schemas.openxmlformats.org/drawingml/2006/main" xmlns:r="http://schemas.openxmlformats.org/officeDocument/2006/relationships" xmlns:p="http://schemas.openxmlformats.org/presentationml/2006/main">
-  <p:cSld>
-    <p:spTree>
-      <p:nvGrpSpPr>
-        <p:cNvPr id="1" name=""/>
-        <p:cNvGrpSpPr/>
-        <p:nvPr/>
-      </p:nvGrpSpPr>
-      <p:grpSpPr>
-        <a:xfrm>
-          <a:off x="0" y="0"/>
-          <a:ext cx="0" cy="0"/>
-          <a:chOff x="0" y="0"/>
-          <a:chExt cx="0" cy="0"/>
-        </a:xfrm>
-      </p:grpSpPr>
-      <p:sp>
-        <p:nvSpPr>
-          <p:cNvPr id="29698" name="Footer Placeholder 4"/>
-          <p:cNvSpPr>
-            <a:spLocks noGrp="1"/>
-          </p:cNvSpPr>
-          <p:nvPr>
-            <p:ph type="ftr" sz="quarter" idx="11"/>
-          </p:nvPr>
-        </p:nvSpPr>
-        <p:spPr>
-          <a:noFill/>
-        </p:spPr>
-        <p:txBody>
-          <a:bodyPr/>
-          <a:lstStyle/>
-          <a:p>
-            <a:r>
-              <a:rPr lang="en-US"/>
-              <a:t>R. Todd Lines</a:t>
-            </a:r>
-          </a:p>
-        </p:txBody>
-      </p:sp>
-      <p:sp>
-        <p:nvSpPr>
-          <p:cNvPr id="29699" name="Rectangle 4"/>
-          <p:cNvSpPr>
-            <a:spLocks noGrp="1" noChangeArrowheads="1"/>
-          </p:cNvSpPr>
-          <p:nvPr>
-            <p:ph type="ctrTitle"/>
-          </p:nvPr>
-        </p:nvSpPr>
-        <p:spPr/>
-        <p:txBody>
-          <a:bodyPr/>
-          <a:lstStyle/>
-          <a:p>
-            <a:pPr eaLnBrk="1" hangingPunct="1"/>
-            <a:r>
-              <a:rPr lang="en-US"/>
-              <a:t>Diffraction from Narrow Slits</a:t>
-            </a:r>
-          </a:p>
-        </p:txBody>
-      </p:sp>
-      <p:sp>
-        <p:nvSpPr>
-          <p:cNvPr id="29700" name="Rectangle 5"/>
-          <p:cNvSpPr>
-            <a:spLocks noGrp="1" noChangeArrowheads="1"/>
-          </p:cNvSpPr>
-          <p:nvPr>
-            <p:ph type="subTitle" idx="1"/>
-          </p:nvPr>
-        </p:nvSpPr>
-        <p:spPr/>
-        <p:txBody>
-          <a:bodyPr/>
-          <a:lstStyle/>
-          <a:p>
-            <a:pPr eaLnBrk="1" hangingPunct="1"/>
-            <a:endParaRPr lang="en-US"/>
-          </a:p>
-        </p:txBody>
-      </p:sp>
-    </p:spTree>
-  </p:cSld>
-  <p:clrMapOvr>
-    <a:masterClrMapping/>
-  </p:clrMapOvr>
-</p:sld>
-</file>
-
-<file path=ppt/slides/slide32.xml><?xml version="1.0" encoding="utf-8"?>
-<p:sld xmlns:a="http://schemas.openxmlformats.org/drawingml/2006/main" xmlns:r="http://schemas.openxmlformats.org/officeDocument/2006/relationships" xmlns:p="http://schemas.openxmlformats.org/presentationml/2006/main">
-  <p:cSld>
-    <p:spTree>
-      <p:nvGrpSpPr>
-        <p:cNvPr id="1" name=""/>
-        <p:cNvGrpSpPr/>
-        <p:nvPr/>
-      </p:nvGrpSpPr>
-      <p:grpSpPr>
-        <a:xfrm>
-          <a:off x="0" y="0"/>
-          <a:ext cx="0" cy="0"/>
-          <a:chOff x="0" y="0"/>
-          <a:chExt cx="0" cy="0"/>
-        </a:xfrm>
-      </p:grpSpPr>
-      <p:sp>
-        <p:nvSpPr>
-          <p:cNvPr id="30722" name="Footer Placeholder 5"/>
-          <p:cNvSpPr>
-            <a:spLocks noGrp="1"/>
-          </p:cNvSpPr>
-          <p:nvPr>
-            <p:ph type="ftr" sz="quarter" idx="11"/>
-          </p:nvPr>
-        </p:nvSpPr>
-        <p:spPr>
-          <a:noFill/>
-        </p:spPr>
-        <p:txBody>
-          <a:bodyPr/>
-          <a:lstStyle/>
-          <a:p>
-            <a:r>
-              <a:rPr lang="en-US"/>
-              <a:t>R. Todd Lines</a:t>
-            </a:r>
-          </a:p>
-        </p:txBody>
-      </p:sp>
-      <p:sp>
-        <p:nvSpPr>
-          <p:cNvPr id="30723" name="Rectangle 2"/>
-          <p:cNvSpPr>
-            <a:spLocks noGrp="1" noChangeArrowheads="1"/>
-          </p:cNvSpPr>
-          <p:nvPr>
-            <p:ph type="title"/>
-          </p:nvPr>
-        </p:nvSpPr>
-        <p:spPr/>
-        <p:txBody>
-          <a:bodyPr>
-            <a:normAutofit fontScale="90000"/>
-          </a:bodyPr>
-          <a:lstStyle/>
-          <a:p>
-            <a:pPr eaLnBrk="1" hangingPunct="1"/>
-            <a:r>
-              <a:rPr lang="en-US"/>
-              <a:t>Single-Slit Diffraction, Intensity</a:t>
-            </a:r>
-          </a:p>
-        </p:txBody>
-      </p:sp>
-      <p:sp>
-        <p:nvSpPr>
-          <p:cNvPr id="30724" name="Rectangle 3"/>
-          <p:cNvSpPr>
-            <a:spLocks noGrp="1" noChangeArrowheads="1"/>
-          </p:cNvSpPr>
-          <p:nvPr>
-            <p:ph type="body" sz="half" idx="1"/>
-          </p:nvPr>
-        </p:nvSpPr>
-        <p:spPr>
-          <a:xfrm>
-            <a:off x="236538" y="1408113"/>
-            <a:ext cx="4495800" cy="4840287"/>
-          </a:xfrm>
-        </p:spPr>
-        <p:txBody>
-          <a:bodyPr/>
-          <a:lstStyle/>
-          <a:p>
-            <a:pPr eaLnBrk="1" hangingPunct="1"/>
-            <a:r>
-              <a:rPr lang="en-US" sz="2200"/>
-              <a:t>The general features of the intensity distribution are shown</a:t>
-            </a:r>
-          </a:p>
-          <a:p>
-            <a:pPr eaLnBrk="1" hangingPunct="1"/>
-            <a:r>
-              <a:rPr lang="en-US" sz="2200"/>
-              <a:t>A broad central bright fringe is flanked by much weaker bright fringes alternating with dark fringes</a:t>
-            </a:r>
-          </a:p>
-          <a:p>
-            <a:pPr eaLnBrk="1" hangingPunct="1"/>
-            <a:r>
-              <a:rPr lang="en-US" sz="2200"/>
-              <a:t>Each bright fringe peak lies approximately halfway between the dark fringes</a:t>
-            </a:r>
-          </a:p>
-          <a:p>
-            <a:pPr eaLnBrk="1" hangingPunct="1"/>
-            <a:r>
-              <a:rPr lang="en-US" sz="2200"/>
-              <a:t>The central bright maximum is twice as wide as the secondary maxima</a:t>
-            </a:r>
-          </a:p>
-        </p:txBody>
-      </p:sp>
-      <p:pic>
-        <p:nvPicPr>
-          <p:cNvPr id="30725" name="Picture 4" descr="38-06"/>
-          <p:cNvPicPr>
-            <a:picLocks noGrp="1" noChangeAspect="1" noChangeArrowheads="1"/>
-          </p:cNvPicPr>
-          <p:nvPr>
-            <p:ph type="clipArt" sz="half" idx="2"/>
-          </p:nvPr>
-        </p:nvPicPr>
-        <p:blipFill>
-          <a:blip r:embed="rId2" cstate="print"/>
-          <a:srcRect/>
-          <a:stretch>
-            <a:fillRect/>
-          </a:stretch>
-        </p:blipFill>
-        <p:spPr>
-          <a:xfrm>
-            <a:off x="4799013" y="2401888"/>
-            <a:ext cx="4033837" cy="2921000"/>
-          </a:xfrm>
-          <a:noFill/>
-        </p:spPr>
-      </p:pic>
-    </p:spTree>
-  </p:cSld>
-  <p:clrMapOvr>
-    <a:masterClrMapping/>
-  </p:clrMapOvr>
-</p:sld>
-</file>
-
-<file path=ppt/slides/slide33.xml><?xml version="1.0" encoding="utf-8"?>
-<p:sld xmlns:a="http://schemas.openxmlformats.org/drawingml/2006/main" xmlns:r="http://schemas.openxmlformats.org/officeDocument/2006/relationships" xmlns:p="http://schemas.openxmlformats.org/presentationml/2006/main">
-  <p:cSld>
-    <p:spTree>
-      <p:nvGrpSpPr>
-        <p:cNvPr id="1" name=""/>
-        <p:cNvGrpSpPr/>
-        <p:nvPr/>
-      </p:nvGrpSpPr>
-      <p:grpSpPr>
-        <a:xfrm>
-          <a:off x="0" y="0"/>
-          <a:ext cx="0" cy="0"/>
-          <a:chOff x="0" y="0"/>
-          <a:chExt cx="0" cy="0"/>
-        </a:xfrm>
-      </p:grpSpPr>
-      <p:sp>
-        <p:nvSpPr>
-          <p:cNvPr id="31746" name="Footer Placeholder 5"/>
-          <p:cNvSpPr>
-            <a:spLocks noGrp="1"/>
-          </p:cNvSpPr>
-          <p:nvPr>
-            <p:ph type="ftr" sz="quarter" idx="11"/>
-          </p:nvPr>
-        </p:nvSpPr>
-        <p:spPr>
-          <a:noFill/>
-        </p:spPr>
-        <p:txBody>
-          <a:bodyPr/>
-          <a:lstStyle/>
-          <a:p>
-            <a:r>
-              <a:rPr lang="en-US"/>
-              <a:t>R. Todd Lines</a:t>
-            </a:r>
-          </a:p>
-        </p:txBody>
-      </p:sp>
-      <p:sp>
-        <p:nvSpPr>
-          <p:cNvPr id="31747" name="Rectangle 2"/>
-          <p:cNvSpPr>
-            <a:spLocks noGrp="1" noChangeArrowheads="1"/>
-          </p:cNvSpPr>
-          <p:nvPr>
-            <p:ph type="title"/>
-          </p:nvPr>
-        </p:nvSpPr>
-        <p:spPr>
-          <a:xfrm>
-            <a:off x="1136650" y="0"/>
-            <a:ext cx="7696200" cy="1143000"/>
-          </a:xfrm>
-        </p:spPr>
-        <p:txBody>
-          <a:bodyPr/>
-          <a:lstStyle/>
-          <a:p>
-            <a:pPr eaLnBrk="1" hangingPunct="1"/>
-            <a:r>
-              <a:rPr lang="en-US" sz="3200"/>
-              <a:t>Intensity of Single-Slit Diffraction Patterns</a:t>
-            </a:r>
-          </a:p>
-        </p:txBody>
-      </p:sp>
-      <p:sp>
-        <p:nvSpPr>
-          <p:cNvPr id="31748" name="Rectangle 3"/>
-          <p:cNvSpPr>
-            <a:spLocks noGrp="1" noChangeArrowheads="1"/>
-          </p:cNvSpPr>
-          <p:nvPr>
-            <p:ph type="body" sz="half" idx="1"/>
-          </p:nvPr>
-        </p:nvSpPr>
-        <p:spPr>
-          <a:xfrm>
-            <a:off x="1143000" y="1828800"/>
-            <a:ext cx="3810000" cy="4724400"/>
-          </a:xfrm>
-        </p:spPr>
-        <p:txBody>
-          <a:bodyPr/>
-          <a:lstStyle/>
-          <a:p>
-            <a:pPr eaLnBrk="1" hangingPunct="1">
-              <a:lnSpc>
-                <a:spcPct val="90000"/>
-              </a:lnSpc>
-            </a:pPr>
-            <a:r>
-              <a:rPr lang="en-US" sz="2400"/>
-              <a:t>Phasors can be used to determine the light intensity distribution for a single-slit diffraction pattern</a:t>
-            </a:r>
-          </a:p>
-          <a:p>
-            <a:pPr eaLnBrk="1" hangingPunct="1">
-              <a:lnSpc>
-                <a:spcPct val="90000"/>
-              </a:lnSpc>
-            </a:pPr>
-            <a:r>
-              <a:rPr lang="en-US" sz="2400"/>
-              <a:t>Slit width </a:t>
-            </a:r>
-            <a:r>
-              <a:rPr lang="en-US" sz="2400" i="1"/>
-              <a:t>a</a:t>
-            </a:r>
-            <a:r>
-              <a:rPr lang="en-US" sz="2400"/>
-              <a:t> can be thought of as being divided into zones</a:t>
-            </a:r>
-          </a:p>
-          <a:p>
-            <a:pPr lvl="1" eaLnBrk="1" hangingPunct="1">
-              <a:lnSpc>
-                <a:spcPct val="90000"/>
-              </a:lnSpc>
-            </a:pPr>
-            <a:r>
-              <a:rPr lang="en-US" sz="2000"/>
-              <a:t>The zones have a width of </a:t>
-            </a:r>
-            <a:r>
-              <a:rPr lang="en-US" sz="2000">
-                <a:latin typeface="Symbol" pitchFamily="18" charset="2"/>
-                <a:cs typeface="Arial" charset="0"/>
-              </a:rPr>
-              <a:t>Δ</a:t>
-            </a:r>
-            <a:r>
-              <a:rPr lang="en-US" sz="2000"/>
-              <a:t>y</a:t>
-            </a:r>
-          </a:p>
-          <a:p>
-            <a:pPr eaLnBrk="1" hangingPunct="1">
-              <a:lnSpc>
-                <a:spcPct val="90000"/>
-              </a:lnSpc>
-            </a:pPr>
-            <a:r>
-              <a:rPr lang="en-US" sz="2400"/>
-              <a:t>Each zone acts as a source of coherent radiation</a:t>
-            </a:r>
-          </a:p>
-        </p:txBody>
-      </p:sp>
-      <p:pic>
-        <p:nvPicPr>
-          <p:cNvPr id="31749" name="Picture 4" descr="38-07"/>
-          <p:cNvPicPr>
-            <a:picLocks noGrp="1" noChangeAspect="1" noChangeArrowheads="1"/>
-          </p:cNvPicPr>
-          <p:nvPr>
-            <p:ph type="clipArt" sz="half" idx="2"/>
-          </p:nvPr>
-        </p:nvPicPr>
-        <p:blipFill>
-          <a:blip r:embed="rId2" cstate="print"/>
-          <a:srcRect/>
-          <a:stretch>
-            <a:fillRect/>
-          </a:stretch>
-        </p:blipFill>
-        <p:spPr>
-          <a:xfrm>
-            <a:off x="4652963" y="2065338"/>
-            <a:ext cx="4033837" cy="3594100"/>
-          </a:xfrm>
-          <a:noFill/>
-        </p:spPr>
-      </p:pic>
-    </p:spTree>
-  </p:cSld>
-  <p:clrMapOvr>
-    <a:masterClrMapping/>
-  </p:clrMapOvr>
-</p:sld>
-</file>
-
-<file path=ppt/slides/slide34.xml><?xml version="1.0" encoding="utf-8"?>
+<file path=ppt/slides/slide24.xml><?xml version="1.0" encoding="utf-8"?>
 <p:sld xmlns:a="http://schemas.openxmlformats.org/drawingml/2006/main" xmlns:r="http://schemas.openxmlformats.org/officeDocument/2006/relationships" xmlns:p="http://schemas.openxmlformats.org/presentationml/2006/main">
   <p:cSld>
     <p:spTree>
@@ -14302,7 +12597,7 @@
 </p:sld>
 </file>
 
-<file path=ppt/slides/slide35.xml><?xml version="1.0" encoding="utf-8"?>
+<file path=ppt/slides/slide25.xml><?xml version="1.0" encoding="utf-8"?>
 <p:sld xmlns:a="http://schemas.openxmlformats.org/drawingml/2006/main" xmlns:r="http://schemas.openxmlformats.org/officeDocument/2006/relationships" xmlns:p="http://schemas.openxmlformats.org/presentationml/2006/main">
   <p:cSld>
     <p:spTree>
@@ -14405,7 +12700,7 @@
 </p:sld>
 </file>
 
-<file path=ppt/slides/slide36.xml><?xml version="1.0" encoding="utf-8"?>
+<file path=ppt/slides/slide26.xml><?xml version="1.0" encoding="utf-8"?>
 <p:sld xmlns:a="http://schemas.openxmlformats.org/drawingml/2006/main" xmlns:r="http://schemas.openxmlformats.org/officeDocument/2006/relationships" xmlns:p="http://schemas.openxmlformats.org/presentationml/2006/main">
   <p:cSld>
     <p:spTree>
@@ -14516,7 +12811,7 @@
 </p:sld>
 </file>
 
-<file path=ppt/slides/slide37.xml><?xml version="1.0" encoding="utf-8"?>
+<file path=ppt/slides/slide27.xml><?xml version="1.0" encoding="utf-8"?>
 <p:sld xmlns:a="http://schemas.openxmlformats.org/drawingml/2006/main" xmlns:r="http://schemas.openxmlformats.org/officeDocument/2006/relationships" xmlns:p="http://schemas.openxmlformats.org/presentationml/2006/main">
   <p:cSld>
     <p:spTree>
@@ -14895,348 +13190,7 @@
 </p:sld>
 </file>
 
-<file path=ppt/slides/slide38.xml><?xml version="1.0" encoding="utf-8"?>
-<p:sld xmlns:a="http://schemas.openxmlformats.org/drawingml/2006/main" xmlns:r="http://schemas.openxmlformats.org/officeDocument/2006/relationships" xmlns:p="http://schemas.openxmlformats.org/presentationml/2006/main">
-  <p:cSld>
-    <p:spTree>
-      <p:nvGrpSpPr>
-        <p:cNvPr id="1" name=""/>
-        <p:cNvGrpSpPr/>
-        <p:nvPr/>
-      </p:nvGrpSpPr>
-      <p:grpSpPr>
-        <a:xfrm>
-          <a:off x="0" y="0"/>
-          <a:ext cx="0" cy="0"/>
-          <a:chOff x="0" y="0"/>
-          <a:chExt cx="0" cy="0"/>
-        </a:xfrm>
-      </p:grpSpPr>
-      <p:sp>
-        <p:nvSpPr>
-          <p:cNvPr id="37890" name="Footer Placeholder 5"/>
-          <p:cNvSpPr>
-            <a:spLocks noGrp="1"/>
-          </p:cNvSpPr>
-          <p:nvPr>
-            <p:ph type="ftr" sz="quarter" idx="11"/>
-          </p:nvPr>
-        </p:nvSpPr>
-        <p:spPr>
-          <a:noFill/>
-        </p:spPr>
-        <p:txBody>
-          <a:bodyPr/>
-          <a:lstStyle/>
-          <a:p>
-            <a:r>
-              <a:rPr lang="en-US"/>
-              <a:t>R. Todd Lines</a:t>
-            </a:r>
-          </a:p>
-        </p:txBody>
-      </p:sp>
-      <p:sp>
-        <p:nvSpPr>
-          <p:cNvPr id="37891" name="Rectangle 2"/>
-          <p:cNvSpPr>
-            <a:spLocks noGrp="1" noChangeArrowheads="1"/>
-          </p:cNvSpPr>
-          <p:nvPr>
-            <p:ph type="title"/>
-          </p:nvPr>
-        </p:nvSpPr>
-        <p:spPr/>
-        <p:txBody>
-          <a:bodyPr/>
-          <a:lstStyle/>
-          <a:p>
-            <a:pPr eaLnBrk="1" hangingPunct="1"/>
-            <a:r>
-              <a:rPr lang="en-US"/>
-              <a:t>Intensity, final</a:t>
-            </a:r>
-          </a:p>
-        </p:txBody>
-      </p:sp>
-      <p:sp>
-        <p:nvSpPr>
-          <p:cNvPr id="37892" name="Rectangle 3"/>
-          <p:cNvSpPr>
-            <a:spLocks noGrp="1" noChangeArrowheads="1"/>
-          </p:cNvSpPr>
-          <p:nvPr>
-            <p:ph type="body" sz="half" idx="1"/>
-          </p:nvPr>
-        </p:nvSpPr>
-        <p:spPr>
-          <a:xfrm>
-            <a:off x="457200" y="1600200"/>
-            <a:ext cx="4033838" cy="4525963"/>
-          </a:xfrm>
-        </p:spPr>
-        <p:txBody>
-          <a:bodyPr/>
-          <a:lstStyle/>
-          <a:p>
-            <a:pPr eaLnBrk="1" hangingPunct="1"/>
-            <a:r>
-              <a:rPr lang="en-US" sz="2800"/>
-              <a:t>Most of the light intensity is concentrated in the central maximum</a:t>
-            </a:r>
-          </a:p>
-          <a:p>
-            <a:pPr eaLnBrk="1" hangingPunct="1"/>
-            <a:r>
-              <a:rPr lang="en-US" sz="2800"/>
-              <a:t>The graph shows a plot of light intensity vs. </a:t>
-            </a:r>
-            <a:r>
-              <a:rPr lang="en-US" sz="2800" i="1">
-                <a:latin typeface="Symbol" pitchFamily="18" charset="2"/>
-                <a:cs typeface="Arial" charset="0"/>
-              </a:rPr>
-              <a:t>β</a:t>
-            </a:r>
-            <a:r>
-              <a:rPr lang="en-US" sz="2800"/>
-              <a:t>/2</a:t>
-            </a:r>
-          </a:p>
-          <a:p>
-            <a:pPr eaLnBrk="1" hangingPunct="1"/>
-            <a:endParaRPr lang="en-US" sz="2800"/>
-          </a:p>
-        </p:txBody>
-      </p:sp>
-      <p:pic>
-        <p:nvPicPr>
-          <p:cNvPr id="37893" name="Picture 4" descr="38-10"/>
-          <p:cNvPicPr>
-            <a:picLocks noGrp="1" noChangeAspect="1" noChangeArrowheads="1"/>
-          </p:cNvPicPr>
-          <p:nvPr>
-            <p:ph type="clipArt" sz="half" idx="2"/>
-          </p:nvPr>
-        </p:nvPicPr>
-        <p:blipFill>
-          <a:blip r:embed="rId2" cstate="print"/>
-          <a:srcRect/>
-          <a:stretch>
-            <a:fillRect/>
-          </a:stretch>
-        </p:blipFill>
-        <p:spPr>
-          <a:xfrm>
-            <a:off x="4449763" y="1895475"/>
-            <a:ext cx="4237037" cy="4132263"/>
-          </a:xfrm>
-          <a:noFill/>
-        </p:spPr>
-      </p:pic>
-    </p:spTree>
-  </p:cSld>
-  <p:clrMapOvr>
-    <a:masterClrMapping/>
-  </p:clrMapOvr>
-</p:sld>
-</file>
-
-<file path=ppt/slides/slide39.xml><?xml version="1.0" encoding="utf-8"?>
-<p:sld xmlns:a="http://schemas.openxmlformats.org/drawingml/2006/main" xmlns:r="http://schemas.openxmlformats.org/officeDocument/2006/relationships" xmlns:p="http://schemas.openxmlformats.org/presentationml/2006/main">
-  <p:cSld>
-    <p:spTree>
-      <p:nvGrpSpPr>
-        <p:cNvPr id="1" name=""/>
-        <p:cNvGrpSpPr/>
-        <p:nvPr/>
-      </p:nvGrpSpPr>
-      <p:grpSpPr>
-        <a:xfrm>
-          <a:off x="0" y="0"/>
-          <a:ext cx="0" cy="0"/>
-          <a:chOff x="0" y="0"/>
-          <a:chExt cx="0" cy="0"/>
-        </a:xfrm>
-      </p:grpSpPr>
-      <p:sp>
-        <p:nvSpPr>
-          <p:cNvPr id="39938" name="Footer Placeholder 4"/>
-          <p:cNvSpPr>
-            <a:spLocks noGrp="1"/>
-          </p:cNvSpPr>
-          <p:nvPr>
-            <p:ph type="ftr" sz="quarter" idx="11"/>
-          </p:nvPr>
-        </p:nvSpPr>
-        <p:spPr>
-          <a:noFill/>
-        </p:spPr>
-        <p:txBody>
-          <a:bodyPr/>
-          <a:lstStyle/>
-          <a:p>
-            <a:r>
-              <a:rPr lang="en-US"/>
-              <a:t>R. Todd Lines</a:t>
-            </a:r>
-          </a:p>
-        </p:txBody>
-      </p:sp>
-      <p:sp>
-        <p:nvSpPr>
-          <p:cNvPr id="39939" name="Rectangle 2"/>
-          <p:cNvSpPr>
-            <a:spLocks noGrp="1" noChangeArrowheads="1"/>
-          </p:cNvSpPr>
-          <p:nvPr>
-            <p:ph type="title"/>
-          </p:nvPr>
-        </p:nvSpPr>
-        <p:spPr>
-          <a:xfrm>
-            <a:off x="1223963" y="0"/>
-            <a:ext cx="7680325" cy="1143000"/>
-          </a:xfrm>
-        </p:spPr>
-        <p:txBody>
-          <a:bodyPr/>
-          <a:lstStyle/>
-          <a:p>
-            <a:pPr eaLnBrk="1" hangingPunct="1"/>
-            <a:r>
-              <a:rPr lang="en-US" sz="2800"/>
-              <a:t>Intensity of Two-Slit Diffraction Patterns</a:t>
-            </a:r>
-          </a:p>
-        </p:txBody>
-      </p:sp>
-      <p:sp>
-        <p:nvSpPr>
-          <p:cNvPr id="39940" name="Rectangle 3"/>
-          <p:cNvSpPr>
-            <a:spLocks noGrp="1" noChangeArrowheads="1"/>
-          </p:cNvSpPr>
-          <p:nvPr>
-            <p:ph type="body" idx="1"/>
-          </p:nvPr>
-        </p:nvSpPr>
-        <p:spPr/>
-        <p:txBody>
-          <a:bodyPr/>
-          <a:lstStyle/>
-          <a:p>
-            <a:pPr eaLnBrk="1" hangingPunct="1">
-              <a:lnSpc>
-                <a:spcPct val="90000"/>
-              </a:lnSpc>
-            </a:pPr>
-            <a:r>
-              <a:rPr lang="en-US"/>
-              <a:t>When more than one slit is present, consideration must be made of </a:t>
-            </a:r>
-          </a:p>
-          <a:p>
-            <a:pPr lvl="1" eaLnBrk="1" hangingPunct="1">
-              <a:lnSpc>
-                <a:spcPct val="90000"/>
-              </a:lnSpc>
-            </a:pPr>
-            <a:r>
-              <a:rPr lang="en-US"/>
-              <a:t>The diffraction patterns due to individual slits</a:t>
-            </a:r>
-          </a:p>
-          <a:p>
-            <a:pPr lvl="1" eaLnBrk="1" hangingPunct="1">
-              <a:lnSpc>
-                <a:spcPct val="90000"/>
-              </a:lnSpc>
-            </a:pPr>
-            <a:r>
-              <a:rPr lang="en-US"/>
-              <a:t>The interference due to the wave coming from different slits</a:t>
-            </a:r>
-          </a:p>
-          <a:p>
-            <a:pPr eaLnBrk="1" hangingPunct="1">
-              <a:lnSpc>
-                <a:spcPct val="90000"/>
-              </a:lnSpc>
-            </a:pPr>
-            <a:r>
-              <a:rPr lang="en-US"/>
-              <a:t>The single-slit diffraction pattern will act as an “envelope” for a two-slit interference pattern</a:t>
-            </a:r>
-          </a:p>
-        </p:txBody>
-      </p:sp>
-    </p:spTree>
-  </p:cSld>
-  <p:clrMapOvr>
-    <a:masterClrMapping/>
-  </p:clrMapOvr>
-</p:sld>
-</file>
-
-<file path=ppt/slides/slide4.xml><?xml version="1.0" encoding="utf-8"?>
-<p:sld xmlns:a="http://schemas.openxmlformats.org/drawingml/2006/main" xmlns:r="http://schemas.openxmlformats.org/officeDocument/2006/relationships" xmlns:p="http://schemas.openxmlformats.org/presentationml/2006/main">
-  <p:cSld>
-    <p:spTree>
-      <p:nvGrpSpPr>
-        <p:cNvPr id="1" name=""/>
-        <p:cNvGrpSpPr/>
-        <p:nvPr/>
-      </p:nvGrpSpPr>
-      <p:grpSpPr>
-        <a:xfrm>
-          <a:off x="0" y="0"/>
-          <a:ext cx="0" cy="0"/>
-          <a:chOff x="0" y="0"/>
-          <a:chExt cx="0" cy="0"/>
-        </a:xfrm>
-      </p:grpSpPr>
-      <p:pic>
-        <p:nvPicPr>
-          <p:cNvPr id="45057" name="Picture 1"/>
-          <p:cNvPicPr>
-            <a:picLocks noChangeAspect="1" noChangeArrowheads="1"/>
-          </p:cNvPicPr>
-          <p:nvPr/>
-        </p:nvPicPr>
-        <p:blipFill>
-          <a:blip r:embed="rId2" cstate="print"/>
-          <a:srcRect/>
-          <a:stretch>
-            <a:fillRect/>
-          </a:stretch>
-        </p:blipFill>
-        <p:spPr bwMode="auto">
-          <a:xfrm>
-            <a:off x="1309688" y="785813"/>
-            <a:ext cx="6524625" cy="5286375"/>
-          </a:xfrm>
-          <a:prstGeom prst="rect">
-            <a:avLst/>
-          </a:prstGeom>
-          <a:noFill/>
-          <a:ln w="9525">
-            <a:noFill/>
-            <a:miter lim="800000"/>
-            <a:headEnd/>
-            <a:tailEnd/>
-          </a:ln>
-        </p:spPr>
-      </p:pic>
-    </p:spTree>
-  </p:cSld>
-  <p:clrMapOvr>
-    <a:masterClrMapping/>
-  </p:clrMapOvr>
-</p:sld>
-</file>
-
-<file path=ppt/slides/slide40.xml><?xml version="1.0" encoding="utf-8"?>
+<file path=ppt/slides/slide28.xml><?xml version="1.0" encoding="utf-8"?>
 <p:sld xmlns:a="http://schemas.openxmlformats.org/drawingml/2006/main" xmlns:r="http://schemas.openxmlformats.org/officeDocument/2006/relationships" xmlns:p="http://schemas.openxmlformats.org/presentationml/2006/main">
   <p:cSld>
     <p:spTree>
@@ -15438,7 +13392,7 @@
 </p:sld>
 </file>
 
-<file path=ppt/slides/slide41.xml><?xml version="1.0" encoding="utf-8"?>
+<file path=ppt/slides/slide29.xml><?xml version="1.0" encoding="utf-8"?>
 <p:sld xmlns:a="http://schemas.openxmlformats.org/drawingml/2006/main" xmlns:r="http://schemas.openxmlformats.org/officeDocument/2006/relationships" xmlns:p="http://schemas.openxmlformats.org/presentationml/2006/main">
   <p:cSld>
     <p:spTree>
@@ -15695,7 +13649,103 @@
 </p:sld>
 </file>
 
-<file path=ppt/slides/slide42.xml><?xml version="1.0" encoding="utf-8"?>
+<file path=ppt/slides/slide3.xml><?xml version="1.0" encoding="utf-8"?>
+<p:sld xmlns:a="http://schemas.openxmlformats.org/drawingml/2006/main" xmlns:r="http://schemas.openxmlformats.org/officeDocument/2006/relationships" xmlns:p="http://schemas.openxmlformats.org/presentationml/2006/main">
+  <p:cSld>
+    <p:spTree>
+      <p:nvGrpSpPr>
+        <p:cNvPr id="1" name=""/>
+        <p:cNvGrpSpPr/>
+        <p:nvPr/>
+      </p:nvGrpSpPr>
+      <p:grpSpPr>
+        <a:xfrm>
+          <a:off x="0" y="0"/>
+          <a:ext cx="0" cy="0"/>
+          <a:chOff x="0" y="0"/>
+          <a:chExt cx="0" cy="0"/>
+        </a:xfrm>
+      </p:grpSpPr>
+      <p:sp>
+        <p:nvSpPr>
+          <p:cNvPr id="2" name="Title 1"/>
+          <p:cNvSpPr>
+            <a:spLocks noGrp="1"/>
+          </p:cNvSpPr>
+          <p:nvPr>
+            <p:ph type="title"/>
+          </p:nvPr>
+        </p:nvSpPr>
+        <p:spPr/>
+        <p:txBody>
+          <a:bodyPr/>
+          <a:lstStyle/>
+          <a:p>
+            <a:endParaRPr lang="en-US"/>
+          </a:p>
+        </p:txBody>
+      </p:sp>
+      <p:sp>
+        <p:nvSpPr>
+          <p:cNvPr id="3" name="Content Placeholder 2"/>
+          <p:cNvSpPr>
+            <a:spLocks noGrp="1"/>
+          </p:cNvSpPr>
+          <p:nvPr>
+            <p:ph idx="1"/>
+          </p:nvPr>
+        </p:nvSpPr>
+        <p:spPr/>
+        <p:txBody>
+          <a:bodyPr/>
+          <a:lstStyle/>
+          <a:p>
+            <a:endParaRPr lang="en-US"/>
+          </a:p>
+        </p:txBody>
+      </p:sp>
+      <p:pic>
+        <p:nvPicPr>
+          <p:cNvPr id="3074" name="Picture 2"/>
+          <p:cNvPicPr>
+            <a:picLocks noChangeAspect="1" noChangeArrowheads="1"/>
+          </p:cNvPicPr>
+          <p:nvPr/>
+        </p:nvPicPr>
+        <p:blipFill>
+          <a:blip r:embed="rId2" cstate="print"/>
+          <a:srcRect/>
+          <a:stretch>
+            <a:fillRect/>
+          </a:stretch>
+        </p:blipFill>
+        <p:spPr bwMode="auto">
+          <a:xfrm>
+            <a:off x="2286000" y="152400"/>
+            <a:ext cx="3287653" cy="5842000"/>
+          </a:xfrm>
+          <a:prstGeom prst="rect">
+            <a:avLst/>
+          </a:prstGeom>
+          <a:noFill/>
+          <a:ln w="9525">
+            <a:noFill/>
+            <a:miter lim="800000"/>
+            <a:headEnd/>
+            <a:tailEnd/>
+          </a:ln>
+          <a:effectLst/>
+        </p:spPr>
+      </p:pic>
+    </p:spTree>
+  </p:cSld>
+  <p:clrMapOvr>
+    <a:masterClrMapping/>
+  </p:clrMapOvr>
+</p:sld>
+</file>
+
+<file path=ppt/slides/slide30.xml><?xml version="1.0" encoding="utf-8"?>
 <p:sld xmlns:a="http://schemas.openxmlformats.org/drawingml/2006/main" xmlns:r="http://schemas.openxmlformats.org/officeDocument/2006/relationships" xmlns:p="http://schemas.openxmlformats.org/presentationml/2006/main">
   <p:cSld>
     <p:spTree>
@@ -16157,7 +14207,7 @@
 </p:sld>
 </file>
 
-<file path=ppt/slides/slide43.xml><?xml version="1.0" encoding="utf-8"?>
+<file path=ppt/slides/slide31.xml><?xml version="1.0" encoding="utf-8"?>
 <p:sld xmlns:a="http://schemas.openxmlformats.org/drawingml/2006/main" xmlns:r="http://schemas.openxmlformats.org/officeDocument/2006/relationships" xmlns:p="http://schemas.openxmlformats.org/presentationml/2006/main">
   <p:cSld>
     <p:spTree>
@@ -16681,6 +14731,63 @@
           </a:p>
         </p:txBody>
       </p:sp>
+    </p:spTree>
+  </p:cSld>
+  <p:clrMapOvr>
+    <a:masterClrMapping/>
+  </p:clrMapOvr>
+</p:sld>
+</file>
+
+<file path=ppt/slides/slide4.xml><?xml version="1.0" encoding="utf-8"?>
+<p:sld xmlns:a="http://schemas.openxmlformats.org/drawingml/2006/main" xmlns:r="http://schemas.openxmlformats.org/officeDocument/2006/relationships" xmlns:p="http://schemas.openxmlformats.org/presentationml/2006/main">
+  <p:cSld>
+    <p:spTree>
+      <p:nvGrpSpPr>
+        <p:cNvPr id="1" name=""/>
+        <p:cNvGrpSpPr/>
+        <p:nvPr/>
+      </p:nvGrpSpPr>
+      <p:grpSpPr>
+        <a:xfrm>
+          <a:off x="0" y="0"/>
+          <a:ext cx="0" cy="0"/>
+          <a:chOff x="0" y="0"/>
+          <a:chExt cx="0" cy="0"/>
+        </a:xfrm>
+      </p:grpSpPr>
+      <p:pic>
+        <p:nvPicPr>
+          <p:cNvPr id="45057" name="Picture 1"/>
+          <p:cNvPicPr>
+            <a:picLocks noChangeAspect="1" noChangeArrowheads="1"/>
+          </p:cNvPicPr>
+          <p:nvPr/>
+        </p:nvPicPr>
+        <p:blipFill>
+          <a:blip r:embed="rId2" cstate="print"/>
+          <a:srcRect/>
+          <a:stretch>
+            <a:fillRect/>
+          </a:stretch>
+        </p:blipFill>
+        <p:spPr bwMode="auto">
+          <a:xfrm>
+            <a:off x="1309688" y="785813"/>
+            <a:ext cx="6524625" cy="5286375"/>
+          </a:xfrm>
+          <a:prstGeom prst="rect">
+            <a:avLst/>
+          </a:prstGeom>
+          <a:noFill/>
+          <a:ln w="9525">
+            <a:noFill/>
+            <a:miter lim="800000"/>
+            <a:headEnd/>
+            <a:tailEnd/>
+          </a:ln>
+        </p:spPr>
+      </p:pic>
     </p:spTree>
   </p:cSld>
   <p:clrMapOvr>
